--- a/CVP_Project_Proposal/CVP_Project_Proposal-cvp-2.pptx
+++ b/CVP_Project_Proposal/CVP_Project_Proposal-cvp-2.pptx
@@ -233,7 +233,7 @@
             <a:fld id="{448F17FC-9D04-4C52-A304-CD8A5276E599}" type="datetimeFigureOut">
               <a:rPr lang="en-IN" smtClean="0"/>
               <a:pPr/>
-              <a:t>19-12-2024</a:t>
+              <a:t>20-12-2024</a:t>
             </a:fld>
             <a:endParaRPr lang="en-IN"/>
           </a:p>
@@ -412,7 +412,7 @@
             <a:fld id="{591A6B1D-1CE5-4BCC-9FB1-614A63B28755}" type="datetimeFigureOut">
               <a:rPr lang="en-IN" smtClean="0"/>
               <a:pPr/>
-              <a:t>19-12-2024</a:t>
+              <a:t>20-12-2024</a:t>
             </a:fld>
             <a:endParaRPr lang="en-IN"/>
           </a:p>
@@ -5993,7 +5993,7 @@
           </a:bodyPr>
           <a:lstStyle/>
           <a:p>
-            <a:pPr>
+            <a:pPr marL="228600" marR="0">
               <a:lnSpc>
                 <a:spcPct val="115000"/>
               </a:lnSpc>
@@ -6005,15 +6005,17 @@
               </a:spcAft>
             </a:pPr>
             <a:r>
-              <a:rPr lang="en-US" sz="1800" b="0" i="0" dirty="0">
+              <a:rPr lang="en-US" sz="1800" kern="100" dirty="0">
                 <a:effectLst/>
+                <a:latin typeface="Calibri" panose="020F0502020204030204" pitchFamily="34" charset="0"/>
+                <a:ea typeface="Calibri" panose="020F0502020204030204" pitchFamily="34" charset="0"/>
+                <a:cs typeface="Times New Roman" panose="02020603050405020304" pitchFamily="18" charset="0"/>
               </a:rPr>
-              <a:t>Develop an automated system to retrieve adverse reaction reports from the Canada Vigilance Database based on drug names provided by the client.</a:t>
-            </a:r>
-            <a:endParaRPr lang="en-US" sz="1800" dirty="0"/>
-          </a:p>
-          <a:p>
-            <a:pPr>
+              <a:t>Manually searching the Canada Vigilance Database for numerous drug products is time-consuming and prone to errors, hindering efficient decision-making.</a:t>
+            </a:r>
+          </a:p>
+          <a:p>
+            <a:pPr marL="228600" marR="0">
               <a:lnSpc>
                 <a:spcPct val="115000"/>
               </a:lnSpc>
@@ -6025,15 +6027,17 @@
               </a:spcAft>
             </a:pPr>
             <a:r>
-              <a:rPr lang="en-US" sz="1800" b="0" i="0" dirty="0">
+              <a:rPr lang="en-GB" sz="1800" kern="100" dirty="0">
                 <a:effectLst/>
+                <a:latin typeface="Calibri" panose="020F0502020204030204" pitchFamily="34" charset="0"/>
+                <a:ea typeface="Calibri" panose="020F0502020204030204" pitchFamily="34" charset="0"/>
+                <a:cs typeface="Times New Roman" panose="02020603050405020304" pitchFamily="18" charset="0"/>
               </a:rPr>
-              <a:t>Fetch drug names listed in a Text file (.txt) provided by the client (stored in a standard storage system like S3) to fetch the Adverse Drug Reaction report.</a:t>
-            </a:r>
-            <a:endParaRPr lang="en-US" sz="1800" dirty="0"/>
-          </a:p>
-          <a:p>
-            <a:pPr>
+              <a:t>The client currently does not have an automated solution for screening drug products, resulting in slower access to crucial data needed for timely decision-making.</a:t>
+            </a:r>
+          </a:p>
+          <a:p>
+            <a:pPr marL="228600" marR="0">
               <a:lnSpc>
                 <a:spcPct val="115000"/>
               </a:lnSpc>
@@ -6045,15 +6049,17 @@
               </a:spcAft>
             </a:pPr>
             <a:r>
-              <a:rPr lang="en-US" sz="1800" b="0" i="0" dirty="0">
+              <a:rPr lang="en-GB" sz="1800" kern="100" dirty="0">
                 <a:effectLst/>
+                <a:latin typeface="Calibri" panose="020F0502020204030204" pitchFamily="34" charset="0"/>
+                <a:ea typeface="Calibri" panose="020F0502020204030204" pitchFamily="34" charset="0"/>
+                <a:cs typeface="Times New Roman" panose="02020603050405020304" pitchFamily="18" charset="0"/>
               </a:rPr>
-              <a:t>Automatically collect and organize relevant adverse reaction reports associated with the specified drugs to ensure timely client notifications via email.</a:t>
-            </a:r>
-            <a:endParaRPr lang="en-US" sz="1800" dirty="0"/>
-          </a:p>
-          <a:p>
-            <a:pPr>
+              <a:t>Ensuring the accuracy and timeliness of retrieved data is challenging, increasing the risk of missing important updates.</a:t>
+            </a:r>
+          </a:p>
+          <a:p>
+            <a:pPr marL="228600" marR="0">
               <a:lnSpc>
                 <a:spcPct val="115000"/>
               </a:lnSpc>
@@ -6065,15 +6071,17 @@
               </a:spcAft>
             </a:pPr>
             <a:r>
-              <a:rPr lang="en-US" sz="1800" b="0" i="0" dirty="0">
+              <a:rPr lang="en-US" sz="1800" kern="100" dirty="0">
                 <a:effectLst/>
+                <a:latin typeface="Calibri" panose="020F0502020204030204" pitchFamily="34" charset="0"/>
+                <a:ea typeface="Calibri" panose="020F0502020204030204" pitchFamily="34" charset="0"/>
+                <a:cs typeface="Times New Roman" panose="02020603050405020304" pitchFamily="18" charset="0"/>
               </a:rPr>
-              <a:t>Send email notifications periodically to the client with the adverse reaction reports for the drugs being monitored.</a:t>
-            </a:r>
-            <a:endParaRPr lang="en-US" sz="1800" dirty="0"/>
-          </a:p>
-          <a:p>
-            <a:pPr>
+              <a:t>The manual approach does not scale well with the growing volume of drug products needing monitoring, leading to operational inefficiencies.</a:t>
+            </a:r>
+          </a:p>
+          <a:p>
+            <a:pPr marL="228600" marR="0">
               <a:lnSpc>
                 <a:spcPct val="115000"/>
               </a:lnSpc>
@@ -6085,45 +6093,14 @@
               </a:spcAft>
             </a:pPr>
             <a:r>
-              <a:rPr lang="en-US" sz="1800" b="0" i="0" dirty="0">
+              <a:rPr lang="en-US" sz="1800" kern="100" dirty="0">
                 <a:effectLst/>
+                <a:latin typeface="Calibri" panose="020F0502020204030204" pitchFamily="34" charset="0"/>
+                <a:ea typeface="Calibri" panose="020F0502020204030204" pitchFamily="34" charset="0"/>
+                <a:cs typeface="Times New Roman" panose="02020603050405020304" pitchFamily="18" charset="0"/>
               </a:rPr>
-              <a:t>Create a PDF file consisting of detailed report of the data fetched from the automated system (Each row of the adverse reaction report generates one page of PDF report).</a:t>
-            </a:r>
-            <a:endParaRPr lang="en-US" sz="1800" dirty="0"/>
-          </a:p>
-          <a:p>
-            <a:pPr>
-              <a:lnSpc>
-                <a:spcPct val="115000"/>
-              </a:lnSpc>
-              <a:spcBef>
-                <a:spcPts val="0"/>
-              </a:spcBef>
-              <a:spcAft>
-                <a:spcPts val="1000"/>
-              </a:spcAft>
-            </a:pPr>
-            <a:r>
-              <a:rPr lang="en-US" sz="1800" b="0" i="0" dirty="0">
-                <a:effectLst/>
-              </a:rPr>
-              <a:t>Store this periodically generated PDF file in a standard storage system like S3</a:t>
-            </a:r>
-            <a:br>
-              <a:rPr lang="en-US" sz="1800" dirty="0"/>
-            </a:br>
-            <a:r>
-              <a:rPr lang="en-US" sz="1800" b="0" i="0" dirty="0">
-                <a:effectLst/>
-              </a:rPr>
-              <a:t>Ensure that only new data is stored in PDF formats and sent in the notifications to prevent duplication, enhancing responsiveness and decision-making.</a:t>
-            </a:r>
-            <a:endParaRPr lang="en-US" kern="100" dirty="0">
-              <a:effectLst/>
-              <a:ea typeface="Calibri" panose="020F0502020204030204" pitchFamily="34" charset="0"/>
-              <a:cs typeface="Times New Roman" panose="02020603050405020304" pitchFamily="18" charset="0"/>
-            </a:endParaRPr>
+              <a:t>The client requires an automated solution to periodically screen the Canada Vigilance Database for specific products on the Health Canada website, streamlining the monitoring process and enhancing overall efficiency.</a:t>
+            </a:r>
           </a:p>
         </p:txBody>
       </p:sp>
@@ -6504,11 +6481,11 @@
         </p:spPr>
         <p:txBody>
           <a:bodyPr>
-            <a:normAutofit/>
+            <a:normAutofit fontScale="92500"/>
           </a:bodyPr>
           <a:lstStyle/>
           <a:p>
-            <a:pPr marL="228600" marR="0">
+            <a:pPr>
               <a:lnSpc>
                 <a:spcPct val="115000"/>
               </a:lnSpc>
@@ -6520,17 +6497,15 @@
               </a:spcAft>
             </a:pPr>
             <a:r>
-              <a:rPr lang="en-US" sz="1800" kern="100" dirty="0">
+              <a:rPr lang="en-US" sz="1800" b="0" i="0" dirty="0">
                 <a:effectLst/>
-                <a:latin typeface="Calibri" panose="020F0502020204030204" pitchFamily="34" charset="0"/>
-                <a:ea typeface="Calibri" panose="020F0502020204030204" pitchFamily="34" charset="0"/>
-                <a:cs typeface="Times New Roman" panose="02020603050405020304" pitchFamily="18" charset="0"/>
               </a:rPr>
               <a:t>Develop an automated system to retrieve adverse reaction reports from the Canada Vigilance Database based on drug names provided by the client.</a:t>
             </a:r>
-          </a:p>
-          <a:p>
-            <a:pPr marL="228600" marR="0">
+            <a:endParaRPr lang="en-US" sz="1800" dirty="0"/>
+          </a:p>
+          <a:p>
+            <a:pPr>
               <a:lnSpc>
                 <a:spcPct val="115000"/>
               </a:lnSpc>
@@ -6542,17 +6517,15 @@
               </a:spcAft>
             </a:pPr>
             <a:r>
-              <a:rPr lang="en-GB" sz="1800" kern="100" dirty="0">
+              <a:rPr lang="en-US" sz="1800" b="0" i="0" dirty="0">
                 <a:effectLst/>
-                <a:latin typeface="Calibri" panose="020F0502020204030204" pitchFamily="34" charset="0"/>
-                <a:ea typeface="Calibri" panose="020F0502020204030204" pitchFamily="34" charset="0"/>
-                <a:cs typeface="Times New Roman" panose="02020603050405020304" pitchFamily="18" charset="0"/>
               </a:rPr>
               <a:t>Fetch drug names listed in a Text file (.txt) provided by the client (stored in a standard storage system like S3) to fetch the Adverse Drug Reaction report.</a:t>
             </a:r>
-          </a:p>
-          <a:p>
-            <a:pPr marL="228600" marR="0">
+            <a:endParaRPr lang="en-US" sz="1800" dirty="0"/>
+          </a:p>
+          <a:p>
+            <a:pPr>
               <a:lnSpc>
                 <a:spcPct val="115000"/>
               </a:lnSpc>
@@ -6564,17 +6537,15 @@
               </a:spcAft>
             </a:pPr>
             <a:r>
-              <a:rPr lang="en-GB" sz="1800" kern="100" dirty="0">
+              <a:rPr lang="en-US" sz="1800" b="0" i="0" dirty="0">
                 <a:effectLst/>
-                <a:latin typeface="Calibri" panose="020F0502020204030204" pitchFamily="34" charset="0"/>
-                <a:ea typeface="Calibri" panose="020F0502020204030204" pitchFamily="34" charset="0"/>
-                <a:cs typeface="Times New Roman" panose="02020603050405020304" pitchFamily="18" charset="0"/>
               </a:rPr>
               <a:t>Automatically collect and organize relevant adverse reaction reports associated with the specified drugs to ensure timely client notifications via email.</a:t>
             </a:r>
-          </a:p>
-          <a:p>
-            <a:pPr marL="228600" marR="0">
+            <a:endParaRPr lang="en-US" sz="1800" dirty="0"/>
+          </a:p>
+          <a:p>
+            <a:pPr>
               <a:lnSpc>
                 <a:spcPct val="115000"/>
               </a:lnSpc>
@@ -6586,17 +6557,15 @@
               </a:spcAft>
             </a:pPr>
             <a:r>
-              <a:rPr lang="en-GB" sz="1800" kern="100" dirty="0">
+              <a:rPr lang="en-US" sz="1800" b="0" i="0" dirty="0">
                 <a:effectLst/>
-                <a:latin typeface="Calibri" panose="020F0502020204030204" pitchFamily="34" charset="0"/>
-                <a:ea typeface="Calibri" panose="020F0502020204030204" pitchFamily="34" charset="0"/>
-                <a:cs typeface="Times New Roman" panose="02020603050405020304" pitchFamily="18" charset="0"/>
               </a:rPr>
               <a:t>Send email notifications periodically to the client with the adverse reaction reports for the drugs being monitored.</a:t>
             </a:r>
-          </a:p>
-          <a:p>
-            <a:pPr marL="228600" marR="0">
+            <a:endParaRPr lang="en-US" sz="1800" dirty="0"/>
+          </a:p>
+          <a:p>
+            <a:pPr>
               <a:lnSpc>
                 <a:spcPct val="115000"/>
               </a:lnSpc>
@@ -6608,17 +6577,42 @@
               </a:spcAft>
             </a:pPr>
             <a:r>
-              <a:rPr lang="en-GB" sz="1800" kern="100" dirty="0">
+              <a:rPr lang="en-US" sz="1800" b="0" i="0" dirty="0">
                 <a:effectLst/>
-                <a:latin typeface="Calibri (Body)"/>
-                <a:ea typeface="Calibri" panose="020F0502020204030204" pitchFamily="34" charset="0"/>
-                <a:cs typeface="Times New Roman" panose="02020603050405020304" pitchFamily="18" charset="0"/>
               </a:rPr>
-              <a:t>Ensure that only new data is sent in the notifications to prevent duplication, enhancing responsiveness and decision-making.</a:t>
+              <a:t>Create a PDF file consisting of detailed report of the data fetched from the automated system (Each row of the adverse reaction report generates one page of PDF report).</a:t>
+            </a:r>
+            <a:endParaRPr lang="en-US" sz="1800" dirty="0"/>
+          </a:p>
+          <a:p>
+            <a:pPr>
+              <a:lnSpc>
+                <a:spcPct val="115000"/>
+              </a:lnSpc>
+              <a:spcBef>
+                <a:spcPts val="0"/>
+              </a:spcBef>
+              <a:spcAft>
+                <a:spcPts val="1000"/>
+              </a:spcAft>
+            </a:pPr>
+            <a:r>
+              <a:rPr lang="en-US" sz="1800" b="0" i="0" dirty="0">
+                <a:effectLst/>
+              </a:rPr>
+              <a:t>Store this periodically generated PDF file in a standard storage system like S3</a:t>
+            </a:r>
+            <a:br>
+              <a:rPr lang="en-US" sz="1800" dirty="0"/>
+            </a:br>
+            <a:r>
+              <a:rPr lang="en-US" sz="1800" b="0" i="0" dirty="0">
+                <a:effectLst/>
+              </a:rPr>
+              <a:t>Ensure that only new data is stored in PDF formats and sent in the notifications to prevent duplication, enhancing responsiveness and decision-making.</a:t>
             </a:r>
             <a:endParaRPr lang="en-US" sz="1800" kern="100" dirty="0">
               <a:effectLst/>
-              <a:latin typeface="Calibri (Body)"/>
               <a:ea typeface="Calibri" panose="020F0502020204030204" pitchFamily="34" charset="0"/>
               <a:cs typeface="Times New Roman" panose="02020603050405020304" pitchFamily="18" charset="0"/>
             </a:endParaRPr>
@@ -7085,8 +7079,8 @@
         </p:nvSpPr>
         <p:spPr>
           <a:xfrm>
-            <a:off x="6255045" y="2357678"/>
-            <a:ext cx="4595411" cy="3815228"/>
+            <a:off x="6589111" y="2357678"/>
+            <a:ext cx="4261345" cy="3815228"/>
           </a:xfrm>
           <a:prstGeom prst="rect">
             <a:avLst/>
@@ -7445,8 +7439,8 @@
         </p:nvSpPr>
         <p:spPr>
           <a:xfrm>
-            <a:off x="1157973" y="1800046"/>
-            <a:ext cx="4809273" cy="3812061"/>
+            <a:off x="1173807" y="1806264"/>
+            <a:ext cx="3869352" cy="3812061"/>
           </a:xfrm>
           <a:prstGeom prst="rect">
             <a:avLst/>
@@ -7864,7 +7858,7 @@
         </p:blipFill>
         <p:spPr bwMode="auto">
           <a:xfrm>
-            <a:off x="4023181" y="2506439"/>
+            <a:off x="3134181" y="2201639"/>
             <a:ext cx="617141" cy="617141"/>
           </a:xfrm>
           <a:prstGeom prst="rect">
@@ -7909,8 +7903,8 @@
         </p:nvSpPr>
         <p:spPr>
           <a:xfrm>
-            <a:off x="4357010" y="2763941"/>
-            <a:ext cx="1192634" cy="923330"/>
+            <a:off x="3578443" y="2236366"/>
+            <a:ext cx="1544856" cy="923330"/>
           </a:xfrm>
           <a:prstGeom prst="rect">
             <a:avLst/>
@@ -8039,7 +8033,7 @@
             <a:pPr algn="ctr"/>
             <a:r>
               <a:rPr lang="en-US" sz="900" dirty="0"/>
-              <a:t>(The S3 bucket contains the drug name and report drug in a .txt file as input)</a:t>
+              <a:t>(The S3 bucket contains the drug name and Data extracts from the Canada Vigilance adverse reaction online database(.txt files) as input)</a:t>
             </a:r>
             <a:endParaRPr lang="en-IN" sz="900" dirty="0">
               <a:ea typeface="Calibri" panose="020F0502020204030204" pitchFamily="34" charset="0"/>
@@ -8050,10 +8044,10 @@
       </p:sp>
       <p:pic>
         <p:nvPicPr>
-          <p:cNvPr id="21" name="Graphic 63">
-            <a:extLst>
-              <a:ext uri="{FF2B5EF4-FFF2-40B4-BE49-F238E27FC236}">
-                <a16:creationId xmlns:a16="http://schemas.microsoft.com/office/drawing/2014/main" id="{1C62DEDE-4311-AB32-12C4-C0362CB26BF0}"/>
+          <p:cNvPr id="23" name="Graphic 13">
+            <a:extLst>
+              <a:ext uri="{FF2B5EF4-FFF2-40B4-BE49-F238E27FC236}">
+                <a16:creationId xmlns:a16="http://schemas.microsoft.com/office/drawing/2014/main" id="{35DA9B2A-2917-2314-FC83-64AD82B4F697}"/>
               </a:ext>
             </a:extLst>
           </p:cNvPr>
@@ -8063,7 +8057,7 @@
           <p:nvPr/>
         </p:nvPicPr>
         <p:blipFill>
-          <a:blip r:embed="rId7">
+          <a:blip r:embed="rId8" cstate="print">
             <a:extLst>
               <a:ext uri="{28A0092B-C50C-407E-A947-70E740481C1C}">
                 <a14:useLocalDpi xmlns:a14="http://schemas.microsoft.com/office/drawing/2010/main" val="0"/>
@@ -8077,220 +8071,7 @@
         </p:blipFill>
         <p:spPr bwMode="auto">
           <a:xfrm>
-            <a:off x="6586787" y="4760563"/>
-            <a:ext cx="667820" cy="695220"/>
-          </a:xfrm>
-          <a:prstGeom prst="rect">
-            <a:avLst/>
-          </a:prstGeom>
-          <a:noFill/>
-          <a:ln>
-            <a:noFill/>
-          </a:ln>
-          <a:extLst>
-            <a:ext uri="{909E8E84-426E-40DD-AFC4-6F175D3DCCD1}">
-              <a14:hiddenFill xmlns:a14="http://schemas.microsoft.com/office/drawing/2010/main">
-                <a:solidFill>
-                  <a:srgbClr val="FFFFFF"/>
-                </a:solidFill>
-              </a14:hiddenFill>
-            </a:ext>
-            <a:ext uri="{91240B29-F687-4F45-9708-019B960494DF}">
-              <a14:hiddenLine xmlns:a14="http://schemas.microsoft.com/office/drawing/2010/main" w="9525">
-                <a:solidFill>
-                  <a:srgbClr val="000000"/>
-                </a:solidFill>
-                <a:miter lim="800000"/>
-                <a:headEnd/>
-                <a:tailEnd/>
-              </a14:hiddenLine>
-            </a:ext>
-          </a:extLst>
-        </p:spPr>
-      </p:pic>
-      <p:sp>
-        <p:nvSpPr>
-          <p:cNvPr id="22" name="TextBox 137">
-            <a:extLst>
-              <a:ext uri="{FF2B5EF4-FFF2-40B4-BE49-F238E27FC236}">
-                <a16:creationId xmlns:a16="http://schemas.microsoft.com/office/drawing/2014/main" id="{513F554A-B222-E1A5-8DCD-C6CE7E609E41}"/>
-              </a:ext>
-            </a:extLst>
-          </p:cNvPr>
-          <p:cNvSpPr txBox="1"/>
-          <p:nvPr/>
-        </p:nvSpPr>
-        <p:spPr>
-          <a:xfrm>
-            <a:off x="6271413" y="5390025"/>
-            <a:ext cx="1372017" cy="507832"/>
-          </a:xfrm>
-          <a:prstGeom prst="rect">
-            <a:avLst/>
-          </a:prstGeom>
-          <a:noFill/>
-        </p:spPr>
-        <p:txBody>
-          <a:bodyPr wrap="square" rtlCol="0">
-            <a:spAutoFit/>
-          </a:bodyPr>
-          <a:lstStyle>
-            <a:defPPr>
-              <a:defRPr lang="en-US"/>
-            </a:defPPr>
-            <a:lvl1pPr marL="0" algn="l" defTabSz="914400" rtl="0" eaLnBrk="1" latinLnBrk="0" hangingPunct="1">
-              <a:defRPr sz="1800" kern="1200">
-                <a:solidFill>
-                  <a:schemeClr val="tx1"/>
-                </a:solidFill>
-                <a:latin typeface="+mn-lt"/>
-                <a:ea typeface="+mn-ea"/>
-                <a:cs typeface="+mn-cs"/>
-              </a:defRPr>
-            </a:lvl1pPr>
-            <a:lvl2pPr marL="457200" algn="l" defTabSz="914400" rtl="0" eaLnBrk="1" latinLnBrk="0" hangingPunct="1">
-              <a:defRPr sz="1800" kern="1200">
-                <a:solidFill>
-                  <a:schemeClr val="tx1"/>
-                </a:solidFill>
-                <a:latin typeface="+mn-lt"/>
-                <a:ea typeface="+mn-ea"/>
-                <a:cs typeface="+mn-cs"/>
-              </a:defRPr>
-            </a:lvl2pPr>
-            <a:lvl3pPr marL="914400" algn="l" defTabSz="914400" rtl="0" eaLnBrk="1" latinLnBrk="0" hangingPunct="1">
-              <a:defRPr sz="1800" kern="1200">
-                <a:solidFill>
-                  <a:schemeClr val="tx1"/>
-                </a:solidFill>
-                <a:latin typeface="+mn-lt"/>
-                <a:ea typeface="+mn-ea"/>
-                <a:cs typeface="+mn-cs"/>
-              </a:defRPr>
-            </a:lvl3pPr>
-            <a:lvl4pPr marL="1371600" algn="l" defTabSz="914400" rtl="0" eaLnBrk="1" latinLnBrk="0" hangingPunct="1">
-              <a:defRPr sz="1800" kern="1200">
-                <a:solidFill>
-                  <a:schemeClr val="tx1"/>
-                </a:solidFill>
-                <a:latin typeface="+mn-lt"/>
-                <a:ea typeface="+mn-ea"/>
-                <a:cs typeface="+mn-cs"/>
-              </a:defRPr>
-            </a:lvl4pPr>
-            <a:lvl5pPr marL="1828800" algn="l" defTabSz="914400" rtl="0" eaLnBrk="1" latinLnBrk="0" hangingPunct="1">
-              <a:defRPr sz="1800" kern="1200">
-                <a:solidFill>
-                  <a:schemeClr val="tx1"/>
-                </a:solidFill>
-                <a:latin typeface="+mn-lt"/>
-                <a:ea typeface="+mn-ea"/>
-                <a:cs typeface="+mn-cs"/>
-              </a:defRPr>
-            </a:lvl5pPr>
-            <a:lvl6pPr marL="2286000" algn="l" defTabSz="914400" rtl="0" eaLnBrk="1" latinLnBrk="0" hangingPunct="1">
-              <a:defRPr sz="1800" kern="1200">
-                <a:solidFill>
-                  <a:schemeClr val="tx1"/>
-                </a:solidFill>
-                <a:latin typeface="+mn-lt"/>
-                <a:ea typeface="+mn-ea"/>
-                <a:cs typeface="+mn-cs"/>
-              </a:defRPr>
-            </a:lvl6pPr>
-            <a:lvl7pPr marL="2743200" algn="l" defTabSz="914400" rtl="0" eaLnBrk="1" latinLnBrk="0" hangingPunct="1">
-              <a:defRPr sz="1800" kern="1200">
-                <a:solidFill>
-                  <a:schemeClr val="tx1"/>
-                </a:solidFill>
-                <a:latin typeface="+mn-lt"/>
-                <a:ea typeface="+mn-ea"/>
-                <a:cs typeface="+mn-cs"/>
-              </a:defRPr>
-            </a:lvl7pPr>
-            <a:lvl8pPr marL="3200400" algn="l" defTabSz="914400" rtl="0" eaLnBrk="1" latinLnBrk="0" hangingPunct="1">
-              <a:defRPr sz="1800" kern="1200">
-                <a:solidFill>
-                  <a:schemeClr val="tx1"/>
-                </a:solidFill>
-                <a:latin typeface="+mn-lt"/>
-                <a:ea typeface="+mn-ea"/>
-                <a:cs typeface="+mn-cs"/>
-              </a:defRPr>
-            </a:lvl8pPr>
-            <a:lvl9pPr marL="3657600" algn="l" defTabSz="914400" rtl="0" eaLnBrk="1" latinLnBrk="0" hangingPunct="1">
-              <a:defRPr sz="1800" kern="1200">
-                <a:solidFill>
-                  <a:schemeClr val="tx1"/>
-                </a:solidFill>
-                <a:latin typeface="+mn-lt"/>
-                <a:ea typeface="+mn-ea"/>
-                <a:cs typeface="+mn-cs"/>
-              </a:defRPr>
-            </a:lvl9pPr>
-          </a:lstStyle>
-          <a:p>
-            <a:pPr algn="ctr"/>
-            <a:r>
-              <a:rPr lang="en-IN" sz="900" b="1" dirty="0">
-                <a:ea typeface="Calibri" panose="020F0502020204030204" pitchFamily="34" charset="0"/>
-                <a:cs typeface="Calibri" panose="020F0502020204030204" pitchFamily="34" charset="0"/>
-              </a:rPr>
-              <a:t>Output bucket</a:t>
-            </a:r>
-          </a:p>
-          <a:p>
-            <a:pPr algn="ctr"/>
-            <a:r>
-              <a:rPr lang="en-IN" sz="900" dirty="0">
-                <a:ea typeface="Calibri" panose="020F0502020204030204" pitchFamily="34" charset="0"/>
-                <a:cs typeface="Calibri" panose="020F0502020204030204" pitchFamily="34" charset="0"/>
-              </a:rPr>
-              <a:t>(Storing the filtered</a:t>
-            </a:r>
-          </a:p>
-          <a:p>
-            <a:pPr algn="ctr"/>
-            <a:r>
-              <a:rPr lang="en-IN" sz="900" dirty="0">
-                <a:ea typeface="Calibri" panose="020F0502020204030204" pitchFamily="34" charset="0"/>
-                <a:cs typeface="Calibri" panose="020F0502020204030204" pitchFamily="34" charset="0"/>
-              </a:rPr>
-              <a:t>data in S3)</a:t>
-            </a:r>
-          </a:p>
-        </p:txBody>
-      </p:sp>
-      <p:pic>
-        <p:nvPicPr>
-          <p:cNvPr id="23" name="Graphic 13">
-            <a:extLst>
-              <a:ext uri="{FF2B5EF4-FFF2-40B4-BE49-F238E27FC236}">
-                <a16:creationId xmlns:a16="http://schemas.microsoft.com/office/drawing/2014/main" id="{35DA9B2A-2917-2314-FC83-64AD82B4F697}"/>
-              </a:ext>
-            </a:extLst>
-          </p:cNvPr>
-          <p:cNvPicPr>
-            <a:picLocks noChangeAspect="1" noChangeArrowheads="1"/>
-          </p:cNvPicPr>
-          <p:nvPr/>
-        </p:nvPicPr>
-        <p:blipFill>
-          <a:blip r:embed="rId8" cstate="print">
-            <a:extLst>
-              <a:ext uri="{28A0092B-C50C-407E-A947-70E740481C1C}">
-                <a14:useLocalDpi xmlns:a14="http://schemas.microsoft.com/office/drawing/2010/main" val="0"/>
-              </a:ext>
-            </a:extLst>
-          </a:blip>
-          <a:srcRect/>
-          <a:stretch>
-            <a:fillRect/>
-          </a:stretch>
-        </p:blipFill>
-        <p:spPr bwMode="auto">
-          <a:xfrm>
-            <a:off x="8164022" y="4755730"/>
+            <a:off x="7354397" y="4727155"/>
             <a:ext cx="691618" cy="707005"/>
           </a:xfrm>
           <a:prstGeom prst="rect">
@@ -8335,7 +8116,7 @@
         </p:nvSpPr>
         <p:spPr>
           <a:xfrm>
-            <a:off x="7912756" y="5341046"/>
+            <a:off x="7103131" y="5337871"/>
             <a:ext cx="1225162" cy="778675"/>
           </a:xfrm>
           <a:prstGeom prst="rect">
@@ -8449,7 +8230,7 @@
                 <a:ea typeface="Calibri" panose="020F0502020204030204" pitchFamily="34" charset="0"/>
                 <a:cs typeface="Calibri" panose="020F0502020204030204" pitchFamily="34" charset="0"/>
               </a:rPr>
-              <a:t>Lambda 3</a:t>
+              <a:t>Lambda 4</a:t>
             </a:r>
           </a:p>
           <a:p>
@@ -8485,7 +8266,7 @@
         </p:blipFill>
         <p:spPr bwMode="auto">
           <a:xfrm>
-            <a:off x="9657016" y="4815381"/>
+            <a:off x="9056941" y="4796331"/>
             <a:ext cx="607679" cy="607679"/>
           </a:xfrm>
           <a:prstGeom prst="rect">
@@ -8534,8 +8315,8 @@
         </p:nvCxnSpPr>
         <p:spPr>
           <a:xfrm>
-            <a:off x="8855640" y="5109233"/>
-            <a:ext cx="801376" cy="9988"/>
+            <a:off x="8046015" y="5080658"/>
+            <a:ext cx="1010926" cy="19513"/>
           </a:xfrm>
           <a:prstGeom prst="straightConnector1">
             <a:avLst/>
@@ -8573,7 +8354,7 @@
         </p:nvSpPr>
         <p:spPr>
           <a:xfrm>
-            <a:off x="9394097" y="5395515"/>
+            <a:off x="8794022" y="5376465"/>
             <a:ext cx="1193897" cy="507832"/>
           </a:xfrm>
           <a:prstGeom prst="rect">
@@ -9003,51 +8784,6 @@
           </a:p>
         </p:txBody>
       </p:sp>
-      <p:cxnSp>
-        <p:nvCxnSpPr>
-          <p:cNvPr id="32" name="Connector: Elbow 195">
-            <a:extLst>
-              <a:ext uri="{FF2B5EF4-FFF2-40B4-BE49-F238E27FC236}">
-                <a16:creationId xmlns:a16="http://schemas.microsoft.com/office/drawing/2014/main" id="{392BDF1B-1FA2-A67E-021D-BD5A642736FC}"/>
-              </a:ext>
-            </a:extLst>
-          </p:cNvPr>
-          <p:cNvCxnSpPr>
-            <a:cxnSpLocks/>
-            <a:stCxn id="18" idx="2"/>
-            <a:endCxn id="84" idx="0"/>
-          </p:cNvCxnSpPr>
-          <p:nvPr/>
-        </p:nvCxnSpPr>
-        <p:spPr>
-          <a:xfrm rot="16200000" flipH="1">
-            <a:off x="2784629" y="4546490"/>
-            <a:ext cx="467203" cy="1368"/>
-          </a:xfrm>
-          <a:prstGeom prst="bentConnector3">
-            <a:avLst>
-              <a:gd name="adj1" fmla="val 50000"/>
-            </a:avLst>
-          </a:prstGeom>
-          <a:ln>
-            <a:tailEnd type="triangle"/>
-          </a:ln>
-        </p:spPr>
-        <p:style>
-          <a:lnRef idx="1">
-            <a:schemeClr val="accent1"/>
-          </a:lnRef>
-          <a:fillRef idx="0">
-            <a:schemeClr val="accent1"/>
-          </a:fillRef>
-          <a:effectRef idx="0">
-            <a:schemeClr val="accent1"/>
-          </a:effectRef>
-          <a:fontRef idx="minor">
-            <a:schemeClr val="tx1"/>
-          </a:fontRef>
-        </p:style>
-      </p:cxnSp>
       <p:cxnSp>
         <p:nvCxnSpPr>
           <p:cNvPr id="33" name="Connector: Elbow 201">
@@ -9231,18 +8967,18 @@
           </p:cNvPr>
           <p:cNvCxnSpPr>
             <a:cxnSpLocks/>
-            <a:stCxn id="21" idx="3"/>
-            <a:endCxn id="23" idx="1"/>
           </p:cNvCxnSpPr>
           <p:nvPr/>
         </p:nvCxnSpPr>
         <p:spPr>
           <a:xfrm>
-            <a:off x="7254607" y="5108173"/>
-            <a:ext cx="909415" cy="1060"/>
+            <a:off x="5979079" y="4338346"/>
+            <a:ext cx="1501224" cy="794691"/>
           </a:xfrm>
-          <a:prstGeom prst="straightConnector1">
-            <a:avLst/>
+          <a:prstGeom prst="bentConnector3">
+            <a:avLst>
+              <a:gd name="adj1" fmla="val 87"/>
+            </a:avLst>
           </a:prstGeom>
           <a:ln>
             <a:headEnd type="triangle"/>
@@ -9941,7 +9677,7 @@
         </p:blipFill>
         <p:spPr bwMode="auto">
           <a:xfrm>
-            <a:off x="4866186" y="3771141"/>
+            <a:off x="169678" y="3905611"/>
             <a:ext cx="459702" cy="459702"/>
           </a:xfrm>
           <a:prstGeom prst="rect">
@@ -9986,7 +9722,7 @@
         </p:nvSpPr>
         <p:spPr>
           <a:xfrm>
-            <a:off x="4537589" y="4219890"/>
+            <a:off x="-158919" y="4354360"/>
             <a:ext cx="1137866" cy="778675"/>
           </a:xfrm>
           <a:prstGeom prst="rect">
@@ -10246,109 +9982,6 @@
           </a:p>
         </p:txBody>
       </p:sp>
-      <p:pic>
-        <p:nvPicPr>
-          <p:cNvPr id="45" name="Graphic 13">
-            <a:extLst>
-              <a:ext uri="{FF2B5EF4-FFF2-40B4-BE49-F238E27FC236}">
-                <a16:creationId xmlns:a16="http://schemas.microsoft.com/office/drawing/2014/main" id="{60F4E557-83D6-DC8D-1764-94FD910444EB}"/>
-              </a:ext>
-            </a:extLst>
-          </p:cNvPr>
-          <p:cNvPicPr>
-            <a:picLocks noChangeAspect="1" noChangeArrowheads="1"/>
-          </p:cNvPicPr>
-          <p:nvPr/>
-        </p:nvPicPr>
-        <p:blipFill>
-          <a:blip r:embed="rId6">
-            <a:extLst>
-              <a:ext uri="{28A0092B-C50C-407E-A947-70E740481C1C}">
-                <a14:useLocalDpi xmlns:a14="http://schemas.microsoft.com/office/drawing/2010/main" val="0"/>
-              </a:ext>
-            </a:extLst>
-          </a:blip>
-          <a:srcRect/>
-          <a:stretch>
-            <a:fillRect/>
-          </a:stretch>
-        </p:blipFill>
-        <p:spPr bwMode="auto">
-          <a:xfrm>
-            <a:off x="2116966" y="1962848"/>
-            <a:ext cx="639913" cy="639913"/>
-          </a:xfrm>
-          <a:prstGeom prst="rect">
-            <a:avLst/>
-          </a:prstGeom>
-          <a:noFill/>
-          <a:ln>
-            <a:noFill/>
-          </a:ln>
-          <a:extLst>
-            <a:ext uri="{909E8E84-426E-40DD-AFC4-6F175D3DCCD1}">
-              <a14:hiddenFill xmlns:a14="http://schemas.microsoft.com/office/drawing/2010/main">
-                <a:solidFill>
-                  <a:srgbClr val="FFFFFF"/>
-                </a:solidFill>
-              </a14:hiddenFill>
-            </a:ext>
-            <a:ext uri="{91240B29-F687-4F45-9708-019B960494DF}">
-              <a14:hiddenLine xmlns:a14="http://schemas.microsoft.com/office/drawing/2010/main" w="9525">
-                <a:solidFill>
-                  <a:srgbClr val="000000"/>
-                </a:solidFill>
-                <a:miter lim="800000"/>
-                <a:headEnd/>
-                <a:tailEnd/>
-              </a14:hiddenLine>
-            </a:ext>
-          </a:extLst>
-        </p:spPr>
-      </p:pic>
-      <p:cxnSp>
-        <p:nvCxnSpPr>
-          <p:cNvPr id="46" name="Straight Arrow Connector 15">
-            <a:extLst>
-              <a:ext uri="{FF2B5EF4-FFF2-40B4-BE49-F238E27FC236}">
-                <a16:creationId xmlns:a16="http://schemas.microsoft.com/office/drawing/2014/main" id="{5CEC32AB-8737-30A7-1AFF-96E673A4275F}"/>
-              </a:ext>
-            </a:extLst>
-          </p:cNvPr>
-          <p:cNvCxnSpPr>
-            <a:cxnSpLocks/>
-            <a:stCxn id="45" idx="3"/>
-            <a:endCxn id="19" idx="0"/>
-          </p:cNvCxnSpPr>
-          <p:nvPr/>
-        </p:nvCxnSpPr>
-        <p:spPr>
-          <a:xfrm>
-            <a:off x="2756879" y="2282805"/>
-            <a:ext cx="1574873" cy="223634"/>
-          </a:xfrm>
-          <a:prstGeom prst="bentConnector2">
-            <a:avLst/>
-          </a:prstGeom>
-          <a:ln>
-            <a:tailEnd type="triangle"/>
-          </a:ln>
-        </p:spPr>
-        <p:style>
-          <a:lnRef idx="1">
-            <a:schemeClr val="accent1"/>
-          </a:lnRef>
-          <a:fillRef idx="0">
-            <a:schemeClr val="accent1"/>
-          </a:fillRef>
-          <a:effectRef idx="0">
-            <a:schemeClr val="accent1"/>
-          </a:effectRef>
-          <a:fontRef idx="minor">
-            <a:schemeClr val="tx1"/>
-          </a:fontRef>
-        </p:style>
-      </p:cxnSp>
       <p:cxnSp>
         <p:nvCxnSpPr>
           <p:cNvPr id="47" name="Straight Arrow Connector 97">
@@ -10366,11 +9999,13 @@
         </p:nvCxnSpPr>
         <p:spPr>
           <a:xfrm rot="5400000">
-            <a:off x="3481431" y="2979651"/>
-            <a:ext cx="706393" cy="994250"/>
+            <a:off x="2854222" y="3098742"/>
+            <a:ext cx="868493" cy="308569"/>
           </a:xfrm>
-          <a:prstGeom prst="bentConnector2">
-            <a:avLst/>
+          <a:prstGeom prst="bentConnector3">
+            <a:avLst>
+              <a:gd name="adj1" fmla="val 50000"/>
+            </a:avLst>
           </a:prstGeom>
           <a:ln>
             <a:headEnd type="triangle"/>
@@ -10392,101 +10027,6 @@
           </a:fontRef>
         </p:style>
       </p:cxnSp>
-      <p:cxnSp>
-        <p:nvCxnSpPr>
-          <p:cNvPr id="48" name="Straight Arrow Connector 47">
-            <a:extLst>
-              <a:ext uri="{FF2B5EF4-FFF2-40B4-BE49-F238E27FC236}">
-                <a16:creationId xmlns:a16="http://schemas.microsoft.com/office/drawing/2014/main" id="{E0E01251-ADF5-B17E-3938-08139E252EE3}"/>
-              </a:ext>
-            </a:extLst>
-          </p:cNvPr>
-          <p:cNvCxnSpPr>
-            <a:cxnSpLocks/>
-            <a:stCxn id="18" idx="3"/>
-            <a:endCxn id="42" idx="1"/>
-          </p:cNvCxnSpPr>
-          <p:nvPr/>
-        </p:nvCxnSpPr>
-        <p:spPr>
-          <a:xfrm>
-            <a:off x="3337502" y="3993617"/>
-            <a:ext cx="1528684" cy="7375"/>
-          </a:xfrm>
-          <a:prstGeom prst="straightConnector1">
-            <a:avLst/>
-          </a:prstGeom>
-          <a:ln>
-            <a:tailEnd type="triangle"/>
-          </a:ln>
-        </p:spPr>
-        <p:style>
-          <a:lnRef idx="1">
-            <a:schemeClr val="accent1"/>
-          </a:lnRef>
-          <a:fillRef idx="0">
-            <a:schemeClr val="accent1"/>
-          </a:fillRef>
-          <a:effectRef idx="0">
-            <a:schemeClr val="accent1"/>
-          </a:effectRef>
-          <a:fontRef idx="minor">
-            <a:schemeClr val="tx1"/>
-          </a:fontRef>
-        </p:style>
-      </p:cxnSp>
-      <p:sp>
-        <p:nvSpPr>
-          <p:cNvPr id="49" name="TextBox 48">
-            <a:extLst>
-              <a:ext uri="{FF2B5EF4-FFF2-40B4-BE49-F238E27FC236}">
-                <a16:creationId xmlns:a16="http://schemas.microsoft.com/office/drawing/2014/main" id="{85E0D00B-393F-4B60-6C2C-5A3ED9772E36}"/>
-              </a:ext>
-            </a:extLst>
-          </p:cNvPr>
-          <p:cNvSpPr txBox="1"/>
-          <p:nvPr/>
-        </p:nvSpPr>
-        <p:spPr>
-          <a:xfrm>
-            <a:off x="2210761" y="2433589"/>
-            <a:ext cx="1317026" cy="923330"/>
-          </a:xfrm>
-          <a:prstGeom prst="rect">
-            <a:avLst/>
-          </a:prstGeom>
-          <a:noFill/>
-        </p:spPr>
-        <p:txBody>
-          <a:bodyPr wrap="square" rtlCol="0">
-            <a:spAutoFit/>
-          </a:bodyPr>
-          <a:lstStyle/>
-          <a:p>
-            <a:pPr algn="ctr"/>
-            <a:r>
-              <a:rPr lang="en-US" sz="900" b="1" dirty="0"/>
-              <a:t>Lambda</a:t>
-            </a:r>
-            <a:r>
-              <a:rPr lang="en-US" sz="900" dirty="0"/>
-              <a:t> </a:t>
-            </a:r>
-            <a:r>
-              <a:rPr lang="en-US" sz="900" b="1" dirty="0"/>
-              <a:t>1</a:t>
-            </a:r>
-            <a:br>
-              <a:rPr lang="en-US" sz="900" dirty="0"/>
-            </a:br>
-            <a:r>
-              <a:rPr lang="en-US" sz="900" dirty="0"/>
-              <a:t>(Retrieves and extracts only the essential data from the Canadian Vigilance Product zip file, storing it in S3.)</a:t>
-            </a:r>
-            <a:endParaRPr lang="en-IN" sz="900" dirty="0"/>
-          </a:p>
-        </p:txBody>
-      </p:sp>
       <p:pic>
         <p:nvPicPr>
           <p:cNvPr id="50" name="Picture 2" descr="Zip file - Free interface icons">
@@ -10516,7 +10056,7 @@
         </p:blipFill>
         <p:spPr bwMode="auto">
           <a:xfrm>
-            <a:off x="73556" y="2056054"/>
+            <a:off x="73769" y="2279269"/>
             <a:ext cx="461882" cy="461882"/>
           </a:xfrm>
           <a:prstGeom prst="rect">
@@ -10548,7 +10088,7 @@
         </p:nvSpPr>
         <p:spPr>
           <a:xfrm>
-            <a:off x="-13454" y="2496479"/>
+            <a:off x="-13241" y="2719694"/>
             <a:ext cx="1159371" cy="236988"/>
           </a:xfrm>
           <a:prstGeom prst="rect">
@@ -10678,14 +10218,14 @@
           <p:cNvCxnSpPr>
             <a:cxnSpLocks/>
             <a:stCxn id="50" idx="3"/>
-            <a:endCxn id="45" idx="1"/>
+            <a:endCxn id="19" idx="1"/>
           </p:cNvCxnSpPr>
           <p:nvPr/>
         </p:nvCxnSpPr>
         <p:spPr>
-          <a:xfrm flipV="1">
-            <a:off x="535438" y="2282805"/>
-            <a:ext cx="1581528" cy="4190"/>
+          <a:xfrm>
+            <a:off x="535651" y="2510210"/>
+            <a:ext cx="2598530" cy="0"/>
           </a:xfrm>
           <a:prstGeom prst="straightConnector1">
             <a:avLst/>
@@ -10728,8 +10268,8 @@
         </p:nvCxnSpPr>
         <p:spPr>
           <a:xfrm flipV="1">
-            <a:off x="10264695" y="3087432"/>
-            <a:ext cx="1567187" cy="2031789"/>
+            <a:off x="9664620" y="3087432"/>
+            <a:ext cx="2167262" cy="2012739"/>
           </a:xfrm>
           <a:prstGeom prst="bentConnector2">
             <a:avLst/>
@@ -10782,7 +10322,7 @@
         </p:blipFill>
         <p:spPr bwMode="auto">
           <a:xfrm>
-            <a:off x="7426920" y="2817689"/>
+            <a:off x="7323831" y="2930415"/>
             <a:ext cx="757940" cy="744686"/>
           </a:xfrm>
           <a:prstGeom prst="rect">
@@ -11000,67 +10540,24 @@
       </p:sp>
       <p:cxnSp>
         <p:nvCxnSpPr>
-          <p:cNvPr id="95" name="Straight Arrow Connector 94">
-            <a:extLst>
-              <a:ext uri="{FF2B5EF4-FFF2-40B4-BE49-F238E27FC236}">
-                <a16:creationId xmlns:a16="http://schemas.microsoft.com/office/drawing/2014/main" id="{EC101770-F823-F0DB-FB2A-0EB3C987315B}"/>
+          <p:cNvPr id="96" name="Straight Arrow Connector 75">
+            <a:extLst>
+              <a:ext uri="{FF2B5EF4-FFF2-40B4-BE49-F238E27FC236}">
+                <a16:creationId xmlns:a16="http://schemas.microsoft.com/office/drawing/2014/main" id="{DD84E822-5A6F-C4D3-0310-DEE8B5CE1ADC}"/>
               </a:ext>
             </a:extLst>
           </p:cNvPr>
           <p:cNvCxnSpPr>
             <a:cxnSpLocks/>
-            <a:stCxn id="84" idx="3"/>
-            <a:endCxn id="21" idx="1"/>
-          </p:cNvCxnSpPr>
-          <p:nvPr/>
-        </p:nvCxnSpPr>
-        <p:spPr>
-          <a:xfrm>
-            <a:off x="3338870" y="5100733"/>
-            <a:ext cx="3247917" cy="7440"/>
-          </a:xfrm>
-          <a:prstGeom prst="straightConnector1">
-            <a:avLst/>
-          </a:prstGeom>
-          <a:ln>
-            <a:tailEnd type="triangle"/>
-          </a:ln>
-        </p:spPr>
-        <p:style>
-          <a:lnRef idx="1">
-            <a:schemeClr val="accent1"/>
-          </a:lnRef>
-          <a:fillRef idx="0">
-            <a:schemeClr val="accent1"/>
-          </a:fillRef>
-          <a:effectRef idx="0">
-            <a:schemeClr val="accent1"/>
-          </a:effectRef>
-          <a:fontRef idx="minor">
-            <a:schemeClr val="tx1"/>
-          </a:fontRef>
-        </p:style>
-      </p:cxnSp>
-      <p:cxnSp>
-        <p:nvCxnSpPr>
-          <p:cNvPr id="96" name="Straight Arrow Connector 75">
-            <a:extLst>
-              <a:ext uri="{FF2B5EF4-FFF2-40B4-BE49-F238E27FC236}">
-                <a16:creationId xmlns:a16="http://schemas.microsoft.com/office/drawing/2014/main" id="{DD84E822-5A6F-C4D3-0310-DEE8B5CE1ADC}"/>
-              </a:ext>
-            </a:extLst>
-          </p:cNvPr>
-          <p:cNvCxnSpPr>
-            <a:cxnSpLocks/>
-            <a:stCxn id="21" idx="0"/>
+            <a:stCxn id="54" idx="0"/>
             <a:endCxn id="73" idx="1"/>
           </p:cNvCxnSpPr>
           <p:nvPr/>
         </p:nvCxnSpPr>
         <p:spPr>
           <a:xfrm rot="5400000" flipH="1" flipV="1">
-            <a:off x="6388543" y="3722187"/>
-            <a:ext cx="1570531" cy="506223"/>
+            <a:off x="6436821" y="2756117"/>
+            <a:ext cx="340369" cy="1433652"/>
           </a:xfrm>
           <a:prstGeom prst="bentConnector2">
             <a:avLst/>
@@ -11098,7 +10595,7 @@
         </p:nvSpPr>
         <p:spPr>
           <a:xfrm>
-            <a:off x="7039976" y="3446437"/>
+            <a:off x="6936887" y="3559163"/>
             <a:ext cx="1372017" cy="646331"/>
           </a:xfrm>
           <a:prstGeom prst="rect">
@@ -11256,7 +10753,7 @@
         </p:blipFill>
         <p:spPr bwMode="auto">
           <a:xfrm>
-            <a:off x="8801535" y="2847108"/>
+            <a:off x="9041346" y="2959834"/>
             <a:ext cx="667820" cy="695220"/>
           </a:xfrm>
           <a:prstGeom prst="rect">
@@ -11301,7 +10798,7 @@
         </p:nvSpPr>
         <p:spPr>
           <a:xfrm>
-            <a:off x="8451981" y="3480759"/>
+            <a:off x="8691792" y="3593485"/>
             <a:ext cx="1372017" cy="507832"/>
           </a:xfrm>
           <a:prstGeom prst="rect">
@@ -11458,13 +10955,316 @@
         </p:nvCxnSpPr>
         <p:spPr>
           <a:xfrm>
-            <a:off x="8184860" y="3190032"/>
-            <a:ext cx="616675" cy="4686"/>
+            <a:off x="8081771" y="3302758"/>
+            <a:ext cx="959575" cy="4686"/>
           </a:xfrm>
           <a:prstGeom prst="straightConnector1">
             <a:avLst/>
           </a:prstGeom>
           <a:ln>
+            <a:tailEnd type="triangle"/>
+          </a:ln>
+        </p:spPr>
+        <p:style>
+          <a:lnRef idx="1">
+            <a:schemeClr val="accent1"/>
+          </a:lnRef>
+          <a:fillRef idx="0">
+            <a:schemeClr val="accent1"/>
+          </a:fillRef>
+          <a:effectRef idx="0">
+            <a:schemeClr val="accent1"/>
+          </a:effectRef>
+          <a:fontRef idx="minor">
+            <a:schemeClr val="tx1"/>
+          </a:fontRef>
+        </p:style>
+      </p:cxnSp>
+      <p:pic>
+        <p:nvPicPr>
+          <p:cNvPr id="54" name="Graphic 63">
+            <a:extLst>
+              <a:ext uri="{FF2B5EF4-FFF2-40B4-BE49-F238E27FC236}">
+                <a16:creationId xmlns:a16="http://schemas.microsoft.com/office/drawing/2014/main" id="{1C62DEDE-4311-AB32-12C4-C0362CB26BF0}"/>
+              </a:ext>
+            </a:extLst>
+          </p:cNvPr>
+          <p:cNvPicPr>
+            <a:picLocks noChangeAspect="1" noChangeArrowheads="1"/>
+          </p:cNvPicPr>
+          <p:nvPr/>
+        </p:nvPicPr>
+        <p:blipFill>
+          <a:blip r:embed="rId7">
+            <a:extLst>
+              <a:ext uri="{28A0092B-C50C-407E-A947-70E740481C1C}">
+                <a14:useLocalDpi xmlns:a14="http://schemas.microsoft.com/office/drawing/2010/main" val="0"/>
+              </a:ext>
+            </a:extLst>
+          </a:blip>
+          <a:srcRect/>
+          <a:stretch>
+            <a:fillRect/>
+          </a:stretch>
+        </p:blipFill>
+        <p:spPr bwMode="auto">
+          <a:xfrm>
+            <a:off x="5556269" y="3643127"/>
+            <a:ext cx="667820" cy="695220"/>
+          </a:xfrm>
+          <a:prstGeom prst="rect">
+            <a:avLst/>
+          </a:prstGeom>
+          <a:noFill/>
+          <a:ln>
+            <a:noFill/>
+          </a:ln>
+          <a:extLst>
+            <a:ext uri="{909E8E84-426E-40DD-AFC4-6F175D3DCCD1}">
+              <a14:hiddenFill xmlns:a14="http://schemas.microsoft.com/office/drawing/2010/main">
+                <a:solidFill>
+                  <a:srgbClr val="FFFFFF"/>
+                </a:solidFill>
+              </a14:hiddenFill>
+            </a:ext>
+            <a:ext uri="{91240B29-F687-4F45-9708-019B960494DF}">
+              <a14:hiddenLine xmlns:a14="http://schemas.microsoft.com/office/drawing/2010/main" w="9525">
+                <a:solidFill>
+                  <a:srgbClr val="000000"/>
+                </a:solidFill>
+                <a:miter lim="800000"/>
+                <a:headEnd/>
+                <a:tailEnd/>
+              </a14:hiddenLine>
+            </a:ext>
+          </a:extLst>
+        </p:spPr>
+      </p:pic>
+      <p:sp>
+        <p:nvSpPr>
+          <p:cNvPr id="55" name="TextBox 137">
+            <a:extLst>
+              <a:ext uri="{FF2B5EF4-FFF2-40B4-BE49-F238E27FC236}">
+                <a16:creationId xmlns:a16="http://schemas.microsoft.com/office/drawing/2014/main" id="{513F554A-B222-E1A5-8DCD-C6CE7E609E41}"/>
+              </a:ext>
+            </a:extLst>
+          </p:cNvPr>
+          <p:cNvSpPr txBox="1"/>
+          <p:nvPr/>
+        </p:nvSpPr>
+        <p:spPr>
+          <a:xfrm>
+            <a:off x="5169732" y="2522544"/>
+            <a:ext cx="1372017" cy="507832"/>
+          </a:xfrm>
+          <a:prstGeom prst="rect">
+            <a:avLst/>
+          </a:prstGeom>
+          <a:noFill/>
+        </p:spPr>
+        <p:txBody>
+          <a:bodyPr wrap="square" rtlCol="0">
+            <a:spAutoFit/>
+          </a:bodyPr>
+          <a:lstStyle>
+            <a:defPPr>
+              <a:defRPr lang="en-US"/>
+            </a:defPPr>
+            <a:lvl1pPr marL="0" algn="l" defTabSz="914400" rtl="0" eaLnBrk="1" latinLnBrk="0" hangingPunct="1">
+              <a:defRPr sz="1800" kern="1200">
+                <a:solidFill>
+                  <a:schemeClr val="tx1"/>
+                </a:solidFill>
+                <a:latin typeface="+mn-lt"/>
+                <a:ea typeface="+mn-ea"/>
+                <a:cs typeface="+mn-cs"/>
+              </a:defRPr>
+            </a:lvl1pPr>
+            <a:lvl2pPr marL="457200" algn="l" defTabSz="914400" rtl="0" eaLnBrk="1" latinLnBrk="0" hangingPunct="1">
+              <a:defRPr sz="1800" kern="1200">
+                <a:solidFill>
+                  <a:schemeClr val="tx1"/>
+                </a:solidFill>
+                <a:latin typeface="+mn-lt"/>
+                <a:ea typeface="+mn-ea"/>
+                <a:cs typeface="+mn-cs"/>
+              </a:defRPr>
+            </a:lvl2pPr>
+            <a:lvl3pPr marL="914400" algn="l" defTabSz="914400" rtl="0" eaLnBrk="1" latinLnBrk="0" hangingPunct="1">
+              <a:defRPr sz="1800" kern="1200">
+                <a:solidFill>
+                  <a:schemeClr val="tx1"/>
+                </a:solidFill>
+                <a:latin typeface="+mn-lt"/>
+                <a:ea typeface="+mn-ea"/>
+                <a:cs typeface="+mn-cs"/>
+              </a:defRPr>
+            </a:lvl3pPr>
+            <a:lvl4pPr marL="1371600" algn="l" defTabSz="914400" rtl="0" eaLnBrk="1" latinLnBrk="0" hangingPunct="1">
+              <a:defRPr sz="1800" kern="1200">
+                <a:solidFill>
+                  <a:schemeClr val="tx1"/>
+                </a:solidFill>
+                <a:latin typeface="+mn-lt"/>
+                <a:ea typeface="+mn-ea"/>
+                <a:cs typeface="+mn-cs"/>
+              </a:defRPr>
+            </a:lvl4pPr>
+            <a:lvl5pPr marL="1828800" algn="l" defTabSz="914400" rtl="0" eaLnBrk="1" latinLnBrk="0" hangingPunct="1">
+              <a:defRPr sz="1800" kern="1200">
+                <a:solidFill>
+                  <a:schemeClr val="tx1"/>
+                </a:solidFill>
+                <a:latin typeface="+mn-lt"/>
+                <a:ea typeface="+mn-ea"/>
+                <a:cs typeface="+mn-cs"/>
+              </a:defRPr>
+            </a:lvl5pPr>
+            <a:lvl6pPr marL="2286000" algn="l" defTabSz="914400" rtl="0" eaLnBrk="1" latinLnBrk="0" hangingPunct="1">
+              <a:defRPr sz="1800" kern="1200">
+                <a:solidFill>
+                  <a:schemeClr val="tx1"/>
+                </a:solidFill>
+                <a:latin typeface="+mn-lt"/>
+                <a:ea typeface="+mn-ea"/>
+                <a:cs typeface="+mn-cs"/>
+              </a:defRPr>
+            </a:lvl6pPr>
+            <a:lvl7pPr marL="2743200" algn="l" defTabSz="914400" rtl="0" eaLnBrk="1" latinLnBrk="0" hangingPunct="1">
+              <a:defRPr sz="1800" kern="1200">
+                <a:solidFill>
+                  <a:schemeClr val="tx1"/>
+                </a:solidFill>
+                <a:latin typeface="+mn-lt"/>
+                <a:ea typeface="+mn-ea"/>
+                <a:cs typeface="+mn-cs"/>
+              </a:defRPr>
+            </a:lvl7pPr>
+            <a:lvl8pPr marL="3200400" algn="l" defTabSz="914400" rtl="0" eaLnBrk="1" latinLnBrk="0" hangingPunct="1">
+              <a:defRPr sz="1800" kern="1200">
+                <a:solidFill>
+                  <a:schemeClr val="tx1"/>
+                </a:solidFill>
+                <a:latin typeface="+mn-lt"/>
+                <a:ea typeface="+mn-ea"/>
+                <a:cs typeface="+mn-cs"/>
+              </a:defRPr>
+            </a:lvl8pPr>
+            <a:lvl9pPr marL="3657600" algn="l" defTabSz="914400" rtl="0" eaLnBrk="1" latinLnBrk="0" hangingPunct="1">
+              <a:defRPr sz="1800" kern="1200">
+                <a:solidFill>
+                  <a:schemeClr val="tx1"/>
+                </a:solidFill>
+                <a:latin typeface="+mn-lt"/>
+                <a:ea typeface="+mn-ea"/>
+                <a:cs typeface="+mn-cs"/>
+              </a:defRPr>
+            </a:lvl9pPr>
+          </a:lstStyle>
+          <a:p>
+            <a:pPr algn="ctr"/>
+            <a:r>
+              <a:rPr lang="en-IN" sz="900" b="1" dirty="0">
+                <a:ea typeface="Calibri" panose="020F0502020204030204" pitchFamily="34" charset="0"/>
+                <a:cs typeface="Calibri" panose="020F0502020204030204" pitchFamily="34" charset="0"/>
+              </a:rPr>
+              <a:t>Output bucket</a:t>
+            </a:r>
+          </a:p>
+          <a:p>
+            <a:pPr algn="ctr"/>
+            <a:r>
+              <a:rPr lang="en-IN" sz="900" dirty="0">
+                <a:ea typeface="Calibri" panose="020F0502020204030204" pitchFamily="34" charset="0"/>
+                <a:cs typeface="Calibri" panose="020F0502020204030204" pitchFamily="34" charset="0"/>
+              </a:rPr>
+              <a:t>(Storing the filtered</a:t>
+            </a:r>
+          </a:p>
+          <a:p>
+            <a:pPr algn="ctr"/>
+            <a:r>
+              <a:rPr lang="en-IN" sz="900" dirty="0">
+                <a:ea typeface="Calibri" panose="020F0502020204030204" pitchFamily="34" charset="0"/>
+                <a:cs typeface="Calibri" panose="020F0502020204030204" pitchFamily="34" charset="0"/>
+              </a:rPr>
+              <a:t>data in S3)</a:t>
+            </a:r>
+          </a:p>
+        </p:txBody>
+      </p:sp>
+      <p:cxnSp>
+        <p:nvCxnSpPr>
+          <p:cNvPr id="56" name="Connector: Elbow 195">
+            <a:extLst>
+              <a:ext uri="{FF2B5EF4-FFF2-40B4-BE49-F238E27FC236}">
+                <a16:creationId xmlns:a16="http://schemas.microsoft.com/office/drawing/2014/main" id="{392BDF1B-1FA2-A67E-021D-BD5A642736FC}"/>
+              </a:ext>
+            </a:extLst>
+          </p:cNvPr>
+          <p:cNvCxnSpPr>
+            <a:cxnSpLocks/>
+            <a:stCxn id="18" idx="3"/>
+            <a:endCxn id="54" idx="1"/>
+          </p:cNvCxnSpPr>
+          <p:nvPr/>
+        </p:nvCxnSpPr>
+        <p:spPr>
+          <a:xfrm flipV="1">
+            <a:off x="3337502" y="3990737"/>
+            <a:ext cx="2218767" cy="2880"/>
+          </a:xfrm>
+          <a:prstGeom prst="bentConnector3">
+            <a:avLst>
+              <a:gd name="adj1" fmla="val 50000"/>
+            </a:avLst>
+          </a:prstGeom>
+          <a:ln>
+            <a:tailEnd type="triangle"/>
+          </a:ln>
+        </p:spPr>
+        <p:style>
+          <a:lnRef idx="1">
+            <a:schemeClr val="accent1"/>
+          </a:lnRef>
+          <a:fillRef idx="0">
+            <a:schemeClr val="accent1"/>
+          </a:fillRef>
+          <a:effectRef idx="0">
+            <a:schemeClr val="accent1"/>
+          </a:effectRef>
+          <a:fontRef idx="minor">
+            <a:schemeClr val="tx1"/>
+          </a:fontRef>
+        </p:style>
+      </p:cxnSp>
+      <p:cxnSp>
+        <p:nvCxnSpPr>
+          <p:cNvPr id="66" name="Straight Arrow Connector 65">
+            <a:extLst>
+              <a:ext uri="{FF2B5EF4-FFF2-40B4-BE49-F238E27FC236}">
+                <a16:creationId xmlns:a16="http://schemas.microsoft.com/office/drawing/2014/main" id="{07B5FB53-8D50-8154-EBF0-6A9F60B213F5}"/>
+              </a:ext>
+            </a:extLst>
+          </p:cNvPr>
+          <p:cNvCxnSpPr>
+            <a:cxnSpLocks/>
+            <a:stCxn id="84" idx="3"/>
+          </p:cNvCxnSpPr>
+          <p:nvPr/>
+        </p:nvCxnSpPr>
+        <p:spPr>
+          <a:xfrm flipV="1">
+            <a:off x="3338870" y="4338347"/>
+            <a:ext cx="2462409" cy="762386"/>
+          </a:xfrm>
+          <a:prstGeom prst="bentConnector3">
+            <a:avLst>
+              <a:gd name="adj1" fmla="val 99513"/>
+            </a:avLst>
+          </a:prstGeom>
+          <a:ln>
+            <a:headEnd type="triangle"/>
             <a:tailEnd type="triangle"/>
           </a:ln>
         </p:spPr>

--- a/CVP_Project_Proposal/CVP_Project_Proposal-cvp-2.pptx
+++ b/CVP_Project_Proposal/CVP_Project_Proposal-cvp-2.pptx
@@ -10414,8 +10414,8 @@
         </p:nvSpPr>
         <p:spPr>
           <a:xfrm>
-            <a:off x="1692463" y="4770905"/>
-            <a:ext cx="1131226" cy="778675"/>
+            <a:off x="1586626" y="4770905"/>
+            <a:ext cx="1237063" cy="646331"/>
           </a:xfrm>
           <a:prstGeom prst="rect">
             <a:avLst/>
@@ -10532,7 +10532,7 @@
             <a:pPr algn="ctr"/>
             <a:r>
               <a:rPr lang="en-US" sz="900" dirty="0"/>
-              <a:t>(Designed to transform the output data to an aligned format)</a:t>
+              <a:t>(Designed to convert the output data into HTML pages.)</a:t>
             </a:r>
             <a:endParaRPr lang="en-IN" sz="900" b="1" dirty="0"/>
           </a:p>

--- a/CVP_Project_Proposal/CVP_Project_Proposal-cvp-2.pptx
+++ b/CVP_Project_Proposal/CVP_Project_Proposal-cvp-2.pptx
@@ -233,7 +233,7 @@
             <a:fld id="{448F17FC-9D04-4C52-A304-CD8A5276E599}" type="datetimeFigureOut">
               <a:rPr lang="en-IN" smtClean="0"/>
               <a:pPr/>
-              <a:t>20-12-2024</a:t>
+              <a:t>07-01-2025</a:t>
             </a:fld>
             <a:endParaRPr lang="en-IN"/>
           </a:p>
@@ -412,7 +412,7 @@
             <a:fld id="{591A6B1D-1CE5-4BCC-9FB1-614A63B28755}" type="datetimeFigureOut">
               <a:rPr lang="en-IN" smtClean="0"/>
               <a:pPr/>
-              <a:t>20-12-2024</a:t>
+              <a:t>07-01-2025</a:t>
             </a:fld>
             <a:endParaRPr lang="en-IN"/>
           </a:p>
@@ -7000,10 +7000,14 @@
           <a:lstStyle/>
           <a:p>
             <a:r>
-              <a:rPr lang="en-US"/>
-              <a:t>CloudJournee Confidential</a:t>
-            </a:r>
-            <a:endParaRPr lang="en-IN"/>
+              <a:rPr lang="en-US" dirty="0" err="1"/>
+              <a:t>CloudJournee</a:t>
+            </a:r>
+            <a:r>
+              <a:rPr lang="en-US" dirty="0"/>
+              <a:t> Confidential</a:t>
+            </a:r>
+            <a:endParaRPr lang="en-IN" dirty="0"/>
           </a:p>
         </p:txBody>
       </p:sp>
@@ -7067,10 +7071,10 @@
       </p:sp>
       <p:sp>
         <p:nvSpPr>
-          <p:cNvPr id="7" name="Rectangle 6">
-            <a:extLst>
-              <a:ext uri="{FF2B5EF4-FFF2-40B4-BE49-F238E27FC236}">
-                <a16:creationId xmlns:a16="http://schemas.microsoft.com/office/drawing/2014/main" id="{2F8B2121-2D3E-6B53-0019-BCA8888E18A2}"/>
+          <p:cNvPr id="2" name="Rectangle 1">
+            <a:extLst>
+              <a:ext uri="{FF2B5EF4-FFF2-40B4-BE49-F238E27FC236}">
+                <a16:creationId xmlns:a16="http://schemas.microsoft.com/office/drawing/2014/main" id="{A36EBCEB-FF40-55A4-8714-3D00FBB1F62B}"/>
               </a:ext>
             </a:extLst>
           </p:cNvPr>
@@ -7079,54 +7083,25 @@
         </p:nvSpPr>
         <p:spPr>
           <a:xfrm>
-            <a:off x="6589111" y="2357678"/>
-            <a:ext cx="4261345" cy="3815228"/>
+            <a:off x="6302416" y="2170800"/>
+            <a:ext cx="4795370" cy="4185549"/>
           </a:xfrm>
           <a:prstGeom prst="rect">
             <a:avLst/>
           </a:prstGeom>
-          <a:ln w="38100">
-            <a:gradFill>
-              <a:gsLst>
-                <a:gs pos="0">
-                  <a:schemeClr val="tx2">
-                    <a:lumMod val="50000"/>
-                    <a:lumOff val="50000"/>
-                  </a:schemeClr>
-                </a:gs>
-                <a:gs pos="74000">
-                  <a:schemeClr val="accent1">
-                    <a:lumMod val="45000"/>
-                    <a:lumOff val="55000"/>
-                  </a:schemeClr>
-                </a:gs>
-                <a:gs pos="83000">
-                  <a:schemeClr val="accent1">
-                    <a:lumMod val="45000"/>
-                    <a:lumOff val="55000"/>
-                  </a:schemeClr>
-                </a:gs>
-                <a:gs pos="100000">
-                  <a:schemeClr val="accent1">
-                    <a:lumMod val="30000"/>
-                    <a:lumOff val="70000"/>
-                  </a:schemeClr>
-                </a:gs>
-              </a:gsLst>
-              <a:lin ang="5400000" scaled="1"/>
-            </a:gradFill>
-            <a:prstDash val="sysDash"/>
+          <a:ln w="28575">
+            <a:prstDash val="dash"/>
           </a:ln>
         </p:spPr>
         <p:style>
           <a:lnRef idx="2">
-            <a:schemeClr val="accent6"/>
+            <a:schemeClr val="accent3"/>
           </a:lnRef>
           <a:fillRef idx="1">
             <a:schemeClr val="lt1"/>
           </a:fillRef>
           <a:effectRef idx="0">
-            <a:schemeClr val="accent6"/>
+            <a:schemeClr val="accent3"/>
           </a:effectRef>
           <a:fontRef idx="minor">
             <a:schemeClr val="dk1"/>
@@ -7134,112 +7109,19 @@
         </p:style>
         <p:txBody>
           <a:bodyPr rtlCol="0" anchor="ctr"/>
-          <a:lstStyle>
-            <a:defPPr>
-              <a:defRPr lang="en-US"/>
-            </a:defPPr>
-            <a:lvl1pPr marL="0" algn="l" defTabSz="914400" rtl="0" eaLnBrk="1" latinLnBrk="0" hangingPunct="1">
-              <a:defRPr sz="1800" kern="1200">
-                <a:solidFill>
-                  <a:schemeClr val="dk1"/>
-                </a:solidFill>
-                <a:latin typeface="+mn-lt"/>
-                <a:ea typeface="+mn-ea"/>
-                <a:cs typeface="+mn-cs"/>
-              </a:defRPr>
-            </a:lvl1pPr>
-            <a:lvl2pPr marL="457200" algn="l" defTabSz="914400" rtl="0" eaLnBrk="1" latinLnBrk="0" hangingPunct="1">
-              <a:defRPr sz="1800" kern="1200">
-                <a:solidFill>
-                  <a:schemeClr val="dk1"/>
-                </a:solidFill>
-                <a:latin typeface="+mn-lt"/>
-                <a:ea typeface="+mn-ea"/>
-                <a:cs typeface="+mn-cs"/>
-              </a:defRPr>
-            </a:lvl2pPr>
-            <a:lvl3pPr marL="914400" algn="l" defTabSz="914400" rtl="0" eaLnBrk="1" latinLnBrk="0" hangingPunct="1">
-              <a:defRPr sz="1800" kern="1200">
-                <a:solidFill>
-                  <a:schemeClr val="dk1"/>
-                </a:solidFill>
-                <a:latin typeface="+mn-lt"/>
-                <a:ea typeface="+mn-ea"/>
-                <a:cs typeface="+mn-cs"/>
-              </a:defRPr>
-            </a:lvl3pPr>
-            <a:lvl4pPr marL="1371600" algn="l" defTabSz="914400" rtl="0" eaLnBrk="1" latinLnBrk="0" hangingPunct="1">
-              <a:defRPr sz="1800" kern="1200">
-                <a:solidFill>
-                  <a:schemeClr val="dk1"/>
-                </a:solidFill>
-                <a:latin typeface="+mn-lt"/>
-                <a:ea typeface="+mn-ea"/>
-                <a:cs typeface="+mn-cs"/>
-              </a:defRPr>
-            </a:lvl4pPr>
-            <a:lvl5pPr marL="1828800" algn="l" defTabSz="914400" rtl="0" eaLnBrk="1" latinLnBrk="0" hangingPunct="1">
-              <a:defRPr sz="1800" kern="1200">
-                <a:solidFill>
-                  <a:schemeClr val="dk1"/>
-                </a:solidFill>
-                <a:latin typeface="+mn-lt"/>
-                <a:ea typeface="+mn-ea"/>
-                <a:cs typeface="+mn-cs"/>
-              </a:defRPr>
-            </a:lvl5pPr>
-            <a:lvl6pPr marL="2286000" algn="l" defTabSz="914400" rtl="0" eaLnBrk="1" latinLnBrk="0" hangingPunct="1">
-              <a:defRPr sz="1800" kern="1200">
-                <a:solidFill>
-                  <a:schemeClr val="dk1"/>
-                </a:solidFill>
-                <a:latin typeface="+mn-lt"/>
-                <a:ea typeface="+mn-ea"/>
-                <a:cs typeface="+mn-cs"/>
-              </a:defRPr>
-            </a:lvl6pPr>
-            <a:lvl7pPr marL="2743200" algn="l" defTabSz="914400" rtl="0" eaLnBrk="1" latinLnBrk="0" hangingPunct="1">
-              <a:defRPr sz="1800" kern="1200">
-                <a:solidFill>
-                  <a:schemeClr val="dk1"/>
-                </a:solidFill>
-                <a:latin typeface="+mn-lt"/>
-                <a:ea typeface="+mn-ea"/>
-                <a:cs typeface="+mn-cs"/>
-              </a:defRPr>
-            </a:lvl7pPr>
-            <a:lvl8pPr marL="3200400" algn="l" defTabSz="914400" rtl="0" eaLnBrk="1" latinLnBrk="0" hangingPunct="1">
-              <a:defRPr sz="1800" kern="1200">
-                <a:solidFill>
-                  <a:schemeClr val="dk1"/>
-                </a:solidFill>
-                <a:latin typeface="+mn-lt"/>
-                <a:ea typeface="+mn-ea"/>
-                <a:cs typeface="+mn-cs"/>
-              </a:defRPr>
-            </a:lvl8pPr>
-            <a:lvl9pPr marL="3657600" algn="l" defTabSz="914400" rtl="0" eaLnBrk="1" latinLnBrk="0" hangingPunct="1">
-              <a:defRPr sz="1800" kern="1200">
-                <a:solidFill>
-                  <a:schemeClr val="dk1"/>
-                </a:solidFill>
-                <a:latin typeface="+mn-lt"/>
-                <a:ea typeface="+mn-ea"/>
-                <a:cs typeface="+mn-cs"/>
-              </a:defRPr>
-            </a:lvl9pPr>
-          </a:lstStyle>
-          <a:p>
-            <a:endParaRPr lang="en-IN" sz="900" dirty="0"/>
+          <a:lstStyle/>
+          <a:p>
+            <a:pPr algn="ctr"/>
+            <a:endParaRPr lang="en-IN"/>
           </a:p>
         </p:txBody>
       </p:sp>
       <p:sp>
         <p:nvSpPr>
-          <p:cNvPr id="8" name="Rectangle 7">
-            <a:extLst>
-              <a:ext uri="{FF2B5EF4-FFF2-40B4-BE49-F238E27FC236}">
-                <a16:creationId xmlns:a16="http://schemas.microsoft.com/office/drawing/2014/main" id="{8F8F73D6-E884-EBDE-6A29-3E05C317062B}"/>
+          <p:cNvPr id="3" name="Rectangle 2">
+            <a:extLst>
+              <a:ext uri="{FF2B5EF4-FFF2-40B4-BE49-F238E27FC236}">
+                <a16:creationId xmlns:a16="http://schemas.microsoft.com/office/drawing/2014/main" id="{7499C252-7182-339C-99EA-E2C67E2D99E4}"/>
               </a:ext>
             </a:extLst>
           </p:cNvPr>
@@ -7248,8 +7130,55 @@
         </p:nvSpPr>
         <p:spPr>
           <a:xfrm>
-            <a:off x="862345" y="1308420"/>
-            <a:ext cx="10467309" cy="5132845"/>
+            <a:off x="1198475" y="1920574"/>
+            <a:ext cx="4795370" cy="3948962"/>
+          </a:xfrm>
+          <a:prstGeom prst="rect">
+            <a:avLst/>
+          </a:prstGeom>
+          <a:ln w="28575">
+            <a:prstDash val="dash"/>
+          </a:ln>
+        </p:spPr>
+        <p:style>
+          <a:lnRef idx="2">
+            <a:schemeClr val="accent3"/>
+          </a:lnRef>
+          <a:fillRef idx="1">
+            <a:schemeClr val="lt1"/>
+          </a:fillRef>
+          <a:effectRef idx="0">
+            <a:schemeClr val="accent3"/>
+          </a:effectRef>
+          <a:fontRef idx="minor">
+            <a:schemeClr val="dk1"/>
+          </a:fontRef>
+        </p:style>
+        <p:txBody>
+          <a:bodyPr rtlCol="0" anchor="ctr"/>
+          <a:lstStyle/>
+          <a:p>
+            <a:pPr algn="ctr"/>
+            <a:endParaRPr lang="en-IN"/>
+          </a:p>
+        </p:txBody>
+      </p:sp>
+      <p:sp>
+        <p:nvSpPr>
+          <p:cNvPr id="4" name="Rectangle 3">
+            <a:extLst>
+              <a:ext uri="{FF2B5EF4-FFF2-40B4-BE49-F238E27FC236}">
+                <a16:creationId xmlns:a16="http://schemas.microsoft.com/office/drawing/2014/main" id="{B3BE9084-053A-6912-C124-6C81EC39C16B}"/>
+              </a:ext>
+            </a:extLst>
+          </p:cNvPr>
+          <p:cNvSpPr/>
+          <p:nvPr/>
+        </p:nvSpPr>
+        <p:spPr>
+          <a:xfrm>
+            <a:off x="1049287" y="1308420"/>
+            <a:ext cx="10350707" cy="5132845"/>
           </a:xfrm>
           <a:prstGeom prst="rect">
             <a:avLst/>
@@ -7398,10 +7327,10 @@
       </p:sp>
       <p:pic>
         <p:nvPicPr>
-          <p:cNvPr id="9" name="Graphic 33">
-            <a:extLst>
-              <a:ext uri="{FF2B5EF4-FFF2-40B4-BE49-F238E27FC236}">
-                <a16:creationId xmlns:a16="http://schemas.microsoft.com/office/drawing/2014/main" id="{59C63FCF-226D-0D5B-21A7-F5241BC77CC6}"/>
+          <p:cNvPr id="10" name="Graphic 33">
+            <a:extLst>
+              <a:ext uri="{FF2B5EF4-FFF2-40B4-BE49-F238E27FC236}">
+                <a16:creationId xmlns:a16="http://schemas.microsoft.com/office/drawing/2014/main" id="{26C48C59-5464-E5EF-B160-490CBBCF9DFB}"/>
               </a:ext>
             </a:extLst>
           </p:cNvPr>
@@ -7417,224 +7346,260 @@
         </p:blipFill>
         <p:spPr>
           <a:xfrm>
-            <a:off x="865416" y="1312064"/>
-            <a:ext cx="384902" cy="368547"/>
+            <a:off x="1073682" y="1316738"/>
+            <a:ext cx="380614" cy="368547"/>
           </a:xfrm>
           <a:prstGeom prst="rect">
             <a:avLst/>
           </a:prstGeom>
         </p:spPr>
       </p:pic>
-      <p:sp>
-        <p:nvSpPr>
-          <p:cNvPr id="11" name="Rectangle 10">
-            <a:extLst>
-              <a:ext uri="{FF2B5EF4-FFF2-40B4-BE49-F238E27FC236}">
-                <a16:creationId xmlns:a16="http://schemas.microsoft.com/office/drawing/2014/main" id="{79364D08-284B-4B76-1FEA-EBCDEA14C98F}"/>
-              </a:ext>
-            </a:extLst>
-          </p:cNvPr>
-          <p:cNvSpPr/>
-          <p:nvPr/>
-        </p:nvSpPr>
-        <p:spPr>
-          <a:xfrm>
-            <a:off x="1173807" y="1806264"/>
-            <a:ext cx="3869352" cy="3812061"/>
-          </a:xfrm>
-          <a:prstGeom prst="rect">
-            <a:avLst/>
-          </a:prstGeom>
-          <a:ln w="38100">
-            <a:gradFill>
-              <a:gsLst>
-                <a:gs pos="0">
-                  <a:schemeClr val="tx2">
-                    <a:lumMod val="50000"/>
-                    <a:lumOff val="50000"/>
-                  </a:schemeClr>
-                </a:gs>
-                <a:gs pos="74000">
-                  <a:schemeClr val="accent1">
-                    <a:lumMod val="45000"/>
-                    <a:lumOff val="55000"/>
-                  </a:schemeClr>
-                </a:gs>
-                <a:gs pos="83000">
-                  <a:schemeClr val="accent1">
-                    <a:lumMod val="45000"/>
-                    <a:lumOff val="55000"/>
-                  </a:schemeClr>
-                </a:gs>
-                <a:gs pos="100000">
-                  <a:schemeClr val="accent1">
-                    <a:lumMod val="30000"/>
-                    <a:lumOff val="70000"/>
-                  </a:schemeClr>
-                </a:gs>
-              </a:gsLst>
-              <a:lin ang="5400000" scaled="1"/>
-            </a:gradFill>
-            <a:prstDash val="sysDash"/>
-          </a:ln>
-        </p:spPr>
-        <p:style>
-          <a:lnRef idx="2">
-            <a:schemeClr val="accent6"/>
-          </a:lnRef>
-          <a:fillRef idx="1">
-            <a:schemeClr val="lt1"/>
-          </a:fillRef>
-          <a:effectRef idx="0">
-            <a:schemeClr val="accent6"/>
-          </a:effectRef>
-          <a:fontRef idx="minor">
-            <a:schemeClr val="dk1"/>
-          </a:fontRef>
-        </p:style>
-        <p:txBody>
-          <a:bodyPr rtlCol="0" anchor="ctr"/>
-          <a:lstStyle>
-            <a:defPPr>
-              <a:defRPr lang="en-US"/>
-            </a:defPPr>
-            <a:lvl1pPr marL="0" algn="l" defTabSz="914400" rtl="0" eaLnBrk="1" latinLnBrk="0" hangingPunct="1">
-              <a:defRPr sz="1800" kern="1200">
-                <a:solidFill>
-                  <a:schemeClr val="dk1"/>
-                </a:solidFill>
-                <a:latin typeface="+mn-lt"/>
-                <a:ea typeface="+mn-ea"/>
-                <a:cs typeface="+mn-cs"/>
-              </a:defRPr>
-            </a:lvl1pPr>
-            <a:lvl2pPr marL="457200" algn="l" defTabSz="914400" rtl="0" eaLnBrk="1" latinLnBrk="0" hangingPunct="1">
-              <a:defRPr sz="1800" kern="1200">
-                <a:solidFill>
-                  <a:schemeClr val="dk1"/>
-                </a:solidFill>
-                <a:latin typeface="+mn-lt"/>
-                <a:ea typeface="+mn-ea"/>
-                <a:cs typeface="+mn-cs"/>
-              </a:defRPr>
-            </a:lvl2pPr>
-            <a:lvl3pPr marL="914400" algn="l" defTabSz="914400" rtl="0" eaLnBrk="1" latinLnBrk="0" hangingPunct="1">
-              <a:defRPr sz="1800" kern="1200">
-                <a:solidFill>
-                  <a:schemeClr val="dk1"/>
-                </a:solidFill>
-                <a:latin typeface="+mn-lt"/>
-                <a:ea typeface="+mn-ea"/>
-                <a:cs typeface="+mn-cs"/>
-              </a:defRPr>
-            </a:lvl3pPr>
-            <a:lvl4pPr marL="1371600" algn="l" defTabSz="914400" rtl="0" eaLnBrk="1" latinLnBrk="0" hangingPunct="1">
-              <a:defRPr sz="1800" kern="1200">
-                <a:solidFill>
-                  <a:schemeClr val="dk1"/>
-                </a:solidFill>
-                <a:latin typeface="+mn-lt"/>
-                <a:ea typeface="+mn-ea"/>
-                <a:cs typeface="+mn-cs"/>
-              </a:defRPr>
-            </a:lvl4pPr>
-            <a:lvl5pPr marL="1828800" algn="l" defTabSz="914400" rtl="0" eaLnBrk="1" latinLnBrk="0" hangingPunct="1">
-              <a:defRPr sz="1800" kern="1200">
-                <a:solidFill>
-                  <a:schemeClr val="dk1"/>
-                </a:solidFill>
-                <a:latin typeface="+mn-lt"/>
-                <a:ea typeface="+mn-ea"/>
-                <a:cs typeface="+mn-cs"/>
-              </a:defRPr>
-            </a:lvl5pPr>
-            <a:lvl6pPr marL="2286000" algn="l" defTabSz="914400" rtl="0" eaLnBrk="1" latinLnBrk="0" hangingPunct="1">
-              <a:defRPr sz="1800" kern="1200">
-                <a:solidFill>
-                  <a:schemeClr val="dk1"/>
-                </a:solidFill>
-                <a:latin typeface="+mn-lt"/>
-                <a:ea typeface="+mn-ea"/>
-                <a:cs typeface="+mn-cs"/>
-              </a:defRPr>
-            </a:lvl6pPr>
-            <a:lvl7pPr marL="2743200" algn="l" defTabSz="914400" rtl="0" eaLnBrk="1" latinLnBrk="0" hangingPunct="1">
-              <a:defRPr sz="1800" kern="1200">
-                <a:solidFill>
-                  <a:schemeClr val="dk1"/>
-                </a:solidFill>
-                <a:latin typeface="+mn-lt"/>
-                <a:ea typeface="+mn-ea"/>
-                <a:cs typeface="+mn-cs"/>
-              </a:defRPr>
-            </a:lvl7pPr>
-            <a:lvl8pPr marL="3200400" algn="l" defTabSz="914400" rtl="0" eaLnBrk="1" latinLnBrk="0" hangingPunct="1">
-              <a:defRPr sz="1800" kern="1200">
-                <a:solidFill>
-                  <a:schemeClr val="dk1"/>
-                </a:solidFill>
-                <a:latin typeface="+mn-lt"/>
-                <a:ea typeface="+mn-ea"/>
-                <a:cs typeface="+mn-cs"/>
-              </a:defRPr>
-            </a:lvl8pPr>
-            <a:lvl9pPr marL="3657600" algn="l" defTabSz="914400" rtl="0" eaLnBrk="1" latinLnBrk="0" hangingPunct="1">
-              <a:defRPr sz="1800" kern="1200">
-                <a:solidFill>
-                  <a:schemeClr val="dk1"/>
-                </a:solidFill>
-                <a:latin typeface="+mn-lt"/>
-                <a:ea typeface="+mn-ea"/>
-                <a:cs typeface="+mn-cs"/>
-              </a:defRPr>
-            </a:lvl9pPr>
-          </a:lstStyle>
-          <a:p>
-            <a:endParaRPr lang="en-IN" sz="900" dirty="0"/>
-          </a:p>
-        </p:txBody>
-      </p:sp>
       <p:pic>
         <p:nvPicPr>
-          <p:cNvPr id="14" name="Graphic 3">
-            <a:extLst>
-              <a:ext uri="{FF2B5EF4-FFF2-40B4-BE49-F238E27FC236}">
-                <a16:creationId xmlns:a16="http://schemas.microsoft.com/office/drawing/2014/main" id="{FFE091F5-2CEC-FA91-91E6-5A6AEEE3A5D6}"/>
+          <p:cNvPr id="16" name="Graphic 13">
+            <a:extLst>
+              <a:ext uri="{FF2B5EF4-FFF2-40B4-BE49-F238E27FC236}">
+                <a16:creationId xmlns:a16="http://schemas.microsoft.com/office/drawing/2014/main" id="{CC04A68F-6CA6-66DB-F90A-4F7B8851411F}"/>
               </a:ext>
             </a:extLst>
           </p:cNvPr>
           <p:cNvPicPr>
-            <a:picLocks noChangeAspect="1"/>
+            <a:picLocks noChangeAspect="1" noChangeArrowheads="1"/>
           </p:cNvPicPr>
           <p:nvPr/>
         </p:nvPicPr>
         <p:blipFill>
           <a:blip r:embed="rId4">
             <a:extLst>
-              <a:ext uri="{96DAC541-7B7A-43D3-8B79-37D633B846F1}">
-                <asvg:svgBlip xmlns:asvg="http://schemas.microsoft.com/office/drawing/2016/SVG/main" r:embed="rId5"/>
+              <a:ext uri="{28A0092B-C50C-407E-A947-70E740481C1C}">
+                <a14:useLocalDpi xmlns:a14="http://schemas.microsoft.com/office/drawing/2010/main" val="0"/>
               </a:ext>
             </a:extLst>
           </a:blip>
           <a:srcRect/>
-          <a:stretch/>
+          <a:stretch>
+            <a:fillRect/>
+          </a:stretch>
         </p:blipFill>
-        <p:spPr>
+        <p:spPr bwMode="auto">
           <a:xfrm>
-            <a:off x="10191110" y="2478703"/>
-            <a:ext cx="507807" cy="507807"/>
+            <a:off x="4365754" y="2224925"/>
+            <a:ext cx="639913" cy="639913"/>
           </a:xfrm>
           <a:prstGeom prst="rect">
             <a:avLst/>
           </a:prstGeom>
+          <a:noFill/>
+          <a:ln>
+            <a:noFill/>
+          </a:ln>
+          <a:extLst>
+            <a:ext uri="{909E8E84-426E-40DD-AFC4-6F175D3DCCD1}">
+              <a14:hiddenFill xmlns:a14="http://schemas.microsoft.com/office/drawing/2010/main">
+                <a:solidFill>
+                  <a:srgbClr val="FFFFFF"/>
+                </a:solidFill>
+              </a14:hiddenFill>
+            </a:ext>
+            <a:ext uri="{91240B29-F687-4F45-9708-019B960494DF}">
+              <a14:hiddenLine xmlns:a14="http://schemas.microsoft.com/office/drawing/2010/main" w="9525">
+                <a:solidFill>
+                  <a:srgbClr val="000000"/>
+                </a:solidFill>
+                <a:miter lim="800000"/>
+                <a:headEnd/>
+                <a:tailEnd/>
+              </a14:hiddenLine>
+            </a:ext>
+          </a:extLst>
+        </p:spPr>
+      </p:pic>
+      <p:pic>
+        <p:nvPicPr>
+          <p:cNvPr id="21" name="Graphic 19">
+            <a:extLst>
+              <a:ext uri="{FF2B5EF4-FFF2-40B4-BE49-F238E27FC236}">
+                <a16:creationId xmlns:a16="http://schemas.microsoft.com/office/drawing/2014/main" id="{58888B2C-D06B-BF6B-0DBC-150305F1850B}"/>
+              </a:ext>
+            </a:extLst>
+          </p:cNvPr>
+          <p:cNvPicPr>
+            <a:picLocks noChangeAspect="1" noChangeArrowheads="1"/>
+          </p:cNvPicPr>
+          <p:nvPr/>
+        </p:nvPicPr>
+        <p:blipFill>
+          <a:blip r:embed="rId5" cstate="print">
+            <a:extLst>
+              <a:ext uri="{28A0092B-C50C-407E-A947-70E740481C1C}">
+                <a14:useLocalDpi xmlns:a14="http://schemas.microsoft.com/office/drawing/2010/main" val="0"/>
+              </a:ext>
+            </a:extLst>
+          </a:blip>
+          <a:srcRect/>
+          <a:stretch>
+            <a:fillRect/>
+          </a:stretch>
+        </p:blipFill>
+        <p:spPr bwMode="auto">
+          <a:xfrm>
+            <a:off x="10782464" y="1422876"/>
+            <a:ext cx="505958" cy="484460"/>
+          </a:xfrm>
+          <a:prstGeom prst="rect">
+            <a:avLst/>
+          </a:prstGeom>
+          <a:noFill/>
+          <a:ln>
+            <a:noFill/>
+          </a:ln>
+          <a:extLst>
+            <a:ext uri="{909E8E84-426E-40DD-AFC4-6F175D3DCCD1}">
+              <a14:hiddenFill xmlns:a14="http://schemas.microsoft.com/office/drawing/2010/main">
+                <a:solidFill>
+                  <a:srgbClr val="FFFFFF"/>
+                </a:solidFill>
+              </a14:hiddenFill>
+            </a:ext>
+            <a:ext uri="{91240B29-F687-4F45-9708-019B960494DF}">
+              <a14:hiddenLine xmlns:a14="http://schemas.microsoft.com/office/drawing/2010/main" w="9525">
+                <a:solidFill>
+                  <a:srgbClr val="000000"/>
+                </a:solidFill>
+                <a:miter lim="800000"/>
+                <a:headEnd/>
+                <a:tailEnd/>
+              </a14:hiddenLine>
+            </a:ext>
+          </a:extLst>
+        </p:spPr>
+      </p:pic>
+      <p:pic>
+        <p:nvPicPr>
+          <p:cNvPr id="22" name="Graphic 17">
+            <a:extLst>
+              <a:ext uri="{FF2B5EF4-FFF2-40B4-BE49-F238E27FC236}">
+                <a16:creationId xmlns:a16="http://schemas.microsoft.com/office/drawing/2014/main" id="{E657E4ED-2386-3B69-C489-6542A0272E59}"/>
+              </a:ext>
+            </a:extLst>
+          </p:cNvPr>
+          <p:cNvPicPr>
+            <a:picLocks noChangeAspect="1" noChangeArrowheads="1"/>
+          </p:cNvPicPr>
+          <p:nvPr/>
+        </p:nvPicPr>
+        <p:blipFill>
+          <a:blip r:embed="rId6" cstate="print">
+            <a:extLst>
+              <a:ext uri="{28A0092B-C50C-407E-A947-70E740481C1C}">
+                <a14:useLocalDpi xmlns:a14="http://schemas.microsoft.com/office/drawing/2010/main" val="0"/>
+              </a:ext>
+            </a:extLst>
+          </a:blip>
+          <a:srcRect/>
+          <a:stretch>
+            <a:fillRect/>
+          </a:stretch>
+        </p:blipFill>
+        <p:spPr bwMode="auto">
+          <a:xfrm>
+            <a:off x="9972339" y="1422876"/>
+            <a:ext cx="505958" cy="484460"/>
+          </a:xfrm>
+          <a:prstGeom prst="rect">
+            <a:avLst/>
+          </a:prstGeom>
+          <a:noFill/>
+          <a:ln>
+            <a:noFill/>
+          </a:ln>
+          <a:extLst>
+            <a:ext uri="{909E8E84-426E-40DD-AFC4-6F175D3DCCD1}">
+              <a14:hiddenFill xmlns:a14="http://schemas.microsoft.com/office/drawing/2010/main">
+                <a:solidFill>
+                  <a:srgbClr val="FFFFFF"/>
+                </a:solidFill>
+              </a14:hiddenFill>
+            </a:ext>
+            <a:ext uri="{91240B29-F687-4F45-9708-019B960494DF}">
+              <a14:hiddenLine xmlns:a14="http://schemas.microsoft.com/office/drawing/2010/main" w="9525">
+                <a:solidFill>
+                  <a:srgbClr val="000000"/>
+                </a:solidFill>
+                <a:miter lim="800000"/>
+                <a:headEnd/>
+                <a:tailEnd/>
+              </a14:hiddenLine>
+            </a:ext>
+          </a:extLst>
+        </p:spPr>
+      </p:pic>
+      <p:pic>
+        <p:nvPicPr>
+          <p:cNvPr id="32" name="Graphic 23">
+            <a:extLst>
+              <a:ext uri="{FF2B5EF4-FFF2-40B4-BE49-F238E27FC236}">
+                <a16:creationId xmlns:a16="http://schemas.microsoft.com/office/drawing/2014/main" id="{BE3931D8-5CB5-ABE2-4F13-2168DB23F26F}"/>
+              </a:ext>
+            </a:extLst>
+          </p:cNvPr>
+          <p:cNvPicPr>
+            <a:picLocks noChangeAspect="1" noChangeArrowheads="1"/>
+          </p:cNvPicPr>
+          <p:nvPr/>
+        </p:nvPicPr>
+        <p:blipFill>
+          <a:blip r:embed="rId7" cstate="print">
+            <a:extLst>
+              <a:ext uri="{28A0092B-C50C-407E-A947-70E740481C1C}">
+                <a14:useLocalDpi xmlns:a14="http://schemas.microsoft.com/office/drawing/2010/main" val="0"/>
+              </a:ext>
+            </a:extLst>
+          </a:blip>
+          <a:srcRect/>
+          <a:stretch>
+            <a:fillRect/>
+          </a:stretch>
+        </p:blipFill>
+        <p:spPr bwMode="auto">
+          <a:xfrm>
+            <a:off x="9123946" y="1381593"/>
+            <a:ext cx="517815" cy="495813"/>
+          </a:xfrm>
+          <a:prstGeom prst="rect">
+            <a:avLst/>
+          </a:prstGeom>
+          <a:noFill/>
+          <a:ln>
+            <a:noFill/>
+          </a:ln>
+          <a:extLst>
+            <a:ext uri="{909E8E84-426E-40DD-AFC4-6F175D3DCCD1}">
+              <a14:hiddenFill xmlns:a14="http://schemas.microsoft.com/office/drawing/2010/main">
+                <a:solidFill>
+                  <a:srgbClr val="FFFFFF"/>
+                </a:solidFill>
+              </a14:hiddenFill>
+            </a:ext>
+            <a:ext uri="{91240B29-F687-4F45-9708-019B960494DF}">
+              <a14:hiddenLine xmlns:a14="http://schemas.microsoft.com/office/drawing/2010/main" w="9525">
+                <a:solidFill>
+                  <a:srgbClr val="000000"/>
+                </a:solidFill>
+                <a:miter lim="800000"/>
+                <a:headEnd/>
+                <a:tailEnd/>
+              </a14:hiddenLine>
+            </a:ext>
+          </a:extLst>
         </p:spPr>
       </p:pic>
       <p:sp>
         <p:nvSpPr>
-          <p:cNvPr id="17" name="TextBox 122">
-            <a:extLst>
-              <a:ext uri="{FF2B5EF4-FFF2-40B4-BE49-F238E27FC236}">
-                <a16:creationId xmlns:a16="http://schemas.microsoft.com/office/drawing/2014/main" id="{F7432B41-3B1B-577C-ED39-62AC971621B9}"/>
+          <p:cNvPr id="45" name="TextBox 10">
+            <a:extLst>
+              <a:ext uri="{FF2B5EF4-FFF2-40B4-BE49-F238E27FC236}">
+                <a16:creationId xmlns:a16="http://schemas.microsoft.com/office/drawing/2014/main" id="{7F2EA475-832D-E8B0-ECE1-F879DE341EF9}"/>
               </a:ext>
             </a:extLst>
           </p:cNvPr>
@@ -7643,8 +7608,8 @@
         </p:nvSpPr>
         <p:spPr>
           <a:xfrm>
-            <a:off x="9932106" y="2992970"/>
-            <a:ext cx="978166" cy="643253"/>
+            <a:off x="10712956" y="1923252"/>
+            <a:ext cx="578776" cy="236988"/>
           </a:xfrm>
           <a:prstGeom prst="rect">
             <a:avLst/>
@@ -7753,148 +7718,18 @@
           <a:p>
             <a:pPr algn="ctr"/>
             <a:r>
-              <a:rPr lang="en-IN" sz="900" b="1" dirty="0">
-                <a:ea typeface="Calibri" panose="020F0502020204030204" pitchFamily="34" charset="0"/>
-                <a:cs typeface="Calibri" panose="020F0502020204030204" pitchFamily="34" charset="0"/>
-              </a:rPr>
-              <a:t>IAM role </a:t>
-            </a:r>
-            <a:r>
-              <a:rPr lang="en-IN" sz="900" dirty="0">
-                <a:ea typeface="Calibri" panose="020F0502020204030204" pitchFamily="34" charset="0"/>
-                <a:cs typeface="Calibri" panose="020F0502020204030204" pitchFamily="34" charset="0"/>
-              </a:rPr>
-              <a:t>with S3 read write access and access to SNS</a:t>
+              <a:rPr lang="en-IN" sz="900" dirty="0"/>
+              <a:t>IAM</a:t>
             </a:r>
           </a:p>
         </p:txBody>
       </p:sp>
-      <p:pic>
-        <p:nvPicPr>
-          <p:cNvPr id="18" name="Graphic 13">
-            <a:extLst>
-              <a:ext uri="{FF2B5EF4-FFF2-40B4-BE49-F238E27FC236}">
-                <a16:creationId xmlns:a16="http://schemas.microsoft.com/office/drawing/2014/main" id="{0EAD1A95-CDC2-179A-9616-79105103C5EB}"/>
-              </a:ext>
-            </a:extLst>
-          </p:cNvPr>
-          <p:cNvPicPr>
-            <a:picLocks noChangeAspect="1" noChangeArrowheads="1"/>
-          </p:cNvPicPr>
-          <p:nvPr/>
-        </p:nvPicPr>
-        <p:blipFill>
-          <a:blip r:embed="rId6">
-            <a:extLst>
-              <a:ext uri="{28A0092B-C50C-407E-A947-70E740481C1C}">
-                <a14:useLocalDpi xmlns:a14="http://schemas.microsoft.com/office/drawing/2010/main" val="0"/>
-              </a:ext>
-            </a:extLst>
-          </a:blip>
-          <a:srcRect/>
-          <a:stretch>
-            <a:fillRect/>
-          </a:stretch>
-        </p:blipFill>
-        <p:spPr bwMode="auto">
-          <a:xfrm>
-            <a:off x="2697589" y="3673660"/>
-            <a:ext cx="639913" cy="639913"/>
-          </a:xfrm>
-          <a:prstGeom prst="rect">
-            <a:avLst/>
-          </a:prstGeom>
-          <a:noFill/>
-          <a:ln>
-            <a:noFill/>
-          </a:ln>
-          <a:extLst>
-            <a:ext uri="{909E8E84-426E-40DD-AFC4-6F175D3DCCD1}">
-              <a14:hiddenFill xmlns:a14="http://schemas.microsoft.com/office/drawing/2010/main">
-                <a:solidFill>
-                  <a:srgbClr val="FFFFFF"/>
-                </a:solidFill>
-              </a14:hiddenFill>
-            </a:ext>
-            <a:ext uri="{91240B29-F687-4F45-9708-019B960494DF}">
-              <a14:hiddenLine xmlns:a14="http://schemas.microsoft.com/office/drawing/2010/main" w="9525">
-                <a:solidFill>
-                  <a:srgbClr val="000000"/>
-                </a:solidFill>
-                <a:miter lim="800000"/>
-                <a:headEnd/>
-                <a:tailEnd/>
-              </a14:hiddenLine>
-            </a:ext>
-          </a:extLst>
-        </p:spPr>
-      </p:pic>
-      <p:pic>
-        <p:nvPicPr>
-          <p:cNvPr id="19" name="Graphic 63">
-            <a:extLst>
-              <a:ext uri="{FF2B5EF4-FFF2-40B4-BE49-F238E27FC236}">
-                <a16:creationId xmlns:a16="http://schemas.microsoft.com/office/drawing/2014/main" id="{A87B6F2E-C0EF-F0AF-AEA9-2052CF7FD47F}"/>
-              </a:ext>
-            </a:extLst>
-          </p:cNvPr>
-          <p:cNvPicPr>
-            <a:picLocks noChangeAspect="1" noChangeArrowheads="1"/>
-          </p:cNvPicPr>
-          <p:nvPr/>
-        </p:nvPicPr>
-        <p:blipFill>
-          <a:blip r:embed="rId7">
-            <a:extLst>
-              <a:ext uri="{28A0092B-C50C-407E-A947-70E740481C1C}">
-                <a14:useLocalDpi xmlns:a14="http://schemas.microsoft.com/office/drawing/2010/main" val="0"/>
-              </a:ext>
-            </a:extLst>
-          </a:blip>
-          <a:srcRect/>
-          <a:stretch>
-            <a:fillRect/>
-          </a:stretch>
-        </p:blipFill>
-        <p:spPr bwMode="auto">
-          <a:xfrm>
-            <a:off x="3134181" y="2201639"/>
-            <a:ext cx="617141" cy="617141"/>
-          </a:xfrm>
-          <a:prstGeom prst="rect">
-            <a:avLst/>
-          </a:prstGeom>
-          <a:noFill/>
-          <a:ln>
-            <a:noFill/>
-          </a:ln>
-          <a:extLst>
-            <a:ext uri="{909E8E84-426E-40DD-AFC4-6F175D3DCCD1}">
-              <a14:hiddenFill xmlns:a14="http://schemas.microsoft.com/office/drawing/2010/main">
-                <a:solidFill>
-                  <a:srgbClr val="FFFFFF"/>
-                </a:solidFill>
-              </a14:hiddenFill>
-            </a:ext>
-            <a:ext uri="{91240B29-F687-4F45-9708-019B960494DF}">
-              <a14:hiddenLine xmlns:a14="http://schemas.microsoft.com/office/drawing/2010/main" w="9525">
-                <a:solidFill>
-                  <a:srgbClr val="000000"/>
-                </a:solidFill>
-                <a:miter lim="800000"/>
-                <a:headEnd/>
-                <a:tailEnd/>
-              </a14:hiddenLine>
-            </a:ext>
-          </a:extLst>
-        </p:spPr>
-      </p:pic>
       <p:sp>
         <p:nvSpPr>
-          <p:cNvPr id="20" name="TextBox 134">
-            <a:extLst>
-              <a:ext uri="{FF2B5EF4-FFF2-40B4-BE49-F238E27FC236}">
-                <a16:creationId xmlns:a16="http://schemas.microsoft.com/office/drawing/2014/main" id="{5A01AD37-EF2F-CD72-6874-F2AD8C3AD4C0}"/>
+          <p:cNvPr id="46" name="TextBox 13">
+            <a:extLst>
+              <a:ext uri="{FF2B5EF4-FFF2-40B4-BE49-F238E27FC236}">
+                <a16:creationId xmlns:a16="http://schemas.microsoft.com/office/drawing/2014/main" id="{003F3DE1-07C2-1710-9ACE-89A0BFDE4668}"/>
               </a:ext>
             </a:extLst>
           </p:cNvPr>
@@ -7903,8 +7738,8 @@
         </p:nvSpPr>
         <p:spPr>
           <a:xfrm>
-            <a:off x="3578443" y="2236366"/>
-            <a:ext cx="1544856" cy="923330"/>
+            <a:off x="9740047" y="1920574"/>
+            <a:ext cx="967627" cy="236988"/>
           </a:xfrm>
           <a:prstGeom prst="rect">
             <a:avLst/>
@@ -8013,101 +7848,18 @@
           <a:p>
             <a:pPr algn="ctr"/>
             <a:r>
-              <a:rPr lang="en-US" sz="900" b="1" dirty="0"/>
-              <a:t>Input</a:t>
-            </a:r>
-            <a:r>
-              <a:rPr lang="en-US" sz="900" dirty="0"/>
-              <a:t> </a:t>
-            </a:r>
-            <a:r>
-              <a:rPr lang="en-US" sz="900" b="1" dirty="0"/>
-              <a:t>bucket</a:t>
-            </a:r>
-            <a:r>
-              <a:rPr lang="en-US" sz="900" dirty="0"/>
-              <a:t> </a:t>
-            </a:r>
-          </a:p>
-          <a:p>
-            <a:pPr algn="ctr"/>
-            <a:r>
-              <a:rPr lang="en-US" sz="900" dirty="0"/>
-              <a:t>(The S3 bucket contains the drug name and Data extracts from the Canada Vigilance adverse reaction online database(.txt files) as input)</a:t>
-            </a:r>
-            <a:endParaRPr lang="en-IN" sz="900" dirty="0">
-              <a:ea typeface="Calibri" panose="020F0502020204030204" pitchFamily="34" charset="0"/>
-              <a:cs typeface="Calibri" panose="020F0502020204030204" pitchFamily="34" charset="0"/>
-            </a:endParaRPr>
+              <a:rPr lang="en-IN" sz="900" dirty="0"/>
+              <a:t>Cloud watch</a:t>
+            </a:r>
           </a:p>
         </p:txBody>
       </p:sp>
-      <p:pic>
-        <p:nvPicPr>
-          <p:cNvPr id="23" name="Graphic 13">
-            <a:extLst>
-              <a:ext uri="{FF2B5EF4-FFF2-40B4-BE49-F238E27FC236}">
-                <a16:creationId xmlns:a16="http://schemas.microsoft.com/office/drawing/2014/main" id="{35DA9B2A-2917-2314-FC83-64AD82B4F697}"/>
-              </a:ext>
-            </a:extLst>
-          </p:cNvPr>
-          <p:cNvPicPr>
-            <a:picLocks noChangeAspect="1" noChangeArrowheads="1"/>
-          </p:cNvPicPr>
-          <p:nvPr/>
-        </p:nvPicPr>
-        <p:blipFill>
-          <a:blip r:embed="rId8" cstate="print">
-            <a:extLst>
-              <a:ext uri="{28A0092B-C50C-407E-A947-70E740481C1C}">
-                <a14:useLocalDpi xmlns:a14="http://schemas.microsoft.com/office/drawing/2010/main" val="0"/>
-              </a:ext>
-            </a:extLst>
-          </a:blip>
-          <a:srcRect/>
-          <a:stretch>
-            <a:fillRect/>
-          </a:stretch>
-        </p:blipFill>
-        <p:spPr bwMode="auto">
-          <a:xfrm>
-            <a:off x="7354397" y="4727155"/>
-            <a:ext cx="691618" cy="707005"/>
-          </a:xfrm>
-          <a:prstGeom prst="rect">
-            <a:avLst/>
-          </a:prstGeom>
-          <a:noFill/>
-          <a:ln>
-            <a:noFill/>
-          </a:ln>
-          <a:extLst>
-            <a:ext uri="{909E8E84-426E-40DD-AFC4-6F175D3DCCD1}">
-              <a14:hiddenFill xmlns:a14="http://schemas.microsoft.com/office/drawing/2010/main">
-                <a:solidFill>
-                  <a:srgbClr val="FFFFFF"/>
-                </a:solidFill>
-              </a14:hiddenFill>
-            </a:ext>
-            <a:ext uri="{91240B29-F687-4F45-9708-019B960494DF}">
-              <a14:hiddenLine xmlns:a14="http://schemas.microsoft.com/office/drawing/2010/main" w="9525">
-                <a:solidFill>
-                  <a:srgbClr val="000000"/>
-                </a:solidFill>
-                <a:miter lim="800000"/>
-                <a:headEnd/>
-                <a:tailEnd/>
-              </a14:hiddenLine>
-            </a:ext>
-          </a:extLst>
-        </p:spPr>
-      </p:pic>
       <p:sp>
         <p:nvSpPr>
-          <p:cNvPr id="24" name="TextBox 140">
-            <a:extLst>
-              <a:ext uri="{FF2B5EF4-FFF2-40B4-BE49-F238E27FC236}">
-                <a16:creationId xmlns:a16="http://schemas.microsoft.com/office/drawing/2014/main" id="{3488EABC-C20D-0656-630A-6685F646450E}"/>
+          <p:cNvPr id="48" name="TextBox 15">
+            <a:extLst>
+              <a:ext uri="{FF2B5EF4-FFF2-40B4-BE49-F238E27FC236}">
+                <a16:creationId xmlns:a16="http://schemas.microsoft.com/office/drawing/2014/main" id="{2211DAD8-894C-EBD1-3E50-7AC2E94FBD9C}"/>
               </a:ext>
             </a:extLst>
           </p:cNvPr>
@@ -8116,8 +7868,8 @@
         </p:nvSpPr>
         <p:spPr>
           <a:xfrm>
-            <a:off x="7103131" y="5337871"/>
-            <a:ext cx="1225162" cy="778675"/>
+            <a:off x="8818639" y="1903359"/>
+            <a:ext cx="1128428" cy="236988"/>
           </a:xfrm>
           <a:prstGeom prst="rect">
             <a:avLst/>
@@ -8226,31 +7978,18 @@
           <a:p>
             <a:pPr algn="ctr"/>
             <a:r>
-              <a:rPr lang="en-IN" sz="900" b="1" dirty="0">
-                <a:ea typeface="Calibri" panose="020F0502020204030204" pitchFamily="34" charset="0"/>
-                <a:cs typeface="Calibri" panose="020F0502020204030204" pitchFamily="34" charset="0"/>
-              </a:rPr>
-              <a:t>Lambda 4</a:t>
-            </a:r>
-          </a:p>
-          <a:p>
-            <a:pPr algn="ctr"/>
-            <a:r>
-              <a:rPr lang="en-IN" sz="900" dirty="0">
-                <a:ea typeface="Calibri" panose="020F0502020204030204" pitchFamily="34" charset="0"/>
-                <a:cs typeface="Calibri" panose="020F0502020204030204" pitchFamily="34" charset="0"/>
-              </a:rPr>
-              <a:t>(Lambda function to trigger an Email notification alert to Send mail to Client)</a:t>
+              <a:rPr lang="en-IN" sz="900" dirty="0"/>
+              <a:t>Cloud Trail</a:t>
             </a:r>
           </a:p>
         </p:txBody>
       </p:sp>
       <p:pic>
         <p:nvPicPr>
-          <p:cNvPr id="25" name="Graphic 18">
-            <a:extLst>
-              <a:ext uri="{FF2B5EF4-FFF2-40B4-BE49-F238E27FC236}">
-                <a16:creationId xmlns:a16="http://schemas.microsoft.com/office/drawing/2014/main" id="{FC8F1781-55BA-4DE6-E24F-CA2E4D38321C}"/>
+          <p:cNvPr id="49" name="Graphic 24">
+            <a:extLst>
+              <a:ext uri="{FF2B5EF4-FFF2-40B4-BE49-F238E27FC236}">
+                <a16:creationId xmlns:a16="http://schemas.microsoft.com/office/drawing/2014/main" id="{34D1719F-4633-EA06-157E-0B4EA6B379AF}"/>
               </a:ext>
             </a:extLst>
           </p:cNvPr>
@@ -8260,14 +7999,22 @@
           <p:nvPr/>
         </p:nvPicPr>
         <p:blipFill>
-          <a:blip r:embed="rId9" cstate="print"/>
+          <a:blip r:embed="rId8" cstate="print">
+            <a:extLst>
+              <a:ext uri="{28A0092B-C50C-407E-A947-70E740481C1C}">
+                <a14:useLocalDpi xmlns:a14="http://schemas.microsoft.com/office/drawing/2010/main" val="0"/>
+              </a:ext>
+            </a:extLst>
+          </a:blip>
           <a:srcRect/>
-          <a:stretch/>
+          <a:stretch>
+            <a:fillRect/>
+          </a:stretch>
         </p:blipFill>
         <p:spPr bwMode="auto">
           <a:xfrm>
-            <a:off x="9056941" y="4796331"/>
-            <a:ext cx="607679" cy="607679"/>
+            <a:off x="268154" y="2512910"/>
+            <a:ext cx="459702" cy="459702"/>
           </a:xfrm>
           <a:prstGeom prst="rect">
             <a:avLst/>
@@ -8297,55 +8044,12 @@
           </a:extLst>
         </p:spPr>
       </p:pic>
-      <p:cxnSp>
-        <p:nvCxnSpPr>
-          <p:cNvPr id="26" name="Straight Arrow Connector 25">
-            <a:extLst>
-              <a:ext uri="{FF2B5EF4-FFF2-40B4-BE49-F238E27FC236}">
-                <a16:creationId xmlns:a16="http://schemas.microsoft.com/office/drawing/2014/main" id="{24F5BFCC-152B-5BBB-FBD2-BD059B64BAF2}"/>
-              </a:ext>
-            </a:extLst>
-          </p:cNvPr>
-          <p:cNvCxnSpPr>
-            <a:cxnSpLocks/>
-            <a:stCxn id="23" idx="3"/>
-            <a:endCxn id="25" idx="1"/>
-          </p:cNvCxnSpPr>
-          <p:nvPr/>
-        </p:nvCxnSpPr>
-        <p:spPr>
-          <a:xfrm>
-            <a:off x="8046015" y="5080658"/>
-            <a:ext cx="1010926" cy="19513"/>
-          </a:xfrm>
-          <a:prstGeom prst="straightConnector1">
-            <a:avLst/>
-          </a:prstGeom>
-          <a:ln>
-            <a:tailEnd type="triangle"/>
-          </a:ln>
-        </p:spPr>
-        <p:style>
-          <a:lnRef idx="2">
-            <a:schemeClr val="accent1"/>
-          </a:lnRef>
-          <a:fillRef idx="0">
-            <a:schemeClr val="accent1"/>
-          </a:fillRef>
-          <a:effectRef idx="1">
-            <a:schemeClr val="accent1"/>
-          </a:effectRef>
-          <a:fontRef idx="minor">
-            <a:schemeClr val="tx1"/>
-          </a:fontRef>
-        </p:style>
-      </p:cxnSp>
       <p:sp>
         <p:nvSpPr>
-          <p:cNvPr id="27" name="TextBox 144">
-            <a:extLst>
-              <a:ext uri="{FF2B5EF4-FFF2-40B4-BE49-F238E27FC236}">
-                <a16:creationId xmlns:a16="http://schemas.microsoft.com/office/drawing/2014/main" id="{A848CE83-17D9-E2C6-BC96-8D3D652CBE73}"/>
+          <p:cNvPr id="57" name="TextBox 48">
+            <a:extLst>
+              <a:ext uri="{FF2B5EF4-FFF2-40B4-BE49-F238E27FC236}">
+                <a16:creationId xmlns:a16="http://schemas.microsoft.com/office/drawing/2014/main" id="{AFBA17F1-079D-BAC9-2916-A11AC5449E9A}"/>
               </a:ext>
             </a:extLst>
           </p:cNvPr>
@@ -8354,8 +8058,8 @@
         </p:nvSpPr>
         <p:spPr>
           <a:xfrm>
-            <a:off x="8794022" y="5376465"/>
-            <a:ext cx="1193897" cy="507832"/>
+            <a:off x="-60443" y="2961659"/>
+            <a:ext cx="1137866" cy="778675"/>
           </a:xfrm>
           <a:prstGeom prst="rect">
             <a:avLst/>
@@ -8464,31 +8168,30 @@
           <a:p>
             <a:pPr algn="ctr"/>
             <a:r>
-              <a:rPr lang="en-IN" sz="900" b="1" dirty="0">
-                <a:ea typeface="Calibri" panose="020F0502020204030204" pitchFamily="34" charset="0"/>
-                <a:cs typeface="Calibri" panose="020F0502020204030204" pitchFamily="34" charset="0"/>
-              </a:rPr>
-              <a:t>SES</a:t>
+              <a:rPr lang="en-US" sz="900" b="1" dirty="0"/>
+              <a:t>SNS</a:t>
+            </a:r>
+            <a:r>
+              <a:rPr lang="en-US" sz="900" dirty="0"/>
+              <a:t> </a:t>
             </a:r>
           </a:p>
           <a:p>
             <a:pPr algn="ctr"/>
             <a:r>
-              <a:rPr lang="en-IN" sz="900" dirty="0">
-                <a:ea typeface="Calibri" panose="020F0502020204030204" pitchFamily="34" charset="0"/>
-                <a:cs typeface="Calibri" panose="020F0502020204030204" pitchFamily="34" charset="0"/>
-              </a:rPr>
-              <a:t>     (To send mail to Client)</a:t>
-            </a:r>
+              <a:rPr lang="en-US" sz="900" dirty="0"/>
+              <a:t>(A notification will be triggered if the specified drug name is not available)</a:t>
+            </a:r>
+            <a:endParaRPr lang="en-IN" sz="900" dirty="0"/>
           </a:p>
         </p:txBody>
       </p:sp>
       <p:pic>
         <p:nvPicPr>
-          <p:cNvPr id="28" name="Graphic 6">
-            <a:extLst>
-              <a:ext uri="{FF2B5EF4-FFF2-40B4-BE49-F238E27FC236}">
-                <a16:creationId xmlns:a16="http://schemas.microsoft.com/office/drawing/2014/main" id="{354D6670-E050-5B3C-D497-CB568BBDB0BD}"/>
+          <p:cNvPr id="58" name="Graphic 13">
+            <a:extLst>
+              <a:ext uri="{FF2B5EF4-FFF2-40B4-BE49-F238E27FC236}">
+                <a16:creationId xmlns:a16="http://schemas.microsoft.com/office/drawing/2014/main" id="{7472E0CF-C46A-ABD7-E78B-6D4548030795}"/>
               </a:ext>
             </a:extLst>
           </p:cNvPr>
@@ -8498,14 +8201,22 @@
           <p:nvPr/>
         </p:nvPicPr>
         <p:blipFill>
-          <a:blip r:embed="rId10" cstate="print"/>
+          <a:blip r:embed="rId4">
+            <a:extLst>
+              <a:ext uri="{28A0092B-C50C-407E-A947-70E740481C1C}">
+                <a14:useLocalDpi xmlns:a14="http://schemas.microsoft.com/office/drawing/2010/main" val="0"/>
+              </a:ext>
+            </a:extLst>
+          </a:blip>
           <a:srcRect/>
-          <a:stretch/>
+          <a:stretch>
+            <a:fillRect/>
+          </a:stretch>
         </p:blipFill>
         <p:spPr bwMode="auto">
           <a:xfrm>
-            <a:off x="11552964" y="2529596"/>
-            <a:ext cx="557836" cy="557836"/>
+            <a:off x="4647114" y="3981740"/>
+            <a:ext cx="639913" cy="639913"/>
           </a:xfrm>
           <a:prstGeom prst="rect">
             <a:avLst/>
@@ -8537,10 +8248,10 @@
       </p:pic>
       <p:pic>
         <p:nvPicPr>
-          <p:cNvPr id="29" name="Graphic 19">
-            <a:extLst>
-              <a:ext uri="{FF2B5EF4-FFF2-40B4-BE49-F238E27FC236}">
-                <a16:creationId xmlns:a16="http://schemas.microsoft.com/office/drawing/2014/main" id="{93FFACA0-2C4A-E874-BB44-4DFE3436549E}"/>
+          <p:cNvPr id="59" name="Graphic 13">
+            <a:extLst>
+              <a:ext uri="{FF2B5EF4-FFF2-40B4-BE49-F238E27FC236}">
+                <a16:creationId xmlns:a16="http://schemas.microsoft.com/office/drawing/2014/main" id="{052916FB-FF48-5645-5C3A-B4FF3D095322}"/>
               </a:ext>
             </a:extLst>
           </p:cNvPr>
@@ -8550,14 +8261,22 @@
           <p:nvPr/>
         </p:nvPicPr>
         <p:blipFill>
-          <a:blip r:embed="rId11" cstate="print"/>
+          <a:blip r:embed="rId4">
+            <a:extLst>
+              <a:ext uri="{28A0092B-C50C-407E-A947-70E740481C1C}">
+                <a14:useLocalDpi xmlns:a14="http://schemas.microsoft.com/office/drawing/2010/main" val="0"/>
+              </a:ext>
+            </a:extLst>
+          </a:blip>
           <a:srcRect/>
-          <a:stretch/>
+          <a:stretch>
+            <a:fillRect/>
+          </a:stretch>
         </p:blipFill>
         <p:spPr bwMode="auto">
           <a:xfrm>
-            <a:off x="1395153" y="3087432"/>
-            <a:ext cx="461643" cy="461643"/>
+            <a:off x="7920866" y="5229623"/>
+            <a:ext cx="639913" cy="639913"/>
           </a:xfrm>
           <a:prstGeom prst="rect">
             <a:avLst/>
@@ -8589,10 +8308,10 @@
       </p:pic>
       <p:pic>
         <p:nvPicPr>
-          <p:cNvPr id="30" name="Graphic 19">
-            <a:extLst>
-              <a:ext uri="{FF2B5EF4-FFF2-40B4-BE49-F238E27FC236}">
-                <a16:creationId xmlns:a16="http://schemas.microsoft.com/office/drawing/2014/main" id="{C4035A5C-83AE-2669-EFB4-A8C68EBB814F}"/>
+          <p:cNvPr id="60" name="Graphic 13">
+            <a:extLst>
+              <a:ext uri="{FF2B5EF4-FFF2-40B4-BE49-F238E27FC236}">
+                <a16:creationId xmlns:a16="http://schemas.microsoft.com/office/drawing/2014/main" id="{322A6B1C-DF04-0544-ABE7-DC1AF86450AE}"/>
               </a:ext>
             </a:extLst>
           </p:cNvPr>
@@ -8602,7 +8321,7 @@
           <p:nvPr/>
         </p:nvPicPr>
         <p:blipFill>
-          <a:blip r:embed="rId12" cstate="print">
+          <a:blip r:embed="rId4">
             <a:extLst>
               <a:ext uri="{28A0092B-C50C-407E-A947-70E740481C1C}">
                 <a14:useLocalDpi xmlns:a14="http://schemas.microsoft.com/office/drawing/2010/main" val="0"/>
@@ -8616,8 +8335,8 @@
         </p:blipFill>
         <p:spPr bwMode="auto">
           <a:xfrm>
-            <a:off x="10712124" y="1422876"/>
-            <a:ext cx="505958" cy="484460"/>
+            <a:off x="7732122" y="2435942"/>
+            <a:ext cx="639913" cy="639913"/>
           </a:xfrm>
           <a:prstGeom prst="rect">
             <a:avLst/>
@@ -8647,163 +8366,146 @@
           </a:extLst>
         </p:spPr>
       </p:pic>
-      <p:sp>
-        <p:nvSpPr>
-          <p:cNvPr id="31" name="TextBox 161">
-            <a:extLst>
-              <a:ext uri="{FF2B5EF4-FFF2-40B4-BE49-F238E27FC236}">
-                <a16:creationId xmlns:a16="http://schemas.microsoft.com/office/drawing/2014/main" id="{4DAF1DAB-4970-D706-390B-9C8C7A5B41FA}"/>
-              </a:ext>
-            </a:extLst>
-          </p:cNvPr>
-          <p:cNvSpPr txBox="1"/>
+      <p:pic>
+        <p:nvPicPr>
+          <p:cNvPr id="61" name="Graphic 63">
+            <a:extLst>
+              <a:ext uri="{FF2B5EF4-FFF2-40B4-BE49-F238E27FC236}">
+                <a16:creationId xmlns:a16="http://schemas.microsoft.com/office/drawing/2014/main" id="{D1262B4F-80D5-C186-9921-B3B2199253EC}"/>
+              </a:ext>
+            </a:extLst>
+          </p:cNvPr>
+          <p:cNvPicPr>
+            <a:picLocks noChangeAspect="1" noChangeArrowheads="1"/>
+          </p:cNvPicPr>
           <p:nvPr/>
-        </p:nvSpPr>
-        <p:spPr>
+        </p:nvPicPr>
+        <p:blipFill>
+          <a:blip r:embed="rId9">
+            <a:extLst>
+              <a:ext uri="{28A0092B-C50C-407E-A947-70E740481C1C}">
+                <a14:useLocalDpi xmlns:a14="http://schemas.microsoft.com/office/drawing/2010/main" val="0"/>
+              </a:ext>
+            </a:extLst>
+          </a:blip>
+          <a:srcRect/>
+          <a:stretch>
+            <a:fillRect/>
+          </a:stretch>
+        </p:blipFill>
+        <p:spPr bwMode="auto">
           <a:xfrm>
-            <a:off x="1102488" y="3512551"/>
-            <a:ext cx="1027513" cy="643253"/>
+            <a:off x="1715984" y="3991300"/>
+            <a:ext cx="617141" cy="617141"/>
           </a:xfrm>
           <a:prstGeom prst="rect">
             <a:avLst/>
           </a:prstGeom>
           <a:noFill/>
+          <a:ln>
+            <a:noFill/>
+          </a:ln>
+          <a:extLst>
+            <a:ext uri="{909E8E84-426E-40DD-AFC4-6F175D3DCCD1}">
+              <a14:hiddenFill xmlns:a14="http://schemas.microsoft.com/office/drawing/2010/main">
+                <a:solidFill>
+                  <a:srgbClr val="FFFFFF"/>
+                </a:solidFill>
+              </a14:hiddenFill>
+            </a:ext>
+            <a:ext uri="{91240B29-F687-4F45-9708-019B960494DF}">
+              <a14:hiddenLine xmlns:a14="http://schemas.microsoft.com/office/drawing/2010/main" w="9525">
+                <a:solidFill>
+                  <a:srgbClr val="000000"/>
+                </a:solidFill>
+                <a:miter lim="800000"/>
+                <a:headEnd/>
+                <a:tailEnd/>
+              </a14:hiddenLine>
+            </a:ext>
+          </a:extLst>
         </p:spPr>
-        <p:txBody>
-          <a:bodyPr wrap="square" rtlCol="0">
-            <a:spAutoFit/>
-          </a:bodyPr>
-          <a:lstStyle>
-            <a:defPPr>
-              <a:defRPr lang="en-US"/>
-            </a:defPPr>
-            <a:lvl1pPr marL="0" algn="l" defTabSz="914400" rtl="0" eaLnBrk="1" latinLnBrk="0" hangingPunct="1">
-              <a:defRPr sz="1800" kern="1200">
-                <a:solidFill>
-                  <a:schemeClr val="tx1"/>
-                </a:solidFill>
-                <a:latin typeface="+mn-lt"/>
-                <a:ea typeface="+mn-ea"/>
-                <a:cs typeface="+mn-cs"/>
-              </a:defRPr>
-            </a:lvl1pPr>
-            <a:lvl2pPr marL="457200" algn="l" defTabSz="914400" rtl="0" eaLnBrk="1" latinLnBrk="0" hangingPunct="1">
-              <a:defRPr sz="1800" kern="1200">
-                <a:solidFill>
-                  <a:schemeClr val="tx1"/>
-                </a:solidFill>
-                <a:latin typeface="+mn-lt"/>
-                <a:ea typeface="+mn-ea"/>
-                <a:cs typeface="+mn-cs"/>
-              </a:defRPr>
-            </a:lvl2pPr>
-            <a:lvl3pPr marL="914400" algn="l" defTabSz="914400" rtl="0" eaLnBrk="1" latinLnBrk="0" hangingPunct="1">
-              <a:defRPr sz="1800" kern="1200">
-                <a:solidFill>
-                  <a:schemeClr val="tx1"/>
-                </a:solidFill>
-                <a:latin typeface="+mn-lt"/>
-                <a:ea typeface="+mn-ea"/>
-                <a:cs typeface="+mn-cs"/>
-              </a:defRPr>
-            </a:lvl3pPr>
-            <a:lvl4pPr marL="1371600" algn="l" defTabSz="914400" rtl="0" eaLnBrk="1" latinLnBrk="0" hangingPunct="1">
-              <a:defRPr sz="1800" kern="1200">
-                <a:solidFill>
-                  <a:schemeClr val="tx1"/>
-                </a:solidFill>
-                <a:latin typeface="+mn-lt"/>
-                <a:ea typeface="+mn-ea"/>
-                <a:cs typeface="+mn-cs"/>
-              </a:defRPr>
-            </a:lvl4pPr>
-            <a:lvl5pPr marL="1828800" algn="l" defTabSz="914400" rtl="0" eaLnBrk="1" latinLnBrk="0" hangingPunct="1">
-              <a:defRPr sz="1800" kern="1200">
-                <a:solidFill>
-                  <a:schemeClr val="tx1"/>
-                </a:solidFill>
-                <a:latin typeface="+mn-lt"/>
-                <a:ea typeface="+mn-ea"/>
-                <a:cs typeface="+mn-cs"/>
-              </a:defRPr>
-            </a:lvl5pPr>
-            <a:lvl6pPr marL="2286000" algn="l" defTabSz="914400" rtl="0" eaLnBrk="1" latinLnBrk="0" hangingPunct="1">
-              <a:defRPr sz="1800" kern="1200">
-                <a:solidFill>
-                  <a:schemeClr val="tx1"/>
-                </a:solidFill>
-                <a:latin typeface="+mn-lt"/>
-                <a:ea typeface="+mn-ea"/>
-                <a:cs typeface="+mn-cs"/>
-              </a:defRPr>
-            </a:lvl6pPr>
-            <a:lvl7pPr marL="2743200" algn="l" defTabSz="914400" rtl="0" eaLnBrk="1" latinLnBrk="0" hangingPunct="1">
-              <a:defRPr sz="1800" kern="1200">
-                <a:solidFill>
-                  <a:schemeClr val="tx1"/>
-                </a:solidFill>
-                <a:latin typeface="+mn-lt"/>
-                <a:ea typeface="+mn-ea"/>
-                <a:cs typeface="+mn-cs"/>
-              </a:defRPr>
-            </a:lvl7pPr>
-            <a:lvl8pPr marL="3200400" algn="l" defTabSz="914400" rtl="0" eaLnBrk="1" latinLnBrk="0" hangingPunct="1">
-              <a:defRPr sz="1800" kern="1200">
-                <a:solidFill>
-                  <a:schemeClr val="tx1"/>
-                </a:solidFill>
-                <a:latin typeface="+mn-lt"/>
-                <a:ea typeface="+mn-ea"/>
-                <a:cs typeface="+mn-cs"/>
-              </a:defRPr>
-            </a:lvl8pPr>
-            <a:lvl9pPr marL="3657600" algn="l" defTabSz="914400" rtl="0" eaLnBrk="1" latinLnBrk="0" hangingPunct="1">
-              <a:defRPr sz="1800" kern="1200">
-                <a:solidFill>
-                  <a:schemeClr val="tx1"/>
-                </a:solidFill>
-                <a:latin typeface="+mn-lt"/>
-                <a:ea typeface="+mn-ea"/>
-                <a:cs typeface="+mn-cs"/>
-              </a:defRPr>
-            </a:lvl9pPr>
-          </a:lstStyle>
-          <a:p>
-            <a:pPr algn="ctr"/>
-            <a:r>
-              <a:rPr lang="en-IN" sz="900" b="1" dirty="0"/>
-              <a:t>Event bridge</a:t>
-            </a:r>
-          </a:p>
-          <a:p>
-            <a:pPr algn="ctr"/>
-            <a:r>
-              <a:rPr lang="en-IN" sz="900" dirty="0"/>
-              <a:t>(To trigger the scheduled lambda ) </a:t>
-            </a:r>
-          </a:p>
-        </p:txBody>
-      </p:sp>
+      </p:pic>
+      <p:pic>
+        <p:nvPicPr>
+          <p:cNvPr id="62" name="Graphic 63">
+            <a:extLst>
+              <a:ext uri="{FF2B5EF4-FFF2-40B4-BE49-F238E27FC236}">
+                <a16:creationId xmlns:a16="http://schemas.microsoft.com/office/drawing/2014/main" id="{A4B36F36-EB1C-EC6E-E8EE-290982F1F7CA}"/>
+              </a:ext>
+            </a:extLst>
+          </p:cNvPr>
+          <p:cNvPicPr>
+            <a:picLocks noChangeAspect="1" noChangeArrowheads="1"/>
+          </p:cNvPicPr>
+          <p:nvPr/>
+        </p:nvPicPr>
+        <p:blipFill>
+          <a:blip r:embed="rId9">
+            <a:extLst>
+              <a:ext uri="{28A0092B-C50C-407E-A947-70E740481C1C}">
+                <a14:useLocalDpi xmlns:a14="http://schemas.microsoft.com/office/drawing/2010/main" val="0"/>
+              </a:ext>
+            </a:extLst>
+          </a:blip>
+          <a:srcRect/>
+          <a:stretch>
+            <a:fillRect/>
+          </a:stretch>
+        </p:blipFill>
+        <p:spPr bwMode="auto">
+          <a:xfrm>
+            <a:off x="6934692" y="3993123"/>
+            <a:ext cx="617141" cy="617141"/>
+          </a:xfrm>
+          <a:prstGeom prst="rect">
+            <a:avLst/>
+          </a:prstGeom>
+          <a:noFill/>
+          <a:ln>
+            <a:noFill/>
+          </a:ln>
+          <a:extLst>
+            <a:ext uri="{909E8E84-426E-40DD-AFC4-6F175D3DCCD1}">
+              <a14:hiddenFill xmlns:a14="http://schemas.microsoft.com/office/drawing/2010/main">
+                <a:solidFill>
+                  <a:srgbClr val="FFFFFF"/>
+                </a:solidFill>
+              </a14:hiddenFill>
+            </a:ext>
+            <a:ext uri="{91240B29-F687-4F45-9708-019B960494DF}">
+              <a14:hiddenLine xmlns:a14="http://schemas.microsoft.com/office/drawing/2010/main" w="9525">
+                <a:solidFill>
+                  <a:srgbClr val="000000"/>
+                </a:solidFill>
+                <a:miter lim="800000"/>
+                <a:headEnd/>
+                <a:tailEnd/>
+              </a14:hiddenLine>
+            </a:ext>
+          </a:extLst>
+        </p:spPr>
+      </p:pic>
       <p:cxnSp>
         <p:nvCxnSpPr>
-          <p:cNvPr id="33" name="Connector: Elbow 201">
-            <a:extLst>
-              <a:ext uri="{FF2B5EF4-FFF2-40B4-BE49-F238E27FC236}">
-                <a16:creationId xmlns:a16="http://schemas.microsoft.com/office/drawing/2014/main" id="{F6ED5FB1-A4C6-AC5A-75B6-27D04789063A}"/>
+          <p:cNvPr id="63" name="Straight Arrow Connector 13">
+            <a:extLst>
+              <a:ext uri="{FF2B5EF4-FFF2-40B4-BE49-F238E27FC236}">
+                <a16:creationId xmlns:a16="http://schemas.microsoft.com/office/drawing/2014/main" id="{6DCB6ADE-CCBF-B4D6-93F1-32C4ABE8810C}"/>
               </a:ext>
             </a:extLst>
           </p:cNvPr>
           <p:cNvCxnSpPr>
             <a:cxnSpLocks/>
-            <a:stCxn id="29" idx="3"/>
-            <a:endCxn id="18" idx="0"/>
+            <a:stCxn id="16" idx="1"/>
+            <a:endCxn id="61" idx="0"/>
           </p:cNvCxnSpPr>
           <p:nvPr/>
         </p:nvCxnSpPr>
         <p:spPr>
-          <a:xfrm>
-            <a:off x="1856796" y="3318254"/>
-            <a:ext cx="1160750" cy="355406"/>
+          <a:xfrm rot="10800000" flipV="1">
+            <a:off x="2024556" y="2544882"/>
+            <a:ext cx="2341199" cy="1446418"/>
           </a:xfrm>
           <a:prstGeom prst="bentConnector2">
             <a:avLst/>
@@ -8827,1449 +8529,26 @@
           </a:fontRef>
         </p:style>
       </p:cxnSp>
-      <p:sp>
-        <p:nvSpPr>
-          <p:cNvPr id="34" name="TextBox 208">
-            <a:extLst>
-              <a:ext uri="{FF2B5EF4-FFF2-40B4-BE49-F238E27FC236}">
-                <a16:creationId xmlns:a16="http://schemas.microsoft.com/office/drawing/2014/main" id="{DE3343E1-FDB4-417C-7258-10B191ABE49A}"/>
-              </a:ext>
-            </a:extLst>
-          </p:cNvPr>
-          <p:cNvSpPr txBox="1"/>
-          <p:nvPr/>
-        </p:nvSpPr>
-        <p:spPr>
-          <a:xfrm>
-            <a:off x="2921717" y="1795854"/>
-            <a:ext cx="1544857" cy="236988"/>
-          </a:xfrm>
-          <a:prstGeom prst="rect">
-            <a:avLst/>
-          </a:prstGeom>
-          <a:noFill/>
-        </p:spPr>
-        <p:txBody>
-          <a:bodyPr wrap="square" rtlCol="0">
-            <a:spAutoFit/>
-          </a:bodyPr>
-          <a:lstStyle>
-            <a:defPPr>
-              <a:defRPr lang="en-US"/>
-            </a:defPPr>
-            <a:lvl1pPr marL="0" algn="l" defTabSz="914400" rtl="0" eaLnBrk="1" latinLnBrk="0" hangingPunct="1">
-              <a:defRPr sz="1800" kern="1200">
-                <a:solidFill>
-                  <a:schemeClr val="tx1"/>
-                </a:solidFill>
-                <a:latin typeface="+mn-lt"/>
-                <a:ea typeface="+mn-ea"/>
-                <a:cs typeface="+mn-cs"/>
-              </a:defRPr>
-            </a:lvl1pPr>
-            <a:lvl2pPr marL="457200" algn="l" defTabSz="914400" rtl="0" eaLnBrk="1" latinLnBrk="0" hangingPunct="1">
-              <a:defRPr sz="1800" kern="1200">
-                <a:solidFill>
-                  <a:schemeClr val="tx1"/>
-                </a:solidFill>
-                <a:latin typeface="+mn-lt"/>
-                <a:ea typeface="+mn-ea"/>
-                <a:cs typeface="+mn-cs"/>
-              </a:defRPr>
-            </a:lvl2pPr>
-            <a:lvl3pPr marL="914400" algn="l" defTabSz="914400" rtl="0" eaLnBrk="1" latinLnBrk="0" hangingPunct="1">
-              <a:defRPr sz="1800" kern="1200">
-                <a:solidFill>
-                  <a:schemeClr val="tx1"/>
-                </a:solidFill>
-                <a:latin typeface="+mn-lt"/>
-                <a:ea typeface="+mn-ea"/>
-                <a:cs typeface="+mn-cs"/>
-              </a:defRPr>
-            </a:lvl3pPr>
-            <a:lvl4pPr marL="1371600" algn="l" defTabSz="914400" rtl="0" eaLnBrk="1" latinLnBrk="0" hangingPunct="1">
-              <a:defRPr sz="1800" kern="1200">
-                <a:solidFill>
-                  <a:schemeClr val="tx1"/>
-                </a:solidFill>
-                <a:latin typeface="+mn-lt"/>
-                <a:ea typeface="+mn-ea"/>
-                <a:cs typeface="+mn-cs"/>
-              </a:defRPr>
-            </a:lvl4pPr>
-            <a:lvl5pPr marL="1828800" algn="l" defTabSz="914400" rtl="0" eaLnBrk="1" latinLnBrk="0" hangingPunct="1">
-              <a:defRPr sz="1800" kern="1200">
-                <a:solidFill>
-                  <a:schemeClr val="tx1"/>
-                </a:solidFill>
-                <a:latin typeface="+mn-lt"/>
-                <a:ea typeface="+mn-ea"/>
-                <a:cs typeface="+mn-cs"/>
-              </a:defRPr>
-            </a:lvl5pPr>
-            <a:lvl6pPr marL="2286000" algn="l" defTabSz="914400" rtl="0" eaLnBrk="1" latinLnBrk="0" hangingPunct="1">
-              <a:defRPr sz="1800" kern="1200">
-                <a:solidFill>
-                  <a:schemeClr val="tx1"/>
-                </a:solidFill>
-                <a:latin typeface="+mn-lt"/>
-                <a:ea typeface="+mn-ea"/>
-                <a:cs typeface="+mn-cs"/>
-              </a:defRPr>
-            </a:lvl6pPr>
-            <a:lvl7pPr marL="2743200" algn="l" defTabSz="914400" rtl="0" eaLnBrk="1" latinLnBrk="0" hangingPunct="1">
-              <a:defRPr sz="1800" kern="1200">
-                <a:solidFill>
-                  <a:schemeClr val="tx1"/>
-                </a:solidFill>
-                <a:latin typeface="+mn-lt"/>
-                <a:ea typeface="+mn-ea"/>
-                <a:cs typeface="+mn-cs"/>
-              </a:defRPr>
-            </a:lvl7pPr>
-            <a:lvl8pPr marL="3200400" algn="l" defTabSz="914400" rtl="0" eaLnBrk="1" latinLnBrk="0" hangingPunct="1">
-              <a:defRPr sz="1800" kern="1200">
-                <a:solidFill>
-                  <a:schemeClr val="tx1"/>
-                </a:solidFill>
-                <a:latin typeface="+mn-lt"/>
-                <a:ea typeface="+mn-ea"/>
-                <a:cs typeface="+mn-cs"/>
-              </a:defRPr>
-            </a:lvl8pPr>
-            <a:lvl9pPr marL="3657600" algn="l" defTabSz="914400" rtl="0" eaLnBrk="1" latinLnBrk="0" hangingPunct="1">
-              <a:defRPr sz="1800" kern="1200">
-                <a:solidFill>
-                  <a:schemeClr val="tx1"/>
-                </a:solidFill>
-                <a:latin typeface="+mn-lt"/>
-                <a:ea typeface="+mn-ea"/>
-                <a:cs typeface="+mn-cs"/>
-              </a:defRPr>
-            </a:lvl9pPr>
-          </a:lstStyle>
-          <a:p>
-            <a:r>
-              <a:rPr lang="en-IN" sz="900" b="1" dirty="0"/>
-              <a:t>FETCHING &amp; FILTERING</a:t>
-            </a:r>
-          </a:p>
-        </p:txBody>
-      </p:sp>
       <p:cxnSp>
         <p:nvCxnSpPr>
-          <p:cNvPr id="35" name="Straight Arrow Connector 34">
-            <a:extLst>
-              <a:ext uri="{FF2B5EF4-FFF2-40B4-BE49-F238E27FC236}">
-                <a16:creationId xmlns:a16="http://schemas.microsoft.com/office/drawing/2014/main" id="{701BAD55-9919-ABED-FE11-53BBA83C3CC0}"/>
+          <p:cNvPr id="64" name="Straight Arrow Connector 16">
+            <a:extLst>
+              <a:ext uri="{FF2B5EF4-FFF2-40B4-BE49-F238E27FC236}">
+                <a16:creationId xmlns:a16="http://schemas.microsoft.com/office/drawing/2014/main" id="{BF6F0841-7192-8BF7-E950-E331D46566FA}"/>
               </a:ext>
             </a:extLst>
           </p:cNvPr>
           <p:cNvCxnSpPr>
             <a:cxnSpLocks/>
+            <a:stCxn id="79" idx="2"/>
+            <a:endCxn id="59" idx="1"/>
           </p:cNvCxnSpPr>
           <p:nvPr/>
         </p:nvCxnSpPr>
         <p:spPr>
-          <a:xfrm>
-            <a:off x="5979079" y="4338346"/>
-            <a:ext cx="1501224" cy="794691"/>
-          </a:xfrm>
-          <a:prstGeom prst="bentConnector3">
-            <a:avLst>
-              <a:gd name="adj1" fmla="val 87"/>
-            </a:avLst>
-          </a:prstGeom>
-          <a:ln>
-            <a:headEnd type="triangle"/>
-            <a:tailEnd type="triangle"/>
-          </a:ln>
-        </p:spPr>
-        <p:style>
-          <a:lnRef idx="1">
-            <a:schemeClr val="accent1"/>
-          </a:lnRef>
-          <a:fillRef idx="0">
-            <a:schemeClr val="accent1"/>
-          </a:fillRef>
-          <a:effectRef idx="0">
-            <a:schemeClr val="accent1"/>
-          </a:effectRef>
-          <a:fontRef idx="minor">
-            <a:schemeClr val="tx1"/>
-          </a:fontRef>
-        </p:style>
-      </p:cxnSp>
-      <p:pic>
-        <p:nvPicPr>
-          <p:cNvPr id="36" name="Graphic 17">
-            <a:extLst>
-              <a:ext uri="{FF2B5EF4-FFF2-40B4-BE49-F238E27FC236}">
-                <a16:creationId xmlns:a16="http://schemas.microsoft.com/office/drawing/2014/main" id="{DE157E69-926E-3567-43B5-F982D155F6A6}"/>
-              </a:ext>
-            </a:extLst>
-          </p:cNvPr>
-          <p:cNvPicPr>
-            <a:picLocks noChangeAspect="1" noChangeArrowheads="1"/>
-          </p:cNvPicPr>
-          <p:nvPr/>
-        </p:nvPicPr>
-        <p:blipFill>
-          <a:blip r:embed="rId13" cstate="print">
-            <a:extLst>
-              <a:ext uri="{28A0092B-C50C-407E-A947-70E740481C1C}">
-                <a14:useLocalDpi xmlns:a14="http://schemas.microsoft.com/office/drawing/2010/main" val="0"/>
-              </a:ext>
-            </a:extLst>
-          </a:blip>
-          <a:srcRect/>
-          <a:stretch>
-            <a:fillRect/>
-          </a:stretch>
-        </p:blipFill>
-        <p:spPr bwMode="auto">
-          <a:xfrm>
-            <a:off x="9901999" y="1422876"/>
-            <a:ext cx="505958" cy="484460"/>
-          </a:xfrm>
-          <a:prstGeom prst="rect">
-            <a:avLst/>
-          </a:prstGeom>
-          <a:noFill/>
-          <a:ln>
-            <a:noFill/>
-          </a:ln>
-          <a:extLst>
-            <a:ext uri="{909E8E84-426E-40DD-AFC4-6F175D3DCCD1}">
-              <a14:hiddenFill xmlns:a14="http://schemas.microsoft.com/office/drawing/2010/main">
-                <a:solidFill>
-                  <a:srgbClr val="FFFFFF"/>
-                </a:solidFill>
-              </a14:hiddenFill>
-            </a:ext>
-            <a:ext uri="{91240B29-F687-4F45-9708-019B960494DF}">
-              <a14:hiddenLine xmlns:a14="http://schemas.microsoft.com/office/drawing/2010/main" w="9525">
-                <a:solidFill>
-                  <a:srgbClr val="000000"/>
-                </a:solidFill>
-                <a:miter lim="800000"/>
-                <a:headEnd/>
-                <a:tailEnd/>
-              </a14:hiddenLine>
-            </a:ext>
-          </a:extLst>
-        </p:spPr>
-      </p:pic>
-      <p:pic>
-        <p:nvPicPr>
-          <p:cNvPr id="37" name="Graphic 23">
-            <a:extLst>
-              <a:ext uri="{FF2B5EF4-FFF2-40B4-BE49-F238E27FC236}">
-                <a16:creationId xmlns:a16="http://schemas.microsoft.com/office/drawing/2014/main" id="{EDBC0C88-3EDD-E98E-C040-BE3EAD7FE38C}"/>
-              </a:ext>
-            </a:extLst>
-          </p:cNvPr>
-          <p:cNvPicPr>
-            <a:picLocks noChangeAspect="1" noChangeArrowheads="1"/>
-          </p:cNvPicPr>
-          <p:nvPr/>
-        </p:nvPicPr>
-        <p:blipFill>
-          <a:blip r:embed="rId14" cstate="print">
-            <a:extLst>
-              <a:ext uri="{28A0092B-C50C-407E-A947-70E740481C1C}">
-                <a14:useLocalDpi xmlns:a14="http://schemas.microsoft.com/office/drawing/2010/main" val="0"/>
-              </a:ext>
-            </a:extLst>
-          </a:blip>
-          <a:srcRect/>
-          <a:stretch>
-            <a:fillRect/>
-          </a:stretch>
-        </p:blipFill>
-        <p:spPr bwMode="auto">
-          <a:xfrm>
-            <a:off x="9053606" y="1381593"/>
-            <a:ext cx="517815" cy="495813"/>
-          </a:xfrm>
-          <a:prstGeom prst="rect">
-            <a:avLst/>
-          </a:prstGeom>
-          <a:noFill/>
-          <a:ln>
-            <a:noFill/>
-          </a:ln>
-          <a:extLst>
-            <a:ext uri="{909E8E84-426E-40DD-AFC4-6F175D3DCCD1}">
-              <a14:hiddenFill xmlns:a14="http://schemas.microsoft.com/office/drawing/2010/main">
-                <a:solidFill>
-                  <a:srgbClr val="FFFFFF"/>
-                </a:solidFill>
-              </a14:hiddenFill>
-            </a:ext>
-            <a:ext uri="{91240B29-F687-4F45-9708-019B960494DF}">
-              <a14:hiddenLine xmlns:a14="http://schemas.microsoft.com/office/drawing/2010/main" w="9525">
-                <a:solidFill>
-                  <a:srgbClr val="000000"/>
-                </a:solidFill>
-                <a:miter lim="800000"/>
-                <a:headEnd/>
-                <a:tailEnd/>
-              </a14:hiddenLine>
-            </a:ext>
-          </a:extLst>
-        </p:spPr>
-      </p:pic>
-      <p:sp>
-        <p:nvSpPr>
-          <p:cNvPr id="38" name="TextBox 10">
-            <a:extLst>
-              <a:ext uri="{FF2B5EF4-FFF2-40B4-BE49-F238E27FC236}">
-                <a16:creationId xmlns:a16="http://schemas.microsoft.com/office/drawing/2014/main" id="{04460840-4F11-4C04-8E73-37C9431CB714}"/>
-              </a:ext>
-            </a:extLst>
-          </p:cNvPr>
-          <p:cNvSpPr txBox="1"/>
-          <p:nvPr/>
-        </p:nvSpPr>
-        <p:spPr>
-          <a:xfrm>
-            <a:off x="10642616" y="1923252"/>
-            <a:ext cx="578776" cy="236988"/>
-          </a:xfrm>
-          <a:prstGeom prst="rect">
-            <a:avLst/>
-          </a:prstGeom>
-          <a:noFill/>
-        </p:spPr>
-        <p:txBody>
-          <a:bodyPr wrap="square" rtlCol="0">
-            <a:spAutoFit/>
-          </a:bodyPr>
-          <a:lstStyle>
-            <a:defPPr>
-              <a:defRPr lang="en-US"/>
-            </a:defPPr>
-            <a:lvl1pPr marL="0" algn="l" defTabSz="914400" rtl="0" eaLnBrk="1" latinLnBrk="0" hangingPunct="1">
-              <a:defRPr sz="1800" kern="1200">
-                <a:solidFill>
-                  <a:schemeClr val="tx1"/>
-                </a:solidFill>
-                <a:latin typeface="+mn-lt"/>
-                <a:ea typeface="+mn-ea"/>
-                <a:cs typeface="+mn-cs"/>
-              </a:defRPr>
-            </a:lvl1pPr>
-            <a:lvl2pPr marL="457200" algn="l" defTabSz="914400" rtl="0" eaLnBrk="1" latinLnBrk="0" hangingPunct="1">
-              <a:defRPr sz="1800" kern="1200">
-                <a:solidFill>
-                  <a:schemeClr val="tx1"/>
-                </a:solidFill>
-                <a:latin typeface="+mn-lt"/>
-                <a:ea typeface="+mn-ea"/>
-                <a:cs typeface="+mn-cs"/>
-              </a:defRPr>
-            </a:lvl2pPr>
-            <a:lvl3pPr marL="914400" algn="l" defTabSz="914400" rtl="0" eaLnBrk="1" latinLnBrk="0" hangingPunct="1">
-              <a:defRPr sz="1800" kern="1200">
-                <a:solidFill>
-                  <a:schemeClr val="tx1"/>
-                </a:solidFill>
-                <a:latin typeface="+mn-lt"/>
-                <a:ea typeface="+mn-ea"/>
-                <a:cs typeface="+mn-cs"/>
-              </a:defRPr>
-            </a:lvl3pPr>
-            <a:lvl4pPr marL="1371600" algn="l" defTabSz="914400" rtl="0" eaLnBrk="1" latinLnBrk="0" hangingPunct="1">
-              <a:defRPr sz="1800" kern="1200">
-                <a:solidFill>
-                  <a:schemeClr val="tx1"/>
-                </a:solidFill>
-                <a:latin typeface="+mn-lt"/>
-                <a:ea typeface="+mn-ea"/>
-                <a:cs typeface="+mn-cs"/>
-              </a:defRPr>
-            </a:lvl4pPr>
-            <a:lvl5pPr marL="1828800" algn="l" defTabSz="914400" rtl="0" eaLnBrk="1" latinLnBrk="0" hangingPunct="1">
-              <a:defRPr sz="1800" kern="1200">
-                <a:solidFill>
-                  <a:schemeClr val="tx1"/>
-                </a:solidFill>
-                <a:latin typeface="+mn-lt"/>
-                <a:ea typeface="+mn-ea"/>
-                <a:cs typeface="+mn-cs"/>
-              </a:defRPr>
-            </a:lvl5pPr>
-            <a:lvl6pPr marL="2286000" algn="l" defTabSz="914400" rtl="0" eaLnBrk="1" latinLnBrk="0" hangingPunct="1">
-              <a:defRPr sz="1800" kern="1200">
-                <a:solidFill>
-                  <a:schemeClr val="tx1"/>
-                </a:solidFill>
-                <a:latin typeface="+mn-lt"/>
-                <a:ea typeface="+mn-ea"/>
-                <a:cs typeface="+mn-cs"/>
-              </a:defRPr>
-            </a:lvl6pPr>
-            <a:lvl7pPr marL="2743200" algn="l" defTabSz="914400" rtl="0" eaLnBrk="1" latinLnBrk="0" hangingPunct="1">
-              <a:defRPr sz="1800" kern="1200">
-                <a:solidFill>
-                  <a:schemeClr val="tx1"/>
-                </a:solidFill>
-                <a:latin typeface="+mn-lt"/>
-                <a:ea typeface="+mn-ea"/>
-                <a:cs typeface="+mn-cs"/>
-              </a:defRPr>
-            </a:lvl7pPr>
-            <a:lvl8pPr marL="3200400" algn="l" defTabSz="914400" rtl="0" eaLnBrk="1" latinLnBrk="0" hangingPunct="1">
-              <a:defRPr sz="1800" kern="1200">
-                <a:solidFill>
-                  <a:schemeClr val="tx1"/>
-                </a:solidFill>
-                <a:latin typeface="+mn-lt"/>
-                <a:ea typeface="+mn-ea"/>
-                <a:cs typeface="+mn-cs"/>
-              </a:defRPr>
-            </a:lvl8pPr>
-            <a:lvl9pPr marL="3657600" algn="l" defTabSz="914400" rtl="0" eaLnBrk="1" latinLnBrk="0" hangingPunct="1">
-              <a:defRPr sz="1800" kern="1200">
-                <a:solidFill>
-                  <a:schemeClr val="tx1"/>
-                </a:solidFill>
-                <a:latin typeface="+mn-lt"/>
-                <a:ea typeface="+mn-ea"/>
-                <a:cs typeface="+mn-cs"/>
-              </a:defRPr>
-            </a:lvl9pPr>
-          </a:lstStyle>
-          <a:p>
-            <a:pPr algn="ctr"/>
-            <a:r>
-              <a:rPr lang="en-IN" sz="900" dirty="0"/>
-              <a:t>IAM</a:t>
-            </a:r>
-          </a:p>
-        </p:txBody>
-      </p:sp>
-      <p:sp>
-        <p:nvSpPr>
-          <p:cNvPr id="39" name="TextBox 13">
-            <a:extLst>
-              <a:ext uri="{FF2B5EF4-FFF2-40B4-BE49-F238E27FC236}">
-                <a16:creationId xmlns:a16="http://schemas.microsoft.com/office/drawing/2014/main" id="{6EA5F345-F629-AD47-38C3-20B469E9CD79}"/>
-              </a:ext>
-            </a:extLst>
-          </p:cNvPr>
-          <p:cNvSpPr txBox="1"/>
-          <p:nvPr/>
-        </p:nvSpPr>
-        <p:spPr>
-          <a:xfrm>
-            <a:off x="9669707" y="1920574"/>
-            <a:ext cx="967627" cy="236988"/>
-          </a:xfrm>
-          <a:prstGeom prst="rect">
-            <a:avLst/>
-          </a:prstGeom>
-          <a:noFill/>
-        </p:spPr>
-        <p:txBody>
-          <a:bodyPr wrap="square" rtlCol="0">
-            <a:spAutoFit/>
-          </a:bodyPr>
-          <a:lstStyle>
-            <a:defPPr>
-              <a:defRPr lang="en-US"/>
-            </a:defPPr>
-            <a:lvl1pPr marL="0" algn="l" defTabSz="914400" rtl="0" eaLnBrk="1" latinLnBrk="0" hangingPunct="1">
-              <a:defRPr sz="1800" kern="1200">
-                <a:solidFill>
-                  <a:schemeClr val="tx1"/>
-                </a:solidFill>
-                <a:latin typeface="+mn-lt"/>
-                <a:ea typeface="+mn-ea"/>
-                <a:cs typeface="+mn-cs"/>
-              </a:defRPr>
-            </a:lvl1pPr>
-            <a:lvl2pPr marL="457200" algn="l" defTabSz="914400" rtl="0" eaLnBrk="1" latinLnBrk="0" hangingPunct="1">
-              <a:defRPr sz="1800" kern="1200">
-                <a:solidFill>
-                  <a:schemeClr val="tx1"/>
-                </a:solidFill>
-                <a:latin typeface="+mn-lt"/>
-                <a:ea typeface="+mn-ea"/>
-                <a:cs typeface="+mn-cs"/>
-              </a:defRPr>
-            </a:lvl2pPr>
-            <a:lvl3pPr marL="914400" algn="l" defTabSz="914400" rtl="0" eaLnBrk="1" latinLnBrk="0" hangingPunct="1">
-              <a:defRPr sz="1800" kern="1200">
-                <a:solidFill>
-                  <a:schemeClr val="tx1"/>
-                </a:solidFill>
-                <a:latin typeface="+mn-lt"/>
-                <a:ea typeface="+mn-ea"/>
-                <a:cs typeface="+mn-cs"/>
-              </a:defRPr>
-            </a:lvl3pPr>
-            <a:lvl4pPr marL="1371600" algn="l" defTabSz="914400" rtl="0" eaLnBrk="1" latinLnBrk="0" hangingPunct="1">
-              <a:defRPr sz="1800" kern="1200">
-                <a:solidFill>
-                  <a:schemeClr val="tx1"/>
-                </a:solidFill>
-                <a:latin typeface="+mn-lt"/>
-                <a:ea typeface="+mn-ea"/>
-                <a:cs typeface="+mn-cs"/>
-              </a:defRPr>
-            </a:lvl4pPr>
-            <a:lvl5pPr marL="1828800" algn="l" defTabSz="914400" rtl="0" eaLnBrk="1" latinLnBrk="0" hangingPunct="1">
-              <a:defRPr sz="1800" kern="1200">
-                <a:solidFill>
-                  <a:schemeClr val="tx1"/>
-                </a:solidFill>
-                <a:latin typeface="+mn-lt"/>
-                <a:ea typeface="+mn-ea"/>
-                <a:cs typeface="+mn-cs"/>
-              </a:defRPr>
-            </a:lvl5pPr>
-            <a:lvl6pPr marL="2286000" algn="l" defTabSz="914400" rtl="0" eaLnBrk="1" latinLnBrk="0" hangingPunct="1">
-              <a:defRPr sz="1800" kern="1200">
-                <a:solidFill>
-                  <a:schemeClr val="tx1"/>
-                </a:solidFill>
-                <a:latin typeface="+mn-lt"/>
-                <a:ea typeface="+mn-ea"/>
-                <a:cs typeface="+mn-cs"/>
-              </a:defRPr>
-            </a:lvl6pPr>
-            <a:lvl7pPr marL="2743200" algn="l" defTabSz="914400" rtl="0" eaLnBrk="1" latinLnBrk="0" hangingPunct="1">
-              <a:defRPr sz="1800" kern="1200">
-                <a:solidFill>
-                  <a:schemeClr val="tx1"/>
-                </a:solidFill>
-                <a:latin typeface="+mn-lt"/>
-                <a:ea typeface="+mn-ea"/>
-                <a:cs typeface="+mn-cs"/>
-              </a:defRPr>
-            </a:lvl7pPr>
-            <a:lvl8pPr marL="3200400" algn="l" defTabSz="914400" rtl="0" eaLnBrk="1" latinLnBrk="0" hangingPunct="1">
-              <a:defRPr sz="1800" kern="1200">
-                <a:solidFill>
-                  <a:schemeClr val="tx1"/>
-                </a:solidFill>
-                <a:latin typeface="+mn-lt"/>
-                <a:ea typeface="+mn-ea"/>
-                <a:cs typeface="+mn-cs"/>
-              </a:defRPr>
-            </a:lvl8pPr>
-            <a:lvl9pPr marL="3657600" algn="l" defTabSz="914400" rtl="0" eaLnBrk="1" latinLnBrk="0" hangingPunct="1">
-              <a:defRPr sz="1800" kern="1200">
-                <a:solidFill>
-                  <a:schemeClr val="tx1"/>
-                </a:solidFill>
-                <a:latin typeface="+mn-lt"/>
-                <a:ea typeface="+mn-ea"/>
-                <a:cs typeface="+mn-cs"/>
-              </a:defRPr>
-            </a:lvl9pPr>
-          </a:lstStyle>
-          <a:p>
-            <a:pPr algn="ctr"/>
-            <a:r>
-              <a:rPr lang="en-IN" sz="900" dirty="0"/>
-              <a:t>Cloud watch</a:t>
-            </a:r>
-          </a:p>
-        </p:txBody>
-      </p:sp>
-      <p:sp>
-        <p:nvSpPr>
-          <p:cNvPr id="40" name="TextBox 15">
-            <a:extLst>
-              <a:ext uri="{FF2B5EF4-FFF2-40B4-BE49-F238E27FC236}">
-                <a16:creationId xmlns:a16="http://schemas.microsoft.com/office/drawing/2014/main" id="{BC8A5215-C23E-B105-3732-DCF58FB6A1F6}"/>
-              </a:ext>
-            </a:extLst>
-          </p:cNvPr>
-          <p:cNvSpPr txBox="1"/>
-          <p:nvPr/>
-        </p:nvSpPr>
-        <p:spPr>
-          <a:xfrm>
-            <a:off x="8748299" y="1903359"/>
-            <a:ext cx="1128428" cy="236988"/>
-          </a:xfrm>
-          <a:prstGeom prst="rect">
-            <a:avLst/>
-          </a:prstGeom>
-          <a:noFill/>
-        </p:spPr>
-        <p:txBody>
-          <a:bodyPr wrap="square" rtlCol="0">
-            <a:spAutoFit/>
-          </a:bodyPr>
-          <a:lstStyle>
-            <a:defPPr>
-              <a:defRPr lang="en-US"/>
-            </a:defPPr>
-            <a:lvl1pPr marL="0" algn="l" defTabSz="914400" rtl="0" eaLnBrk="1" latinLnBrk="0" hangingPunct="1">
-              <a:defRPr sz="1800" kern="1200">
-                <a:solidFill>
-                  <a:schemeClr val="tx1"/>
-                </a:solidFill>
-                <a:latin typeface="+mn-lt"/>
-                <a:ea typeface="+mn-ea"/>
-                <a:cs typeface="+mn-cs"/>
-              </a:defRPr>
-            </a:lvl1pPr>
-            <a:lvl2pPr marL="457200" algn="l" defTabSz="914400" rtl="0" eaLnBrk="1" latinLnBrk="0" hangingPunct="1">
-              <a:defRPr sz="1800" kern="1200">
-                <a:solidFill>
-                  <a:schemeClr val="tx1"/>
-                </a:solidFill>
-                <a:latin typeface="+mn-lt"/>
-                <a:ea typeface="+mn-ea"/>
-                <a:cs typeface="+mn-cs"/>
-              </a:defRPr>
-            </a:lvl2pPr>
-            <a:lvl3pPr marL="914400" algn="l" defTabSz="914400" rtl="0" eaLnBrk="1" latinLnBrk="0" hangingPunct="1">
-              <a:defRPr sz="1800" kern="1200">
-                <a:solidFill>
-                  <a:schemeClr val="tx1"/>
-                </a:solidFill>
-                <a:latin typeface="+mn-lt"/>
-                <a:ea typeface="+mn-ea"/>
-                <a:cs typeface="+mn-cs"/>
-              </a:defRPr>
-            </a:lvl3pPr>
-            <a:lvl4pPr marL="1371600" algn="l" defTabSz="914400" rtl="0" eaLnBrk="1" latinLnBrk="0" hangingPunct="1">
-              <a:defRPr sz="1800" kern="1200">
-                <a:solidFill>
-                  <a:schemeClr val="tx1"/>
-                </a:solidFill>
-                <a:latin typeface="+mn-lt"/>
-                <a:ea typeface="+mn-ea"/>
-                <a:cs typeface="+mn-cs"/>
-              </a:defRPr>
-            </a:lvl4pPr>
-            <a:lvl5pPr marL="1828800" algn="l" defTabSz="914400" rtl="0" eaLnBrk="1" latinLnBrk="0" hangingPunct="1">
-              <a:defRPr sz="1800" kern="1200">
-                <a:solidFill>
-                  <a:schemeClr val="tx1"/>
-                </a:solidFill>
-                <a:latin typeface="+mn-lt"/>
-                <a:ea typeface="+mn-ea"/>
-                <a:cs typeface="+mn-cs"/>
-              </a:defRPr>
-            </a:lvl5pPr>
-            <a:lvl6pPr marL="2286000" algn="l" defTabSz="914400" rtl="0" eaLnBrk="1" latinLnBrk="0" hangingPunct="1">
-              <a:defRPr sz="1800" kern="1200">
-                <a:solidFill>
-                  <a:schemeClr val="tx1"/>
-                </a:solidFill>
-                <a:latin typeface="+mn-lt"/>
-                <a:ea typeface="+mn-ea"/>
-                <a:cs typeface="+mn-cs"/>
-              </a:defRPr>
-            </a:lvl6pPr>
-            <a:lvl7pPr marL="2743200" algn="l" defTabSz="914400" rtl="0" eaLnBrk="1" latinLnBrk="0" hangingPunct="1">
-              <a:defRPr sz="1800" kern="1200">
-                <a:solidFill>
-                  <a:schemeClr val="tx1"/>
-                </a:solidFill>
-                <a:latin typeface="+mn-lt"/>
-                <a:ea typeface="+mn-ea"/>
-                <a:cs typeface="+mn-cs"/>
-              </a:defRPr>
-            </a:lvl7pPr>
-            <a:lvl8pPr marL="3200400" algn="l" defTabSz="914400" rtl="0" eaLnBrk="1" latinLnBrk="0" hangingPunct="1">
-              <a:defRPr sz="1800" kern="1200">
-                <a:solidFill>
-                  <a:schemeClr val="tx1"/>
-                </a:solidFill>
-                <a:latin typeface="+mn-lt"/>
-                <a:ea typeface="+mn-ea"/>
-                <a:cs typeface="+mn-cs"/>
-              </a:defRPr>
-            </a:lvl8pPr>
-            <a:lvl9pPr marL="3657600" algn="l" defTabSz="914400" rtl="0" eaLnBrk="1" latinLnBrk="0" hangingPunct="1">
-              <a:defRPr sz="1800" kern="1200">
-                <a:solidFill>
-                  <a:schemeClr val="tx1"/>
-                </a:solidFill>
-                <a:latin typeface="+mn-lt"/>
-                <a:ea typeface="+mn-ea"/>
-                <a:cs typeface="+mn-cs"/>
-              </a:defRPr>
-            </a:lvl9pPr>
-          </a:lstStyle>
-          <a:p>
-            <a:pPr algn="ctr"/>
-            <a:r>
-              <a:rPr lang="en-IN" sz="900" dirty="0"/>
-              <a:t>Cloud Trail</a:t>
-            </a:r>
-          </a:p>
-        </p:txBody>
-      </p:sp>
-      <p:sp>
-        <p:nvSpPr>
-          <p:cNvPr id="41" name="TextBox 24">
-            <a:extLst>
-              <a:ext uri="{FF2B5EF4-FFF2-40B4-BE49-F238E27FC236}">
-                <a16:creationId xmlns:a16="http://schemas.microsoft.com/office/drawing/2014/main" id="{3D86E694-B17D-2CD5-7515-F4A1933F43D2}"/>
-              </a:ext>
-            </a:extLst>
-          </p:cNvPr>
-          <p:cNvSpPr txBox="1"/>
-          <p:nvPr/>
-        </p:nvSpPr>
-        <p:spPr>
-          <a:xfrm>
-            <a:off x="1754861" y="3924234"/>
-            <a:ext cx="1131226" cy="778675"/>
-          </a:xfrm>
-          <a:prstGeom prst="rect">
-            <a:avLst/>
-          </a:prstGeom>
-          <a:noFill/>
-        </p:spPr>
-        <p:txBody>
-          <a:bodyPr wrap="square" rtlCol="0">
-            <a:spAutoFit/>
-          </a:bodyPr>
-          <a:lstStyle>
-            <a:defPPr>
-              <a:defRPr lang="en-US"/>
-            </a:defPPr>
-            <a:lvl1pPr marL="0" algn="l" defTabSz="914400" rtl="0" eaLnBrk="1" latinLnBrk="0" hangingPunct="1">
-              <a:defRPr sz="1800" kern="1200">
-                <a:solidFill>
-                  <a:schemeClr val="tx1"/>
-                </a:solidFill>
-                <a:latin typeface="+mn-lt"/>
-                <a:ea typeface="+mn-ea"/>
-                <a:cs typeface="+mn-cs"/>
-              </a:defRPr>
-            </a:lvl1pPr>
-            <a:lvl2pPr marL="457200" algn="l" defTabSz="914400" rtl="0" eaLnBrk="1" latinLnBrk="0" hangingPunct="1">
-              <a:defRPr sz="1800" kern="1200">
-                <a:solidFill>
-                  <a:schemeClr val="tx1"/>
-                </a:solidFill>
-                <a:latin typeface="+mn-lt"/>
-                <a:ea typeface="+mn-ea"/>
-                <a:cs typeface="+mn-cs"/>
-              </a:defRPr>
-            </a:lvl2pPr>
-            <a:lvl3pPr marL="914400" algn="l" defTabSz="914400" rtl="0" eaLnBrk="1" latinLnBrk="0" hangingPunct="1">
-              <a:defRPr sz="1800" kern="1200">
-                <a:solidFill>
-                  <a:schemeClr val="tx1"/>
-                </a:solidFill>
-                <a:latin typeface="+mn-lt"/>
-                <a:ea typeface="+mn-ea"/>
-                <a:cs typeface="+mn-cs"/>
-              </a:defRPr>
-            </a:lvl3pPr>
-            <a:lvl4pPr marL="1371600" algn="l" defTabSz="914400" rtl="0" eaLnBrk="1" latinLnBrk="0" hangingPunct="1">
-              <a:defRPr sz="1800" kern="1200">
-                <a:solidFill>
-                  <a:schemeClr val="tx1"/>
-                </a:solidFill>
-                <a:latin typeface="+mn-lt"/>
-                <a:ea typeface="+mn-ea"/>
-                <a:cs typeface="+mn-cs"/>
-              </a:defRPr>
-            </a:lvl4pPr>
-            <a:lvl5pPr marL="1828800" algn="l" defTabSz="914400" rtl="0" eaLnBrk="1" latinLnBrk="0" hangingPunct="1">
-              <a:defRPr sz="1800" kern="1200">
-                <a:solidFill>
-                  <a:schemeClr val="tx1"/>
-                </a:solidFill>
-                <a:latin typeface="+mn-lt"/>
-                <a:ea typeface="+mn-ea"/>
-                <a:cs typeface="+mn-cs"/>
-              </a:defRPr>
-            </a:lvl5pPr>
-            <a:lvl6pPr marL="2286000" algn="l" defTabSz="914400" rtl="0" eaLnBrk="1" latinLnBrk="0" hangingPunct="1">
-              <a:defRPr sz="1800" kern="1200">
-                <a:solidFill>
-                  <a:schemeClr val="tx1"/>
-                </a:solidFill>
-                <a:latin typeface="+mn-lt"/>
-                <a:ea typeface="+mn-ea"/>
-                <a:cs typeface="+mn-cs"/>
-              </a:defRPr>
-            </a:lvl6pPr>
-            <a:lvl7pPr marL="2743200" algn="l" defTabSz="914400" rtl="0" eaLnBrk="1" latinLnBrk="0" hangingPunct="1">
-              <a:defRPr sz="1800" kern="1200">
-                <a:solidFill>
-                  <a:schemeClr val="tx1"/>
-                </a:solidFill>
-                <a:latin typeface="+mn-lt"/>
-                <a:ea typeface="+mn-ea"/>
-                <a:cs typeface="+mn-cs"/>
-              </a:defRPr>
-            </a:lvl7pPr>
-            <a:lvl8pPr marL="3200400" algn="l" defTabSz="914400" rtl="0" eaLnBrk="1" latinLnBrk="0" hangingPunct="1">
-              <a:defRPr sz="1800" kern="1200">
-                <a:solidFill>
-                  <a:schemeClr val="tx1"/>
-                </a:solidFill>
-                <a:latin typeface="+mn-lt"/>
-                <a:ea typeface="+mn-ea"/>
-                <a:cs typeface="+mn-cs"/>
-              </a:defRPr>
-            </a:lvl8pPr>
-            <a:lvl9pPr marL="3657600" algn="l" defTabSz="914400" rtl="0" eaLnBrk="1" latinLnBrk="0" hangingPunct="1">
-              <a:defRPr sz="1800" kern="1200">
-                <a:solidFill>
-                  <a:schemeClr val="tx1"/>
-                </a:solidFill>
-                <a:latin typeface="+mn-lt"/>
-                <a:ea typeface="+mn-ea"/>
-                <a:cs typeface="+mn-cs"/>
-              </a:defRPr>
-            </a:lvl9pPr>
-          </a:lstStyle>
-          <a:p>
-            <a:pPr algn="ctr"/>
-            <a:r>
-              <a:rPr lang="en-US" sz="900" b="1" dirty="0"/>
-              <a:t>Lambda 2</a:t>
-            </a:r>
-          </a:p>
-          <a:p>
-            <a:pPr algn="ctr"/>
-            <a:r>
-              <a:rPr lang="en-US" sz="900" dirty="0"/>
-              <a:t>(designed to fetch and filter the data provided by the client)</a:t>
-            </a:r>
-            <a:endParaRPr lang="en-IN" sz="900" b="1" dirty="0"/>
-          </a:p>
-        </p:txBody>
-      </p:sp>
-      <p:pic>
-        <p:nvPicPr>
-          <p:cNvPr id="42" name="Graphic 24">
-            <a:extLst>
-              <a:ext uri="{FF2B5EF4-FFF2-40B4-BE49-F238E27FC236}">
-                <a16:creationId xmlns:a16="http://schemas.microsoft.com/office/drawing/2014/main" id="{179E6975-23A4-C007-87AD-428B7D6F4C52}"/>
-              </a:ext>
-            </a:extLst>
-          </p:cNvPr>
-          <p:cNvPicPr>
-            <a:picLocks noChangeAspect="1" noChangeArrowheads="1"/>
-          </p:cNvPicPr>
-          <p:nvPr/>
-        </p:nvPicPr>
-        <p:blipFill>
-          <a:blip r:embed="rId15" cstate="print">
-            <a:extLst>
-              <a:ext uri="{28A0092B-C50C-407E-A947-70E740481C1C}">
-                <a14:useLocalDpi xmlns:a14="http://schemas.microsoft.com/office/drawing/2010/main" val="0"/>
-              </a:ext>
-            </a:extLst>
-          </a:blip>
-          <a:srcRect/>
-          <a:stretch>
-            <a:fillRect/>
-          </a:stretch>
-        </p:blipFill>
-        <p:spPr bwMode="auto">
-          <a:xfrm>
-            <a:off x="169678" y="3905611"/>
-            <a:ext cx="459702" cy="459702"/>
-          </a:xfrm>
-          <a:prstGeom prst="rect">
-            <a:avLst/>
-          </a:prstGeom>
-          <a:noFill/>
-          <a:ln>
-            <a:noFill/>
-          </a:ln>
-          <a:extLst>
-            <a:ext uri="{909E8E84-426E-40DD-AFC4-6F175D3DCCD1}">
-              <a14:hiddenFill xmlns:a14="http://schemas.microsoft.com/office/drawing/2010/main">
-                <a:solidFill>
-                  <a:srgbClr val="FFFFFF"/>
-                </a:solidFill>
-              </a14:hiddenFill>
-            </a:ext>
-            <a:ext uri="{91240B29-F687-4F45-9708-019B960494DF}">
-              <a14:hiddenLine xmlns:a14="http://schemas.microsoft.com/office/drawing/2010/main" w="9525">
-                <a:solidFill>
-                  <a:srgbClr val="000000"/>
-                </a:solidFill>
-                <a:miter lim="800000"/>
-                <a:headEnd/>
-                <a:tailEnd/>
-              </a14:hiddenLine>
-            </a:ext>
-          </a:extLst>
-        </p:spPr>
-      </p:pic>
-      <p:sp>
-        <p:nvSpPr>
-          <p:cNvPr id="43" name="TextBox 48">
-            <a:extLst>
-              <a:ext uri="{FF2B5EF4-FFF2-40B4-BE49-F238E27FC236}">
-                <a16:creationId xmlns:a16="http://schemas.microsoft.com/office/drawing/2014/main" id="{4F07E85F-232C-7F27-3077-AA7598AC1F5A}"/>
-              </a:ext>
-            </a:extLst>
-          </p:cNvPr>
-          <p:cNvSpPr txBox="1"/>
-          <p:nvPr/>
-        </p:nvSpPr>
-        <p:spPr>
-          <a:xfrm>
-            <a:off x="-158919" y="4354360"/>
-            <a:ext cx="1137866" cy="778675"/>
-          </a:xfrm>
-          <a:prstGeom prst="rect">
-            <a:avLst/>
-          </a:prstGeom>
-          <a:noFill/>
-        </p:spPr>
-        <p:txBody>
-          <a:bodyPr wrap="square" rtlCol="0">
-            <a:spAutoFit/>
-          </a:bodyPr>
-          <a:lstStyle>
-            <a:defPPr>
-              <a:defRPr lang="en-US"/>
-            </a:defPPr>
-            <a:lvl1pPr marL="0" algn="l" defTabSz="914400" rtl="0" eaLnBrk="1" latinLnBrk="0" hangingPunct="1">
-              <a:defRPr sz="1800" kern="1200">
-                <a:solidFill>
-                  <a:schemeClr val="tx1"/>
-                </a:solidFill>
-                <a:latin typeface="+mn-lt"/>
-                <a:ea typeface="+mn-ea"/>
-                <a:cs typeface="+mn-cs"/>
-              </a:defRPr>
-            </a:lvl1pPr>
-            <a:lvl2pPr marL="457200" algn="l" defTabSz="914400" rtl="0" eaLnBrk="1" latinLnBrk="0" hangingPunct="1">
-              <a:defRPr sz="1800" kern="1200">
-                <a:solidFill>
-                  <a:schemeClr val="tx1"/>
-                </a:solidFill>
-                <a:latin typeface="+mn-lt"/>
-                <a:ea typeface="+mn-ea"/>
-                <a:cs typeface="+mn-cs"/>
-              </a:defRPr>
-            </a:lvl2pPr>
-            <a:lvl3pPr marL="914400" algn="l" defTabSz="914400" rtl="0" eaLnBrk="1" latinLnBrk="0" hangingPunct="1">
-              <a:defRPr sz="1800" kern="1200">
-                <a:solidFill>
-                  <a:schemeClr val="tx1"/>
-                </a:solidFill>
-                <a:latin typeface="+mn-lt"/>
-                <a:ea typeface="+mn-ea"/>
-                <a:cs typeface="+mn-cs"/>
-              </a:defRPr>
-            </a:lvl3pPr>
-            <a:lvl4pPr marL="1371600" algn="l" defTabSz="914400" rtl="0" eaLnBrk="1" latinLnBrk="0" hangingPunct="1">
-              <a:defRPr sz="1800" kern="1200">
-                <a:solidFill>
-                  <a:schemeClr val="tx1"/>
-                </a:solidFill>
-                <a:latin typeface="+mn-lt"/>
-                <a:ea typeface="+mn-ea"/>
-                <a:cs typeface="+mn-cs"/>
-              </a:defRPr>
-            </a:lvl4pPr>
-            <a:lvl5pPr marL="1828800" algn="l" defTabSz="914400" rtl="0" eaLnBrk="1" latinLnBrk="0" hangingPunct="1">
-              <a:defRPr sz="1800" kern="1200">
-                <a:solidFill>
-                  <a:schemeClr val="tx1"/>
-                </a:solidFill>
-                <a:latin typeface="+mn-lt"/>
-                <a:ea typeface="+mn-ea"/>
-                <a:cs typeface="+mn-cs"/>
-              </a:defRPr>
-            </a:lvl5pPr>
-            <a:lvl6pPr marL="2286000" algn="l" defTabSz="914400" rtl="0" eaLnBrk="1" latinLnBrk="0" hangingPunct="1">
-              <a:defRPr sz="1800" kern="1200">
-                <a:solidFill>
-                  <a:schemeClr val="tx1"/>
-                </a:solidFill>
-                <a:latin typeface="+mn-lt"/>
-                <a:ea typeface="+mn-ea"/>
-                <a:cs typeface="+mn-cs"/>
-              </a:defRPr>
-            </a:lvl6pPr>
-            <a:lvl7pPr marL="2743200" algn="l" defTabSz="914400" rtl="0" eaLnBrk="1" latinLnBrk="0" hangingPunct="1">
-              <a:defRPr sz="1800" kern="1200">
-                <a:solidFill>
-                  <a:schemeClr val="tx1"/>
-                </a:solidFill>
-                <a:latin typeface="+mn-lt"/>
-                <a:ea typeface="+mn-ea"/>
-                <a:cs typeface="+mn-cs"/>
-              </a:defRPr>
-            </a:lvl7pPr>
-            <a:lvl8pPr marL="3200400" algn="l" defTabSz="914400" rtl="0" eaLnBrk="1" latinLnBrk="0" hangingPunct="1">
-              <a:defRPr sz="1800" kern="1200">
-                <a:solidFill>
-                  <a:schemeClr val="tx1"/>
-                </a:solidFill>
-                <a:latin typeface="+mn-lt"/>
-                <a:ea typeface="+mn-ea"/>
-                <a:cs typeface="+mn-cs"/>
-              </a:defRPr>
-            </a:lvl8pPr>
-            <a:lvl9pPr marL="3657600" algn="l" defTabSz="914400" rtl="0" eaLnBrk="1" latinLnBrk="0" hangingPunct="1">
-              <a:defRPr sz="1800" kern="1200">
-                <a:solidFill>
-                  <a:schemeClr val="tx1"/>
-                </a:solidFill>
-                <a:latin typeface="+mn-lt"/>
-                <a:ea typeface="+mn-ea"/>
-                <a:cs typeface="+mn-cs"/>
-              </a:defRPr>
-            </a:lvl9pPr>
-          </a:lstStyle>
-          <a:p>
-            <a:pPr algn="ctr"/>
-            <a:r>
-              <a:rPr lang="en-US" sz="900" b="1" dirty="0"/>
-              <a:t>SNS</a:t>
-            </a:r>
-            <a:r>
-              <a:rPr lang="en-US" sz="900" dirty="0"/>
-              <a:t> </a:t>
-            </a:r>
-          </a:p>
-          <a:p>
-            <a:pPr algn="ctr"/>
-            <a:r>
-              <a:rPr lang="en-US" sz="900" dirty="0"/>
-              <a:t>(A notification will be triggered if the specified drug name is not available)</a:t>
-            </a:r>
-            <a:endParaRPr lang="en-IN" sz="900" dirty="0"/>
-          </a:p>
-        </p:txBody>
-      </p:sp>
-      <p:sp>
-        <p:nvSpPr>
-          <p:cNvPr id="44" name="TextBox 147">
-            <a:extLst>
-              <a:ext uri="{FF2B5EF4-FFF2-40B4-BE49-F238E27FC236}">
-                <a16:creationId xmlns:a16="http://schemas.microsoft.com/office/drawing/2014/main" id="{79935A5D-3104-8633-F3CC-621BE0953A02}"/>
-              </a:ext>
-            </a:extLst>
-          </p:cNvPr>
-          <p:cNvSpPr txBox="1"/>
-          <p:nvPr/>
-        </p:nvSpPr>
-        <p:spPr>
-          <a:xfrm>
-            <a:off x="11525693" y="2387945"/>
-            <a:ext cx="911801" cy="236988"/>
-          </a:xfrm>
-          <a:prstGeom prst="rect">
-            <a:avLst/>
-          </a:prstGeom>
-          <a:noFill/>
-        </p:spPr>
-        <p:txBody>
-          <a:bodyPr wrap="square" rtlCol="0">
-            <a:spAutoFit/>
-          </a:bodyPr>
-          <a:lstStyle>
-            <a:defPPr>
-              <a:defRPr lang="en-US"/>
-            </a:defPPr>
-            <a:lvl1pPr marL="0" algn="l" defTabSz="914400" rtl="0" eaLnBrk="1" latinLnBrk="0" hangingPunct="1">
-              <a:defRPr sz="1800" kern="1200">
-                <a:solidFill>
-                  <a:schemeClr val="tx1"/>
-                </a:solidFill>
-                <a:latin typeface="+mn-lt"/>
-                <a:ea typeface="+mn-ea"/>
-                <a:cs typeface="+mn-cs"/>
-              </a:defRPr>
-            </a:lvl1pPr>
-            <a:lvl2pPr marL="457200" algn="l" defTabSz="914400" rtl="0" eaLnBrk="1" latinLnBrk="0" hangingPunct="1">
-              <a:defRPr sz="1800" kern="1200">
-                <a:solidFill>
-                  <a:schemeClr val="tx1"/>
-                </a:solidFill>
-                <a:latin typeface="+mn-lt"/>
-                <a:ea typeface="+mn-ea"/>
-                <a:cs typeface="+mn-cs"/>
-              </a:defRPr>
-            </a:lvl2pPr>
-            <a:lvl3pPr marL="914400" algn="l" defTabSz="914400" rtl="0" eaLnBrk="1" latinLnBrk="0" hangingPunct="1">
-              <a:defRPr sz="1800" kern="1200">
-                <a:solidFill>
-                  <a:schemeClr val="tx1"/>
-                </a:solidFill>
-                <a:latin typeface="+mn-lt"/>
-                <a:ea typeface="+mn-ea"/>
-                <a:cs typeface="+mn-cs"/>
-              </a:defRPr>
-            </a:lvl3pPr>
-            <a:lvl4pPr marL="1371600" algn="l" defTabSz="914400" rtl="0" eaLnBrk="1" latinLnBrk="0" hangingPunct="1">
-              <a:defRPr sz="1800" kern="1200">
-                <a:solidFill>
-                  <a:schemeClr val="tx1"/>
-                </a:solidFill>
-                <a:latin typeface="+mn-lt"/>
-                <a:ea typeface="+mn-ea"/>
-                <a:cs typeface="+mn-cs"/>
-              </a:defRPr>
-            </a:lvl4pPr>
-            <a:lvl5pPr marL="1828800" algn="l" defTabSz="914400" rtl="0" eaLnBrk="1" latinLnBrk="0" hangingPunct="1">
-              <a:defRPr sz="1800" kern="1200">
-                <a:solidFill>
-                  <a:schemeClr val="tx1"/>
-                </a:solidFill>
-                <a:latin typeface="+mn-lt"/>
-                <a:ea typeface="+mn-ea"/>
-                <a:cs typeface="+mn-cs"/>
-              </a:defRPr>
-            </a:lvl5pPr>
-            <a:lvl6pPr marL="2286000" algn="l" defTabSz="914400" rtl="0" eaLnBrk="1" latinLnBrk="0" hangingPunct="1">
-              <a:defRPr sz="1800" kern="1200">
-                <a:solidFill>
-                  <a:schemeClr val="tx1"/>
-                </a:solidFill>
-                <a:latin typeface="+mn-lt"/>
-                <a:ea typeface="+mn-ea"/>
-                <a:cs typeface="+mn-cs"/>
-              </a:defRPr>
-            </a:lvl6pPr>
-            <a:lvl7pPr marL="2743200" algn="l" defTabSz="914400" rtl="0" eaLnBrk="1" latinLnBrk="0" hangingPunct="1">
-              <a:defRPr sz="1800" kern="1200">
-                <a:solidFill>
-                  <a:schemeClr val="tx1"/>
-                </a:solidFill>
-                <a:latin typeface="+mn-lt"/>
-                <a:ea typeface="+mn-ea"/>
-                <a:cs typeface="+mn-cs"/>
-              </a:defRPr>
-            </a:lvl7pPr>
-            <a:lvl8pPr marL="3200400" algn="l" defTabSz="914400" rtl="0" eaLnBrk="1" latinLnBrk="0" hangingPunct="1">
-              <a:defRPr sz="1800" kern="1200">
-                <a:solidFill>
-                  <a:schemeClr val="tx1"/>
-                </a:solidFill>
-                <a:latin typeface="+mn-lt"/>
-                <a:ea typeface="+mn-ea"/>
-                <a:cs typeface="+mn-cs"/>
-              </a:defRPr>
-            </a:lvl8pPr>
-            <a:lvl9pPr marL="3657600" algn="l" defTabSz="914400" rtl="0" eaLnBrk="1" latinLnBrk="0" hangingPunct="1">
-              <a:defRPr sz="1800" kern="1200">
-                <a:solidFill>
-                  <a:schemeClr val="tx1"/>
-                </a:solidFill>
-                <a:latin typeface="+mn-lt"/>
-                <a:ea typeface="+mn-ea"/>
-                <a:cs typeface="+mn-cs"/>
-              </a:defRPr>
-            </a:lvl9pPr>
-          </a:lstStyle>
-          <a:p>
-            <a:r>
-              <a:rPr lang="en-IN" sz="900" dirty="0">
-                <a:ea typeface="Calibri" panose="020F0502020204030204" pitchFamily="34" charset="0"/>
-                <a:cs typeface="Calibri" panose="020F0502020204030204" pitchFamily="34" charset="0"/>
-              </a:rPr>
-              <a:t>Client Mail</a:t>
-            </a:r>
-          </a:p>
-        </p:txBody>
-      </p:sp>
-      <p:cxnSp>
-        <p:nvCxnSpPr>
-          <p:cNvPr id="47" name="Straight Arrow Connector 97">
-            <a:extLst>
-              <a:ext uri="{FF2B5EF4-FFF2-40B4-BE49-F238E27FC236}">
-                <a16:creationId xmlns:a16="http://schemas.microsoft.com/office/drawing/2014/main" id="{309B93CF-B027-E422-B6B6-D5EB711CB81E}"/>
-              </a:ext>
-            </a:extLst>
-          </p:cNvPr>
-          <p:cNvCxnSpPr>
-            <a:cxnSpLocks/>
-            <a:stCxn id="19" idx="2"/>
-          </p:cNvCxnSpPr>
-          <p:nvPr/>
-        </p:nvCxnSpPr>
-        <p:spPr>
-          <a:xfrm rot="5400000">
-            <a:off x="2854222" y="3098742"/>
-            <a:ext cx="868493" cy="308569"/>
-          </a:xfrm>
-          <a:prstGeom prst="bentConnector3">
-            <a:avLst>
-              <a:gd name="adj1" fmla="val 50000"/>
-            </a:avLst>
-          </a:prstGeom>
-          <a:ln>
-            <a:headEnd type="triangle"/>
-            <a:tailEnd type="triangle"/>
-          </a:ln>
-        </p:spPr>
-        <p:style>
-          <a:lnRef idx="1">
-            <a:schemeClr val="accent1"/>
-          </a:lnRef>
-          <a:fillRef idx="0">
-            <a:schemeClr val="accent1"/>
-          </a:fillRef>
-          <a:effectRef idx="0">
-            <a:schemeClr val="accent1"/>
-          </a:effectRef>
-          <a:fontRef idx="minor">
-            <a:schemeClr val="tx1"/>
-          </a:fontRef>
-        </p:style>
-      </p:cxnSp>
-      <p:pic>
-        <p:nvPicPr>
-          <p:cNvPr id="50" name="Picture 2" descr="Zip file - Free interface icons">
-            <a:extLst>
-              <a:ext uri="{FF2B5EF4-FFF2-40B4-BE49-F238E27FC236}">
-                <a16:creationId xmlns:a16="http://schemas.microsoft.com/office/drawing/2014/main" id="{1D54E474-3A84-73F5-C47E-6FCAA0AD969C}"/>
-              </a:ext>
-            </a:extLst>
-          </p:cNvPr>
-          <p:cNvPicPr>
-            <a:picLocks noChangeAspect="1" noChangeArrowheads="1"/>
-          </p:cNvPicPr>
-          <p:nvPr/>
-        </p:nvPicPr>
-        <p:blipFill>
-          <a:blip r:embed="rId16">
-            <a:extLst>
-              <a:ext uri="{28A0092B-C50C-407E-A947-70E740481C1C}">
-                <a14:useLocalDpi xmlns:a14="http://schemas.microsoft.com/office/drawing/2010/main" val="0"/>
-              </a:ext>
-            </a:extLst>
-          </a:blip>
-          <a:srcRect/>
-          <a:stretch>
-            <a:fillRect/>
-          </a:stretch>
-        </p:blipFill>
-        <p:spPr bwMode="auto">
-          <a:xfrm>
-            <a:off x="73769" y="2279269"/>
-            <a:ext cx="461882" cy="461882"/>
-          </a:xfrm>
-          <a:prstGeom prst="rect">
-            <a:avLst/>
-          </a:prstGeom>
-          <a:noFill/>
-          <a:extLst>
-            <a:ext uri="{909E8E84-426E-40DD-AFC4-6F175D3DCCD1}">
-              <a14:hiddenFill xmlns:a14="http://schemas.microsoft.com/office/drawing/2010/main">
-                <a:solidFill>
-                  <a:srgbClr val="FFFFFF"/>
-                </a:solidFill>
-              </a14:hiddenFill>
-            </a:ext>
-          </a:extLst>
-        </p:spPr>
-      </p:pic>
-      <p:sp>
-        <p:nvSpPr>
-          <p:cNvPr id="51" name="TextBox 119">
-            <a:extLst>
-              <a:ext uri="{FF2B5EF4-FFF2-40B4-BE49-F238E27FC236}">
-                <a16:creationId xmlns:a16="http://schemas.microsoft.com/office/drawing/2014/main" id="{6C0E320E-DF8F-1CFF-DF57-9B75374E11CA}"/>
-              </a:ext>
-            </a:extLst>
-          </p:cNvPr>
-          <p:cNvSpPr txBox="1"/>
-          <p:nvPr/>
-        </p:nvSpPr>
-        <p:spPr>
-          <a:xfrm>
-            <a:off x="-13241" y="2719694"/>
-            <a:ext cx="1159371" cy="236988"/>
-          </a:xfrm>
-          <a:prstGeom prst="rect">
-            <a:avLst/>
-          </a:prstGeom>
-          <a:noFill/>
-        </p:spPr>
-        <p:txBody>
-          <a:bodyPr wrap="square" rtlCol="0">
-            <a:spAutoFit/>
-          </a:bodyPr>
-          <a:lstStyle>
-            <a:defPPr>
-              <a:defRPr lang="en-US"/>
-            </a:defPPr>
-            <a:lvl1pPr marL="0" algn="l" defTabSz="914400" rtl="0" eaLnBrk="1" latinLnBrk="0" hangingPunct="1">
-              <a:defRPr sz="1800" kern="1200">
-                <a:solidFill>
-                  <a:schemeClr val="tx1"/>
-                </a:solidFill>
-                <a:latin typeface="+mn-lt"/>
-                <a:ea typeface="+mn-ea"/>
-                <a:cs typeface="+mn-cs"/>
-              </a:defRPr>
-            </a:lvl1pPr>
-            <a:lvl2pPr marL="457200" algn="l" defTabSz="914400" rtl="0" eaLnBrk="1" latinLnBrk="0" hangingPunct="1">
-              <a:defRPr sz="1800" kern="1200">
-                <a:solidFill>
-                  <a:schemeClr val="tx1"/>
-                </a:solidFill>
-                <a:latin typeface="+mn-lt"/>
-                <a:ea typeface="+mn-ea"/>
-                <a:cs typeface="+mn-cs"/>
-              </a:defRPr>
-            </a:lvl2pPr>
-            <a:lvl3pPr marL="914400" algn="l" defTabSz="914400" rtl="0" eaLnBrk="1" latinLnBrk="0" hangingPunct="1">
-              <a:defRPr sz="1800" kern="1200">
-                <a:solidFill>
-                  <a:schemeClr val="tx1"/>
-                </a:solidFill>
-                <a:latin typeface="+mn-lt"/>
-                <a:ea typeface="+mn-ea"/>
-                <a:cs typeface="+mn-cs"/>
-              </a:defRPr>
-            </a:lvl3pPr>
-            <a:lvl4pPr marL="1371600" algn="l" defTabSz="914400" rtl="0" eaLnBrk="1" latinLnBrk="0" hangingPunct="1">
-              <a:defRPr sz="1800" kern="1200">
-                <a:solidFill>
-                  <a:schemeClr val="tx1"/>
-                </a:solidFill>
-                <a:latin typeface="+mn-lt"/>
-                <a:ea typeface="+mn-ea"/>
-                <a:cs typeface="+mn-cs"/>
-              </a:defRPr>
-            </a:lvl4pPr>
-            <a:lvl5pPr marL="1828800" algn="l" defTabSz="914400" rtl="0" eaLnBrk="1" latinLnBrk="0" hangingPunct="1">
-              <a:defRPr sz="1800" kern="1200">
-                <a:solidFill>
-                  <a:schemeClr val="tx1"/>
-                </a:solidFill>
-                <a:latin typeface="+mn-lt"/>
-                <a:ea typeface="+mn-ea"/>
-                <a:cs typeface="+mn-cs"/>
-              </a:defRPr>
-            </a:lvl5pPr>
-            <a:lvl6pPr marL="2286000" algn="l" defTabSz="914400" rtl="0" eaLnBrk="1" latinLnBrk="0" hangingPunct="1">
-              <a:defRPr sz="1800" kern="1200">
-                <a:solidFill>
-                  <a:schemeClr val="tx1"/>
-                </a:solidFill>
-                <a:latin typeface="+mn-lt"/>
-                <a:ea typeface="+mn-ea"/>
-                <a:cs typeface="+mn-cs"/>
-              </a:defRPr>
-            </a:lvl6pPr>
-            <a:lvl7pPr marL="2743200" algn="l" defTabSz="914400" rtl="0" eaLnBrk="1" latinLnBrk="0" hangingPunct="1">
-              <a:defRPr sz="1800" kern="1200">
-                <a:solidFill>
-                  <a:schemeClr val="tx1"/>
-                </a:solidFill>
-                <a:latin typeface="+mn-lt"/>
-                <a:ea typeface="+mn-ea"/>
-                <a:cs typeface="+mn-cs"/>
-              </a:defRPr>
-            </a:lvl7pPr>
-            <a:lvl8pPr marL="3200400" algn="l" defTabSz="914400" rtl="0" eaLnBrk="1" latinLnBrk="0" hangingPunct="1">
-              <a:defRPr sz="1800" kern="1200">
-                <a:solidFill>
-                  <a:schemeClr val="tx1"/>
-                </a:solidFill>
-                <a:latin typeface="+mn-lt"/>
-                <a:ea typeface="+mn-ea"/>
-                <a:cs typeface="+mn-cs"/>
-              </a:defRPr>
-            </a:lvl8pPr>
-            <a:lvl9pPr marL="3657600" algn="l" defTabSz="914400" rtl="0" eaLnBrk="1" latinLnBrk="0" hangingPunct="1">
-              <a:defRPr sz="1800" kern="1200">
-                <a:solidFill>
-                  <a:schemeClr val="tx1"/>
-                </a:solidFill>
-                <a:latin typeface="+mn-lt"/>
-                <a:ea typeface="+mn-ea"/>
-                <a:cs typeface="+mn-cs"/>
-              </a:defRPr>
-            </a:lvl9pPr>
-          </a:lstStyle>
-          <a:p>
-            <a:r>
-              <a:rPr lang="en-IN" sz="900" dirty="0">
-                <a:ea typeface="Calibri" panose="020F0502020204030204" pitchFamily="34" charset="0"/>
-                <a:cs typeface="Calibri" panose="020F0502020204030204" pitchFamily="34" charset="0"/>
-              </a:rPr>
-              <a:t>Source data</a:t>
-            </a:r>
-          </a:p>
-        </p:txBody>
-      </p:sp>
-      <p:cxnSp>
-        <p:nvCxnSpPr>
-          <p:cNvPr id="52" name="Straight Arrow Connector 51">
-            <a:extLst>
-              <a:ext uri="{FF2B5EF4-FFF2-40B4-BE49-F238E27FC236}">
-                <a16:creationId xmlns:a16="http://schemas.microsoft.com/office/drawing/2014/main" id="{03FFD4BC-C49A-5B86-CF8A-6D4207F4DFA5}"/>
-              </a:ext>
-            </a:extLst>
-          </p:cNvPr>
-          <p:cNvCxnSpPr>
-            <a:cxnSpLocks/>
-            <a:stCxn id="50" idx="3"/>
-            <a:endCxn id="19" idx="1"/>
-          </p:cNvCxnSpPr>
-          <p:nvPr/>
-        </p:nvCxnSpPr>
-        <p:spPr>
-          <a:xfrm>
-            <a:off x="535651" y="2510210"/>
-            <a:ext cx="2598530" cy="0"/>
-          </a:xfrm>
-          <a:prstGeom prst="straightConnector1">
-            <a:avLst/>
-          </a:prstGeom>
-          <a:ln>
-            <a:headEnd type="triangle"/>
-            <a:tailEnd type="triangle"/>
-          </a:ln>
-        </p:spPr>
-        <p:style>
-          <a:lnRef idx="1">
-            <a:schemeClr val="accent1"/>
-          </a:lnRef>
-          <a:fillRef idx="0">
-            <a:schemeClr val="accent1"/>
-          </a:fillRef>
-          <a:effectRef idx="0">
-            <a:schemeClr val="accent1"/>
-          </a:effectRef>
-          <a:fontRef idx="minor">
-            <a:schemeClr val="tx1"/>
-          </a:fontRef>
-        </p:style>
-      </p:cxnSp>
-      <p:cxnSp>
-        <p:nvCxnSpPr>
-          <p:cNvPr id="53" name="Straight Arrow Connector 58">
-            <a:extLst>
-              <a:ext uri="{FF2B5EF4-FFF2-40B4-BE49-F238E27FC236}">
-                <a16:creationId xmlns:a16="http://schemas.microsoft.com/office/drawing/2014/main" id="{2A7BEB64-8DA9-A5B3-8B64-5AFCB054C60D}"/>
-              </a:ext>
-            </a:extLst>
-          </p:cNvPr>
-          <p:cNvCxnSpPr>
-            <a:cxnSpLocks/>
-            <a:stCxn id="25" idx="3"/>
-            <a:endCxn id="28" idx="2"/>
-          </p:cNvCxnSpPr>
-          <p:nvPr/>
-        </p:nvCxnSpPr>
-        <p:spPr>
-          <a:xfrm flipV="1">
-            <a:off x="9664620" y="3087432"/>
-            <a:ext cx="2167262" cy="2012739"/>
+          <a:xfrm rot="16200000" flipH="1">
+            <a:off x="4888957" y="2517671"/>
+            <a:ext cx="206660" cy="5857158"/>
           </a:xfrm>
           <a:prstGeom prst="bentConnector2">
             <a:avLst/>
@@ -10293,271 +8572,114 @@
           </a:fontRef>
         </p:style>
       </p:cxnSp>
-      <p:pic>
-        <p:nvPicPr>
-          <p:cNvPr id="73" name="Picture 10">
-            <a:extLst>
-              <a:ext uri="{FF2B5EF4-FFF2-40B4-BE49-F238E27FC236}">
-                <a16:creationId xmlns:a16="http://schemas.microsoft.com/office/drawing/2014/main" id="{9DBA5247-CDA3-BF62-39A2-59315171DDB6}"/>
-              </a:ext>
-            </a:extLst>
-          </p:cNvPr>
-          <p:cNvPicPr>
-            <a:picLocks noChangeAspect="1" noChangeArrowheads="1"/>
-          </p:cNvPicPr>
-          <p:nvPr/>
-        </p:nvPicPr>
-        <p:blipFill>
-          <a:blip r:embed="rId17">
-            <a:extLst>
-              <a:ext uri="{28A0092B-C50C-407E-A947-70E740481C1C}">
-                <a14:useLocalDpi xmlns:a14="http://schemas.microsoft.com/office/drawing/2010/main" val="0"/>
-              </a:ext>
-            </a:extLst>
-          </a:blip>
-          <a:srcRect/>
-          <a:stretch>
-            <a:fillRect/>
-          </a:stretch>
-        </p:blipFill>
-        <p:spPr bwMode="auto">
-          <a:xfrm>
-            <a:off x="7323831" y="2930415"/>
-            <a:ext cx="757940" cy="744686"/>
-          </a:xfrm>
-          <a:prstGeom prst="rect">
-            <a:avLst/>
-          </a:prstGeom>
-          <a:noFill/>
-          <a:extLst>
-            <a:ext uri="{909E8E84-426E-40DD-AFC4-6F175D3DCCD1}">
-              <a14:hiddenFill xmlns:a14="http://schemas.microsoft.com/office/drawing/2010/main">
-                <a:solidFill>
-                  <a:srgbClr val="FFFFFF"/>
-                </a:solidFill>
-              </a14:hiddenFill>
-            </a:ext>
-          </a:extLst>
-        </p:spPr>
-      </p:pic>
-      <p:pic>
-        <p:nvPicPr>
-          <p:cNvPr id="84" name="Graphic 13">
-            <a:extLst>
-              <a:ext uri="{FF2B5EF4-FFF2-40B4-BE49-F238E27FC236}">
-                <a16:creationId xmlns:a16="http://schemas.microsoft.com/office/drawing/2014/main" id="{5C1BBE31-B506-2EDE-347A-F3079877A86A}"/>
-              </a:ext>
-            </a:extLst>
-          </p:cNvPr>
-          <p:cNvPicPr>
-            <a:picLocks noChangeAspect="1" noChangeArrowheads="1"/>
-          </p:cNvPicPr>
-          <p:nvPr/>
-        </p:nvPicPr>
-        <p:blipFill>
-          <a:blip r:embed="rId6">
-            <a:extLst>
-              <a:ext uri="{28A0092B-C50C-407E-A947-70E740481C1C}">
-                <a14:useLocalDpi xmlns:a14="http://schemas.microsoft.com/office/drawing/2010/main" val="0"/>
-              </a:ext>
-            </a:extLst>
-          </a:blip>
-          <a:srcRect/>
-          <a:stretch>
-            <a:fillRect/>
-          </a:stretch>
-        </p:blipFill>
-        <p:spPr bwMode="auto">
-          <a:xfrm>
-            <a:off x="2698957" y="4780776"/>
-            <a:ext cx="639913" cy="639913"/>
-          </a:xfrm>
-          <a:prstGeom prst="rect">
-            <a:avLst/>
-          </a:prstGeom>
-          <a:noFill/>
-          <a:ln>
-            <a:noFill/>
-          </a:ln>
-          <a:extLst>
-            <a:ext uri="{909E8E84-426E-40DD-AFC4-6F175D3DCCD1}">
-              <a14:hiddenFill xmlns:a14="http://schemas.microsoft.com/office/drawing/2010/main">
-                <a:solidFill>
-                  <a:srgbClr val="FFFFFF"/>
-                </a:solidFill>
-              </a14:hiddenFill>
-            </a:ext>
-            <a:ext uri="{91240B29-F687-4F45-9708-019B960494DF}">
-              <a14:hiddenLine xmlns:a14="http://schemas.microsoft.com/office/drawing/2010/main" w="9525">
-                <a:solidFill>
-                  <a:srgbClr val="000000"/>
-                </a:solidFill>
-                <a:miter lim="800000"/>
-                <a:headEnd/>
-                <a:tailEnd/>
-              </a14:hiddenLine>
-            </a:ext>
-          </a:extLst>
-        </p:spPr>
-      </p:pic>
-      <p:sp>
-        <p:nvSpPr>
-          <p:cNvPr id="94" name="TextBox 24">
-            <a:extLst>
-              <a:ext uri="{FF2B5EF4-FFF2-40B4-BE49-F238E27FC236}">
-                <a16:creationId xmlns:a16="http://schemas.microsoft.com/office/drawing/2014/main" id="{EFB44871-BE64-FA3D-287C-1283053D93E2}"/>
-              </a:ext>
-            </a:extLst>
-          </p:cNvPr>
-          <p:cNvSpPr txBox="1"/>
-          <p:nvPr/>
-        </p:nvSpPr>
-        <p:spPr>
-          <a:xfrm>
-            <a:off x="1586626" y="4770905"/>
-            <a:ext cx="1237063" cy="646331"/>
-          </a:xfrm>
-          <a:prstGeom prst="rect">
-            <a:avLst/>
-          </a:prstGeom>
-          <a:noFill/>
-        </p:spPr>
-        <p:txBody>
-          <a:bodyPr wrap="square" rtlCol="0">
-            <a:spAutoFit/>
-          </a:bodyPr>
-          <a:lstStyle>
-            <a:defPPr>
-              <a:defRPr lang="en-US"/>
-            </a:defPPr>
-            <a:lvl1pPr marL="0" algn="l" defTabSz="914400" rtl="0" eaLnBrk="1" latinLnBrk="0" hangingPunct="1">
-              <a:defRPr sz="1800" kern="1200">
-                <a:solidFill>
-                  <a:schemeClr val="tx1"/>
-                </a:solidFill>
-                <a:latin typeface="+mn-lt"/>
-                <a:ea typeface="+mn-ea"/>
-                <a:cs typeface="+mn-cs"/>
-              </a:defRPr>
-            </a:lvl1pPr>
-            <a:lvl2pPr marL="457200" algn="l" defTabSz="914400" rtl="0" eaLnBrk="1" latinLnBrk="0" hangingPunct="1">
-              <a:defRPr sz="1800" kern="1200">
-                <a:solidFill>
-                  <a:schemeClr val="tx1"/>
-                </a:solidFill>
-                <a:latin typeface="+mn-lt"/>
-                <a:ea typeface="+mn-ea"/>
-                <a:cs typeface="+mn-cs"/>
-              </a:defRPr>
-            </a:lvl2pPr>
-            <a:lvl3pPr marL="914400" algn="l" defTabSz="914400" rtl="0" eaLnBrk="1" latinLnBrk="0" hangingPunct="1">
-              <a:defRPr sz="1800" kern="1200">
-                <a:solidFill>
-                  <a:schemeClr val="tx1"/>
-                </a:solidFill>
-                <a:latin typeface="+mn-lt"/>
-                <a:ea typeface="+mn-ea"/>
-                <a:cs typeface="+mn-cs"/>
-              </a:defRPr>
-            </a:lvl3pPr>
-            <a:lvl4pPr marL="1371600" algn="l" defTabSz="914400" rtl="0" eaLnBrk="1" latinLnBrk="0" hangingPunct="1">
-              <a:defRPr sz="1800" kern="1200">
-                <a:solidFill>
-                  <a:schemeClr val="tx1"/>
-                </a:solidFill>
-                <a:latin typeface="+mn-lt"/>
-                <a:ea typeface="+mn-ea"/>
-                <a:cs typeface="+mn-cs"/>
-              </a:defRPr>
-            </a:lvl4pPr>
-            <a:lvl5pPr marL="1828800" algn="l" defTabSz="914400" rtl="0" eaLnBrk="1" latinLnBrk="0" hangingPunct="1">
-              <a:defRPr sz="1800" kern="1200">
-                <a:solidFill>
-                  <a:schemeClr val="tx1"/>
-                </a:solidFill>
-                <a:latin typeface="+mn-lt"/>
-                <a:ea typeface="+mn-ea"/>
-                <a:cs typeface="+mn-cs"/>
-              </a:defRPr>
-            </a:lvl5pPr>
-            <a:lvl6pPr marL="2286000" algn="l" defTabSz="914400" rtl="0" eaLnBrk="1" latinLnBrk="0" hangingPunct="1">
-              <a:defRPr sz="1800" kern="1200">
-                <a:solidFill>
-                  <a:schemeClr val="tx1"/>
-                </a:solidFill>
-                <a:latin typeface="+mn-lt"/>
-                <a:ea typeface="+mn-ea"/>
-                <a:cs typeface="+mn-cs"/>
-              </a:defRPr>
-            </a:lvl6pPr>
-            <a:lvl7pPr marL="2743200" algn="l" defTabSz="914400" rtl="0" eaLnBrk="1" latinLnBrk="0" hangingPunct="1">
-              <a:defRPr sz="1800" kern="1200">
-                <a:solidFill>
-                  <a:schemeClr val="tx1"/>
-                </a:solidFill>
-                <a:latin typeface="+mn-lt"/>
-                <a:ea typeface="+mn-ea"/>
-                <a:cs typeface="+mn-cs"/>
-              </a:defRPr>
-            </a:lvl7pPr>
-            <a:lvl8pPr marL="3200400" algn="l" defTabSz="914400" rtl="0" eaLnBrk="1" latinLnBrk="0" hangingPunct="1">
-              <a:defRPr sz="1800" kern="1200">
-                <a:solidFill>
-                  <a:schemeClr val="tx1"/>
-                </a:solidFill>
-                <a:latin typeface="+mn-lt"/>
-                <a:ea typeface="+mn-ea"/>
-                <a:cs typeface="+mn-cs"/>
-              </a:defRPr>
-            </a:lvl8pPr>
-            <a:lvl9pPr marL="3657600" algn="l" defTabSz="914400" rtl="0" eaLnBrk="1" latinLnBrk="0" hangingPunct="1">
-              <a:defRPr sz="1800" kern="1200">
-                <a:solidFill>
-                  <a:schemeClr val="tx1"/>
-                </a:solidFill>
-                <a:latin typeface="+mn-lt"/>
-                <a:ea typeface="+mn-ea"/>
-                <a:cs typeface="+mn-cs"/>
-              </a:defRPr>
-            </a:lvl9pPr>
-          </a:lstStyle>
-          <a:p>
-            <a:pPr algn="ctr"/>
-            <a:r>
-              <a:rPr lang="en-US" sz="900" b="1" dirty="0"/>
-              <a:t>Lambda 3</a:t>
-            </a:r>
-          </a:p>
-          <a:p>
-            <a:pPr algn="ctr"/>
-            <a:r>
-              <a:rPr lang="en-US" sz="900" dirty="0"/>
-              <a:t>(Designed to convert the output data into HTML pages.)</a:t>
-            </a:r>
-            <a:endParaRPr lang="en-IN" sz="900" b="1" dirty="0"/>
-          </a:p>
-        </p:txBody>
-      </p:sp>
       <p:cxnSp>
         <p:nvCxnSpPr>
-          <p:cNvPr id="96" name="Straight Arrow Connector 75">
-            <a:extLst>
-              <a:ext uri="{FF2B5EF4-FFF2-40B4-BE49-F238E27FC236}">
-                <a16:creationId xmlns:a16="http://schemas.microsoft.com/office/drawing/2014/main" id="{DD84E822-5A6F-C4D3-0310-DEE8B5CE1ADC}"/>
+          <p:cNvPr id="65" name="Straight Arrow Connector 64">
+            <a:extLst>
+              <a:ext uri="{FF2B5EF4-FFF2-40B4-BE49-F238E27FC236}">
+                <a16:creationId xmlns:a16="http://schemas.microsoft.com/office/drawing/2014/main" id="{892C64C2-2717-417E-A55C-F8E9DF6A30C7}"/>
               </a:ext>
             </a:extLst>
           </p:cNvPr>
           <p:cNvCxnSpPr>
             <a:cxnSpLocks/>
-            <a:stCxn id="54" idx="0"/>
-            <a:endCxn id="73" idx="1"/>
+            <a:stCxn id="61" idx="3"/>
+            <a:endCxn id="58" idx="1"/>
           </p:cNvCxnSpPr>
           <p:nvPr/>
         </p:nvCxnSpPr>
         <p:spPr>
-          <a:xfrm rot="5400000" flipH="1" flipV="1">
-            <a:off x="6436821" y="2756117"/>
-            <a:ext cx="340369" cy="1433652"/>
+          <a:xfrm>
+            <a:off x="2333125" y="4299871"/>
+            <a:ext cx="2313989" cy="1826"/>
+          </a:xfrm>
+          <a:prstGeom prst="straightConnector1">
+            <a:avLst/>
+          </a:prstGeom>
+          <a:ln>
+            <a:tailEnd type="triangle"/>
+          </a:ln>
+        </p:spPr>
+        <p:style>
+          <a:lnRef idx="1">
+            <a:schemeClr val="accent1"/>
+          </a:lnRef>
+          <a:fillRef idx="0">
+            <a:schemeClr val="accent1"/>
+          </a:fillRef>
+          <a:effectRef idx="0">
+            <a:schemeClr val="accent1"/>
+          </a:effectRef>
+          <a:fontRef idx="minor">
+            <a:schemeClr val="tx1"/>
+          </a:fontRef>
+        </p:style>
+      </p:cxnSp>
+      <p:cxnSp>
+        <p:nvCxnSpPr>
+          <p:cNvPr id="67" name="Straight Arrow Connector 24">
+            <a:extLst>
+              <a:ext uri="{FF2B5EF4-FFF2-40B4-BE49-F238E27FC236}">
+                <a16:creationId xmlns:a16="http://schemas.microsoft.com/office/drawing/2014/main" id="{4DA3AEE6-EE39-BD93-D366-A471DAE428DE}"/>
+              </a:ext>
+            </a:extLst>
+          </p:cNvPr>
+          <p:cNvCxnSpPr>
+            <a:cxnSpLocks/>
+            <a:stCxn id="16" idx="3"/>
+            <a:endCxn id="60" idx="1"/>
+          </p:cNvCxnSpPr>
+          <p:nvPr/>
+        </p:nvCxnSpPr>
+        <p:spPr>
+          <a:xfrm>
+            <a:off x="5005667" y="2544882"/>
+            <a:ext cx="2726455" cy="211017"/>
+          </a:xfrm>
+          <a:prstGeom prst="bentConnector3">
+            <a:avLst>
+              <a:gd name="adj1" fmla="val 56987"/>
+            </a:avLst>
+          </a:prstGeom>
+          <a:ln>
+            <a:tailEnd type="triangle"/>
+          </a:ln>
+        </p:spPr>
+        <p:style>
+          <a:lnRef idx="1">
+            <a:schemeClr val="accent1"/>
+          </a:lnRef>
+          <a:fillRef idx="0">
+            <a:schemeClr val="accent1"/>
+          </a:fillRef>
+          <a:effectRef idx="0">
+            <a:schemeClr val="accent1"/>
+          </a:effectRef>
+          <a:fontRef idx="minor">
+            <a:schemeClr val="tx1"/>
+          </a:fontRef>
+        </p:style>
+      </p:cxnSp>
+      <p:cxnSp>
+        <p:nvCxnSpPr>
+          <p:cNvPr id="68" name="Straight Arrow Connector 67">
+            <a:extLst>
+              <a:ext uri="{FF2B5EF4-FFF2-40B4-BE49-F238E27FC236}">
+                <a16:creationId xmlns:a16="http://schemas.microsoft.com/office/drawing/2014/main" id="{5146732D-EA78-67A4-5623-C36475CE07F6}"/>
+              </a:ext>
+            </a:extLst>
+          </p:cNvPr>
+          <p:cNvCxnSpPr>
+            <a:cxnSpLocks/>
+            <a:stCxn id="59" idx="0"/>
+            <a:endCxn id="62" idx="3"/>
+          </p:cNvCxnSpPr>
+          <p:nvPr/>
+        </p:nvCxnSpPr>
+        <p:spPr>
+          <a:xfrm rot="16200000" flipV="1">
+            <a:off x="7432364" y="4421164"/>
+            <a:ext cx="927929" cy="688990"/>
           </a:xfrm>
           <a:prstGeom prst="bentConnector2">
             <a:avLst/>
@@ -10581,12 +8703,152 @@
           </a:fontRef>
         </p:style>
       </p:cxnSp>
+      <p:cxnSp>
+        <p:nvCxnSpPr>
+          <p:cNvPr id="69" name="Straight Arrow Connector 68">
+            <a:extLst>
+              <a:ext uri="{FF2B5EF4-FFF2-40B4-BE49-F238E27FC236}">
+                <a16:creationId xmlns:a16="http://schemas.microsoft.com/office/drawing/2014/main" id="{5EA70403-2C6A-C64E-C513-3D505EA6C711}"/>
+              </a:ext>
+            </a:extLst>
+          </p:cNvPr>
+          <p:cNvCxnSpPr>
+            <a:cxnSpLocks/>
+            <a:stCxn id="58" idx="3"/>
+            <a:endCxn id="62" idx="1"/>
+          </p:cNvCxnSpPr>
+          <p:nvPr/>
+        </p:nvCxnSpPr>
+        <p:spPr>
+          <a:xfrm flipV="1">
+            <a:off x="5287027" y="4301694"/>
+            <a:ext cx="1647665" cy="3"/>
+          </a:xfrm>
+          <a:prstGeom prst="straightConnector1">
+            <a:avLst/>
+          </a:prstGeom>
+          <a:ln>
+            <a:tailEnd type="triangle"/>
+          </a:ln>
+        </p:spPr>
+        <p:style>
+          <a:lnRef idx="1">
+            <a:schemeClr val="accent1"/>
+          </a:lnRef>
+          <a:fillRef idx="0">
+            <a:schemeClr val="accent1"/>
+          </a:fillRef>
+          <a:effectRef idx="0">
+            <a:schemeClr val="accent1"/>
+          </a:effectRef>
+          <a:fontRef idx="minor">
+            <a:schemeClr val="tx1"/>
+          </a:fontRef>
+        </p:style>
+      </p:cxnSp>
+      <p:cxnSp>
+        <p:nvCxnSpPr>
+          <p:cNvPr id="70" name="Straight Arrow Connector 35">
+            <a:extLst>
+              <a:ext uri="{FF2B5EF4-FFF2-40B4-BE49-F238E27FC236}">
+                <a16:creationId xmlns:a16="http://schemas.microsoft.com/office/drawing/2014/main" id="{3C073EAA-35EF-03C9-F256-4FC73F3011A1}"/>
+              </a:ext>
+            </a:extLst>
+          </p:cNvPr>
+          <p:cNvCxnSpPr>
+            <a:cxnSpLocks/>
+            <a:stCxn id="62" idx="0"/>
+            <a:endCxn id="76" idx="2"/>
+          </p:cNvCxnSpPr>
+          <p:nvPr/>
+        </p:nvCxnSpPr>
+        <p:spPr>
+          <a:xfrm rot="16200000" flipV="1">
+            <a:off x="5641524" y="2391383"/>
+            <a:ext cx="659471" cy="2544009"/>
+          </a:xfrm>
+          <a:prstGeom prst="bentConnector3">
+            <a:avLst>
+              <a:gd name="adj1" fmla="val 50000"/>
+            </a:avLst>
+          </a:prstGeom>
+          <a:ln>
+            <a:tailEnd type="triangle"/>
+          </a:ln>
+        </p:spPr>
+        <p:style>
+          <a:lnRef idx="1">
+            <a:schemeClr val="accent1"/>
+          </a:lnRef>
+          <a:fillRef idx="0">
+            <a:schemeClr val="accent1"/>
+          </a:fillRef>
+          <a:effectRef idx="0">
+            <a:schemeClr val="accent1"/>
+          </a:effectRef>
+          <a:fontRef idx="minor">
+            <a:schemeClr val="tx1"/>
+          </a:fontRef>
+        </p:style>
+      </p:cxnSp>
+      <p:pic>
+        <p:nvPicPr>
+          <p:cNvPr id="71" name="Graphic 6">
+            <a:extLst>
+              <a:ext uri="{FF2B5EF4-FFF2-40B4-BE49-F238E27FC236}">
+                <a16:creationId xmlns:a16="http://schemas.microsoft.com/office/drawing/2014/main" id="{0DCB14ED-CD8C-4342-A195-0B8C31F9A19F}"/>
+              </a:ext>
+            </a:extLst>
+          </p:cNvPr>
+          <p:cNvPicPr>
+            <a:picLocks noChangeAspect="1" noChangeArrowheads="1"/>
+          </p:cNvPicPr>
+          <p:nvPr/>
+        </p:nvPicPr>
+        <p:blipFill>
+          <a:blip r:embed="rId10" cstate="print"/>
+          <a:srcRect/>
+          <a:stretch/>
+        </p:blipFill>
+        <p:spPr bwMode="auto">
+          <a:xfrm>
+            <a:off x="11574682" y="2485694"/>
+            <a:ext cx="557836" cy="557836"/>
+          </a:xfrm>
+          <a:prstGeom prst="rect">
+            <a:avLst/>
+          </a:prstGeom>
+          <a:noFill/>
+          <a:ln>
+            <a:noFill/>
+          </a:ln>
+          <a:extLst>
+            <a:ext uri="{909E8E84-426E-40DD-AFC4-6F175D3DCCD1}">
+              <a14:hiddenFill xmlns:a14="http://schemas.microsoft.com/office/drawing/2010/main">
+                <a:solidFill>
+                  <a:srgbClr val="FFFFFF"/>
+                </a:solidFill>
+              </a14:hiddenFill>
+            </a:ext>
+            <a:ext uri="{91240B29-F687-4F45-9708-019B960494DF}">
+              <a14:hiddenLine xmlns:a14="http://schemas.microsoft.com/office/drawing/2010/main" w="9525">
+                <a:solidFill>
+                  <a:srgbClr val="000000"/>
+                </a:solidFill>
+                <a:miter lim="800000"/>
+                <a:headEnd/>
+                <a:tailEnd/>
+              </a14:hiddenLine>
+            </a:ext>
+          </a:extLst>
+        </p:spPr>
+      </p:pic>
       <p:sp>
         <p:nvSpPr>
-          <p:cNvPr id="99" name="TextBox 140">
-            <a:extLst>
-              <a:ext uri="{FF2B5EF4-FFF2-40B4-BE49-F238E27FC236}">
-                <a16:creationId xmlns:a16="http://schemas.microsoft.com/office/drawing/2014/main" id="{56BE7AFE-A115-7460-D8EB-C17569CA2658}"/>
+          <p:cNvPr id="72" name="TextBox 147">
+            <a:extLst>
+              <a:ext uri="{FF2B5EF4-FFF2-40B4-BE49-F238E27FC236}">
+                <a16:creationId xmlns:a16="http://schemas.microsoft.com/office/drawing/2014/main" id="{876D2A84-493A-8884-A649-5A0D52CF304F}"/>
               </a:ext>
             </a:extLst>
           </p:cNvPr>
@@ -10595,8 +8857,8 @@
         </p:nvSpPr>
         <p:spPr>
           <a:xfrm>
-            <a:off x="6936887" y="3559163"/>
-            <a:ext cx="1372017" cy="646331"/>
+            <a:off x="11491139" y="2231499"/>
+            <a:ext cx="911801" cy="236988"/>
           </a:xfrm>
           <a:prstGeom prst="rect">
             <a:avLst/>
@@ -10703,93 +8965,65 @@
             </a:lvl9pPr>
           </a:lstStyle>
           <a:p>
-            <a:pPr algn="ctr"/>
-            <a:r>
-              <a:rPr lang="en-IN" sz="900" b="1" dirty="0">
-                <a:ea typeface="Calibri" panose="020F0502020204030204" pitchFamily="34" charset="0"/>
-                <a:cs typeface="Calibri" panose="020F0502020204030204" pitchFamily="34" charset="0"/>
-              </a:rPr>
-              <a:t>Lambda 4</a:t>
-            </a:r>
-          </a:p>
-          <a:p>
-            <a:pPr algn="ctr"/>
             <a:r>
               <a:rPr lang="en-IN" sz="900" dirty="0">
                 <a:ea typeface="Calibri" panose="020F0502020204030204" pitchFamily="34" charset="0"/>
                 <a:cs typeface="Calibri" panose="020F0502020204030204" pitchFamily="34" charset="0"/>
               </a:rPr>
-              <a:t>(Lambda function to trigger an PDF creation and store it in s3)</a:t>
+              <a:t>Client Mail</a:t>
             </a:r>
           </a:p>
         </p:txBody>
       </p:sp>
-      <p:pic>
-        <p:nvPicPr>
-          <p:cNvPr id="100" name="Graphic 63">
-            <a:extLst>
-              <a:ext uri="{FF2B5EF4-FFF2-40B4-BE49-F238E27FC236}">
-                <a16:creationId xmlns:a16="http://schemas.microsoft.com/office/drawing/2014/main" id="{D675CC90-BCC9-52D6-9729-4AE1FE2CE95F}"/>
-              </a:ext>
-            </a:extLst>
-          </p:cNvPr>
-          <p:cNvPicPr>
-            <a:picLocks noChangeAspect="1" noChangeArrowheads="1"/>
-          </p:cNvPicPr>
+      <p:cxnSp>
+        <p:nvCxnSpPr>
+          <p:cNvPr id="74" name="Straight Arrow Connector 73">
+            <a:extLst>
+              <a:ext uri="{FF2B5EF4-FFF2-40B4-BE49-F238E27FC236}">
+                <a16:creationId xmlns:a16="http://schemas.microsoft.com/office/drawing/2014/main" id="{CE37AAC7-8A15-C847-2485-BDB221C99BD0}"/>
+              </a:ext>
+            </a:extLst>
+          </p:cNvPr>
+          <p:cNvCxnSpPr>
+            <a:cxnSpLocks/>
+            <a:stCxn id="60" idx="3"/>
+            <a:endCxn id="86" idx="1"/>
+          </p:cNvCxnSpPr>
           <p:nvPr/>
-        </p:nvPicPr>
-        <p:blipFill>
-          <a:blip r:embed="rId7">
-            <a:extLst>
-              <a:ext uri="{28A0092B-C50C-407E-A947-70E740481C1C}">
-                <a14:useLocalDpi xmlns:a14="http://schemas.microsoft.com/office/drawing/2010/main" val="0"/>
-              </a:ext>
-            </a:extLst>
-          </a:blip>
-          <a:srcRect/>
-          <a:stretch>
-            <a:fillRect/>
-          </a:stretch>
-        </p:blipFill>
-        <p:spPr bwMode="auto">
+        </p:nvCxnSpPr>
+        <p:spPr>
           <a:xfrm>
-            <a:off x="9041346" y="2959834"/>
-            <a:ext cx="667820" cy="695220"/>
+            <a:off x="8372035" y="2755899"/>
+            <a:ext cx="1568332" cy="13448"/>
           </a:xfrm>
-          <a:prstGeom prst="rect">
+          <a:prstGeom prst="straightConnector1">
             <a:avLst/>
           </a:prstGeom>
-          <a:noFill/>
           <a:ln>
-            <a:noFill/>
+            <a:tailEnd type="triangle"/>
           </a:ln>
-          <a:extLst>
-            <a:ext uri="{909E8E84-426E-40DD-AFC4-6F175D3DCCD1}">
-              <a14:hiddenFill xmlns:a14="http://schemas.microsoft.com/office/drawing/2010/main">
-                <a:solidFill>
-                  <a:srgbClr val="FFFFFF"/>
-                </a:solidFill>
-              </a14:hiddenFill>
-            </a:ext>
-            <a:ext uri="{91240B29-F687-4F45-9708-019B960494DF}">
-              <a14:hiddenLine xmlns:a14="http://schemas.microsoft.com/office/drawing/2010/main" w="9525">
-                <a:solidFill>
-                  <a:srgbClr val="000000"/>
-                </a:solidFill>
-                <a:miter lim="800000"/>
-                <a:headEnd/>
-                <a:tailEnd/>
-              </a14:hiddenLine>
-            </a:ext>
-          </a:extLst>
         </p:spPr>
-      </p:pic>
+        <p:style>
+          <a:lnRef idx="1">
+            <a:schemeClr val="accent1"/>
+          </a:lnRef>
+          <a:fillRef idx="0">
+            <a:schemeClr val="accent1"/>
+          </a:fillRef>
+          <a:effectRef idx="0">
+            <a:schemeClr val="accent1"/>
+          </a:effectRef>
+          <a:fontRef idx="minor">
+            <a:schemeClr val="tx1"/>
+          </a:fontRef>
+        </p:style>
+      </p:cxnSp>
       <p:sp>
         <p:nvSpPr>
-          <p:cNvPr id="101" name="TextBox 137">
-            <a:extLst>
-              <a:ext uri="{FF2B5EF4-FFF2-40B4-BE49-F238E27FC236}">
-                <a16:creationId xmlns:a16="http://schemas.microsoft.com/office/drawing/2014/main" id="{9B984CD8-87E1-FE3C-DAD8-52A35F20B75A}"/>
+          <p:cNvPr id="75" name="TextBox 24">
+            <a:extLst>
+              <a:ext uri="{FF2B5EF4-FFF2-40B4-BE49-F238E27FC236}">
+                <a16:creationId xmlns:a16="http://schemas.microsoft.com/office/drawing/2014/main" id="{9ED2F11D-761C-A4FA-ED8C-0FC73B04968D}"/>
               </a:ext>
             </a:extLst>
           </p:cNvPr>
@@ -10798,8 +9032,8 @@
         </p:nvSpPr>
         <p:spPr>
           <a:xfrm>
-            <a:off x="8691792" y="3593485"/>
-            <a:ext cx="1372017" cy="507832"/>
+            <a:off x="4037763" y="4601757"/>
+            <a:ext cx="1902439" cy="507831"/>
           </a:xfrm>
           <a:prstGeom prst="rect">
             <a:avLst/>
@@ -10908,6 +9142,729 @@
           <a:p>
             <a:pPr algn="ctr"/>
             <a:r>
+              <a:rPr lang="en-US" sz="900" b="1" dirty="0"/>
+              <a:t>Lambda 1</a:t>
+            </a:r>
+          </a:p>
+          <a:p>
+            <a:pPr algn="ctr"/>
+            <a:r>
+              <a:rPr lang="en-US" sz="900" dirty="0"/>
+              <a:t>(designed to fetch and filter the data provided by the client)</a:t>
+            </a:r>
+            <a:endParaRPr lang="en-IN" sz="900" b="1" dirty="0"/>
+          </a:p>
+        </p:txBody>
+      </p:sp>
+      <p:sp>
+        <p:nvSpPr>
+          <p:cNvPr id="76" name="TextBox 24">
+            <a:extLst>
+              <a:ext uri="{FF2B5EF4-FFF2-40B4-BE49-F238E27FC236}">
+                <a16:creationId xmlns:a16="http://schemas.microsoft.com/office/drawing/2014/main" id="{03B365E3-3899-6CF1-F507-70F9E3D6E8A4}"/>
+              </a:ext>
+            </a:extLst>
+          </p:cNvPr>
+          <p:cNvSpPr txBox="1"/>
+          <p:nvPr/>
+        </p:nvSpPr>
+        <p:spPr>
+          <a:xfrm>
+            <a:off x="3621988" y="2825821"/>
+            <a:ext cx="2154532" cy="507831"/>
+          </a:xfrm>
+          <a:prstGeom prst="rect">
+            <a:avLst/>
+          </a:prstGeom>
+          <a:noFill/>
+        </p:spPr>
+        <p:txBody>
+          <a:bodyPr wrap="square" rtlCol="0">
+            <a:spAutoFit/>
+          </a:bodyPr>
+          <a:lstStyle>
+            <a:defPPr>
+              <a:defRPr lang="en-US"/>
+            </a:defPPr>
+            <a:lvl1pPr marL="0" algn="l" defTabSz="914400" rtl="0" eaLnBrk="1" latinLnBrk="0" hangingPunct="1">
+              <a:defRPr sz="1800" kern="1200">
+                <a:solidFill>
+                  <a:schemeClr val="tx1"/>
+                </a:solidFill>
+                <a:latin typeface="+mn-lt"/>
+                <a:ea typeface="+mn-ea"/>
+                <a:cs typeface="+mn-cs"/>
+              </a:defRPr>
+            </a:lvl1pPr>
+            <a:lvl2pPr marL="457200" algn="l" defTabSz="914400" rtl="0" eaLnBrk="1" latinLnBrk="0" hangingPunct="1">
+              <a:defRPr sz="1800" kern="1200">
+                <a:solidFill>
+                  <a:schemeClr val="tx1"/>
+                </a:solidFill>
+                <a:latin typeface="+mn-lt"/>
+                <a:ea typeface="+mn-ea"/>
+                <a:cs typeface="+mn-cs"/>
+              </a:defRPr>
+            </a:lvl2pPr>
+            <a:lvl3pPr marL="914400" algn="l" defTabSz="914400" rtl="0" eaLnBrk="1" latinLnBrk="0" hangingPunct="1">
+              <a:defRPr sz="1800" kern="1200">
+                <a:solidFill>
+                  <a:schemeClr val="tx1"/>
+                </a:solidFill>
+                <a:latin typeface="+mn-lt"/>
+                <a:ea typeface="+mn-ea"/>
+                <a:cs typeface="+mn-cs"/>
+              </a:defRPr>
+            </a:lvl3pPr>
+            <a:lvl4pPr marL="1371600" algn="l" defTabSz="914400" rtl="0" eaLnBrk="1" latinLnBrk="0" hangingPunct="1">
+              <a:defRPr sz="1800" kern="1200">
+                <a:solidFill>
+                  <a:schemeClr val="tx1"/>
+                </a:solidFill>
+                <a:latin typeface="+mn-lt"/>
+                <a:ea typeface="+mn-ea"/>
+                <a:cs typeface="+mn-cs"/>
+              </a:defRPr>
+            </a:lvl4pPr>
+            <a:lvl5pPr marL="1828800" algn="l" defTabSz="914400" rtl="0" eaLnBrk="1" latinLnBrk="0" hangingPunct="1">
+              <a:defRPr sz="1800" kern="1200">
+                <a:solidFill>
+                  <a:schemeClr val="tx1"/>
+                </a:solidFill>
+                <a:latin typeface="+mn-lt"/>
+                <a:ea typeface="+mn-ea"/>
+                <a:cs typeface="+mn-cs"/>
+              </a:defRPr>
+            </a:lvl5pPr>
+            <a:lvl6pPr marL="2286000" algn="l" defTabSz="914400" rtl="0" eaLnBrk="1" latinLnBrk="0" hangingPunct="1">
+              <a:defRPr sz="1800" kern="1200">
+                <a:solidFill>
+                  <a:schemeClr val="tx1"/>
+                </a:solidFill>
+                <a:latin typeface="+mn-lt"/>
+                <a:ea typeface="+mn-ea"/>
+                <a:cs typeface="+mn-cs"/>
+              </a:defRPr>
+            </a:lvl6pPr>
+            <a:lvl7pPr marL="2743200" algn="l" defTabSz="914400" rtl="0" eaLnBrk="1" latinLnBrk="0" hangingPunct="1">
+              <a:defRPr sz="1800" kern="1200">
+                <a:solidFill>
+                  <a:schemeClr val="tx1"/>
+                </a:solidFill>
+                <a:latin typeface="+mn-lt"/>
+                <a:ea typeface="+mn-ea"/>
+                <a:cs typeface="+mn-cs"/>
+              </a:defRPr>
+            </a:lvl7pPr>
+            <a:lvl8pPr marL="3200400" algn="l" defTabSz="914400" rtl="0" eaLnBrk="1" latinLnBrk="0" hangingPunct="1">
+              <a:defRPr sz="1800" kern="1200">
+                <a:solidFill>
+                  <a:schemeClr val="tx1"/>
+                </a:solidFill>
+                <a:latin typeface="+mn-lt"/>
+                <a:ea typeface="+mn-ea"/>
+                <a:cs typeface="+mn-cs"/>
+              </a:defRPr>
+            </a:lvl8pPr>
+            <a:lvl9pPr marL="3657600" algn="l" defTabSz="914400" rtl="0" eaLnBrk="1" latinLnBrk="0" hangingPunct="1">
+              <a:defRPr sz="1800" kern="1200">
+                <a:solidFill>
+                  <a:schemeClr val="tx1"/>
+                </a:solidFill>
+                <a:latin typeface="+mn-lt"/>
+                <a:ea typeface="+mn-ea"/>
+                <a:cs typeface="+mn-cs"/>
+              </a:defRPr>
+            </a:lvl9pPr>
+          </a:lstStyle>
+          <a:p>
+            <a:pPr algn="ctr"/>
+            <a:r>
+              <a:rPr lang="en-US" sz="900" b="1" dirty="0"/>
+              <a:t>Lambda 2</a:t>
+            </a:r>
+          </a:p>
+          <a:p>
+            <a:pPr algn="ctr"/>
+            <a:r>
+              <a:rPr lang="en-US" sz="900" dirty="0"/>
+              <a:t>(Designed to convert the output data(.</a:t>
+            </a:r>
+            <a:r>
+              <a:rPr lang="en-US" sz="900" dirty="0" err="1"/>
+              <a:t>json</a:t>
+            </a:r>
+            <a:r>
+              <a:rPr lang="en-US" sz="900" dirty="0"/>
+              <a:t>) into HTML pages.)</a:t>
+            </a:r>
+            <a:endParaRPr lang="en-IN" sz="900" b="1" dirty="0"/>
+          </a:p>
+        </p:txBody>
+      </p:sp>
+      <p:sp>
+        <p:nvSpPr>
+          <p:cNvPr id="77" name="TextBox 140">
+            <a:extLst>
+              <a:ext uri="{FF2B5EF4-FFF2-40B4-BE49-F238E27FC236}">
+                <a16:creationId xmlns:a16="http://schemas.microsoft.com/office/drawing/2014/main" id="{D5B01388-C148-D672-263E-77E4CE0B1678}"/>
+              </a:ext>
+            </a:extLst>
+          </p:cNvPr>
+          <p:cNvSpPr txBox="1"/>
+          <p:nvPr/>
+        </p:nvSpPr>
+        <p:spPr>
+          <a:xfrm>
+            <a:off x="7161899" y="5807547"/>
+            <a:ext cx="2183245" cy="507831"/>
+          </a:xfrm>
+          <a:prstGeom prst="rect">
+            <a:avLst/>
+          </a:prstGeom>
+          <a:noFill/>
+        </p:spPr>
+        <p:txBody>
+          <a:bodyPr wrap="square" rtlCol="0">
+            <a:spAutoFit/>
+          </a:bodyPr>
+          <a:lstStyle>
+            <a:defPPr>
+              <a:defRPr lang="en-US"/>
+            </a:defPPr>
+            <a:lvl1pPr marL="0" algn="l" defTabSz="914400" rtl="0" eaLnBrk="1" latinLnBrk="0" hangingPunct="1">
+              <a:defRPr sz="1800" kern="1200">
+                <a:solidFill>
+                  <a:schemeClr val="tx1"/>
+                </a:solidFill>
+                <a:latin typeface="+mn-lt"/>
+                <a:ea typeface="+mn-ea"/>
+                <a:cs typeface="+mn-cs"/>
+              </a:defRPr>
+            </a:lvl1pPr>
+            <a:lvl2pPr marL="457200" algn="l" defTabSz="914400" rtl="0" eaLnBrk="1" latinLnBrk="0" hangingPunct="1">
+              <a:defRPr sz="1800" kern="1200">
+                <a:solidFill>
+                  <a:schemeClr val="tx1"/>
+                </a:solidFill>
+                <a:latin typeface="+mn-lt"/>
+                <a:ea typeface="+mn-ea"/>
+                <a:cs typeface="+mn-cs"/>
+              </a:defRPr>
+            </a:lvl2pPr>
+            <a:lvl3pPr marL="914400" algn="l" defTabSz="914400" rtl="0" eaLnBrk="1" latinLnBrk="0" hangingPunct="1">
+              <a:defRPr sz="1800" kern="1200">
+                <a:solidFill>
+                  <a:schemeClr val="tx1"/>
+                </a:solidFill>
+                <a:latin typeface="+mn-lt"/>
+                <a:ea typeface="+mn-ea"/>
+                <a:cs typeface="+mn-cs"/>
+              </a:defRPr>
+            </a:lvl3pPr>
+            <a:lvl4pPr marL="1371600" algn="l" defTabSz="914400" rtl="0" eaLnBrk="1" latinLnBrk="0" hangingPunct="1">
+              <a:defRPr sz="1800" kern="1200">
+                <a:solidFill>
+                  <a:schemeClr val="tx1"/>
+                </a:solidFill>
+                <a:latin typeface="+mn-lt"/>
+                <a:ea typeface="+mn-ea"/>
+                <a:cs typeface="+mn-cs"/>
+              </a:defRPr>
+            </a:lvl4pPr>
+            <a:lvl5pPr marL="1828800" algn="l" defTabSz="914400" rtl="0" eaLnBrk="1" latinLnBrk="0" hangingPunct="1">
+              <a:defRPr sz="1800" kern="1200">
+                <a:solidFill>
+                  <a:schemeClr val="tx1"/>
+                </a:solidFill>
+                <a:latin typeface="+mn-lt"/>
+                <a:ea typeface="+mn-ea"/>
+                <a:cs typeface="+mn-cs"/>
+              </a:defRPr>
+            </a:lvl5pPr>
+            <a:lvl6pPr marL="2286000" algn="l" defTabSz="914400" rtl="0" eaLnBrk="1" latinLnBrk="0" hangingPunct="1">
+              <a:defRPr sz="1800" kern="1200">
+                <a:solidFill>
+                  <a:schemeClr val="tx1"/>
+                </a:solidFill>
+                <a:latin typeface="+mn-lt"/>
+                <a:ea typeface="+mn-ea"/>
+                <a:cs typeface="+mn-cs"/>
+              </a:defRPr>
+            </a:lvl6pPr>
+            <a:lvl7pPr marL="2743200" algn="l" defTabSz="914400" rtl="0" eaLnBrk="1" latinLnBrk="0" hangingPunct="1">
+              <a:defRPr sz="1800" kern="1200">
+                <a:solidFill>
+                  <a:schemeClr val="tx1"/>
+                </a:solidFill>
+                <a:latin typeface="+mn-lt"/>
+                <a:ea typeface="+mn-ea"/>
+                <a:cs typeface="+mn-cs"/>
+              </a:defRPr>
+            </a:lvl7pPr>
+            <a:lvl8pPr marL="3200400" algn="l" defTabSz="914400" rtl="0" eaLnBrk="1" latinLnBrk="0" hangingPunct="1">
+              <a:defRPr sz="1800" kern="1200">
+                <a:solidFill>
+                  <a:schemeClr val="tx1"/>
+                </a:solidFill>
+                <a:latin typeface="+mn-lt"/>
+                <a:ea typeface="+mn-ea"/>
+                <a:cs typeface="+mn-cs"/>
+              </a:defRPr>
+            </a:lvl8pPr>
+            <a:lvl9pPr marL="3657600" algn="l" defTabSz="914400" rtl="0" eaLnBrk="1" latinLnBrk="0" hangingPunct="1">
+              <a:defRPr sz="1800" kern="1200">
+                <a:solidFill>
+                  <a:schemeClr val="tx1"/>
+                </a:solidFill>
+                <a:latin typeface="+mn-lt"/>
+                <a:ea typeface="+mn-ea"/>
+                <a:cs typeface="+mn-cs"/>
+              </a:defRPr>
+            </a:lvl9pPr>
+          </a:lstStyle>
+          <a:p>
+            <a:pPr algn="ctr"/>
+            <a:r>
+              <a:rPr lang="en-IN" sz="900" b="1" dirty="0">
+                <a:ea typeface="Calibri" panose="020F0502020204030204" pitchFamily="34" charset="0"/>
+                <a:cs typeface="Calibri" panose="020F0502020204030204" pitchFamily="34" charset="0"/>
+              </a:rPr>
+              <a:t>Lambda 4</a:t>
+            </a:r>
+          </a:p>
+          <a:p>
+            <a:pPr algn="ctr"/>
+            <a:r>
+              <a:rPr lang="en-IN" sz="900" dirty="0">
+                <a:ea typeface="Calibri" panose="020F0502020204030204" pitchFamily="34" charset="0"/>
+                <a:cs typeface="Calibri" panose="020F0502020204030204" pitchFamily="34" charset="0"/>
+              </a:rPr>
+              <a:t>(Lambda function to trigger an PDF creation and store it in s3)</a:t>
+            </a:r>
+          </a:p>
+        </p:txBody>
+      </p:sp>
+      <p:sp>
+        <p:nvSpPr>
+          <p:cNvPr id="78" name="TextBox 140">
+            <a:extLst>
+              <a:ext uri="{FF2B5EF4-FFF2-40B4-BE49-F238E27FC236}">
+                <a16:creationId xmlns:a16="http://schemas.microsoft.com/office/drawing/2014/main" id="{D9DD5EC2-4628-6742-5A88-57AD875AA2C2}"/>
+              </a:ext>
+            </a:extLst>
+          </p:cNvPr>
+          <p:cNvSpPr txBox="1"/>
+          <p:nvPr/>
+        </p:nvSpPr>
+        <p:spPr>
+          <a:xfrm>
+            <a:off x="7126065" y="3020153"/>
+            <a:ext cx="1950475" cy="646331"/>
+          </a:xfrm>
+          <a:prstGeom prst="rect">
+            <a:avLst/>
+          </a:prstGeom>
+          <a:noFill/>
+        </p:spPr>
+        <p:txBody>
+          <a:bodyPr wrap="square" rtlCol="0">
+            <a:spAutoFit/>
+          </a:bodyPr>
+          <a:lstStyle>
+            <a:defPPr>
+              <a:defRPr lang="en-US"/>
+            </a:defPPr>
+            <a:lvl1pPr marL="0" algn="l" defTabSz="914400" rtl="0" eaLnBrk="1" latinLnBrk="0" hangingPunct="1">
+              <a:defRPr sz="1800" kern="1200">
+                <a:solidFill>
+                  <a:schemeClr val="tx1"/>
+                </a:solidFill>
+                <a:latin typeface="+mn-lt"/>
+                <a:ea typeface="+mn-ea"/>
+                <a:cs typeface="+mn-cs"/>
+              </a:defRPr>
+            </a:lvl1pPr>
+            <a:lvl2pPr marL="457200" algn="l" defTabSz="914400" rtl="0" eaLnBrk="1" latinLnBrk="0" hangingPunct="1">
+              <a:defRPr sz="1800" kern="1200">
+                <a:solidFill>
+                  <a:schemeClr val="tx1"/>
+                </a:solidFill>
+                <a:latin typeface="+mn-lt"/>
+                <a:ea typeface="+mn-ea"/>
+                <a:cs typeface="+mn-cs"/>
+              </a:defRPr>
+            </a:lvl2pPr>
+            <a:lvl3pPr marL="914400" algn="l" defTabSz="914400" rtl="0" eaLnBrk="1" latinLnBrk="0" hangingPunct="1">
+              <a:defRPr sz="1800" kern="1200">
+                <a:solidFill>
+                  <a:schemeClr val="tx1"/>
+                </a:solidFill>
+                <a:latin typeface="+mn-lt"/>
+                <a:ea typeface="+mn-ea"/>
+                <a:cs typeface="+mn-cs"/>
+              </a:defRPr>
+            </a:lvl3pPr>
+            <a:lvl4pPr marL="1371600" algn="l" defTabSz="914400" rtl="0" eaLnBrk="1" latinLnBrk="0" hangingPunct="1">
+              <a:defRPr sz="1800" kern="1200">
+                <a:solidFill>
+                  <a:schemeClr val="tx1"/>
+                </a:solidFill>
+                <a:latin typeface="+mn-lt"/>
+                <a:ea typeface="+mn-ea"/>
+                <a:cs typeface="+mn-cs"/>
+              </a:defRPr>
+            </a:lvl4pPr>
+            <a:lvl5pPr marL="1828800" algn="l" defTabSz="914400" rtl="0" eaLnBrk="1" latinLnBrk="0" hangingPunct="1">
+              <a:defRPr sz="1800" kern="1200">
+                <a:solidFill>
+                  <a:schemeClr val="tx1"/>
+                </a:solidFill>
+                <a:latin typeface="+mn-lt"/>
+                <a:ea typeface="+mn-ea"/>
+                <a:cs typeface="+mn-cs"/>
+              </a:defRPr>
+            </a:lvl5pPr>
+            <a:lvl6pPr marL="2286000" algn="l" defTabSz="914400" rtl="0" eaLnBrk="1" latinLnBrk="0" hangingPunct="1">
+              <a:defRPr sz="1800" kern="1200">
+                <a:solidFill>
+                  <a:schemeClr val="tx1"/>
+                </a:solidFill>
+                <a:latin typeface="+mn-lt"/>
+                <a:ea typeface="+mn-ea"/>
+                <a:cs typeface="+mn-cs"/>
+              </a:defRPr>
+            </a:lvl6pPr>
+            <a:lvl7pPr marL="2743200" algn="l" defTabSz="914400" rtl="0" eaLnBrk="1" latinLnBrk="0" hangingPunct="1">
+              <a:defRPr sz="1800" kern="1200">
+                <a:solidFill>
+                  <a:schemeClr val="tx1"/>
+                </a:solidFill>
+                <a:latin typeface="+mn-lt"/>
+                <a:ea typeface="+mn-ea"/>
+                <a:cs typeface="+mn-cs"/>
+              </a:defRPr>
+            </a:lvl7pPr>
+            <a:lvl8pPr marL="3200400" algn="l" defTabSz="914400" rtl="0" eaLnBrk="1" latinLnBrk="0" hangingPunct="1">
+              <a:defRPr sz="1800" kern="1200">
+                <a:solidFill>
+                  <a:schemeClr val="tx1"/>
+                </a:solidFill>
+                <a:latin typeface="+mn-lt"/>
+                <a:ea typeface="+mn-ea"/>
+                <a:cs typeface="+mn-cs"/>
+              </a:defRPr>
+            </a:lvl8pPr>
+            <a:lvl9pPr marL="3657600" algn="l" defTabSz="914400" rtl="0" eaLnBrk="1" latinLnBrk="0" hangingPunct="1">
+              <a:defRPr sz="1800" kern="1200">
+                <a:solidFill>
+                  <a:schemeClr val="tx1"/>
+                </a:solidFill>
+                <a:latin typeface="+mn-lt"/>
+                <a:ea typeface="+mn-ea"/>
+                <a:cs typeface="+mn-cs"/>
+              </a:defRPr>
+            </a:lvl9pPr>
+          </a:lstStyle>
+          <a:p>
+            <a:pPr algn="ctr"/>
+            <a:r>
+              <a:rPr lang="en-IN" sz="900" b="1" dirty="0">
+                <a:ea typeface="Calibri" panose="020F0502020204030204" pitchFamily="34" charset="0"/>
+                <a:cs typeface="Calibri" panose="020F0502020204030204" pitchFamily="34" charset="0"/>
+              </a:rPr>
+              <a:t>Lambda 3</a:t>
+            </a:r>
+          </a:p>
+          <a:p>
+            <a:pPr algn="ctr"/>
+            <a:r>
+              <a:rPr lang="en-IN" sz="900" dirty="0">
+                <a:ea typeface="Calibri" panose="020F0502020204030204" pitchFamily="34" charset="0"/>
+                <a:cs typeface="Calibri" panose="020F0502020204030204" pitchFamily="34" charset="0"/>
+              </a:rPr>
+              <a:t>(Lambda function to trigger an Email notification alert to Send mail to Client)</a:t>
+            </a:r>
+          </a:p>
+        </p:txBody>
+      </p:sp>
+      <p:sp>
+        <p:nvSpPr>
+          <p:cNvPr id="79" name="TextBox 134">
+            <a:extLst>
+              <a:ext uri="{FF2B5EF4-FFF2-40B4-BE49-F238E27FC236}">
+                <a16:creationId xmlns:a16="http://schemas.microsoft.com/office/drawing/2014/main" id="{194F362D-814D-80C1-4E8E-E6BA150EFF63}"/>
+              </a:ext>
+            </a:extLst>
+          </p:cNvPr>
+          <p:cNvSpPr txBox="1"/>
+          <p:nvPr/>
+        </p:nvSpPr>
+        <p:spPr>
+          <a:xfrm>
+            <a:off x="1093539" y="4558090"/>
+            <a:ext cx="1940338" cy="784830"/>
+          </a:xfrm>
+          <a:prstGeom prst="rect">
+            <a:avLst/>
+          </a:prstGeom>
+          <a:noFill/>
+        </p:spPr>
+        <p:txBody>
+          <a:bodyPr wrap="square" rtlCol="0">
+            <a:spAutoFit/>
+          </a:bodyPr>
+          <a:lstStyle>
+            <a:defPPr>
+              <a:defRPr lang="en-US"/>
+            </a:defPPr>
+            <a:lvl1pPr marL="0" algn="l" defTabSz="914400" rtl="0" eaLnBrk="1" latinLnBrk="0" hangingPunct="1">
+              <a:defRPr sz="1800" kern="1200">
+                <a:solidFill>
+                  <a:schemeClr val="tx1"/>
+                </a:solidFill>
+                <a:latin typeface="+mn-lt"/>
+                <a:ea typeface="+mn-ea"/>
+                <a:cs typeface="+mn-cs"/>
+              </a:defRPr>
+            </a:lvl1pPr>
+            <a:lvl2pPr marL="457200" algn="l" defTabSz="914400" rtl="0" eaLnBrk="1" latinLnBrk="0" hangingPunct="1">
+              <a:defRPr sz="1800" kern="1200">
+                <a:solidFill>
+                  <a:schemeClr val="tx1"/>
+                </a:solidFill>
+                <a:latin typeface="+mn-lt"/>
+                <a:ea typeface="+mn-ea"/>
+                <a:cs typeface="+mn-cs"/>
+              </a:defRPr>
+            </a:lvl2pPr>
+            <a:lvl3pPr marL="914400" algn="l" defTabSz="914400" rtl="0" eaLnBrk="1" latinLnBrk="0" hangingPunct="1">
+              <a:defRPr sz="1800" kern="1200">
+                <a:solidFill>
+                  <a:schemeClr val="tx1"/>
+                </a:solidFill>
+                <a:latin typeface="+mn-lt"/>
+                <a:ea typeface="+mn-ea"/>
+                <a:cs typeface="+mn-cs"/>
+              </a:defRPr>
+            </a:lvl3pPr>
+            <a:lvl4pPr marL="1371600" algn="l" defTabSz="914400" rtl="0" eaLnBrk="1" latinLnBrk="0" hangingPunct="1">
+              <a:defRPr sz="1800" kern="1200">
+                <a:solidFill>
+                  <a:schemeClr val="tx1"/>
+                </a:solidFill>
+                <a:latin typeface="+mn-lt"/>
+                <a:ea typeface="+mn-ea"/>
+                <a:cs typeface="+mn-cs"/>
+              </a:defRPr>
+            </a:lvl4pPr>
+            <a:lvl5pPr marL="1828800" algn="l" defTabSz="914400" rtl="0" eaLnBrk="1" latinLnBrk="0" hangingPunct="1">
+              <a:defRPr sz="1800" kern="1200">
+                <a:solidFill>
+                  <a:schemeClr val="tx1"/>
+                </a:solidFill>
+                <a:latin typeface="+mn-lt"/>
+                <a:ea typeface="+mn-ea"/>
+                <a:cs typeface="+mn-cs"/>
+              </a:defRPr>
+            </a:lvl5pPr>
+            <a:lvl6pPr marL="2286000" algn="l" defTabSz="914400" rtl="0" eaLnBrk="1" latinLnBrk="0" hangingPunct="1">
+              <a:defRPr sz="1800" kern="1200">
+                <a:solidFill>
+                  <a:schemeClr val="tx1"/>
+                </a:solidFill>
+                <a:latin typeface="+mn-lt"/>
+                <a:ea typeface="+mn-ea"/>
+                <a:cs typeface="+mn-cs"/>
+              </a:defRPr>
+            </a:lvl6pPr>
+            <a:lvl7pPr marL="2743200" algn="l" defTabSz="914400" rtl="0" eaLnBrk="1" latinLnBrk="0" hangingPunct="1">
+              <a:defRPr sz="1800" kern="1200">
+                <a:solidFill>
+                  <a:schemeClr val="tx1"/>
+                </a:solidFill>
+                <a:latin typeface="+mn-lt"/>
+                <a:ea typeface="+mn-ea"/>
+                <a:cs typeface="+mn-cs"/>
+              </a:defRPr>
+            </a:lvl7pPr>
+            <a:lvl8pPr marL="3200400" algn="l" defTabSz="914400" rtl="0" eaLnBrk="1" latinLnBrk="0" hangingPunct="1">
+              <a:defRPr sz="1800" kern="1200">
+                <a:solidFill>
+                  <a:schemeClr val="tx1"/>
+                </a:solidFill>
+                <a:latin typeface="+mn-lt"/>
+                <a:ea typeface="+mn-ea"/>
+                <a:cs typeface="+mn-cs"/>
+              </a:defRPr>
+            </a:lvl8pPr>
+            <a:lvl9pPr marL="3657600" algn="l" defTabSz="914400" rtl="0" eaLnBrk="1" latinLnBrk="0" hangingPunct="1">
+              <a:defRPr sz="1800" kern="1200">
+                <a:solidFill>
+                  <a:schemeClr val="tx1"/>
+                </a:solidFill>
+                <a:latin typeface="+mn-lt"/>
+                <a:ea typeface="+mn-ea"/>
+                <a:cs typeface="+mn-cs"/>
+              </a:defRPr>
+            </a:lvl9pPr>
+          </a:lstStyle>
+          <a:p>
+            <a:pPr algn="ctr"/>
+            <a:r>
+              <a:rPr lang="en-US" sz="900" b="1" dirty="0"/>
+              <a:t>Input</a:t>
+            </a:r>
+            <a:r>
+              <a:rPr lang="en-US" sz="900" dirty="0"/>
+              <a:t> </a:t>
+            </a:r>
+            <a:r>
+              <a:rPr lang="en-US" sz="900" b="1" dirty="0"/>
+              <a:t>bucket</a:t>
+            </a:r>
+            <a:r>
+              <a:rPr lang="en-US" sz="900" dirty="0"/>
+              <a:t> </a:t>
+            </a:r>
+          </a:p>
+          <a:p>
+            <a:pPr algn="ctr"/>
+            <a:r>
+              <a:rPr lang="en-US" sz="900" dirty="0"/>
+              <a:t>(The S3 bucket stores drug names, Canada Vigilance adverse reaction data (.txt files), and the `input.html` file generated by Lambda 2)</a:t>
+            </a:r>
+            <a:endParaRPr lang="en-IN" sz="900" dirty="0">
+              <a:ea typeface="Calibri" panose="020F0502020204030204" pitchFamily="34" charset="0"/>
+              <a:cs typeface="Calibri" panose="020F0502020204030204" pitchFamily="34" charset="0"/>
+            </a:endParaRPr>
+          </a:p>
+        </p:txBody>
+      </p:sp>
+      <p:sp>
+        <p:nvSpPr>
+          <p:cNvPr id="80" name="TextBox 137">
+            <a:extLst>
+              <a:ext uri="{FF2B5EF4-FFF2-40B4-BE49-F238E27FC236}">
+                <a16:creationId xmlns:a16="http://schemas.microsoft.com/office/drawing/2014/main" id="{657B05EB-A636-DDF9-1040-131A1E33DF8B}"/>
+              </a:ext>
+            </a:extLst>
+          </p:cNvPr>
+          <p:cNvSpPr txBox="1"/>
+          <p:nvPr/>
+        </p:nvSpPr>
+        <p:spPr>
+          <a:xfrm>
+            <a:off x="6412329" y="4544956"/>
+            <a:ext cx="1861569" cy="507831"/>
+          </a:xfrm>
+          <a:prstGeom prst="rect">
+            <a:avLst/>
+          </a:prstGeom>
+          <a:noFill/>
+        </p:spPr>
+        <p:txBody>
+          <a:bodyPr wrap="square" rtlCol="0">
+            <a:spAutoFit/>
+          </a:bodyPr>
+          <a:lstStyle>
+            <a:defPPr>
+              <a:defRPr lang="en-US"/>
+            </a:defPPr>
+            <a:lvl1pPr marL="0" algn="l" defTabSz="914400" rtl="0" eaLnBrk="1" latinLnBrk="0" hangingPunct="1">
+              <a:defRPr sz="1800" kern="1200">
+                <a:solidFill>
+                  <a:schemeClr val="tx1"/>
+                </a:solidFill>
+                <a:latin typeface="+mn-lt"/>
+                <a:ea typeface="+mn-ea"/>
+                <a:cs typeface="+mn-cs"/>
+              </a:defRPr>
+            </a:lvl1pPr>
+            <a:lvl2pPr marL="457200" algn="l" defTabSz="914400" rtl="0" eaLnBrk="1" latinLnBrk="0" hangingPunct="1">
+              <a:defRPr sz="1800" kern="1200">
+                <a:solidFill>
+                  <a:schemeClr val="tx1"/>
+                </a:solidFill>
+                <a:latin typeface="+mn-lt"/>
+                <a:ea typeface="+mn-ea"/>
+                <a:cs typeface="+mn-cs"/>
+              </a:defRPr>
+            </a:lvl2pPr>
+            <a:lvl3pPr marL="914400" algn="l" defTabSz="914400" rtl="0" eaLnBrk="1" latinLnBrk="0" hangingPunct="1">
+              <a:defRPr sz="1800" kern="1200">
+                <a:solidFill>
+                  <a:schemeClr val="tx1"/>
+                </a:solidFill>
+                <a:latin typeface="+mn-lt"/>
+                <a:ea typeface="+mn-ea"/>
+                <a:cs typeface="+mn-cs"/>
+              </a:defRPr>
+            </a:lvl3pPr>
+            <a:lvl4pPr marL="1371600" algn="l" defTabSz="914400" rtl="0" eaLnBrk="1" latinLnBrk="0" hangingPunct="1">
+              <a:defRPr sz="1800" kern="1200">
+                <a:solidFill>
+                  <a:schemeClr val="tx1"/>
+                </a:solidFill>
+                <a:latin typeface="+mn-lt"/>
+                <a:ea typeface="+mn-ea"/>
+                <a:cs typeface="+mn-cs"/>
+              </a:defRPr>
+            </a:lvl4pPr>
+            <a:lvl5pPr marL="1828800" algn="l" defTabSz="914400" rtl="0" eaLnBrk="1" latinLnBrk="0" hangingPunct="1">
+              <a:defRPr sz="1800" kern="1200">
+                <a:solidFill>
+                  <a:schemeClr val="tx1"/>
+                </a:solidFill>
+                <a:latin typeface="+mn-lt"/>
+                <a:ea typeface="+mn-ea"/>
+                <a:cs typeface="+mn-cs"/>
+              </a:defRPr>
+            </a:lvl5pPr>
+            <a:lvl6pPr marL="2286000" algn="l" defTabSz="914400" rtl="0" eaLnBrk="1" latinLnBrk="0" hangingPunct="1">
+              <a:defRPr sz="1800" kern="1200">
+                <a:solidFill>
+                  <a:schemeClr val="tx1"/>
+                </a:solidFill>
+                <a:latin typeface="+mn-lt"/>
+                <a:ea typeface="+mn-ea"/>
+                <a:cs typeface="+mn-cs"/>
+              </a:defRPr>
+            </a:lvl6pPr>
+            <a:lvl7pPr marL="2743200" algn="l" defTabSz="914400" rtl="0" eaLnBrk="1" latinLnBrk="0" hangingPunct="1">
+              <a:defRPr sz="1800" kern="1200">
+                <a:solidFill>
+                  <a:schemeClr val="tx1"/>
+                </a:solidFill>
+                <a:latin typeface="+mn-lt"/>
+                <a:ea typeface="+mn-ea"/>
+                <a:cs typeface="+mn-cs"/>
+              </a:defRPr>
+            </a:lvl7pPr>
+            <a:lvl8pPr marL="3200400" algn="l" defTabSz="914400" rtl="0" eaLnBrk="1" latinLnBrk="0" hangingPunct="1">
+              <a:defRPr sz="1800" kern="1200">
+                <a:solidFill>
+                  <a:schemeClr val="tx1"/>
+                </a:solidFill>
+                <a:latin typeface="+mn-lt"/>
+                <a:ea typeface="+mn-ea"/>
+                <a:cs typeface="+mn-cs"/>
+              </a:defRPr>
+            </a:lvl8pPr>
+            <a:lvl9pPr marL="3657600" algn="l" defTabSz="914400" rtl="0" eaLnBrk="1" latinLnBrk="0" hangingPunct="1">
+              <a:defRPr sz="1800" kern="1200">
+                <a:solidFill>
+                  <a:schemeClr val="tx1"/>
+                </a:solidFill>
+                <a:latin typeface="+mn-lt"/>
+                <a:ea typeface="+mn-ea"/>
+                <a:cs typeface="+mn-cs"/>
+              </a:defRPr>
+            </a:lvl9pPr>
+          </a:lstStyle>
+          <a:p>
+            <a:pPr algn="ctr"/>
+            <a:r>
               <a:rPr lang="en-IN" sz="900" b="1" dirty="0">
                 <a:ea typeface="Calibri" panose="020F0502020204030204" pitchFamily="34" charset="0"/>
                 <a:cs typeface="Calibri" panose="020F0502020204030204" pitchFamily="34" charset="0"/>
@@ -10932,31 +9889,604 @@
                 <a:ea typeface="Calibri" panose="020F0502020204030204" pitchFamily="34" charset="0"/>
                 <a:cs typeface="Calibri" panose="020F0502020204030204" pitchFamily="34" charset="0"/>
               </a:rPr>
-              <a:t>data in S3)</a:t>
+              <a:t>Data and PDF report in S3)</a:t>
+            </a:r>
+          </a:p>
+        </p:txBody>
+      </p:sp>
+      <p:pic>
+        <p:nvPicPr>
+          <p:cNvPr id="81" name="Graphic 19">
+            <a:extLst>
+              <a:ext uri="{FF2B5EF4-FFF2-40B4-BE49-F238E27FC236}">
+                <a16:creationId xmlns:a16="http://schemas.microsoft.com/office/drawing/2014/main" id="{1F6B9F43-1336-616B-F655-1F3189049F89}"/>
+              </a:ext>
+            </a:extLst>
+          </p:cNvPr>
+          <p:cNvPicPr>
+            <a:picLocks noChangeAspect="1" noChangeArrowheads="1"/>
+          </p:cNvPicPr>
+          <p:nvPr/>
+        </p:nvPicPr>
+        <p:blipFill>
+          <a:blip r:embed="rId11" cstate="print"/>
+          <a:srcRect/>
+          <a:stretch/>
+        </p:blipFill>
+        <p:spPr bwMode="auto">
+          <a:xfrm>
+            <a:off x="3085890" y="3088249"/>
+            <a:ext cx="456888" cy="456888"/>
+          </a:xfrm>
+          <a:prstGeom prst="rect">
+            <a:avLst/>
+          </a:prstGeom>
+          <a:noFill/>
+          <a:ln>
+            <a:noFill/>
+          </a:ln>
+          <a:extLst>
+            <a:ext uri="{909E8E84-426E-40DD-AFC4-6F175D3DCCD1}">
+              <a14:hiddenFill xmlns:a14="http://schemas.microsoft.com/office/drawing/2010/main">
+                <a:solidFill>
+                  <a:srgbClr val="FFFFFF"/>
+                </a:solidFill>
+              </a14:hiddenFill>
+            </a:ext>
+            <a:ext uri="{91240B29-F687-4F45-9708-019B960494DF}">
+              <a14:hiddenLine xmlns:a14="http://schemas.microsoft.com/office/drawing/2010/main" w="9525">
+                <a:solidFill>
+                  <a:srgbClr val="000000"/>
+                </a:solidFill>
+                <a:miter lim="800000"/>
+                <a:headEnd/>
+                <a:tailEnd/>
+              </a14:hiddenLine>
+            </a:ext>
+          </a:extLst>
+        </p:spPr>
+      </p:pic>
+      <p:sp>
+        <p:nvSpPr>
+          <p:cNvPr id="82" name="TextBox 161">
+            <a:extLst>
+              <a:ext uri="{FF2B5EF4-FFF2-40B4-BE49-F238E27FC236}">
+                <a16:creationId xmlns:a16="http://schemas.microsoft.com/office/drawing/2014/main" id="{6128B816-0252-3EA6-AF8E-0D2C9AB8FB25}"/>
+              </a:ext>
+            </a:extLst>
+          </p:cNvPr>
+          <p:cNvSpPr txBox="1"/>
+          <p:nvPr/>
+        </p:nvSpPr>
+        <p:spPr>
+          <a:xfrm>
+            <a:off x="2786577" y="3511739"/>
+            <a:ext cx="1027513" cy="643253"/>
+          </a:xfrm>
+          <a:prstGeom prst="rect">
+            <a:avLst/>
+          </a:prstGeom>
+          <a:noFill/>
+        </p:spPr>
+        <p:txBody>
+          <a:bodyPr wrap="square" rtlCol="0">
+            <a:spAutoFit/>
+          </a:bodyPr>
+          <a:lstStyle>
+            <a:defPPr>
+              <a:defRPr lang="en-US"/>
+            </a:defPPr>
+            <a:lvl1pPr marL="0" algn="l" defTabSz="914400" rtl="0" eaLnBrk="1" latinLnBrk="0" hangingPunct="1">
+              <a:defRPr sz="1800" kern="1200">
+                <a:solidFill>
+                  <a:schemeClr val="tx1"/>
+                </a:solidFill>
+                <a:latin typeface="+mn-lt"/>
+                <a:ea typeface="+mn-ea"/>
+                <a:cs typeface="+mn-cs"/>
+              </a:defRPr>
+            </a:lvl1pPr>
+            <a:lvl2pPr marL="457200" algn="l" defTabSz="914400" rtl="0" eaLnBrk="1" latinLnBrk="0" hangingPunct="1">
+              <a:defRPr sz="1800" kern="1200">
+                <a:solidFill>
+                  <a:schemeClr val="tx1"/>
+                </a:solidFill>
+                <a:latin typeface="+mn-lt"/>
+                <a:ea typeface="+mn-ea"/>
+                <a:cs typeface="+mn-cs"/>
+              </a:defRPr>
+            </a:lvl2pPr>
+            <a:lvl3pPr marL="914400" algn="l" defTabSz="914400" rtl="0" eaLnBrk="1" latinLnBrk="0" hangingPunct="1">
+              <a:defRPr sz="1800" kern="1200">
+                <a:solidFill>
+                  <a:schemeClr val="tx1"/>
+                </a:solidFill>
+                <a:latin typeface="+mn-lt"/>
+                <a:ea typeface="+mn-ea"/>
+                <a:cs typeface="+mn-cs"/>
+              </a:defRPr>
+            </a:lvl3pPr>
+            <a:lvl4pPr marL="1371600" algn="l" defTabSz="914400" rtl="0" eaLnBrk="1" latinLnBrk="0" hangingPunct="1">
+              <a:defRPr sz="1800" kern="1200">
+                <a:solidFill>
+                  <a:schemeClr val="tx1"/>
+                </a:solidFill>
+                <a:latin typeface="+mn-lt"/>
+                <a:ea typeface="+mn-ea"/>
+                <a:cs typeface="+mn-cs"/>
+              </a:defRPr>
+            </a:lvl4pPr>
+            <a:lvl5pPr marL="1828800" algn="l" defTabSz="914400" rtl="0" eaLnBrk="1" latinLnBrk="0" hangingPunct="1">
+              <a:defRPr sz="1800" kern="1200">
+                <a:solidFill>
+                  <a:schemeClr val="tx1"/>
+                </a:solidFill>
+                <a:latin typeface="+mn-lt"/>
+                <a:ea typeface="+mn-ea"/>
+                <a:cs typeface="+mn-cs"/>
+              </a:defRPr>
+            </a:lvl5pPr>
+            <a:lvl6pPr marL="2286000" algn="l" defTabSz="914400" rtl="0" eaLnBrk="1" latinLnBrk="0" hangingPunct="1">
+              <a:defRPr sz="1800" kern="1200">
+                <a:solidFill>
+                  <a:schemeClr val="tx1"/>
+                </a:solidFill>
+                <a:latin typeface="+mn-lt"/>
+                <a:ea typeface="+mn-ea"/>
+                <a:cs typeface="+mn-cs"/>
+              </a:defRPr>
+            </a:lvl6pPr>
+            <a:lvl7pPr marL="2743200" algn="l" defTabSz="914400" rtl="0" eaLnBrk="1" latinLnBrk="0" hangingPunct="1">
+              <a:defRPr sz="1800" kern="1200">
+                <a:solidFill>
+                  <a:schemeClr val="tx1"/>
+                </a:solidFill>
+                <a:latin typeface="+mn-lt"/>
+                <a:ea typeface="+mn-ea"/>
+                <a:cs typeface="+mn-cs"/>
+              </a:defRPr>
+            </a:lvl7pPr>
+            <a:lvl8pPr marL="3200400" algn="l" defTabSz="914400" rtl="0" eaLnBrk="1" latinLnBrk="0" hangingPunct="1">
+              <a:defRPr sz="1800" kern="1200">
+                <a:solidFill>
+                  <a:schemeClr val="tx1"/>
+                </a:solidFill>
+                <a:latin typeface="+mn-lt"/>
+                <a:ea typeface="+mn-ea"/>
+                <a:cs typeface="+mn-cs"/>
+              </a:defRPr>
+            </a:lvl8pPr>
+            <a:lvl9pPr marL="3657600" algn="l" defTabSz="914400" rtl="0" eaLnBrk="1" latinLnBrk="0" hangingPunct="1">
+              <a:defRPr sz="1800" kern="1200">
+                <a:solidFill>
+                  <a:schemeClr val="tx1"/>
+                </a:solidFill>
+                <a:latin typeface="+mn-lt"/>
+                <a:ea typeface="+mn-ea"/>
+                <a:cs typeface="+mn-cs"/>
+              </a:defRPr>
+            </a:lvl9pPr>
+          </a:lstStyle>
+          <a:p>
+            <a:pPr algn="ctr"/>
+            <a:r>
+              <a:rPr lang="en-IN" sz="900" b="1" dirty="0"/>
+              <a:t>Event bridge</a:t>
+            </a:r>
+          </a:p>
+          <a:p>
+            <a:pPr algn="ctr"/>
+            <a:r>
+              <a:rPr lang="en-IN" sz="900" dirty="0"/>
+              <a:t>(To trigger the scheduled lambda ) </a:t>
+            </a:r>
+          </a:p>
+        </p:txBody>
+      </p:sp>
+      <p:pic>
+        <p:nvPicPr>
+          <p:cNvPr id="83" name="Graphic 19">
+            <a:extLst>
+              <a:ext uri="{FF2B5EF4-FFF2-40B4-BE49-F238E27FC236}">
+                <a16:creationId xmlns:a16="http://schemas.microsoft.com/office/drawing/2014/main" id="{C630578D-D3B6-6C1D-2D53-1D1DC9B13863}"/>
+              </a:ext>
+            </a:extLst>
+          </p:cNvPr>
+          <p:cNvPicPr>
+            <a:picLocks noChangeAspect="1" noChangeArrowheads="1"/>
+          </p:cNvPicPr>
+          <p:nvPr/>
+        </p:nvPicPr>
+        <p:blipFill>
+          <a:blip r:embed="rId11" cstate="print"/>
+          <a:srcRect/>
+          <a:stretch/>
+        </p:blipFill>
+        <p:spPr bwMode="auto">
+          <a:xfrm>
+            <a:off x="9741009" y="5318303"/>
+            <a:ext cx="456888" cy="456888"/>
+          </a:xfrm>
+          <a:prstGeom prst="rect">
+            <a:avLst/>
+          </a:prstGeom>
+          <a:noFill/>
+          <a:ln>
+            <a:noFill/>
+          </a:ln>
+          <a:extLst>
+            <a:ext uri="{909E8E84-426E-40DD-AFC4-6F175D3DCCD1}">
+              <a14:hiddenFill xmlns:a14="http://schemas.microsoft.com/office/drawing/2010/main">
+                <a:solidFill>
+                  <a:srgbClr val="FFFFFF"/>
+                </a:solidFill>
+              </a14:hiddenFill>
+            </a:ext>
+            <a:ext uri="{91240B29-F687-4F45-9708-019B960494DF}">
+              <a14:hiddenLine xmlns:a14="http://schemas.microsoft.com/office/drawing/2010/main" w="9525">
+                <a:solidFill>
+                  <a:srgbClr val="000000"/>
+                </a:solidFill>
+                <a:miter lim="800000"/>
+                <a:headEnd/>
+                <a:tailEnd/>
+              </a14:hiddenLine>
+            </a:ext>
+          </a:extLst>
+        </p:spPr>
+      </p:pic>
+      <p:sp>
+        <p:nvSpPr>
+          <p:cNvPr id="85" name="TextBox 161">
+            <a:extLst>
+              <a:ext uri="{FF2B5EF4-FFF2-40B4-BE49-F238E27FC236}">
+                <a16:creationId xmlns:a16="http://schemas.microsoft.com/office/drawing/2014/main" id="{F76BFAEB-7CD6-9028-9969-2B79C48263BD}"/>
+              </a:ext>
+            </a:extLst>
+          </p:cNvPr>
+          <p:cNvSpPr txBox="1"/>
+          <p:nvPr/>
+        </p:nvSpPr>
+        <p:spPr>
+          <a:xfrm>
+            <a:off x="9213120" y="5743670"/>
+            <a:ext cx="1538126" cy="507831"/>
+          </a:xfrm>
+          <a:prstGeom prst="rect">
+            <a:avLst/>
+          </a:prstGeom>
+          <a:noFill/>
+        </p:spPr>
+        <p:txBody>
+          <a:bodyPr wrap="square" rtlCol="0">
+            <a:spAutoFit/>
+          </a:bodyPr>
+          <a:lstStyle>
+            <a:defPPr>
+              <a:defRPr lang="en-US"/>
+            </a:defPPr>
+            <a:lvl1pPr marL="0" algn="l" defTabSz="914400" rtl="0" eaLnBrk="1" latinLnBrk="0" hangingPunct="1">
+              <a:defRPr sz="1800" kern="1200">
+                <a:solidFill>
+                  <a:schemeClr val="tx1"/>
+                </a:solidFill>
+                <a:latin typeface="+mn-lt"/>
+                <a:ea typeface="+mn-ea"/>
+                <a:cs typeface="+mn-cs"/>
+              </a:defRPr>
+            </a:lvl1pPr>
+            <a:lvl2pPr marL="457200" algn="l" defTabSz="914400" rtl="0" eaLnBrk="1" latinLnBrk="0" hangingPunct="1">
+              <a:defRPr sz="1800" kern="1200">
+                <a:solidFill>
+                  <a:schemeClr val="tx1"/>
+                </a:solidFill>
+                <a:latin typeface="+mn-lt"/>
+                <a:ea typeface="+mn-ea"/>
+                <a:cs typeface="+mn-cs"/>
+              </a:defRPr>
+            </a:lvl2pPr>
+            <a:lvl3pPr marL="914400" algn="l" defTabSz="914400" rtl="0" eaLnBrk="1" latinLnBrk="0" hangingPunct="1">
+              <a:defRPr sz="1800" kern="1200">
+                <a:solidFill>
+                  <a:schemeClr val="tx1"/>
+                </a:solidFill>
+                <a:latin typeface="+mn-lt"/>
+                <a:ea typeface="+mn-ea"/>
+                <a:cs typeface="+mn-cs"/>
+              </a:defRPr>
+            </a:lvl3pPr>
+            <a:lvl4pPr marL="1371600" algn="l" defTabSz="914400" rtl="0" eaLnBrk="1" latinLnBrk="0" hangingPunct="1">
+              <a:defRPr sz="1800" kern="1200">
+                <a:solidFill>
+                  <a:schemeClr val="tx1"/>
+                </a:solidFill>
+                <a:latin typeface="+mn-lt"/>
+                <a:ea typeface="+mn-ea"/>
+                <a:cs typeface="+mn-cs"/>
+              </a:defRPr>
+            </a:lvl4pPr>
+            <a:lvl5pPr marL="1828800" algn="l" defTabSz="914400" rtl="0" eaLnBrk="1" latinLnBrk="0" hangingPunct="1">
+              <a:defRPr sz="1800" kern="1200">
+                <a:solidFill>
+                  <a:schemeClr val="tx1"/>
+                </a:solidFill>
+                <a:latin typeface="+mn-lt"/>
+                <a:ea typeface="+mn-ea"/>
+                <a:cs typeface="+mn-cs"/>
+              </a:defRPr>
+            </a:lvl5pPr>
+            <a:lvl6pPr marL="2286000" algn="l" defTabSz="914400" rtl="0" eaLnBrk="1" latinLnBrk="0" hangingPunct="1">
+              <a:defRPr sz="1800" kern="1200">
+                <a:solidFill>
+                  <a:schemeClr val="tx1"/>
+                </a:solidFill>
+                <a:latin typeface="+mn-lt"/>
+                <a:ea typeface="+mn-ea"/>
+                <a:cs typeface="+mn-cs"/>
+              </a:defRPr>
+            </a:lvl6pPr>
+            <a:lvl7pPr marL="2743200" algn="l" defTabSz="914400" rtl="0" eaLnBrk="1" latinLnBrk="0" hangingPunct="1">
+              <a:defRPr sz="1800" kern="1200">
+                <a:solidFill>
+                  <a:schemeClr val="tx1"/>
+                </a:solidFill>
+                <a:latin typeface="+mn-lt"/>
+                <a:ea typeface="+mn-ea"/>
+                <a:cs typeface="+mn-cs"/>
+              </a:defRPr>
+            </a:lvl7pPr>
+            <a:lvl8pPr marL="3200400" algn="l" defTabSz="914400" rtl="0" eaLnBrk="1" latinLnBrk="0" hangingPunct="1">
+              <a:defRPr sz="1800" kern="1200">
+                <a:solidFill>
+                  <a:schemeClr val="tx1"/>
+                </a:solidFill>
+                <a:latin typeface="+mn-lt"/>
+                <a:ea typeface="+mn-ea"/>
+                <a:cs typeface="+mn-cs"/>
+              </a:defRPr>
+            </a:lvl8pPr>
+            <a:lvl9pPr marL="3657600" algn="l" defTabSz="914400" rtl="0" eaLnBrk="1" latinLnBrk="0" hangingPunct="1">
+              <a:defRPr sz="1800" kern="1200">
+                <a:solidFill>
+                  <a:schemeClr val="tx1"/>
+                </a:solidFill>
+                <a:latin typeface="+mn-lt"/>
+                <a:ea typeface="+mn-ea"/>
+                <a:cs typeface="+mn-cs"/>
+              </a:defRPr>
+            </a:lvl9pPr>
+          </a:lstStyle>
+          <a:p>
+            <a:pPr algn="ctr"/>
+            <a:r>
+              <a:rPr lang="en-IN" sz="900" b="1" dirty="0"/>
+              <a:t>Event bridge</a:t>
+            </a:r>
+          </a:p>
+          <a:p>
+            <a:pPr algn="ctr"/>
+            <a:r>
+              <a:rPr lang="en-IN" sz="900" dirty="0"/>
+              <a:t>(To trigger the scheduled lambda ) </a:t>
+            </a:r>
+          </a:p>
+        </p:txBody>
+      </p:sp>
+      <p:pic>
+        <p:nvPicPr>
+          <p:cNvPr id="86" name="Graphic 18">
+            <a:extLst>
+              <a:ext uri="{FF2B5EF4-FFF2-40B4-BE49-F238E27FC236}">
+                <a16:creationId xmlns:a16="http://schemas.microsoft.com/office/drawing/2014/main" id="{8035D09D-64C0-EA05-3DC0-0EB0095946F4}"/>
+              </a:ext>
+            </a:extLst>
+          </p:cNvPr>
+          <p:cNvPicPr>
+            <a:picLocks noChangeAspect="1" noChangeArrowheads="1"/>
+          </p:cNvPicPr>
+          <p:nvPr/>
+        </p:nvPicPr>
+        <p:blipFill>
+          <a:blip r:embed="rId12" cstate="print"/>
+          <a:srcRect/>
+          <a:stretch/>
+        </p:blipFill>
+        <p:spPr bwMode="auto">
+          <a:xfrm>
+            <a:off x="9940367" y="2449390"/>
+            <a:ext cx="639913" cy="639913"/>
+          </a:xfrm>
+          <a:prstGeom prst="rect">
+            <a:avLst/>
+          </a:prstGeom>
+          <a:noFill/>
+          <a:ln>
+            <a:noFill/>
+          </a:ln>
+          <a:extLst>
+            <a:ext uri="{909E8E84-426E-40DD-AFC4-6F175D3DCCD1}">
+              <a14:hiddenFill xmlns:a14="http://schemas.microsoft.com/office/drawing/2010/main">
+                <a:solidFill>
+                  <a:srgbClr val="FFFFFF"/>
+                </a:solidFill>
+              </a14:hiddenFill>
+            </a:ext>
+            <a:ext uri="{91240B29-F687-4F45-9708-019B960494DF}">
+              <a14:hiddenLine xmlns:a14="http://schemas.microsoft.com/office/drawing/2010/main" w="9525">
+                <a:solidFill>
+                  <a:srgbClr val="000000"/>
+                </a:solidFill>
+                <a:miter lim="800000"/>
+                <a:headEnd/>
+                <a:tailEnd/>
+              </a14:hiddenLine>
+            </a:ext>
+          </a:extLst>
+        </p:spPr>
+      </p:pic>
+      <p:sp>
+        <p:nvSpPr>
+          <p:cNvPr id="87" name="TextBox 144">
+            <a:extLst>
+              <a:ext uri="{FF2B5EF4-FFF2-40B4-BE49-F238E27FC236}">
+                <a16:creationId xmlns:a16="http://schemas.microsoft.com/office/drawing/2014/main" id="{33376DF2-BDDD-5A78-A4D1-F08D6C330193}"/>
+              </a:ext>
+            </a:extLst>
+          </p:cNvPr>
+          <p:cNvSpPr txBox="1"/>
+          <p:nvPr/>
+        </p:nvSpPr>
+        <p:spPr>
+          <a:xfrm>
+            <a:off x="9665936" y="3071421"/>
+            <a:ext cx="1193897" cy="507832"/>
+          </a:xfrm>
+          <a:prstGeom prst="rect">
+            <a:avLst/>
+          </a:prstGeom>
+          <a:noFill/>
+        </p:spPr>
+        <p:txBody>
+          <a:bodyPr wrap="square" rtlCol="0">
+            <a:spAutoFit/>
+          </a:bodyPr>
+          <a:lstStyle>
+            <a:defPPr>
+              <a:defRPr lang="en-US"/>
+            </a:defPPr>
+            <a:lvl1pPr marL="0" algn="l" defTabSz="914400" rtl="0" eaLnBrk="1" latinLnBrk="0" hangingPunct="1">
+              <a:defRPr sz="1800" kern="1200">
+                <a:solidFill>
+                  <a:schemeClr val="tx1"/>
+                </a:solidFill>
+                <a:latin typeface="+mn-lt"/>
+                <a:ea typeface="+mn-ea"/>
+                <a:cs typeface="+mn-cs"/>
+              </a:defRPr>
+            </a:lvl1pPr>
+            <a:lvl2pPr marL="457200" algn="l" defTabSz="914400" rtl="0" eaLnBrk="1" latinLnBrk="0" hangingPunct="1">
+              <a:defRPr sz="1800" kern="1200">
+                <a:solidFill>
+                  <a:schemeClr val="tx1"/>
+                </a:solidFill>
+                <a:latin typeface="+mn-lt"/>
+                <a:ea typeface="+mn-ea"/>
+                <a:cs typeface="+mn-cs"/>
+              </a:defRPr>
+            </a:lvl2pPr>
+            <a:lvl3pPr marL="914400" algn="l" defTabSz="914400" rtl="0" eaLnBrk="1" latinLnBrk="0" hangingPunct="1">
+              <a:defRPr sz="1800" kern="1200">
+                <a:solidFill>
+                  <a:schemeClr val="tx1"/>
+                </a:solidFill>
+                <a:latin typeface="+mn-lt"/>
+                <a:ea typeface="+mn-ea"/>
+                <a:cs typeface="+mn-cs"/>
+              </a:defRPr>
+            </a:lvl3pPr>
+            <a:lvl4pPr marL="1371600" algn="l" defTabSz="914400" rtl="0" eaLnBrk="1" latinLnBrk="0" hangingPunct="1">
+              <a:defRPr sz="1800" kern="1200">
+                <a:solidFill>
+                  <a:schemeClr val="tx1"/>
+                </a:solidFill>
+                <a:latin typeface="+mn-lt"/>
+                <a:ea typeface="+mn-ea"/>
+                <a:cs typeface="+mn-cs"/>
+              </a:defRPr>
+            </a:lvl4pPr>
+            <a:lvl5pPr marL="1828800" algn="l" defTabSz="914400" rtl="0" eaLnBrk="1" latinLnBrk="0" hangingPunct="1">
+              <a:defRPr sz="1800" kern="1200">
+                <a:solidFill>
+                  <a:schemeClr val="tx1"/>
+                </a:solidFill>
+                <a:latin typeface="+mn-lt"/>
+                <a:ea typeface="+mn-ea"/>
+                <a:cs typeface="+mn-cs"/>
+              </a:defRPr>
+            </a:lvl5pPr>
+            <a:lvl6pPr marL="2286000" algn="l" defTabSz="914400" rtl="0" eaLnBrk="1" latinLnBrk="0" hangingPunct="1">
+              <a:defRPr sz="1800" kern="1200">
+                <a:solidFill>
+                  <a:schemeClr val="tx1"/>
+                </a:solidFill>
+                <a:latin typeface="+mn-lt"/>
+                <a:ea typeface="+mn-ea"/>
+                <a:cs typeface="+mn-cs"/>
+              </a:defRPr>
+            </a:lvl6pPr>
+            <a:lvl7pPr marL="2743200" algn="l" defTabSz="914400" rtl="0" eaLnBrk="1" latinLnBrk="0" hangingPunct="1">
+              <a:defRPr sz="1800" kern="1200">
+                <a:solidFill>
+                  <a:schemeClr val="tx1"/>
+                </a:solidFill>
+                <a:latin typeface="+mn-lt"/>
+                <a:ea typeface="+mn-ea"/>
+                <a:cs typeface="+mn-cs"/>
+              </a:defRPr>
+            </a:lvl7pPr>
+            <a:lvl8pPr marL="3200400" algn="l" defTabSz="914400" rtl="0" eaLnBrk="1" latinLnBrk="0" hangingPunct="1">
+              <a:defRPr sz="1800" kern="1200">
+                <a:solidFill>
+                  <a:schemeClr val="tx1"/>
+                </a:solidFill>
+                <a:latin typeface="+mn-lt"/>
+                <a:ea typeface="+mn-ea"/>
+                <a:cs typeface="+mn-cs"/>
+              </a:defRPr>
+            </a:lvl8pPr>
+            <a:lvl9pPr marL="3657600" algn="l" defTabSz="914400" rtl="0" eaLnBrk="1" latinLnBrk="0" hangingPunct="1">
+              <a:defRPr sz="1800" kern="1200">
+                <a:solidFill>
+                  <a:schemeClr val="tx1"/>
+                </a:solidFill>
+                <a:latin typeface="+mn-lt"/>
+                <a:ea typeface="+mn-ea"/>
+                <a:cs typeface="+mn-cs"/>
+              </a:defRPr>
+            </a:lvl9pPr>
+          </a:lstStyle>
+          <a:p>
+            <a:pPr algn="ctr"/>
+            <a:r>
+              <a:rPr lang="en-IN" sz="900" b="1" dirty="0">
+                <a:ea typeface="Calibri" panose="020F0502020204030204" pitchFamily="34" charset="0"/>
+                <a:cs typeface="Calibri" panose="020F0502020204030204" pitchFamily="34" charset="0"/>
+              </a:rPr>
+              <a:t>SES</a:t>
+            </a:r>
+          </a:p>
+          <a:p>
+            <a:pPr algn="ctr"/>
+            <a:r>
+              <a:rPr lang="en-IN" sz="900" dirty="0">
+                <a:ea typeface="Calibri" panose="020F0502020204030204" pitchFamily="34" charset="0"/>
+                <a:cs typeface="Calibri" panose="020F0502020204030204" pitchFamily="34" charset="0"/>
+              </a:rPr>
+              <a:t>     (To send mail to Client)</a:t>
             </a:r>
           </a:p>
         </p:txBody>
       </p:sp>
       <p:cxnSp>
         <p:nvCxnSpPr>
-          <p:cNvPr id="102" name="Straight Arrow Connector 101">
-            <a:extLst>
-              <a:ext uri="{FF2B5EF4-FFF2-40B4-BE49-F238E27FC236}">
-                <a16:creationId xmlns:a16="http://schemas.microsoft.com/office/drawing/2014/main" id="{AA1E11FF-D169-D16F-2B5F-C9664F5D9C9D}"/>
+          <p:cNvPr id="88" name="Straight Arrow Connector 87">
+            <a:extLst>
+              <a:ext uri="{FF2B5EF4-FFF2-40B4-BE49-F238E27FC236}">
+                <a16:creationId xmlns:a16="http://schemas.microsoft.com/office/drawing/2014/main" id="{6901C329-EB37-B774-17DB-EE1207C21AFA}"/>
               </a:ext>
             </a:extLst>
           </p:cNvPr>
           <p:cNvCxnSpPr>
             <a:cxnSpLocks/>
-            <a:stCxn id="73" idx="3"/>
-            <a:endCxn id="100" idx="1"/>
+            <a:stCxn id="83" idx="1"/>
+            <a:endCxn id="59" idx="3"/>
           </p:cNvCxnSpPr>
           <p:nvPr/>
         </p:nvCxnSpPr>
         <p:spPr>
-          <a:xfrm>
-            <a:off x="8081771" y="3302758"/>
-            <a:ext cx="959575" cy="4686"/>
+          <a:xfrm flipH="1">
+            <a:off x="8560779" y="5546747"/>
+            <a:ext cx="1180230" cy="2833"/>
           </a:xfrm>
           <a:prstGeom prst="straightConnector1">
             <a:avLst/>
@@ -10982,10 +10512,10 @@
       </p:cxnSp>
       <p:pic>
         <p:nvPicPr>
-          <p:cNvPr id="54" name="Graphic 63">
-            <a:extLst>
-              <a:ext uri="{FF2B5EF4-FFF2-40B4-BE49-F238E27FC236}">
-                <a16:creationId xmlns:a16="http://schemas.microsoft.com/office/drawing/2014/main" id="{1C62DEDE-4311-AB32-12C4-C0362CB26BF0}"/>
+          <p:cNvPr id="89" name="Picture 2" descr="Zip file - Free interface icons">
+            <a:extLst>
+              <a:ext uri="{FF2B5EF4-FFF2-40B4-BE49-F238E27FC236}">
+                <a16:creationId xmlns:a16="http://schemas.microsoft.com/office/drawing/2014/main" id="{5C6FF360-2E21-4AFC-6B40-9228C6634F31}"/>
               </a:ext>
             </a:extLst>
           </p:cNvPr>
@@ -10995,7 +10525,7 @@
           <p:nvPr/>
         </p:nvPicPr>
         <p:blipFill>
-          <a:blip r:embed="rId7">
+          <a:blip r:embed="rId13">
             <a:extLst>
               <a:ext uri="{28A0092B-C50C-407E-A947-70E740481C1C}">
                 <a14:useLocalDpi xmlns:a14="http://schemas.microsoft.com/office/drawing/2010/main" val="0"/>
@@ -11009,16 +10539,13 @@
         </p:blipFill>
         <p:spPr bwMode="auto">
           <a:xfrm>
-            <a:off x="5556269" y="3643127"/>
-            <a:ext cx="667820" cy="695220"/>
+            <a:off x="200966" y="4067358"/>
+            <a:ext cx="461882" cy="461882"/>
           </a:xfrm>
           <a:prstGeom prst="rect">
             <a:avLst/>
           </a:prstGeom>
           <a:noFill/>
-          <a:ln>
-            <a:noFill/>
-          </a:ln>
           <a:extLst>
             <a:ext uri="{909E8E84-426E-40DD-AFC4-6F175D3DCCD1}">
               <a14:hiddenFill xmlns:a14="http://schemas.microsoft.com/office/drawing/2010/main">
@@ -11026,26 +10553,16 @@
                   <a:srgbClr val="FFFFFF"/>
                 </a:solidFill>
               </a14:hiddenFill>
-            </a:ext>
-            <a:ext uri="{91240B29-F687-4F45-9708-019B960494DF}">
-              <a14:hiddenLine xmlns:a14="http://schemas.microsoft.com/office/drawing/2010/main" w="9525">
-                <a:solidFill>
-                  <a:srgbClr val="000000"/>
-                </a:solidFill>
-                <a:miter lim="800000"/>
-                <a:headEnd/>
-                <a:tailEnd/>
-              </a14:hiddenLine>
             </a:ext>
           </a:extLst>
         </p:spPr>
       </p:pic>
       <p:sp>
         <p:nvSpPr>
-          <p:cNvPr id="55" name="TextBox 137">
-            <a:extLst>
-              <a:ext uri="{FF2B5EF4-FFF2-40B4-BE49-F238E27FC236}">
-                <a16:creationId xmlns:a16="http://schemas.microsoft.com/office/drawing/2014/main" id="{513F554A-B222-E1A5-8DCD-C6CE7E609E41}"/>
+          <p:cNvPr id="90" name="TextBox 119">
+            <a:extLst>
+              <a:ext uri="{FF2B5EF4-FFF2-40B4-BE49-F238E27FC236}">
+                <a16:creationId xmlns:a16="http://schemas.microsoft.com/office/drawing/2014/main" id="{D0A3860C-9280-B300-3733-C278CDC8A5EB}"/>
               </a:ext>
             </a:extLst>
           </p:cNvPr>
@@ -11054,8 +10571,8 @@
         </p:nvSpPr>
         <p:spPr>
           <a:xfrm>
-            <a:off x="5169732" y="2522544"/>
-            <a:ext cx="1372017" cy="507832"/>
+            <a:off x="113956" y="4507783"/>
+            <a:ext cx="1159371" cy="236988"/>
           </a:xfrm>
           <a:prstGeom prst="rect">
             <a:avLst/>
@@ -11162,57 +10679,379 @@
             </a:lvl9pPr>
           </a:lstStyle>
           <a:p>
-            <a:pPr algn="ctr"/>
-            <a:r>
-              <a:rPr lang="en-IN" sz="900" b="1" dirty="0">
-                <a:ea typeface="Calibri" panose="020F0502020204030204" pitchFamily="34" charset="0"/>
-                <a:cs typeface="Calibri" panose="020F0502020204030204" pitchFamily="34" charset="0"/>
-              </a:rPr>
-              <a:t>Output bucket</a:t>
-            </a:r>
-          </a:p>
-          <a:p>
-            <a:pPr algn="ctr"/>
             <a:r>
               <a:rPr lang="en-IN" sz="900" dirty="0">
                 <a:ea typeface="Calibri" panose="020F0502020204030204" pitchFamily="34" charset="0"/>
                 <a:cs typeface="Calibri" panose="020F0502020204030204" pitchFamily="34" charset="0"/>
               </a:rPr>
-              <a:t>(Storing the filtered</a:t>
-            </a:r>
-          </a:p>
-          <a:p>
-            <a:pPr algn="ctr"/>
-            <a:r>
-              <a:rPr lang="en-IN" sz="900" dirty="0">
-                <a:ea typeface="Calibri" panose="020F0502020204030204" pitchFamily="34" charset="0"/>
-                <a:cs typeface="Calibri" panose="020F0502020204030204" pitchFamily="34" charset="0"/>
-              </a:rPr>
-              <a:t>data in S3)</a:t>
+              <a:t>Source data</a:t>
             </a:r>
           </a:p>
         </p:txBody>
       </p:sp>
       <p:cxnSp>
         <p:nvCxnSpPr>
-          <p:cNvPr id="56" name="Connector: Elbow 195">
-            <a:extLst>
-              <a:ext uri="{FF2B5EF4-FFF2-40B4-BE49-F238E27FC236}">
-                <a16:creationId xmlns:a16="http://schemas.microsoft.com/office/drawing/2014/main" id="{392BDF1B-1FA2-A67E-021D-BD5A642736FC}"/>
+          <p:cNvPr id="91" name="Straight Arrow Connector 90">
+            <a:extLst>
+              <a:ext uri="{FF2B5EF4-FFF2-40B4-BE49-F238E27FC236}">
+                <a16:creationId xmlns:a16="http://schemas.microsoft.com/office/drawing/2014/main" id="{C9B1707C-B914-14A0-8DCD-74521A7A439E}"/>
               </a:ext>
             </a:extLst>
           </p:cNvPr>
           <p:cNvCxnSpPr>
             <a:cxnSpLocks/>
-            <a:stCxn id="18" idx="3"/>
-            <a:endCxn id="54" idx="1"/>
+            <a:stCxn id="89" idx="3"/>
+            <a:endCxn id="61" idx="1"/>
+          </p:cNvCxnSpPr>
+          <p:nvPr/>
+        </p:nvCxnSpPr>
+        <p:spPr>
+          <a:xfrm>
+            <a:off x="662848" y="4298299"/>
+            <a:ext cx="1053136" cy="1572"/>
+          </a:xfrm>
+          <a:prstGeom prst="straightConnector1">
+            <a:avLst/>
+          </a:prstGeom>
+          <a:ln>
+            <a:tailEnd type="triangle"/>
+          </a:ln>
+        </p:spPr>
+        <p:style>
+          <a:lnRef idx="1">
+            <a:schemeClr val="accent1"/>
+          </a:lnRef>
+          <a:fillRef idx="0">
+            <a:schemeClr val="accent1"/>
+          </a:fillRef>
+          <a:effectRef idx="0">
+            <a:schemeClr val="accent1"/>
+          </a:effectRef>
+          <a:fontRef idx="minor">
+            <a:schemeClr val="tx1"/>
+          </a:fontRef>
+        </p:style>
+      </p:cxnSp>
+      <p:cxnSp>
+        <p:nvCxnSpPr>
+          <p:cNvPr id="92" name="Straight Arrow Connector 91">
+            <a:extLst>
+              <a:ext uri="{FF2B5EF4-FFF2-40B4-BE49-F238E27FC236}">
+                <a16:creationId xmlns:a16="http://schemas.microsoft.com/office/drawing/2014/main" id="{63CD7552-47E4-21F1-DE74-6C00E835E7E8}"/>
+              </a:ext>
+            </a:extLst>
+          </p:cNvPr>
+          <p:cNvCxnSpPr>
+            <a:cxnSpLocks/>
+            <a:stCxn id="86" idx="3"/>
+            <a:endCxn id="71" idx="1"/>
           </p:cNvCxnSpPr>
           <p:nvPr/>
         </p:nvCxnSpPr>
         <p:spPr>
           <a:xfrm flipV="1">
-            <a:off x="3337502" y="3990737"/>
-            <a:ext cx="2218767" cy="2880"/>
+            <a:off x="10580280" y="2764612"/>
+            <a:ext cx="994402" cy="4735"/>
+          </a:xfrm>
+          <a:prstGeom prst="straightConnector1">
+            <a:avLst/>
+          </a:prstGeom>
+          <a:ln>
+            <a:tailEnd type="triangle"/>
+          </a:ln>
+        </p:spPr>
+        <p:style>
+          <a:lnRef idx="1">
+            <a:schemeClr val="accent1"/>
+          </a:lnRef>
+          <a:fillRef idx="0">
+            <a:schemeClr val="accent1"/>
+          </a:fillRef>
+          <a:effectRef idx="0">
+            <a:schemeClr val="accent1"/>
+          </a:effectRef>
+          <a:fontRef idx="minor">
+            <a:schemeClr val="tx1"/>
+          </a:fontRef>
+        </p:style>
+      </p:cxnSp>
+      <p:sp>
+        <p:nvSpPr>
+          <p:cNvPr id="93" name="TextBox 208">
+            <a:extLst>
+              <a:ext uri="{FF2B5EF4-FFF2-40B4-BE49-F238E27FC236}">
+                <a16:creationId xmlns:a16="http://schemas.microsoft.com/office/drawing/2014/main" id="{08EE6111-8096-04EB-19DA-372A2E28BF6B}"/>
+              </a:ext>
+            </a:extLst>
+          </p:cNvPr>
+          <p:cNvSpPr txBox="1"/>
+          <p:nvPr/>
+        </p:nvSpPr>
+        <p:spPr>
+          <a:xfrm>
+            <a:off x="3030792" y="1924494"/>
+            <a:ext cx="1544857" cy="236988"/>
+          </a:xfrm>
+          <a:prstGeom prst="rect">
+            <a:avLst/>
+          </a:prstGeom>
+          <a:noFill/>
+        </p:spPr>
+        <p:txBody>
+          <a:bodyPr wrap="square" rtlCol="0">
+            <a:spAutoFit/>
+          </a:bodyPr>
+          <a:lstStyle>
+            <a:defPPr>
+              <a:defRPr lang="en-US"/>
+            </a:defPPr>
+            <a:lvl1pPr marL="0" algn="l" defTabSz="914400" rtl="0" eaLnBrk="1" latinLnBrk="0" hangingPunct="1">
+              <a:defRPr sz="1800" kern="1200">
+                <a:solidFill>
+                  <a:schemeClr val="tx1"/>
+                </a:solidFill>
+                <a:latin typeface="+mn-lt"/>
+                <a:ea typeface="+mn-ea"/>
+                <a:cs typeface="+mn-cs"/>
+              </a:defRPr>
+            </a:lvl1pPr>
+            <a:lvl2pPr marL="457200" algn="l" defTabSz="914400" rtl="0" eaLnBrk="1" latinLnBrk="0" hangingPunct="1">
+              <a:defRPr sz="1800" kern="1200">
+                <a:solidFill>
+                  <a:schemeClr val="tx1"/>
+                </a:solidFill>
+                <a:latin typeface="+mn-lt"/>
+                <a:ea typeface="+mn-ea"/>
+                <a:cs typeface="+mn-cs"/>
+              </a:defRPr>
+            </a:lvl2pPr>
+            <a:lvl3pPr marL="914400" algn="l" defTabSz="914400" rtl="0" eaLnBrk="1" latinLnBrk="0" hangingPunct="1">
+              <a:defRPr sz="1800" kern="1200">
+                <a:solidFill>
+                  <a:schemeClr val="tx1"/>
+                </a:solidFill>
+                <a:latin typeface="+mn-lt"/>
+                <a:ea typeface="+mn-ea"/>
+                <a:cs typeface="+mn-cs"/>
+              </a:defRPr>
+            </a:lvl3pPr>
+            <a:lvl4pPr marL="1371600" algn="l" defTabSz="914400" rtl="0" eaLnBrk="1" latinLnBrk="0" hangingPunct="1">
+              <a:defRPr sz="1800" kern="1200">
+                <a:solidFill>
+                  <a:schemeClr val="tx1"/>
+                </a:solidFill>
+                <a:latin typeface="+mn-lt"/>
+                <a:ea typeface="+mn-ea"/>
+                <a:cs typeface="+mn-cs"/>
+              </a:defRPr>
+            </a:lvl4pPr>
+            <a:lvl5pPr marL="1828800" algn="l" defTabSz="914400" rtl="0" eaLnBrk="1" latinLnBrk="0" hangingPunct="1">
+              <a:defRPr sz="1800" kern="1200">
+                <a:solidFill>
+                  <a:schemeClr val="tx1"/>
+                </a:solidFill>
+                <a:latin typeface="+mn-lt"/>
+                <a:ea typeface="+mn-ea"/>
+                <a:cs typeface="+mn-cs"/>
+              </a:defRPr>
+            </a:lvl5pPr>
+            <a:lvl6pPr marL="2286000" algn="l" defTabSz="914400" rtl="0" eaLnBrk="1" latinLnBrk="0" hangingPunct="1">
+              <a:defRPr sz="1800" kern="1200">
+                <a:solidFill>
+                  <a:schemeClr val="tx1"/>
+                </a:solidFill>
+                <a:latin typeface="+mn-lt"/>
+                <a:ea typeface="+mn-ea"/>
+                <a:cs typeface="+mn-cs"/>
+              </a:defRPr>
+            </a:lvl6pPr>
+            <a:lvl7pPr marL="2743200" algn="l" defTabSz="914400" rtl="0" eaLnBrk="1" latinLnBrk="0" hangingPunct="1">
+              <a:defRPr sz="1800" kern="1200">
+                <a:solidFill>
+                  <a:schemeClr val="tx1"/>
+                </a:solidFill>
+                <a:latin typeface="+mn-lt"/>
+                <a:ea typeface="+mn-ea"/>
+                <a:cs typeface="+mn-cs"/>
+              </a:defRPr>
+            </a:lvl7pPr>
+            <a:lvl8pPr marL="3200400" algn="l" defTabSz="914400" rtl="0" eaLnBrk="1" latinLnBrk="0" hangingPunct="1">
+              <a:defRPr sz="1800" kern="1200">
+                <a:solidFill>
+                  <a:schemeClr val="tx1"/>
+                </a:solidFill>
+                <a:latin typeface="+mn-lt"/>
+                <a:ea typeface="+mn-ea"/>
+                <a:cs typeface="+mn-cs"/>
+              </a:defRPr>
+            </a:lvl8pPr>
+            <a:lvl9pPr marL="3657600" algn="l" defTabSz="914400" rtl="0" eaLnBrk="1" latinLnBrk="0" hangingPunct="1">
+              <a:defRPr sz="1800" kern="1200">
+                <a:solidFill>
+                  <a:schemeClr val="tx1"/>
+                </a:solidFill>
+                <a:latin typeface="+mn-lt"/>
+                <a:ea typeface="+mn-ea"/>
+                <a:cs typeface="+mn-cs"/>
+              </a:defRPr>
+            </a:lvl9pPr>
+          </a:lstStyle>
+          <a:p>
+            <a:r>
+              <a:rPr lang="en-IN" sz="900" b="1" dirty="0"/>
+              <a:t>FETCHING &amp; FILTERING</a:t>
+            </a:r>
+          </a:p>
+        </p:txBody>
+      </p:sp>
+      <p:sp>
+        <p:nvSpPr>
+          <p:cNvPr id="95" name="TextBox 208">
+            <a:extLst>
+              <a:ext uri="{FF2B5EF4-FFF2-40B4-BE49-F238E27FC236}">
+                <a16:creationId xmlns:a16="http://schemas.microsoft.com/office/drawing/2014/main" id="{4B945DE9-C97A-9C62-5150-499FF8950982}"/>
+              </a:ext>
+            </a:extLst>
+          </p:cNvPr>
+          <p:cNvSpPr txBox="1"/>
+          <p:nvPr/>
+        </p:nvSpPr>
+        <p:spPr>
+          <a:xfrm>
+            <a:off x="7955679" y="2160655"/>
+            <a:ext cx="1779086" cy="230832"/>
+          </a:xfrm>
+          <a:prstGeom prst="rect">
+            <a:avLst/>
+          </a:prstGeom>
+          <a:noFill/>
+        </p:spPr>
+        <p:txBody>
+          <a:bodyPr wrap="square" rtlCol="0">
+            <a:spAutoFit/>
+          </a:bodyPr>
+          <a:lstStyle>
+            <a:defPPr>
+              <a:defRPr lang="en-US"/>
+            </a:defPPr>
+            <a:lvl1pPr marL="0" algn="l" defTabSz="914400" rtl="0" eaLnBrk="1" latinLnBrk="0" hangingPunct="1">
+              <a:defRPr sz="1800" kern="1200">
+                <a:solidFill>
+                  <a:schemeClr val="tx1"/>
+                </a:solidFill>
+                <a:latin typeface="+mn-lt"/>
+                <a:ea typeface="+mn-ea"/>
+                <a:cs typeface="+mn-cs"/>
+              </a:defRPr>
+            </a:lvl1pPr>
+            <a:lvl2pPr marL="457200" algn="l" defTabSz="914400" rtl="0" eaLnBrk="1" latinLnBrk="0" hangingPunct="1">
+              <a:defRPr sz="1800" kern="1200">
+                <a:solidFill>
+                  <a:schemeClr val="tx1"/>
+                </a:solidFill>
+                <a:latin typeface="+mn-lt"/>
+                <a:ea typeface="+mn-ea"/>
+                <a:cs typeface="+mn-cs"/>
+              </a:defRPr>
+            </a:lvl2pPr>
+            <a:lvl3pPr marL="914400" algn="l" defTabSz="914400" rtl="0" eaLnBrk="1" latinLnBrk="0" hangingPunct="1">
+              <a:defRPr sz="1800" kern="1200">
+                <a:solidFill>
+                  <a:schemeClr val="tx1"/>
+                </a:solidFill>
+                <a:latin typeface="+mn-lt"/>
+                <a:ea typeface="+mn-ea"/>
+                <a:cs typeface="+mn-cs"/>
+              </a:defRPr>
+            </a:lvl3pPr>
+            <a:lvl4pPr marL="1371600" algn="l" defTabSz="914400" rtl="0" eaLnBrk="1" latinLnBrk="0" hangingPunct="1">
+              <a:defRPr sz="1800" kern="1200">
+                <a:solidFill>
+                  <a:schemeClr val="tx1"/>
+                </a:solidFill>
+                <a:latin typeface="+mn-lt"/>
+                <a:ea typeface="+mn-ea"/>
+                <a:cs typeface="+mn-cs"/>
+              </a:defRPr>
+            </a:lvl4pPr>
+            <a:lvl5pPr marL="1828800" algn="l" defTabSz="914400" rtl="0" eaLnBrk="1" latinLnBrk="0" hangingPunct="1">
+              <a:defRPr sz="1800" kern="1200">
+                <a:solidFill>
+                  <a:schemeClr val="tx1"/>
+                </a:solidFill>
+                <a:latin typeface="+mn-lt"/>
+                <a:ea typeface="+mn-ea"/>
+                <a:cs typeface="+mn-cs"/>
+              </a:defRPr>
+            </a:lvl5pPr>
+            <a:lvl6pPr marL="2286000" algn="l" defTabSz="914400" rtl="0" eaLnBrk="1" latinLnBrk="0" hangingPunct="1">
+              <a:defRPr sz="1800" kern="1200">
+                <a:solidFill>
+                  <a:schemeClr val="tx1"/>
+                </a:solidFill>
+                <a:latin typeface="+mn-lt"/>
+                <a:ea typeface="+mn-ea"/>
+                <a:cs typeface="+mn-cs"/>
+              </a:defRPr>
+            </a:lvl6pPr>
+            <a:lvl7pPr marL="2743200" algn="l" defTabSz="914400" rtl="0" eaLnBrk="1" latinLnBrk="0" hangingPunct="1">
+              <a:defRPr sz="1800" kern="1200">
+                <a:solidFill>
+                  <a:schemeClr val="tx1"/>
+                </a:solidFill>
+                <a:latin typeface="+mn-lt"/>
+                <a:ea typeface="+mn-ea"/>
+                <a:cs typeface="+mn-cs"/>
+              </a:defRPr>
+            </a:lvl7pPr>
+            <a:lvl8pPr marL="3200400" algn="l" defTabSz="914400" rtl="0" eaLnBrk="1" latinLnBrk="0" hangingPunct="1">
+              <a:defRPr sz="1800" kern="1200">
+                <a:solidFill>
+                  <a:schemeClr val="tx1"/>
+                </a:solidFill>
+                <a:latin typeface="+mn-lt"/>
+                <a:ea typeface="+mn-ea"/>
+                <a:cs typeface="+mn-cs"/>
+              </a:defRPr>
+            </a:lvl8pPr>
+            <a:lvl9pPr marL="3657600" algn="l" defTabSz="914400" rtl="0" eaLnBrk="1" latinLnBrk="0" hangingPunct="1">
+              <a:defRPr sz="1800" kern="1200">
+                <a:solidFill>
+                  <a:schemeClr val="tx1"/>
+                </a:solidFill>
+                <a:latin typeface="+mn-lt"/>
+                <a:ea typeface="+mn-ea"/>
+                <a:cs typeface="+mn-cs"/>
+              </a:defRPr>
+            </a:lvl9pPr>
+          </a:lstStyle>
+          <a:p>
+            <a:r>
+              <a:rPr lang="en-IN" sz="900" b="1" dirty="0"/>
+              <a:t>MAIL SERVICE &amp; PDF GENRATION</a:t>
+            </a:r>
+          </a:p>
+        </p:txBody>
+      </p:sp>
+      <p:cxnSp>
+        <p:nvCxnSpPr>
+          <p:cNvPr id="9" name="Straight Arrow Connector 8">
+            <a:extLst>
+              <a:ext uri="{FF2B5EF4-FFF2-40B4-BE49-F238E27FC236}">
+                <a16:creationId xmlns:a16="http://schemas.microsoft.com/office/drawing/2014/main" id="{43255C29-75AA-D63E-B4D3-1994BAF446E8}"/>
+              </a:ext>
+            </a:extLst>
+          </p:cNvPr>
+          <p:cNvCxnSpPr>
+            <a:cxnSpLocks/>
+            <a:stCxn id="81" idx="3"/>
+          </p:cNvCxnSpPr>
+          <p:nvPr/>
+        </p:nvCxnSpPr>
+        <p:spPr>
+          <a:xfrm>
+            <a:off x="3542778" y="3316693"/>
+            <a:ext cx="1149670" cy="771139"/>
           </a:xfrm>
           <a:prstGeom prst="bentConnector3">
             <a:avLst>
@@ -11240,31 +11079,28 @@
       </p:cxnSp>
       <p:cxnSp>
         <p:nvCxnSpPr>
-          <p:cNvPr id="66" name="Straight Arrow Connector 65">
-            <a:extLst>
-              <a:ext uri="{FF2B5EF4-FFF2-40B4-BE49-F238E27FC236}">
-                <a16:creationId xmlns:a16="http://schemas.microsoft.com/office/drawing/2014/main" id="{07B5FB53-8D50-8154-EBF0-6A9F60B213F5}"/>
+          <p:cNvPr id="29" name="Straight Arrow Connector 28">
+            <a:extLst>
+              <a:ext uri="{FF2B5EF4-FFF2-40B4-BE49-F238E27FC236}">
+                <a16:creationId xmlns:a16="http://schemas.microsoft.com/office/drawing/2014/main" id="{C9B1A5E2-84E4-AF2B-8282-436EB1993A19}"/>
               </a:ext>
             </a:extLst>
           </p:cNvPr>
           <p:cNvCxnSpPr>
             <a:cxnSpLocks/>
-            <a:stCxn id="84" idx="3"/>
+            <a:endCxn id="78" idx="2"/>
           </p:cNvCxnSpPr>
           <p:nvPr/>
         </p:nvCxnSpPr>
         <p:spPr>
           <a:xfrm flipV="1">
-            <a:off x="3338870" y="4338347"/>
-            <a:ext cx="2462409" cy="762386"/>
+            <a:off x="7516677" y="3666484"/>
+            <a:ext cx="584626" cy="474113"/>
           </a:xfrm>
-          <a:prstGeom prst="bentConnector3">
-            <a:avLst>
-              <a:gd name="adj1" fmla="val 99513"/>
-            </a:avLst>
+          <a:prstGeom prst="bentConnector2">
+            <a:avLst/>
           </a:prstGeom>
           <a:ln>
-            <a:headEnd type="triangle"/>
             <a:tailEnd type="triangle"/>
           </a:ln>
         </p:spPr>

--- a/CVP_Project_Proposal/CVP_Project_Proposal-cvp-2.pptx
+++ b/CVP_Project_Proposal/CVP_Project_Proposal-cvp-2.pptx
@@ -8013,7 +8013,7 @@
         </p:blipFill>
         <p:spPr bwMode="auto">
           <a:xfrm>
-            <a:off x="268154" y="2512910"/>
+            <a:off x="1520335" y="2033088"/>
             <a:ext cx="459702" cy="459702"/>
           </a:xfrm>
           <a:prstGeom prst="rect">
@@ -8058,7 +8058,7 @@
         </p:nvSpPr>
         <p:spPr>
           <a:xfrm>
-            <a:off x="-60443" y="2961659"/>
+            <a:off x="1191738" y="2481837"/>
             <a:ext cx="1137866" cy="778675"/>
           </a:xfrm>
           <a:prstGeom prst="rect">
@@ -8275,7 +8275,7 @@
         </p:blipFill>
         <p:spPr bwMode="auto">
           <a:xfrm>
-            <a:off x="7920866" y="5229623"/>
+            <a:off x="9918474" y="5229623"/>
             <a:ext cx="639913" cy="639913"/>
           </a:xfrm>
           <a:prstGeom prst="rect">
@@ -8395,7 +8395,7 @@
         </p:blipFill>
         <p:spPr bwMode="auto">
           <a:xfrm>
-            <a:off x="1715984" y="3991300"/>
+            <a:off x="1983276" y="3991300"/>
             <a:ext cx="617141" cy="617141"/>
           </a:xfrm>
           <a:prstGeom prst="rect">
@@ -8455,7 +8455,7 @@
         </p:blipFill>
         <p:spPr bwMode="auto">
           <a:xfrm>
-            <a:off x="6934692" y="3993123"/>
+            <a:off x="7019100" y="3993123"/>
             <a:ext cx="617141" cy="617141"/>
           </a:xfrm>
           <a:prstGeom prst="rect">
@@ -8504,8 +8504,8 @@
         </p:nvCxnSpPr>
         <p:spPr>
           <a:xfrm rot="10800000" flipV="1">
-            <a:off x="2024556" y="2544882"/>
-            <a:ext cx="2341199" cy="1446418"/>
+            <a:off x="2291848" y="2544882"/>
+            <a:ext cx="2073907" cy="1446418"/>
           </a:xfrm>
           <a:prstGeom prst="bentConnector2">
             <a:avLst/>
@@ -8540,17 +8540,17 @@
           </p:cNvPr>
           <p:cNvCxnSpPr>
             <a:cxnSpLocks/>
-            <a:stCxn id="79" idx="2"/>
+            <a:stCxn id="8" idx="3"/>
             <a:endCxn id="59" idx="1"/>
           </p:cNvCxnSpPr>
           <p:nvPr/>
         </p:nvCxnSpPr>
         <p:spPr>
-          <a:xfrm rot="16200000" flipH="1">
-            <a:off x="4888957" y="2517671"/>
-            <a:ext cx="206660" cy="5857158"/>
+          <a:xfrm flipV="1">
+            <a:off x="7620385" y="5549580"/>
+            <a:ext cx="2298089" cy="721"/>
           </a:xfrm>
-          <a:prstGeom prst="bentConnector2">
+          <a:prstGeom prst="straightConnector1">
             <a:avLst/>
           </a:prstGeom>
           <a:ln>
@@ -8590,8 +8590,8 @@
         </p:nvCxnSpPr>
         <p:spPr>
           <a:xfrm>
-            <a:off x="2333125" y="4299871"/>
-            <a:ext cx="2313989" cy="1826"/>
+            <a:off x="2600417" y="4299871"/>
+            <a:ext cx="2046697" cy="1826"/>
           </a:xfrm>
           <a:prstGeom prst="straightConnector1">
             <a:avLst/>
@@ -8678,8 +8678,8 @@
         </p:nvCxnSpPr>
         <p:spPr>
           <a:xfrm rot="16200000" flipV="1">
-            <a:off x="7432364" y="4421164"/>
-            <a:ext cx="927929" cy="688990"/>
+            <a:off x="8473372" y="3464564"/>
+            <a:ext cx="927929" cy="2602190"/>
           </a:xfrm>
           <a:prstGeom prst="bentConnector2">
             <a:avLst/>
@@ -8722,7 +8722,7 @@
         <p:spPr>
           <a:xfrm flipV="1">
             <a:off x="5287027" y="4301694"/>
-            <a:ext cx="1647665" cy="3"/>
+            <a:ext cx="1732073" cy="3"/>
           </a:xfrm>
           <a:prstGeom prst="straightConnector1">
             <a:avLst/>
@@ -8764,8 +8764,8 @@
         </p:nvCxnSpPr>
         <p:spPr>
           <a:xfrm rot="16200000" flipV="1">
-            <a:off x="5641524" y="2391383"/>
-            <a:ext cx="659471" cy="2544009"/>
+            <a:off x="5683728" y="2349179"/>
+            <a:ext cx="659471" cy="2628417"/>
           </a:xfrm>
           <a:prstGeom prst="bentConnector3">
             <a:avLst>
@@ -9296,7 +9296,7 @@
             </a:r>
             <a:r>
               <a:rPr lang="en-US" sz="900" dirty="0"/>
-              <a:t>) into HTML pages.)</a:t>
+              <a:t>) into .html file.)</a:t>
             </a:r>
             <a:endParaRPr lang="en-IN" sz="900" b="1" dirty="0"/>
           </a:p>
@@ -9316,7 +9316,7 @@
         </p:nvSpPr>
         <p:spPr>
           <a:xfrm>
-            <a:off x="7161899" y="5807547"/>
+            <a:off x="9159507" y="5807547"/>
             <a:ext cx="2183245" cy="507831"/>
           </a:xfrm>
           <a:prstGeom prst="rect">
@@ -9602,7 +9602,7 @@
         </p:nvSpPr>
         <p:spPr>
           <a:xfrm>
-            <a:off x="1093539" y="4558090"/>
+            <a:off x="1360831" y="4558090"/>
             <a:ext cx="1940338" cy="784830"/>
           </a:xfrm>
           <a:prstGeom prst="rect">
@@ -10085,195 +10085,6 @@
       </p:sp>
       <p:pic>
         <p:nvPicPr>
-          <p:cNvPr id="83" name="Graphic 19">
-            <a:extLst>
-              <a:ext uri="{FF2B5EF4-FFF2-40B4-BE49-F238E27FC236}">
-                <a16:creationId xmlns:a16="http://schemas.microsoft.com/office/drawing/2014/main" id="{C630578D-D3B6-6C1D-2D53-1D1DC9B13863}"/>
-              </a:ext>
-            </a:extLst>
-          </p:cNvPr>
-          <p:cNvPicPr>
-            <a:picLocks noChangeAspect="1" noChangeArrowheads="1"/>
-          </p:cNvPicPr>
-          <p:nvPr/>
-        </p:nvPicPr>
-        <p:blipFill>
-          <a:blip r:embed="rId11" cstate="print"/>
-          <a:srcRect/>
-          <a:stretch/>
-        </p:blipFill>
-        <p:spPr bwMode="auto">
-          <a:xfrm>
-            <a:off x="9741009" y="5318303"/>
-            <a:ext cx="456888" cy="456888"/>
-          </a:xfrm>
-          <a:prstGeom prst="rect">
-            <a:avLst/>
-          </a:prstGeom>
-          <a:noFill/>
-          <a:ln>
-            <a:noFill/>
-          </a:ln>
-          <a:extLst>
-            <a:ext uri="{909E8E84-426E-40DD-AFC4-6F175D3DCCD1}">
-              <a14:hiddenFill xmlns:a14="http://schemas.microsoft.com/office/drawing/2010/main">
-                <a:solidFill>
-                  <a:srgbClr val="FFFFFF"/>
-                </a:solidFill>
-              </a14:hiddenFill>
-            </a:ext>
-            <a:ext uri="{91240B29-F687-4F45-9708-019B960494DF}">
-              <a14:hiddenLine xmlns:a14="http://schemas.microsoft.com/office/drawing/2010/main" w="9525">
-                <a:solidFill>
-                  <a:srgbClr val="000000"/>
-                </a:solidFill>
-                <a:miter lim="800000"/>
-                <a:headEnd/>
-                <a:tailEnd/>
-              </a14:hiddenLine>
-            </a:ext>
-          </a:extLst>
-        </p:spPr>
-      </p:pic>
-      <p:sp>
-        <p:nvSpPr>
-          <p:cNvPr id="85" name="TextBox 161">
-            <a:extLst>
-              <a:ext uri="{FF2B5EF4-FFF2-40B4-BE49-F238E27FC236}">
-                <a16:creationId xmlns:a16="http://schemas.microsoft.com/office/drawing/2014/main" id="{F76BFAEB-7CD6-9028-9969-2B79C48263BD}"/>
-              </a:ext>
-            </a:extLst>
-          </p:cNvPr>
-          <p:cNvSpPr txBox="1"/>
-          <p:nvPr/>
-        </p:nvSpPr>
-        <p:spPr>
-          <a:xfrm>
-            <a:off x="9213120" y="5743670"/>
-            <a:ext cx="1538126" cy="507831"/>
-          </a:xfrm>
-          <a:prstGeom prst="rect">
-            <a:avLst/>
-          </a:prstGeom>
-          <a:noFill/>
-        </p:spPr>
-        <p:txBody>
-          <a:bodyPr wrap="square" rtlCol="0">
-            <a:spAutoFit/>
-          </a:bodyPr>
-          <a:lstStyle>
-            <a:defPPr>
-              <a:defRPr lang="en-US"/>
-            </a:defPPr>
-            <a:lvl1pPr marL="0" algn="l" defTabSz="914400" rtl="0" eaLnBrk="1" latinLnBrk="0" hangingPunct="1">
-              <a:defRPr sz="1800" kern="1200">
-                <a:solidFill>
-                  <a:schemeClr val="tx1"/>
-                </a:solidFill>
-                <a:latin typeface="+mn-lt"/>
-                <a:ea typeface="+mn-ea"/>
-                <a:cs typeface="+mn-cs"/>
-              </a:defRPr>
-            </a:lvl1pPr>
-            <a:lvl2pPr marL="457200" algn="l" defTabSz="914400" rtl="0" eaLnBrk="1" latinLnBrk="0" hangingPunct="1">
-              <a:defRPr sz="1800" kern="1200">
-                <a:solidFill>
-                  <a:schemeClr val="tx1"/>
-                </a:solidFill>
-                <a:latin typeface="+mn-lt"/>
-                <a:ea typeface="+mn-ea"/>
-                <a:cs typeface="+mn-cs"/>
-              </a:defRPr>
-            </a:lvl2pPr>
-            <a:lvl3pPr marL="914400" algn="l" defTabSz="914400" rtl="0" eaLnBrk="1" latinLnBrk="0" hangingPunct="1">
-              <a:defRPr sz="1800" kern="1200">
-                <a:solidFill>
-                  <a:schemeClr val="tx1"/>
-                </a:solidFill>
-                <a:latin typeface="+mn-lt"/>
-                <a:ea typeface="+mn-ea"/>
-                <a:cs typeface="+mn-cs"/>
-              </a:defRPr>
-            </a:lvl3pPr>
-            <a:lvl4pPr marL="1371600" algn="l" defTabSz="914400" rtl="0" eaLnBrk="1" latinLnBrk="0" hangingPunct="1">
-              <a:defRPr sz="1800" kern="1200">
-                <a:solidFill>
-                  <a:schemeClr val="tx1"/>
-                </a:solidFill>
-                <a:latin typeface="+mn-lt"/>
-                <a:ea typeface="+mn-ea"/>
-                <a:cs typeface="+mn-cs"/>
-              </a:defRPr>
-            </a:lvl4pPr>
-            <a:lvl5pPr marL="1828800" algn="l" defTabSz="914400" rtl="0" eaLnBrk="1" latinLnBrk="0" hangingPunct="1">
-              <a:defRPr sz="1800" kern="1200">
-                <a:solidFill>
-                  <a:schemeClr val="tx1"/>
-                </a:solidFill>
-                <a:latin typeface="+mn-lt"/>
-                <a:ea typeface="+mn-ea"/>
-                <a:cs typeface="+mn-cs"/>
-              </a:defRPr>
-            </a:lvl5pPr>
-            <a:lvl6pPr marL="2286000" algn="l" defTabSz="914400" rtl="0" eaLnBrk="1" latinLnBrk="0" hangingPunct="1">
-              <a:defRPr sz="1800" kern="1200">
-                <a:solidFill>
-                  <a:schemeClr val="tx1"/>
-                </a:solidFill>
-                <a:latin typeface="+mn-lt"/>
-                <a:ea typeface="+mn-ea"/>
-                <a:cs typeface="+mn-cs"/>
-              </a:defRPr>
-            </a:lvl6pPr>
-            <a:lvl7pPr marL="2743200" algn="l" defTabSz="914400" rtl="0" eaLnBrk="1" latinLnBrk="0" hangingPunct="1">
-              <a:defRPr sz="1800" kern="1200">
-                <a:solidFill>
-                  <a:schemeClr val="tx1"/>
-                </a:solidFill>
-                <a:latin typeface="+mn-lt"/>
-                <a:ea typeface="+mn-ea"/>
-                <a:cs typeface="+mn-cs"/>
-              </a:defRPr>
-            </a:lvl7pPr>
-            <a:lvl8pPr marL="3200400" algn="l" defTabSz="914400" rtl="0" eaLnBrk="1" latinLnBrk="0" hangingPunct="1">
-              <a:defRPr sz="1800" kern="1200">
-                <a:solidFill>
-                  <a:schemeClr val="tx1"/>
-                </a:solidFill>
-                <a:latin typeface="+mn-lt"/>
-                <a:ea typeface="+mn-ea"/>
-                <a:cs typeface="+mn-cs"/>
-              </a:defRPr>
-            </a:lvl8pPr>
-            <a:lvl9pPr marL="3657600" algn="l" defTabSz="914400" rtl="0" eaLnBrk="1" latinLnBrk="0" hangingPunct="1">
-              <a:defRPr sz="1800" kern="1200">
-                <a:solidFill>
-                  <a:schemeClr val="tx1"/>
-                </a:solidFill>
-                <a:latin typeface="+mn-lt"/>
-                <a:ea typeface="+mn-ea"/>
-                <a:cs typeface="+mn-cs"/>
-              </a:defRPr>
-            </a:lvl9pPr>
-          </a:lstStyle>
-          <a:p>
-            <a:pPr algn="ctr"/>
-            <a:r>
-              <a:rPr lang="en-IN" sz="900" b="1" dirty="0"/>
-              <a:t>Event bridge</a:t>
-            </a:r>
-          </a:p>
-          <a:p>
-            <a:pPr algn="ctr"/>
-            <a:r>
-              <a:rPr lang="en-IN" sz="900" dirty="0"/>
-              <a:t>(To trigger the scheduled lambda ) </a:t>
-            </a:r>
-          </a:p>
-        </p:txBody>
-      </p:sp>
-      <p:pic>
-        <p:nvPicPr>
           <p:cNvPr id="86" name="Graphic 18">
             <a:extLst>
               <a:ext uri="{FF2B5EF4-FFF2-40B4-BE49-F238E27FC236}">
@@ -10467,49 +10278,6 @@
           </a:p>
         </p:txBody>
       </p:sp>
-      <p:cxnSp>
-        <p:nvCxnSpPr>
-          <p:cNvPr id="88" name="Straight Arrow Connector 87">
-            <a:extLst>
-              <a:ext uri="{FF2B5EF4-FFF2-40B4-BE49-F238E27FC236}">
-                <a16:creationId xmlns:a16="http://schemas.microsoft.com/office/drawing/2014/main" id="{6901C329-EB37-B774-17DB-EE1207C21AFA}"/>
-              </a:ext>
-            </a:extLst>
-          </p:cNvPr>
-          <p:cNvCxnSpPr>
-            <a:cxnSpLocks/>
-            <a:stCxn id="83" idx="1"/>
-            <a:endCxn id="59" idx="3"/>
-          </p:cNvCxnSpPr>
-          <p:nvPr/>
-        </p:nvCxnSpPr>
-        <p:spPr>
-          <a:xfrm flipH="1">
-            <a:off x="8560779" y="5546747"/>
-            <a:ext cx="1180230" cy="2833"/>
-          </a:xfrm>
-          <a:prstGeom prst="straightConnector1">
-            <a:avLst/>
-          </a:prstGeom>
-          <a:ln>
-            <a:tailEnd type="triangle"/>
-          </a:ln>
-        </p:spPr>
-        <p:style>
-          <a:lnRef idx="1">
-            <a:schemeClr val="accent1"/>
-          </a:lnRef>
-          <a:fillRef idx="0">
-            <a:schemeClr val="accent1"/>
-          </a:fillRef>
-          <a:effectRef idx="0">
-            <a:schemeClr val="accent1"/>
-          </a:effectRef>
-          <a:fontRef idx="minor">
-            <a:schemeClr val="tx1"/>
-          </a:fontRef>
-        </p:style>
-      </p:cxnSp>
       <p:pic>
         <p:nvPicPr>
           <p:cNvPr id="89" name="Picture 2" descr="Zip file - Free interface icons">
@@ -10708,7 +10476,7 @@
         <p:spPr>
           <a:xfrm>
             <a:off x="662848" y="4298299"/>
-            <a:ext cx="1053136" cy="1572"/>
+            <a:ext cx="1320428" cy="1572"/>
           </a:xfrm>
           <a:prstGeom prst="straightConnector1">
             <a:avLst/>
@@ -11119,6 +10887,219 @@
           </a:fontRef>
         </p:style>
       </p:cxnSp>
+      <p:pic>
+        <p:nvPicPr>
+          <p:cNvPr id="8" name="Graphic 63">
+            <a:extLst>
+              <a:ext uri="{FF2B5EF4-FFF2-40B4-BE49-F238E27FC236}">
+                <a16:creationId xmlns:a16="http://schemas.microsoft.com/office/drawing/2014/main" id="{4E680A51-7C83-49D1-2DE9-C7F1E2F2B381}"/>
+              </a:ext>
+            </a:extLst>
+          </p:cNvPr>
+          <p:cNvPicPr>
+            <a:picLocks noChangeAspect="1" noChangeArrowheads="1"/>
+          </p:cNvPicPr>
+          <p:nvPr/>
+        </p:nvPicPr>
+        <p:blipFill>
+          <a:blip r:embed="rId9">
+            <a:extLst>
+              <a:ext uri="{28A0092B-C50C-407E-A947-70E740481C1C}">
+                <a14:useLocalDpi xmlns:a14="http://schemas.microsoft.com/office/drawing/2010/main" val="0"/>
+              </a:ext>
+            </a:extLst>
+          </a:blip>
+          <a:srcRect/>
+          <a:stretch>
+            <a:fillRect/>
+          </a:stretch>
+        </p:blipFill>
+        <p:spPr bwMode="auto">
+          <a:xfrm>
+            <a:off x="7003244" y="5241730"/>
+            <a:ext cx="617141" cy="617141"/>
+          </a:xfrm>
+          <a:prstGeom prst="rect">
+            <a:avLst/>
+          </a:prstGeom>
+          <a:noFill/>
+          <a:ln>
+            <a:noFill/>
+          </a:ln>
+          <a:extLst>
+            <a:ext uri="{909E8E84-426E-40DD-AFC4-6F175D3DCCD1}">
+              <a14:hiddenFill xmlns:a14="http://schemas.microsoft.com/office/drawing/2010/main">
+                <a:solidFill>
+                  <a:srgbClr val="FFFFFF"/>
+                </a:solidFill>
+              </a14:hiddenFill>
+            </a:ext>
+            <a:ext uri="{91240B29-F687-4F45-9708-019B960494DF}">
+              <a14:hiddenLine xmlns:a14="http://schemas.microsoft.com/office/drawing/2010/main" w="9525">
+                <a:solidFill>
+                  <a:srgbClr val="000000"/>
+                </a:solidFill>
+                <a:miter lim="800000"/>
+                <a:headEnd/>
+                <a:tailEnd/>
+              </a14:hiddenLine>
+            </a:ext>
+          </a:extLst>
+        </p:spPr>
+      </p:pic>
+      <p:sp>
+        <p:nvSpPr>
+          <p:cNvPr id="11" name="TextBox 134">
+            <a:extLst>
+              <a:ext uri="{FF2B5EF4-FFF2-40B4-BE49-F238E27FC236}">
+                <a16:creationId xmlns:a16="http://schemas.microsoft.com/office/drawing/2014/main" id="{1AF8ED74-C8E1-D5B7-1CA2-A8EE27166A24}"/>
+              </a:ext>
+            </a:extLst>
+          </p:cNvPr>
+          <p:cNvSpPr txBox="1"/>
+          <p:nvPr/>
+        </p:nvSpPr>
+        <p:spPr>
+          <a:xfrm>
+            <a:off x="6380799" y="5808520"/>
+            <a:ext cx="1940338" cy="507831"/>
+          </a:xfrm>
+          <a:prstGeom prst="rect">
+            <a:avLst/>
+          </a:prstGeom>
+          <a:noFill/>
+        </p:spPr>
+        <p:txBody>
+          <a:bodyPr wrap="square" rtlCol="0">
+            <a:spAutoFit/>
+          </a:bodyPr>
+          <a:lstStyle>
+            <a:defPPr>
+              <a:defRPr lang="en-US"/>
+            </a:defPPr>
+            <a:lvl1pPr marL="0" algn="l" defTabSz="914400" rtl="0" eaLnBrk="1" latinLnBrk="0" hangingPunct="1">
+              <a:defRPr sz="1800" kern="1200">
+                <a:solidFill>
+                  <a:schemeClr val="tx1"/>
+                </a:solidFill>
+                <a:latin typeface="+mn-lt"/>
+                <a:ea typeface="+mn-ea"/>
+                <a:cs typeface="+mn-cs"/>
+              </a:defRPr>
+            </a:lvl1pPr>
+            <a:lvl2pPr marL="457200" algn="l" defTabSz="914400" rtl="0" eaLnBrk="1" latinLnBrk="0" hangingPunct="1">
+              <a:defRPr sz="1800" kern="1200">
+                <a:solidFill>
+                  <a:schemeClr val="tx1"/>
+                </a:solidFill>
+                <a:latin typeface="+mn-lt"/>
+                <a:ea typeface="+mn-ea"/>
+                <a:cs typeface="+mn-cs"/>
+              </a:defRPr>
+            </a:lvl2pPr>
+            <a:lvl3pPr marL="914400" algn="l" defTabSz="914400" rtl="0" eaLnBrk="1" latinLnBrk="0" hangingPunct="1">
+              <a:defRPr sz="1800" kern="1200">
+                <a:solidFill>
+                  <a:schemeClr val="tx1"/>
+                </a:solidFill>
+                <a:latin typeface="+mn-lt"/>
+                <a:ea typeface="+mn-ea"/>
+                <a:cs typeface="+mn-cs"/>
+              </a:defRPr>
+            </a:lvl3pPr>
+            <a:lvl4pPr marL="1371600" algn="l" defTabSz="914400" rtl="0" eaLnBrk="1" latinLnBrk="0" hangingPunct="1">
+              <a:defRPr sz="1800" kern="1200">
+                <a:solidFill>
+                  <a:schemeClr val="tx1"/>
+                </a:solidFill>
+                <a:latin typeface="+mn-lt"/>
+                <a:ea typeface="+mn-ea"/>
+                <a:cs typeface="+mn-cs"/>
+              </a:defRPr>
+            </a:lvl4pPr>
+            <a:lvl5pPr marL="1828800" algn="l" defTabSz="914400" rtl="0" eaLnBrk="1" latinLnBrk="0" hangingPunct="1">
+              <a:defRPr sz="1800" kern="1200">
+                <a:solidFill>
+                  <a:schemeClr val="tx1"/>
+                </a:solidFill>
+                <a:latin typeface="+mn-lt"/>
+                <a:ea typeface="+mn-ea"/>
+                <a:cs typeface="+mn-cs"/>
+              </a:defRPr>
+            </a:lvl5pPr>
+            <a:lvl6pPr marL="2286000" algn="l" defTabSz="914400" rtl="0" eaLnBrk="1" latinLnBrk="0" hangingPunct="1">
+              <a:defRPr sz="1800" kern="1200">
+                <a:solidFill>
+                  <a:schemeClr val="tx1"/>
+                </a:solidFill>
+                <a:latin typeface="+mn-lt"/>
+                <a:ea typeface="+mn-ea"/>
+                <a:cs typeface="+mn-cs"/>
+              </a:defRPr>
+            </a:lvl6pPr>
+            <a:lvl7pPr marL="2743200" algn="l" defTabSz="914400" rtl="0" eaLnBrk="1" latinLnBrk="0" hangingPunct="1">
+              <a:defRPr sz="1800" kern="1200">
+                <a:solidFill>
+                  <a:schemeClr val="tx1"/>
+                </a:solidFill>
+                <a:latin typeface="+mn-lt"/>
+                <a:ea typeface="+mn-ea"/>
+                <a:cs typeface="+mn-cs"/>
+              </a:defRPr>
+            </a:lvl7pPr>
+            <a:lvl8pPr marL="3200400" algn="l" defTabSz="914400" rtl="0" eaLnBrk="1" latinLnBrk="0" hangingPunct="1">
+              <a:defRPr sz="1800" kern="1200">
+                <a:solidFill>
+                  <a:schemeClr val="tx1"/>
+                </a:solidFill>
+                <a:latin typeface="+mn-lt"/>
+                <a:ea typeface="+mn-ea"/>
+                <a:cs typeface="+mn-cs"/>
+              </a:defRPr>
+            </a:lvl8pPr>
+            <a:lvl9pPr marL="3657600" algn="l" defTabSz="914400" rtl="0" eaLnBrk="1" latinLnBrk="0" hangingPunct="1">
+              <a:defRPr sz="1800" kern="1200">
+                <a:solidFill>
+                  <a:schemeClr val="tx1"/>
+                </a:solidFill>
+                <a:latin typeface="+mn-lt"/>
+                <a:ea typeface="+mn-ea"/>
+                <a:cs typeface="+mn-cs"/>
+              </a:defRPr>
+            </a:lvl9pPr>
+          </a:lstStyle>
+          <a:p>
+            <a:pPr algn="ctr"/>
+            <a:r>
+              <a:rPr lang="en-US" sz="900" b="1" dirty="0"/>
+              <a:t>Input</a:t>
+            </a:r>
+            <a:r>
+              <a:rPr lang="en-US" sz="900" dirty="0"/>
+              <a:t> </a:t>
+            </a:r>
+            <a:r>
+              <a:rPr lang="en-US" sz="900" b="1" dirty="0"/>
+              <a:t>bucket</a:t>
+            </a:r>
+            <a:r>
+              <a:rPr lang="en-US" sz="900" dirty="0"/>
+              <a:t> </a:t>
+            </a:r>
+          </a:p>
+          <a:p>
+            <a:pPr algn="ctr"/>
+            <a:r>
+              <a:rPr lang="en-US" sz="900" dirty="0"/>
+              <a:t>(The S3 bucket stores `input.html` file generated by Lambda 2)</a:t>
+            </a:r>
+            <a:endParaRPr lang="en-IN" sz="900" dirty="0">
+              <a:ea typeface="Calibri" panose="020F0502020204030204" pitchFamily="34" charset="0"/>
+              <a:cs typeface="Calibri" panose="020F0502020204030204" pitchFamily="34" charset="0"/>
+            </a:endParaRPr>
+          </a:p>
+        </p:txBody>
+      </p:sp>
     </p:spTree>
     <p:extLst>
       <p:ext uri="{BB962C8B-B14F-4D97-AF65-F5344CB8AC3E}">

--- a/CVP_Project_Proposal/CVP_Project_Proposal-cvp-2.pptx
+++ b/CVP_Project_Proposal/CVP_Project_Proposal-cvp-2.pptx
@@ -5,10 +5,10 @@
     <p:sldMasterId id="2147483648" r:id="rId1"/>
   </p:sldMasterIdLst>
   <p:notesMasterIdLst>
-    <p:notesMasterId r:id="rId12"/>
+    <p:notesMasterId r:id="rId13"/>
   </p:notesMasterIdLst>
   <p:handoutMasterIdLst>
-    <p:handoutMasterId r:id="rId13"/>
+    <p:handoutMasterId r:id="rId14"/>
   </p:handoutMasterIdLst>
   <p:sldIdLst>
     <p:sldId id="256" r:id="rId2"/>
@@ -16,11 +16,12 @@
     <p:sldId id="258" r:id="rId4"/>
     <p:sldId id="259" r:id="rId5"/>
     <p:sldId id="266" r:id="rId6"/>
-    <p:sldId id="261" r:id="rId7"/>
-    <p:sldId id="263" r:id="rId8"/>
-    <p:sldId id="264" r:id="rId9"/>
-    <p:sldId id="265" r:id="rId10"/>
-    <p:sldId id="262" r:id="rId11"/>
+    <p:sldId id="267" r:id="rId7"/>
+    <p:sldId id="261" r:id="rId8"/>
+    <p:sldId id="263" r:id="rId9"/>
+    <p:sldId id="264" r:id="rId10"/>
+    <p:sldId id="265" r:id="rId11"/>
+    <p:sldId id="262" r:id="rId12"/>
   </p:sldIdLst>
   <p:sldSz cx="12192000" cy="6858000"/>
   <p:notesSz cx="6858000" cy="9144000"/>
@@ -233,7 +234,7 @@
             <a:fld id="{448F17FC-9D04-4C52-A304-CD8A5276E599}" type="datetimeFigureOut">
               <a:rPr lang="en-IN" smtClean="0"/>
               <a:pPr/>
-              <a:t>07-01-2025</a:t>
+              <a:t>10-01-2025</a:t>
             </a:fld>
             <a:endParaRPr lang="en-IN"/>
           </a:p>
@@ -412,7 +413,7 @@
             <a:fld id="{591A6B1D-1CE5-4BCC-9FB1-614A63B28755}" type="datetimeFigureOut">
               <a:rPr lang="en-IN" smtClean="0"/>
               <a:pPr/>
-              <a:t>07-01-2025</a:t>
+              <a:t>10-01-2025</a:t>
             </a:fld>
             <a:endParaRPr lang="en-IN"/>
           </a:p>
@@ -4490,6 +4491,498 @@
   <p:cSld>
     <p:spTree>
       <p:nvGrpSpPr>
+        <p:cNvPr id="1" name="">
+          <a:extLst>
+            <a:ext uri="{FF2B5EF4-FFF2-40B4-BE49-F238E27FC236}">
+              <a16:creationId xmlns:a16="http://schemas.microsoft.com/office/drawing/2014/main" id="{6C6B9D9E-3351-F71C-9A99-7F018AECC550}"/>
+            </a:ext>
+          </a:extLst>
+        </p:cNvPr>
+        <p:cNvGrpSpPr/>
+        <p:nvPr/>
+      </p:nvGrpSpPr>
+      <p:grpSpPr>
+        <a:xfrm>
+          <a:off x="0" y="0"/>
+          <a:ext cx="0" cy="0"/>
+          <a:chOff x="0" y="0"/>
+          <a:chExt cx="0" cy="0"/>
+        </a:xfrm>
+      </p:grpSpPr>
+      <p:pic>
+        <p:nvPicPr>
+          <p:cNvPr id="5" name="Picture 2" descr="D:\Users\Lean\Desktop\IT Sys Flyer\ppt materials\bord2.png">
+            <a:extLst>
+              <a:ext uri="{FF2B5EF4-FFF2-40B4-BE49-F238E27FC236}">
+                <a16:creationId xmlns:a16="http://schemas.microsoft.com/office/drawing/2014/main" id="{CA0A332A-39E8-246A-EAA0-7E3761E9FE72}"/>
+              </a:ext>
+            </a:extLst>
+          </p:cNvPr>
+          <p:cNvPicPr>
+            <a:picLocks noChangeAspect="1" noChangeArrowheads="1"/>
+          </p:cNvPicPr>
+          <p:nvPr/>
+        </p:nvPicPr>
+        <p:blipFill rotWithShape="1">
+          <a:blip r:embed="rId2" cstate="email">
+            <a:extLst>
+              <a:ext uri="{28A0092B-C50C-407E-A947-70E740481C1C}">
+                <a14:useLocalDpi xmlns:a14="http://schemas.microsoft.com/office/drawing/2010/main"/>
+              </a:ext>
+            </a:extLst>
+          </a:blip>
+          <a:srcRect/>
+          <a:stretch/>
+        </p:blipFill>
+        <p:spPr bwMode="auto">
+          <a:xfrm>
+            <a:off x="-4293" y="-50306"/>
+            <a:ext cx="12196293" cy="1339404"/>
+          </a:xfrm>
+          <a:prstGeom prst="rect">
+            <a:avLst/>
+          </a:prstGeom>
+          <a:noFill/>
+          <a:extLst>
+            <a:ext uri="{909E8E84-426E-40DD-AFC4-6F175D3DCCD1}">
+              <a14:hiddenFill xmlns:a14="http://schemas.microsoft.com/office/drawing/2010/main">
+                <a:solidFill>
+                  <a:srgbClr val="FFFFFF"/>
+                </a:solidFill>
+              </a14:hiddenFill>
+            </a:ext>
+          </a:extLst>
+        </p:spPr>
+      </p:pic>
+      <p:sp>
+        <p:nvSpPr>
+          <p:cNvPr id="6" name="Title 3">
+            <a:extLst>
+              <a:ext uri="{FF2B5EF4-FFF2-40B4-BE49-F238E27FC236}">
+                <a16:creationId xmlns:a16="http://schemas.microsoft.com/office/drawing/2014/main" id="{19144916-B1DE-23FD-1E76-556A1D3794DB}"/>
+              </a:ext>
+            </a:extLst>
+          </p:cNvPr>
+          <p:cNvSpPr txBox="1">
+            <a:spLocks/>
+          </p:cNvSpPr>
+          <p:nvPr/>
+        </p:nvSpPr>
+        <p:spPr>
+          <a:xfrm>
+            <a:off x="8428385" y="0"/>
+            <a:ext cx="3182551" cy="468000"/>
+          </a:xfrm>
+          <a:prstGeom prst="rect">
+            <a:avLst/>
+          </a:prstGeom>
+        </p:spPr>
+        <p:txBody>
+          <a:bodyPr/>
+          <a:lstStyle>
+            <a:lvl1pPr algn="l" rtl="0" eaLnBrk="1" fontAlgn="base" hangingPunct="1">
+              <a:spcBef>
+                <a:spcPct val="0"/>
+              </a:spcBef>
+              <a:spcAft>
+                <a:spcPct val="0"/>
+              </a:spcAft>
+              <a:defRPr sz="2600" kern="1200">
+                <a:solidFill>
+                  <a:srgbClr val="006EB4"/>
+                </a:solidFill>
+                <a:latin typeface="Cambria" pitchFamily="18" charset="0"/>
+                <a:ea typeface="+mj-ea"/>
+                <a:cs typeface="Arial" pitchFamily="34" charset="0"/>
+              </a:defRPr>
+            </a:lvl1pPr>
+            <a:lvl2pPr algn="l" rtl="0" eaLnBrk="1" fontAlgn="base" hangingPunct="1">
+              <a:spcBef>
+                <a:spcPct val="0"/>
+              </a:spcBef>
+              <a:spcAft>
+                <a:spcPct val="0"/>
+              </a:spcAft>
+              <a:defRPr sz="3900">
+                <a:solidFill>
+                  <a:schemeClr val="bg1"/>
+                </a:solidFill>
+                <a:latin typeface="Arial" pitchFamily="34" charset="0"/>
+                <a:cs typeface="Arial" pitchFamily="34" charset="0"/>
+              </a:defRPr>
+            </a:lvl2pPr>
+            <a:lvl3pPr algn="l" rtl="0" eaLnBrk="1" fontAlgn="base" hangingPunct="1">
+              <a:spcBef>
+                <a:spcPct val="0"/>
+              </a:spcBef>
+              <a:spcAft>
+                <a:spcPct val="0"/>
+              </a:spcAft>
+              <a:defRPr sz="3900">
+                <a:solidFill>
+                  <a:schemeClr val="bg1"/>
+                </a:solidFill>
+                <a:latin typeface="Arial" pitchFamily="34" charset="0"/>
+                <a:cs typeface="Arial" pitchFamily="34" charset="0"/>
+              </a:defRPr>
+            </a:lvl3pPr>
+            <a:lvl4pPr algn="l" rtl="0" eaLnBrk="1" fontAlgn="base" hangingPunct="1">
+              <a:spcBef>
+                <a:spcPct val="0"/>
+              </a:spcBef>
+              <a:spcAft>
+                <a:spcPct val="0"/>
+              </a:spcAft>
+              <a:defRPr sz="3900">
+                <a:solidFill>
+                  <a:schemeClr val="bg1"/>
+                </a:solidFill>
+                <a:latin typeface="Arial" pitchFamily="34" charset="0"/>
+                <a:cs typeface="Arial" pitchFamily="34" charset="0"/>
+              </a:defRPr>
+            </a:lvl4pPr>
+            <a:lvl5pPr algn="l" rtl="0" eaLnBrk="1" fontAlgn="base" hangingPunct="1">
+              <a:spcBef>
+                <a:spcPct val="0"/>
+              </a:spcBef>
+              <a:spcAft>
+                <a:spcPct val="0"/>
+              </a:spcAft>
+              <a:defRPr sz="3900">
+                <a:solidFill>
+                  <a:schemeClr val="bg1"/>
+                </a:solidFill>
+                <a:latin typeface="Arial" pitchFamily="34" charset="0"/>
+                <a:cs typeface="Arial" pitchFamily="34" charset="0"/>
+              </a:defRPr>
+            </a:lvl5pPr>
+            <a:lvl6pPr marL="487443" algn="l" rtl="0" eaLnBrk="1" fontAlgn="base" hangingPunct="1">
+              <a:spcBef>
+                <a:spcPct val="0"/>
+              </a:spcBef>
+              <a:spcAft>
+                <a:spcPct val="0"/>
+              </a:spcAft>
+              <a:defRPr sz="3900">
+                <a:solidFill>
+                  <a:schemeClr val="bg1"/>
+                </a:solidFill>
+                <a:latin typeface="Arial" pitchFamily="34" charset="0"/>
+                <a:cs typeface="Arial" pitchFamily="34" charset="0"/>
+              </a:defRPr>
+            </a:lvl6pPr>
+            <a:lvl7pPr marL="974887" algn="l" rtl="0" eaLnBrk="1" fontAlgn="base" hangingPunct="1">
+              <a:spcBef>
+                <a:spcPct val="0"/>
+              </a:spcBef>
+              <a:spcAft>
+                <a:spcPct val="0"/>
+              </a:spcAft>
+              <a:defRPr sz="3900">
+                <a:solidFill>
+                  <a:schemeClr val="bg1"/>
+                </a:solidFill>
+                <a:latin typeface="Arial" pitchFamily="34" charset="0"/>
+                <a:cs typeface="Arial" pitchFamily="34" charset="0"/>
+              </a:defRPr>
+            </a:lvl7pPr>
+            <a:lvl8pPr marL="1462330" algn="l" rtl="0" eaLnBrk="1" fontAlgn="base" hangingPunct="1">
+              <a:spcBef>
+                <a:spcPct val="0"/>
+              </a:spcBef>
+              <a:spcAft>
+                <a:spcPct val="0"/>
+              </a:spcAft>
+              <a:defRPr sz="3900">
+                <a:solidFill>
+                  <a:schemeClr val="bg1"/>
+                </a:solidFill>
+                <a:latin typeface="Arial" pitchFamily="34" charset="0"/>
+                <a:cs typeface="Arial" pitchFamily="34" charset="0"/>
+              </a:defRPr>
+            </a:lvl8pPr>
+            <a:lvl9pPr marL="1949773" algn="l" rtl="0" eaLnBrk="1" fontAlgn="base" hangingPunct="1">
+              <a:spcBef>
+                <a:spcPct val="0"/>
+              </a:spcBef>
+              <a:spcAft>
+                <a:spcPct val="0"/>
+              </a:spcAft>
+              <a:defRPr sz="3900">
+                <a:solidFill>
+                  <a:schemeClr val="bg1"/>
+                </a:solidFill>
+                <a:latin typeface="Arial" pitchFamily="34" charset="0"/>
+                <a:cs typeface="Arial" pitchFamily="34" charset="0"/>
+              </a:defRPr>
+            </a:lvl9pPr>
+          </a:lstStyle>
+          <a:p>
+            <a:r>
+              <a:rPr lang="en-US" sz="2000" b="1" dirty="0">
+                <a:solidFill>
+                  <a:srgbClr val="4A9D45"/>
+                </a:solidFill>
+                <a:ea typeface="Cambria" panose="02040503050406030204" pitchFamily="18" charset="0"/>
+              </a:rPr>
+              <a:t>Limitations</a:t>
+            </a:r>
+          </a:p>
+        </p:txBody>
+      </p:sp>
+      <p:sp>
+        <p:nvSpPr>
+          <p:cNvPr id="12" name="Date Placeholder 11">
+            <a:extLst>
+              <a:ext uri="{FF2B5EF4-FFF2-40B4-BE49-F238E27FC236}">
+                <a16:creationId xmlns:a16="http://schemas.microsoft.com/office/drawing/2014/main" id="{904BB075-17BA-0C8E-5B14-D414325F5126}"/>
+              </a:ext>
+            </a:extLst>
+          </p:cNvPr>
+          <p:cNvSpPr>
+            <a:spLocks noGrp="1"/>
+          </p:cNvSpPr>
+          <p:nvPr>
+            <p:ph type="dt" sz="half" idx="10"/>
+          </p:nvPr>
+        </p:nvSpPr>
+        <p:spPr/>
+        <p:txBody>
+          <a:bodyPr/>
+          <a:lstStyle/>
+          <a:p>
+            <a:r>
+              <a:rPr lang="en-US"/>
+              <a:t>CloudJournee Confidential</a:t>
+            </a:r>
+            <a:endParaRPr lang="en-IN"/>
+          </a:p>
+        </p:txBody>
+      </p:sp>
+      <p:sp>
+        <p:nvSpPr>
+          <p:cNvPr id="13" name="Footer Placeholder 12">
+            <a:extLst>
+              <a:ext uri="{FF2B5EF4-FFF2-40B4-BE49-F238E27FC236}">
+                <a16:creationId xmlns:a16="http://schemas.microsoft.com/office/drawing/2014/main" id="{C000B194-A10A-1D49-FA6D-AAF5EF2D448C}"/>
+              </a:ext>
+            </a:extLst>
+          </p:cNvPr>
+          <p:cNvSpPr>
+            <a:spLocks noGrp="1"/>
+          </p:cNvSpPr>
+          <p:nvPr>
+            <p:ph type="ftr" sz="quarter" idx="11"/>
+          </p:nvPr>
+        </p:nvSpPr>
+        <p:spPr/>
+        <p:txBody>
+          <a:bodyPr/>
+          <a:lstStyle/>
+          <a:p>
+            <a:r>
+              <a:rPr lang="en-IN"/>
+              <a:t>www.cloudjournee.com</a:t>
+            </a:r>
+          </a:p>
+        </p:txBody>
+      </p:sp>
+      <p:sp>
+        <p:nvSpPr>
+          <p:cNvPr id="15" name="Slide Number Placeholder 14">
+            <a:extLst>
+              <a:ext uri="{FF2B5EF4-FFF2-40B4-BE49-F238E27FC236}">
+                <a16:creationId xmlns:a16="http://schemas.microsoft.com/office/drawing/2014/main" id="{05CC767D-F43D-14FB-A5DD-6ABF1ECF38B4}"/>
+              </a:ext>
+            </a:extLst>
+          </p:cNvPr>
+          <p:cNvSpPr>
+            <a:spLocks noGrp="1"/>
+          </p:cNvSpPr>
+          <p:nvPr>
+            <p:ph type="sldNum" sz="quarter" idx="12"/>
+          </p:nvPr>
+        </p:nvSpPr>
+        <p:spPr/>
+        <p:txBody>
+          <a:bodyPr/>
+          <a:lstStyle/>
+          <a:p>
+            <a:fld id="{D505516B-1523-49EF-A656-1CF7DFC0298D}" type="slidenum">
+              <a:rPr lang="en-IN" smtClean="0"/>
+              <a:pPr/>
+              <a:t>10</a:t>
+            </a:fld>
+            <a:endParaRPr lang="en-IN"/>
+          </a:p>
+        </p:txBody>
+      </p:sp>
+      <p:sp>
+        <p:nvSpPr>
+          <p:cNvPr id="3" name="TextBox 2">
+            <a:extLst>
+              <a:ext uri="{FF2B5EF4-FFF2-40B4-BE49-F238E27FC236}">
+                <a16:creationId xmlns:a16="http://schemas.microsoft.com/office/drawing/2014/main" id="{BE63A87B-A8F7-839E-5A22-1978F2237A28}"/>
+              </a:ext>
+            </a:extLst>
+          </p:cNvPr>
+          <p:cNvSpPr txBox="1"/>
+          <p:nvPr/>
+        </p:nvSpPr>
+        <p:spPr>
+          <a:xfrm>
+            <a:off x="838199" y="1639956"/>
+            <a:ext cx="10621617" cy="3077766"/>
+          </a:xfrm>
+          <a:prstGeom prst="rect">
+            <a:avLst/>
+          </a:prstGeom>
+          <a:noFill/>
+        </p:spPr>
+        <p:txBody>
+          <a:bodyPr wrap="square">
+            <a:spAutoFit/>
+          </a:bodyPr>
+          <a:lstStyle/>
+          <a:p>
+            <a:pPr marL="285750" indent="-285750" algn="l">
+              <a:spcBef>
+                <a:spcPts val="600"/>
+              </a:spcBef>
+              <a:spcAft>
+                <a:spcPts val="600"/>
+              </a:spcAft>
+              <a:buFont typeface="Arial" panose="020B0604020202020204" pitchFamily="34" charset="0"/>
+              <a:buChar char="•"/>
+            </a:pPr>
+            <a:r>
+              <a:rPr lang="en-US" dirty="0"/>
+              <a:t>The input file must follow the correct naming conventions for successful processing.</a:t>
+            </a:r>
+          </a:p>
+          <a:p>
+            <a:pPr marL="285750" indent="-285750" algn="l">
+              <a:spcBef>
+                <a:spcPts val="600"/>
+              </a:spcBef>
+              <a:spcAft>
+                <a:spcPts val="600"/>
+              </a:spcAft>
+              <a:buFont typeface="Arial" panose="020B0604020202020204" pitchFamily="34" charset="0"/>
+              <a:buChar char="•"/>
+            </a:pPr>
+            <a:r>
+              <a:rPr lang="en-US" dirty="0"/>
+              <a:t>The drug names in the source text file need to be spelled correctly, with proper case and spacing, to ensure accurate data retrieval</a:t>
+            </a:r>
+            <a:r>
+              <a:rPr lang="en-US" i="0" dirty="0">
+                <a:effectLst/>
+                <a:latin typeface="Calibri (Body)"/>
+              </a:rPr>
+              <a:t>. Note that the matching is not case-sensitive.</a:t>
+            </a:r>
+          </a:p>
+          <a:p>
+            <a:pPr marL="285750" indent="-285750" algn="l">
+              <a:spcBef>
+                <a:spcPts val="600"/>
+              </a:spcBef>
+              <a:spcAft>
+                <a:spcPts val="600"/>
+              </a:spcAft>
+              <a:buFont typeface="Arial" panose="020B0604020202020204" pitchFamily="34" charset="0"/>
+              <a:buChar char="•"/>
+            </a:pPr>
+            <a:r>
+              <a:rPr lang="en-US" i="0" dirty="0">
+                <a:effectLst/>
+                <a:latin typeface="Calibri (Body)"/>
+              </a:rPr>
+              <a:t>Files should be placed in the input folder in S3 to maintain the proper flow of the pipeline.</a:t>
+            </a:r>
+          </a:p>
+          <a:p>
+            <a:pPr marL="285750" indent="-285750" algn="l">
+              <a:spcBef>
+                <a:spcPts val="600"/>
+              </a:spcBef>
+              <a:spcAft>
+                <a:spcPts val="600"/>
+              </a:spcAft>
+              <a:buFont typeface="Arial" panose="020B0604020202020204" pitchFamily="34" charset="0"/>
+              <a:buChar char="•"/>
+            </a:pPr>
+            <a:r>
+              <a:rPr lang="en-US" i="0" dirty="0">
+                <a:effectLst/>
+                <a:latin typeface="Calibri (Body)"/>
+              </a:rPr>
+              <a:t>API availability is essential for the pipeline to function smoothly, and if the API is under maintenance, it may affect the process.</a:t>
+            </a:r>
+          </a:p>
+          <a:p>
+            <a:pPr marL="285750" indent="-285750" algn="l">
+              <a:spcBef>
+                <a:spcPts val="600"/>
+              </a:spcBef>
+              <a:spcAft>
+                <a:spcPts val="600"/>
+              </a:spcAft>
+              <a:buFont typeface="Arial" panose="020B0604020202020204" pitchFamily="34" charset="0"/>
+              <a:buChar char="•"/>
+            </a:pPr>
+            <a:r>
+              <a:rPr lang="en-US" i="0" dirty="0">
+                <a:effectLst/>
+                <a:latin typeface="Calibri (Body)"/>
+              </a:rPr>
+              <a:t>Drug names list should be uploaded as a text file by the client.</a:t>
+            </a:r>
+          </a:p>
+          <a:p>
+            <a:pPr marL="285750" indent="-285750" algn="l">
+              <a:spcBef>
+                <a:spcPts val="600"/>
+              </a:spcBef>
+              <a:spcAft>
+                <a:spcPts val="600"/>
+              </a:spcAft>
+              <a:buFont typeface="Arial" panose="020B0604020202020204" pitchFamily="34" charset="0"/>
+              <a:buChar char="•"/>
+            </a:pPr>
+            <a:r>
+              <a:rPr lang="en-US" i="0" dirty="0">
+                <a:effectLst/>
+                <a:latin typeface="Calibri (Body)"/>
+              </a:rPr>
+              <a:t>Currently, data filtering (final output) is based on drug names.</a:t>
+            </a:r>
+            <a:endParaRPr lang="en-GB" i="0" dirty="0">
+              <a:effectLst/>
+              <a:latin typeface="Calibri (Body)"/>
+            </a:endParaRPr>
+          </a:p>
+        </p:txBody>
+      </p:sp>
+    </p:spTree>
+    <p:extLst>
+      <p:ext uri="{BB962C8B-B14F-4D97-AF65-F5344CB8AC3E}">
+        <p14:creationId xmlns:p14="http://schemas.microsoft.com/office/powerpoint/2010/main" val="3192851647"/>
+      </p:ext>
+    </p:extLst>
+  </p:cSld>
+  <p:clrMapOvr>
+    <a:masterClrMapping/>
+  </p:clrMapOvr>
+</p:sld>
+</file>
+
+<file path=ppt/slides/slide11.xml><?xml version="1.0" encoding="utf-8"?>
+<p:sld xmlns:a="http://schemas.openxmlformats.org/drawingml/2006/main" xmlns:r="http://schemas.openxmlformats.org/officeDocument/2006/relationships" xmlns:p="http://schemas.openxmlformats.org/presentationml/2006/main">
+  <p:cSld>
+    <p:spTree>
+      <p:nvGrpSpPr>
         <p:cNvPr id="1" name=""/>
         <p:cNvGrpSpPr/>
         <p:nvPr/>
@@ -5236,7 +5729,7 @@
             <a:fld id="{D505516B-1523-49EF-A656-1CF7DFC0298D}" type="slidenum">
               <a:rPr lang="en-IN" smtClean="0"/>
               <a:pPr/>
-              <a:t>10</a:t>
+              <a:t>11</a:t>
             </a:fld>
             <a:endParaRPr lang="en-IN"/>
           </a:p>
@@ -7130,7 +7623,7 @@
         </p:nvSpPr>
         <p:spPr>
           <a:xfrm>
-            <a:off x="1198475" y="1920574"/>
+            <a:off x="1191738" y="1877406"/>
             <a:ext cx="4795370" cy="3948962"/>
           </a:xfrm>
           <a:prstGeom prst="rect">
@@ -8188,66 +8681,6 @@
       </p:sp>
       <p:pic>
         <p:nvPicPr>
-          <p:cNvPr id="58" name="Graphic 13">
-            <a:extLst>
-              <a:ext uri="{FF2B5EF4-FFF2-40B4-BE49-F238E27FC236}">
-                <a16:creationId xmlns:a16="http://schemas.microsoft.com/office/drawing/2014/main" id="{7472E0CF-C46A-ABD7-E78B-6D4548030795}"/>
-              </a:ext>
-            </a:extLst>
-          </p:cNvPr>
-          <p:cNvPicPr>
-            <a:picLocks noChangeAspect="1" noChangeArrowheads="1"/>
-          </p:cNvPicPr>
-          <p:nvPr/>
-        </p:nvPicPr>
-        <p:blipFill>
-          <a:blip r:embed="rId4">
-            <a:extLst>
-              <a:ext uri="{28A0092B-C50C-407E-A947-70E740481C1C}">
-                <a14:useLocalDpi xmlns:a14="http://schemas.microsoft.com/office/drawing/2010/main" val="0"/>
-              </a:ext>
-            </a:extLst>
-          </a:blip>
-          <a:srcRect/>
-          <a:stretch>
-            <a:fillRect/>
-          </a:stretch>
-        </p:blipFill>
-        <p:spPr bwMode="auto">
-          <a:xfrm>
-            <a:off x="4647114" y="3981740"/>
-            <a:ext cx="639913" cy="639913"/>
-          </a:xfrm>
-          <a:prstGeom prst="rect">
-            <a:avLst/>
-          </a:prstGeom>
-          <a:noFill/>
-          <a:ln>
-            <a:noFill/>
-          </a:ln>
-          <a:extLst>
-            <a:ext uri="{909E8E84-426E-40DD-AFC4-6F175D3DCCD1}">
-              <a14:hiddenFill xmlns:a14="http://schemas.microsoft.com/office/drawing/2010/main">
-                <a:solidFill>
-                  <a:srgbClr val="FFFFFF"/>
-                </a:solidFill>
-              </a14:hiddenFill>
-            </a:ext>
-            <a:ext uri="{91240B29-F687-4F45-9708-019B960494DF}">
-              <a14:hiddenLine xmlns:a14="http://schemas.microsoft.com/office/drawing/2010/main" w="9525">
-                <a:solidFill>
-                  <a:srgbClr val="000000"/>
-                </a:solidFill>
-                <a:miter lim="800000"/>
-                <a:headEnd/>
-                <a:tailEnd/>
-              </a14:hiddenLine>
-            </a:ext>
-          </a:extLst>
-        </p:spPr>
-      </p:pic>
-      <p:pic>
-        <p:nvPicPr>
           <p:cNvPr id="59" name="Graphic 13">
             <a:extLst>
               <a:ext uri="{FF2B5EF4-FFF2-40B4-BE49-F238E27FC236}">
@@ -9018,6 +9451,66 @@
           </a:fontRef>
         </p:style>
       </p:cxnSp>
+      <p:pic>
+        <p:nvPicPr>
+          <p:cNvPr id="58" name="Graphic 13">
+            <a:extLst>
+              <a:ext uri="{FF2B5EF4-FFF2-40B4-BE49-F238E27FC236}">
+                <a16:creationId xmlns:a16="http://schemas.microsoft.com/office/drawing/2014/main" id="{7472E0CF-C46A-ABD7-E78B-6D4548030795}"/>
+              </a:ext>
+            </a:extLst>
+          </p:cNvPr>
+          <p:cNvPicPr>
+            <a:picLocks noChangeAspect="1" noChangeArrowheads="1"/>
+          </p:cNvPicPr>
+          <p:nvPr/>
+        </p:nvPicPr>
+        <p:blipFill>
+          <a:blip r:embed="rId4">
+            <a:extLst>
+              <a:ext uri="{28A0092B-C50C-407E-A947-70E740481C1C}">
+                <a14:useLocalDpi xmlns:a14="http://schemas.microsoft.com/office/drawing/2010/main" val="0"/>
+              </a:ext>
+            </a:extLst>
+          </a:blip>
+          <a:srcRect/>
+          <a:stretch>
+            <a:fillRect/>
+          </a:stretch>
+        </p:blipFill>
+        <p:spPr bwMode="auto">
+          <a:xfrm>
+            <a:off x="4647114" y="3981740"/>
+            <a:ext cx="639913" cy="639913"/>
+          </a:xfrm>
+          <a:prstGeom prst="rect">
+            <a:avLst/>
+          </a:prstGeom>
+          <a:noFill/>
+          <a:ln>
+            <a:noFill/>
+          </a:ln>
+          <a:extLst>
+            <a:ext uri="{909E8E84-426E-40DD-AFC4-6F175D3DCCD1}">
+              <a14:hiddenFill xmlns:a14="http://schemas.microsoft.com/office/drawing/2010/main">
+                <a:solidFill>
+                  <a:srgbClr val="FFFFFF"/>
+                </a:solidFill>
+              </a14:hiddenFill>
+            </a:ext>
+            <a:ext uri="{91240B29-F687-4F45-9708-019B960494DF}">
+              <a14:hiddenLine xmlns:a14="http://schemas.microsoft.com/office/drawing/2010/main" w="9525">
+                <a:solidFill>
+                  <a:srgbClr val="000000"/>
+                </a:solidFill>
+                <a:miter lim="800000"/>
+                <a:headEnd/>
+                <a:tailEnd/>
+              </a14:hiddenLine>
+            </a:ext>
+          </a:extLst>
+        </p:spPr>
+      </p:pic>
       <p:sp>
         <p:nvSpPr>
           <p:cNvPr id="75" name="TextBox 24">
@@ -11118,6 +11611,4145 @@
   <p:cSld>
     <p:spTree>
       <p:nvGrpSpPr>
+        <p:cNvPr id="1" name="">
+          <a:extLst>
+            <a:ext uri="{FF2B5EF4-FFF2-40B4-BE49-F238E27FC236}">
+              <a16:creationId xmlns:a16="http://schemas.microsoft.com/office/drawing/2014/main" id="{20F0B92B-AC91-3911-912A-78A1B9306C2F}"/>
+            </a:ext>
+          </a:extLst>
+        </p:cNvPr>
+        <p:cNvGrpSpPr/>
+        <p:nvPr/>
+      </p:nvGrpSpPr>
+      <p:grpSpPr>
+        <a:xfrm>
+          <a:off x="0" y="0"/>
+          <a:ext cx="0" cy="0"/>
+          <a:chOff x="0" y="0"/>
+          <a:chExt cx="0" cy="0"/>
+        </a:xfrm>
+      </p:grpSpPr>
+      <p:sp>
+        <p:nvSpPr>
+          <p:cNvPr id="53" name="Rectangle 52">
+            <a:extLst>
+              <a:ext uri="{FF2B5EF4-FFF2-40B4-BE49-F238E27FC236}">
+                <a16:creationId xmlns:a16="http://schemas.microsoft.com/office/drawing/2014/main" id="{1CA5211A-76BB-0FB4-E377-FEA8627A763C}"/>
+              </a:ext>
+            </a:extLst>
+          </p:cNvPr>
+          <p:cNvSpPr/>
+          <p:nvPr/>
+        </p:nvSpPr>
+        <p:spPr>
+          <a:xfrm>
+            <a:off x="6731976" y="2885362"/>
+            <a:ext cx="4130910" cy="3076826"/>
+          </a:xfrm>
+          <a:prstGeom prst="rect">
+            <a:avLst/>
+          </a:prstGeom>
+          <a:ln w="28575">
+            <a:prstDash val="dash"/>
+          </a:ln>
+        </p:spPr>
+        <p:style>
+          <a:lnRef idx="2">
+            <a:schemeClr val="accent3"/>
+          </a:lnRef>
+          <a:fillRef idx="1">
+            <a:schemeClr val="lt1"/>
+          </a:fillRef>
+          <a:effectRef idx="0">
+            <a:schemeClr val="accent3"/>
+          </a:effectRef>
+          <a:fontRef idx="minor">
+            <a:schemeClr val="dk1"/>
+          </a:fontRef>
+        </p:style>
+        <p:txBody>
+          <a:bodyPr rtlCol="0" anchor="ctr"/>
+          <a:lstStyle/>
+          <a:p>
+            <a:pPr algn="ctr"/>
+            <a:endParaRPr lang="en-IN" sz="1400" dirty="0"/>
+          </a:p>
+        </p:txBody>
+      </p:sp>
+      <p:cxnSp>
+        <p:nvCxnSpPr>
+          <p:cNvPr id="98" name="Straight Arrow Connector 97">
+            <a:extLst>
+              <a:ext uri="{FF2B5EF4-FFF2-40B4-BE49-F238E27FC236}">
+                <a16:creationId xmlns:a16="http://schemas.microsoft.com/office/drawing/2014/main" id="{4EFBBBD4-8693-2632-EF81-ED7CC09F7099}"/>
+              </a:ext>
+            </a:extLst>
+          </p:cNvPr>
+          <p:cNvCxnSpPr>
+            <a:cxnSpLocks/>
+            <a:stCxn id="96" idx="3"/>
+            <a:endCxn id="83" idx="1"/>
+          </p:cNvCxnSpPr>
+          <p:nvPr/>
+        </p:nvCxnSpPr>
+        <p:spPr>
+          <a:xfrm>
+            <a:off x="10179161" y="3605181"/>
+            <a:ext cx="1348761" cy="122"/>
+          </a:xfrm>
+          <a:prstGeom prst="straightConnector1">
+            <a:avLst/>
+          </a:prstGeom>
+          <a:ln>
+            <a:tailEnd type="triangle"/>
+          </a:ln>
+        </p:spPr>
+        <p:style>
+          <a:lnRef idx="1">
+            <a:schemeClr val="accent1"/>
+          </a:lnRef>
+          <a:fillRef idx="0">
+            <a:schemeClr val="accent1"/>
+          </a:fillRef>
+          <a:effectRef idx="0">
+            <a:schemeClr val="accent1"/>
+          </a:effectRef>
+          <a:fontRef idx="minor">
+            <a:schemeClr val="tx1"/>
+          </a:fontRef>
+        </p:style>
+      </p:cxnSp>
+      <p:pic>
+        <p:nvPicPr>
+          <p:cNvPr id="5" name="Picture 2" descr="D:\Users\Lean\Desktop\IT Sys Flyer\ppt materials\bord2.png">
+            <a:extLst>
+              <a:ext uri="{FF2B5EF4-FFF2-40B4-BE49-F238E27FC236}">
+                <a16:creationId xmlns:a16="http://schemas.microsoft.com/office/drawing/2014/main" id="{458685EE-9182-CF8F-21DC-A5FCFE595121}"/>
+              </a:ext>
+            </a:extLst>
+          </p:cNvPr>
+          <p:cNvPicPr>
+            <a:picLocks noChangeAspect="1" noChangeArrowheads="1"/>
+          </p:cNvPicPr>
+          <p:nvPr/>
+        </p:nvPicPr>
+        <p:blipFill rotWithShape="1">
+          <a:blip r:embed="rId2" cstate="email">
+            <a:extLst>
+              <a:ext uri="{28A0092B-C50C-407E-A947-70E740481C1C}">
+                <a14:useLocalDpi xmlns:a14="http://schemas.microsoft.com/office/drawing/2010/main"/>
+              </a:ext>
+            </a:extLst>
+          </a:blip>
+          <a:srcRect/>
+          <a:stretch/>
+        </p:blipFill>
+        <p:spPr bwMode="auto">
+          <a:xfrm>
+            <a:off x="-4293" y="-50306"/>
+            <a:ext cx="12196293" cy="1339404"/>
+          </a:xfrm>
+          <a:prstGeom prst="rect">
+            <a:avLst/>
+          </a:prstGeom>
+          <a:noFill/>
+          <a:extLst>
+            <a:ext uri="{909E8E84-426E-40DD-AFC4-6F175D3DCCD1}">
+              <a14:hiddenFill xmlns:a14="http://schemas.microsoft.com/office/drawing/2010/main">
+                <a:solidFill>
+                  <a:srgbClr val="FFFFFF"/>
+                </a:solidFill>
+              </a14:hiddenFill>
+            </a:ext>
+          </a:extLst>
+        </p:spPr>
+      </p:pic>
+      <p:sp>
+        <p:nvSpPr>
+          <p:cNvPr id="6" name="Title 3">
+            <a:extLst>
+              <a:ext uri="{FF2B5EF4-FFF2-40B4-BE49-F238E27FC236}">
+                <a16:creationId xmlns:a16="http://schemas.microsoft.com/office/drawing/2014/main" id="{C5C9AB56-17D8-E82C-7608-65B613DCD5AB}"/>
+              </a:ext>
+            </a:extLst>
+          </p:cNvPr>
+          <p:cNvSpPr txBox="1">
+            <a:spLocks/>
+          </p:cNvSpPr>
+          <p:nvPr/>
+        </p:nvSpPr>
+        <p:spPr>
+          <a:xfrm>
+            <a:off x="8478076" y="0"/>
+            <a:ext cx="3361456" cy="468000"/>
+          </a:xfrm>
+          <a:prstGeom prst="rect">
+            <a:avLst/>
+          </a:prstGeom>
+        </p:spPr>
+        <p:txBody>
+          <a:bodyPr/>
+          <a:lstStyle>
+            <a:lvl1pPr algn="l" rtl="0" eaLnBrk="1" fontAlgn="base" hangingPunct="1">
+              <a:spcBef>
+                <a:spcPct val="0"/>
+              </a:spcBef>
+              <a:spcAft>
+                <a:spcPct val="0"/>
+              </a:spcAft>
+              <a:defRPr sz="2600" kern="1200">
+                <a:solidFill>
+                  <a:srgbClr val="006EB4"/>
+                </a:solidFill>
+                <a:latin typeface="Cambria" pitchFamily="18" charset="0"/>
+                <a:ea typeface="+mj-ea"/>
+                <a:cs typeface="Arial" pitchFamily="34" charset="0"/>
+              </a:defRPr>
+            </a:lvl1pPr>
+            <a:lvl2pPr algn="l" rtl="0" eaLnBrk="1" fontAlgn="base" hangingPunct="1">
+              <a:spcBef>
+                <a:spcPct val="0"/>
+              </a:spcBef>
+              <a:spcAft>
+                <a:spcPct val="0"/>
+              </a:spcAft>
+              <a:defRPr sz="3900">
+                <a:solidFill>
+                  <a:schemeClr val="bg1"/>
+                </a:solidFill>
+                <a:latin typeface="Arial" pitchFamily="34" charset="0"/>
+                <a:cs typeface="Arial" pitchFamily="34" charset="0"/>
+              </a:defRPr>
+            </a:lvl2pPr>
+            <a:lvl3pPr algn="l" rtl="0" eaLnBrk="1" fontAlgn="base" hangingPunct="1">
+              <a:spcBef>
+                <a:spcPct val="0"/>
+              </a:spcBef>
+              <a:spcAft>
+                <a:spcPct val="0"/>
+              </a:spcAft>
+              <a:defRPr sz="3900">
+                <a:solidFill>
+                  <a:schemeClr val="bg1"/>
+                </a:solidFill>
+                <a:latin typeface="Arial" pitchFamily="34" charset="0"/>
+                <a:cs typeface="Arial" pitchFamily="34" charset="0"/>
+              </a:defRPr>
+            </a:lvl3pPr>
+            <a:lvl4pPr algn="l" rtl="0" eaLnBrk="1" fontAlgn="base" hangingPunct="1">
+              <a:spcBef>
+                <a:spcPct val="0"/>
+              </a:spcBef>
+              <a:spcAft>
+                <a:spcPct val="0"/>
+              </a:spcAft>
+              <a:defRPr sz="3900">
+                <a:solidFill>
+                  <a:schemeClr val="bg1"/>
+                </a:solidFill>
+                <a:latin typeface="Arial" pitchFamily="34" charset="0"/>
+                <a:cs typeface="Arial" pitchFamily="34" charset="0"/>
+              </a:defRPr>
+            </a:lvl4pPr>
+            <a:lvl5pPr algn="l" rtl="0" eaLnBrk="1" fontAlgn="base" hangingPunct="1">
+              <a:spcBef>
+                <a:spcPct val="0"/>
+              </a:spcBef>
+              <a:spcAft>
+                <a:spcPct val="0"/>
+              </a:spcAft>
+              <a:defRPr sz="3900">
+                <a:solidFill>
+                  <a:schemeClr val="bg1"/>
+                </a:solidFill>
+                <a:latin typeface="Arial" pitchFamily="34" charset="0"/>
+                <a:cs typeface="Arial" pitchFamily="34" charset="0"/>
+              </a:defRPr>
+            </a:lvl5pPr>
+            <a:lvl6pPr marL="487443" algn="l" rtl="0" eaLnBrk="1" fontAlgn="base" hangingPunct="1">
+              <a:spcBef>
+                <a:spcPct val="0"/>
+              </a:spcBef>
+              <a:spcAft>
+                <a:spcPct val="0"/>
+              </a:spcAft>
+              <a:defRPr sz="3900">
+                <a:solidFill>
+                  <a:schemeClr val="bg1"/>
+                </a:solidFill>
+                <a:latin typeface="Arial" pitchFamily="34" charset="0"/>
+                <a:cs typeface="Arial" pitchFamily="34" charset="0"/>
+              </a:defRPr>
+            </a:lvl6pPr>
+            <a:lvl7pPr marL="974887" algn="l" rtl="0" eaLnBrk="1" fontAlgn="base" hangingPunct="1">
+              <a:spcBef>
+                <a:spcPct val="0"/>
+              </a:spcBef>
+              <a:spcAft>
+                <a:spcPct val="0"/>
+              </a:spcAft>
+              <a:defRPr sz="3900">
+                <a:solidFill>
+                  <a:schemeClr val="bg1"/>
+                </a:solidFill>
+                <a:latin typeface="Arial" pitchFamily="34" charset="0"/>
+                <a:cs typeface="Arial" pitchFamily="34" charset="0"/>
+              </a:defRPr>
+            </a:lvl7pPr>
+            <a:lvl8pPr marL="1462330" algn="l" rtl="0" eaLnBrk="1" fontAlgn="base" hangingPunct="1">
+              <a:spcBef>
+                <a:spcPct val="0"/>
+              </a:spcBef>
+              <a:spcAft>
+                <a:spcPct val="0"/>
+              </a:spcAft>
+              <a:defRPr sz="3900">
+                <a:solidFill>
+                  <a:schemeClr val="bg1"/>
+                </a:solidFill>
+                <a:latin typeface="Arial" pitchFamily="34" charset="0"/>
+                <a:cs typeface="Arial" pitchFamily="34" charset="0"/>
+              </a:defRPr>
+            </a:lvl8pPr>
+            <a:lvl9pPr marL="1949773" algn="l" rtl="0" eaLnBrk="1" fontAlgn="base" hangingPunct="1">
+              <a:spcBef>
+                <a:spcPct val="0"/>
+              </a:spcBef>
+              <a:spcAft>
+                <a:spcPct val="0"/>
+              </a:spcAft>
+              <a:defRPr sz="3900">
+                <a:solidFill>
+                  <a:schemeClr val="bg1"/>
+                </a:solidFill>
+                <a:latin typeface="Arial" pitchFamily="34" charset="0"/>
+                <a:cs typeface="Arial" pitchFamily="34" charset="0"/>
+              </a:defRPr>
+            </a:lvl9pPr>
+          </a:lstStyle>
+          <a:p>
+            <a:r>
+              <a:rPr lang="en-US" sz="2000" b="1" dirty="0">
+                <a:solidFill>
+                  <a:srgbClr val="4A9D45"/>
+                </a:solidFill>
+                <a:ea typeface="Cambria" panose="02040503050406030204" pitchFamily="18" charset="0"/>
+              </a:rPr>
+              <a:t>Proposed Architecture</a:t>
+            </a:r>
+          </a:p>
+        </p:txBody>
+      </p:sp>
+      <p:sp>
+        <p:nvSpPr>
+          <p:cNvPr id="12" name="Date Placeholder 11">
+            <a:extLst>
+              <a:ext uri="{FF2B5EF4-FFF2-40B4-BE49-F238E27FC236}">
+                <a16:creationId xmlns:a16="http://schemas.microsoft.com/office/drawing/2014/main" id="{50C6A65B-6940-C354-390E-E91145D72C0B}"/>
+              </a:ext>
+            </a:extLst>
+          </p:cNvPr>
+          <p:cNvSpPr>
+            <a:spLocks noGrp="1"/>
+          </p:cNvSpPr>
+          <p:nvPr>
+            <p:ph type="dt" sz="half" idx="10"/>
+          </p:nvPr>
+        </p:nvSpPr>
+        <p:spPr/>
+        <p:txBody>
+          <a:bodyPr/>
+          <a:lstStyle/>
+          <a:p>
+            <a:r>
+              <a:rPr lang="en-US" dirty="0" err="1"/>
+              <a:t>CloudJournee</a:t>
+            </a:r>
+            <a:r>
+              <a:rPr lang="en-US" dirty="0"/>
+              <a:t> Confidential</a:t>
+            </a:r>
+            <a:endParaRPr lang="en-IN" dirty="0"/>
+          </a:p>
+        </p:txBody>
+      </p:sp>
+      <p:sp>
+        <p:nvSpPr>
+          <p:cNvPr id="13" name="Footer Placeholder 12">
+            <a:extLst>
+              <a:ext uri="{FF2B5EF4-FFF2-40B4-BE49-F238E27FC236}">
+                <a16:creationId xmlns:a16="http://schemas.microsoft.com/office/drawing/2014/main" id="{6E331682-B7EA-FEED-C0F0-D453A53E5BA2}"/>
+              </a:ext>
+            </a:extLst>
+          </p:cNvPr>
+          <p:cNvSpPr>
+            <a:spLocks noGrp="1"/>
+          </p:cNvSpPr>
+          <p:nvPr>
+            <p:ph type="ftr" sz="quarter" idx="11"/>
+          </p:nvPr>
+        </p:nvSpPr>
+        <p:spPr/>
+        <p:txBody>
+          <a:bodyPr/>
+          <a:lstStyle/>
+          <a:p>
+            <a:r>
+              <a:rPr lang="en-IN"/>
+              <a:t>www.cloudjournee.com</a:t>
+            </a:r>
+          </a:p>
+        </p:txBody>
+      </p:sp>
+      <p:sp>
+        <p:nvSpPr>
+          <p:cNvPr id="15" name="Slide Number Placeholder 14">
+            <a:extLst>
+              <a:ext uri="{FF2B5EF4-FFF2-40B4-BE49-F238E27FC236}">
+                <a16:creationId xmlns:a16="http://schemas.microsoft.com/office/drawing/2014/main" id="{1CF16C82-9666-B139-94A1-C367EF36D71C}"/>
+              </a:ext>
+            </a:extLst>
+          </p:cNvPr>
+          <p:cNvSpPr>
+            <a:spLocks noGrp="1"/>
+          </p:cNvSpPr>
+          <p:nvPr>
+            <p:ph type="sldNum" sz="quarter" idx="12"/>
+          </p:nvPr>
+        </p:nvSpPr>
+        <p:spPr/>
+        <p:txBody>
+          <a:bodyPr/>
+          <a:lstStyle/>
+          <a:p>
+            <a:fld id="{D505516B-1523-49EF-A656-1CF7DFC0298D}" type="slidenum">
+              <a:rPr lang="en-IN" smtClean="0"/>
+              <a:pPr/>
+              <a:t>6</a:t>
+            </a:fld>
+            <a:endParaRPr lang="en-IN"/>
+          </a:p>
+        </p:txBody>
+      </p:sp>
+      <p:sp>
+        <p:nvSpPr>
+          <p:cNvPr id="4" name="Rectangle 3">
+            <a:extLst>
+              <a:ext uri="{FF2B5EF4-FFF2-40B4-BE49-F238E27FC236}">
+                <a16:creationId xmlns:a16="http://schemas.microsoft.com/office/drawing/2014/main" id="{C0837DB0-8B4F-DE37-E574-232314B38F33}"/>
+              </a:ext>
+            </a:extLst>
+          </p:cNvPr>
+          <p:cNvSpPr/>
+          <p:nvPr/>
+        </p:nvSpPr>
+        <p:spPr>
+          <a:xfrm>
+            <a:off x="936743" y="1266216"/>
+            <a:ext cx="10350707" cy="5132845"/>
+          </a:xfrm>
+          <a:prstGeom prst="rect">
+            <a:avLst/>
+          </a:prstGeom>
+          <a:noFill/>
+          <a:ln w="12700">
+            <a:solidFill>
+              <a:schemeClr val="tx1"/>
+            </a:solidFill>
+          </a:ln>
+        </p:spPr>
+        <p:style>
+          <a:lnRef idx="2">
+            <a:schemeClr val="accent1">
+              <a:shade val="50000"/>
+            </a:schemeClr>
+          </a:lnRef>
+          <a:fillRef idx="1">
+            <a:schemeClr val="accent1"/>
+          </a:fillRef>
+          <a:effectRef idx="0">
+            <a:schemeClr val="accent1"/>
+          </a:effectRef>
+          <a:fontRef idx="minor">
+            <a:schemeClr val="lt1"/>
+          </a:fontRef>
+        </p:style>
+        <p:txBody>
+          <a:bodyPr lIns="502920" tIns="91440"/>
+          <a:lstStyle>
+            <a:defPPr>
+              <a:defRPr lang="en-US"/>
+            </a:defPPr>
+            <a:lvl1pPr marL="0" algn="l" defTabSz="914400" rtl="0" eaLnBrk="1" latinLnBrk="0" hangingPunct="1">
+              <a:defRPr sz="1800" kern="1200">
+                <a:solidFill>
+                  <a:schemeClr val="lt1"/>
+                </a:solidFill>
+                <a:latin typeface="+mn-lt"/>
+                <a:ea typeface="+mn-ea"/>
+                <a:cs typeface="+mn-cs"/>
+              </a:defRPr>
+            </a:lvl1pPr>
+            <a:lvl2pPr marL="457200" algn="l" defTabSz="914400" rtl="0" eaLnBrk="1" latinLnBrk="0" hangingPunct="1">
+              <a:defRPr sz="1800" kern="1200">
+                <a:solidFill>
+                  <a:schemeClr val="lt1"/>
+                </a:solidFill>
+                <a:latin typeface="+mn-lt"/>
+                <a:ea typeface="+mn-ea"/>
+                <a:cs typeface="+mn-cs"/>
+              </a:defRPr>
+            </a:lvl2pPr>
+            <a:lvl3pPr marL="914400" algn="l" defTabSz="914400" rtl="0" eaLnBrk="1" latinLnBrk="0" hangingPunct="1">
+              <a:defRPr sz="1800" kern="1200">
+                <a:solidFill>
+                  <a:schemeClr val="lt1"/>
+                </a:solidFill>
+                <a:latin typeface="+mn-lt"/>
+                <a:ea typeface="+mn-ea"/>
+                <a:cs typeface="+mn-cs"/>
+              </a:defRPr>
+            </a:lvl3pPr>
+            <a:lvl4pPr marL="1371600" algn="l" defTabSz="914400" rtl="0" eaLnBrk="1" latinLnBrk="0" hangingPunct="1">
+              <a:defRPr sz="1800" kern="1200">
+                <a:solidFill>
+                  <a:schemeClr val="lt1"/>
+                </a:solidFill>
+                <a:latin typeface="+mn-lt"/>
+                <a:ea typeface="+mn-ea"/>
+                <a:cs typeface="+mn-cs"/>
+              </a:defRPr>
+            </a:lvl4pPr>
+            <a:lvl5pPr marL="1828800" algn="l" defTabSz="914400" rtl="0" eaLnBrk="1" latinLnBrk="0" hangingPunct="1">
+              <a:defRPr sz="1800" kern="1200">
+                <a:solidFill>
+                  <a:schemeClr val="lt1"/>
+                </a:solidFill>
+                <a:latin typeface="+mn-lt"/>
+                <a:ea typeface="+mn-ea"/>
+                <a:cs typeface="+mn-cs"/>
+              </a:defRPr>
+            </a:lvl5pPr>
+            <a:lvl6pPr marL="2286000" algn="l" defTabSz="914400" rtl="0" eaLnBrk="1" latinLnBrk="0" hangingPunct="1">
+              <a:defRPr sz="1800" kern="1200">
+                <a:solidFill>
+                  <a:schemeClr val="lt1"/>
+                </a:solidFill>
+                <a:latin typeface="+mn-lt"/>
+                <a:ea typeface="+mn-ea"/>
+                <a:cs typeface="+mn-cs"/>
+              </a:defRPr>
+            </a:lvl6pPr>
+            <a:lvl7pPr marL="2743200" algn="l" defTabSz="914400" rtl="0" eaLnBrk="1" latinLnBrk="0" hangingPunct="1">
+              <a:defRPr sz="1800" kern="1200">
+                <a:solidFill>
+                  <a:schemeClr val="lt1"/>
+                </a:solidFill>
+                <a:latin typeface="+mn-lt"/>
+                <a:ea typeface="+mn-ea"/>
+                <a:cs typeface="+mn-cs"/>
+              </a:defRPr>
+            </a:lvl7pPr>
+            <a:lvl8pPr marL="3200400" algn="l" defTabSz="914400" rtl="0" eaLnBrk="1" latinLnBrk="0" hangingPunct="1">
+              <a:defRPr sz="1800" kern="1200">
+                <a:solidFill>
+                  <a:schemeClr val="lt1"/>
+                </a:solidFill>
+                <a:latin typeface="+mn-lt"/>
+                <a:ea typeface="+mn-ea"/>
+                <a:cs typeface="+mn-cs"/>
+              </a:defRPr>
+            </a:lvl8pPr>
+            <a:lvl9pPr marL="3657600" algn="l" defTabSz="914400" rtl="0" eaLnBrk="1" latinLnBrk="0" hangingPunct="1">
+              <a:defRPr sz="1800" kern="1200">
+                <a:solidFill>
+                  <a:schemeClr val="lt1"/>
+                </a:solidFill>
+                <a:latin typeface="+mn-lt"/>
+                <a:ea typeface="+mn-ea"/>
+                <a:cs typeface="+mn-cs"/>
+              </a:defRPr>
+            </a:lvl9pPr>
+          </a:lstStyle>
+          <a:p>
+            <a:pPr eaLnBrk="1" fontAlgn="auto" hangingPunct="1">
+              <a:spcBef>
+                <a:spcPts val="0"/>
+              </a:spcBef>
+              <a:spcAft>
+                <a:spcPts val="0"/>
+              </a:spcAft>
+              <a:defRPr/>
+            </a:pPr>
+            <a:r>
+              <a:rPr lang="en-US" sz="900" dirty="0">
+                <a:solidFill>
+                  <a:sysClr val="windowText" lastClr="000000"/>
+                </a:solidFill>
+                <a:cs typeface="Arial" panose="020B0604020202020204" pitchFamily="34" charset="0"/>
+              </a:rPr>
+              <a:t>AWS Cloud</a:t>
+            </a:r>
+          </a:p>
+        </p:txBody>
+      </p:sp>
+      <p:pic>
+        <p:nvPicPr>
+          <p:cNvPr id="10" name="Graphic 33">
+            <a:extLst>
+              <a:ext uri="{FF2B5EF4-FFF2-40B4-BE49-F238E27FC236}">
+                <a16:creationId xmlns:a16="http://schemas.microsoft.com/office/drawing/2014/main" id="{125469EB-0B77-F9E3-E34C-7498AE7B4473}"/>
+              </a:ext>
+            </a:extLst>
+          </p:cNvPr>
+          <p:cNvPicPr>
+            <a:picLocks noChangeAspect="1"/>
+          </p:cNvPicPr>
+          <p:nvPr/>
+        </p:nvPicPr>
+        <p:blipFill>
+          <a:blip r:embed="rId3" cstate="print"/>
+          <a:srcRect/>
+          <a:stretch/>
+        </p:blipFill>
+        <p:spPr>
+          <a:xfrm>
+            <a:off x="948438" y="1274534"/>
+            <a:ext cx="380614" cy="368547"/>
+          </a:xfrm>
+          <a:prstGeom prst="rect">
+            <a:avLst/>
+          </a:prstGeom>
+        </p:spPr>
+      </p:pic>
+      <p:pic>
+        <p:nvPicPr>
+          <p:cNvPr id="21" name="Graphic 19">
+            <a:extLst>
+              <a:ext uri="{FF2B5EF4-FFF2-40B4-BE49-F238E27FC236}">
+                <a16:creationId xmlns:a16="http://schemas.microsoft.com/office/drawing/2014/main" id="{BE5FB851-DE92-F05F-0220-3B6E53F70EB7}"/>
+              </a:ext>
+            </a:extLst>
+          </p:cNvPr>
+          <p:cNvPicPr>
+            <a:picLocks noChangeAspect="1" noChangeArrowheads="1"/>
+          </p:cNvPicPr>
+          <p:nvPr/>
+        </p:nvPicPr>
+        <p:blipFill>
+          <a:blip r:embed="rId4" cstate="print">
+            <a:extLst>
+              <a:ext uri="{28A0092B-C50C-407E-A947-70E740481C1C}">
+                <a14:useLocalDpi xmlns:a14="http://schemas.microsoft.com/office/drawing/2010/main" val="0"/>
+              </a:ext>
+            </a:extLst>
+          </a:blip>
+          <a:srcRect/>
+          <a:stretch>
+            <a:fillRect/>
+          </a:stretch>
+        </p:blipFill>
+        <p:spPr bwMode="auto">
+          <a:xfrm>
+            <a:off x="10707674" y="1422875"/>
+            <a:ext cx="510408" cy="488721"/>
+          </a:xfrm>
+          <a:prstGeom prst="rect">
+            <a:avLst/>
+          </a:prstGeom>
+          <a:noFill/>
+          <a:ln>
+            <a:noFill/>
+          </a:ln>
+          <a:extLst>
+            <a:ext uri="{909E8E84-426E-40DD-AFC4-6F175D3DCCD1}">
+              <a14:hiddenFill xmlns:a14="http://schemas.microsoft.com/office/drawing/2010/main">
+                <a:solidFill>
+                  <a:srgbClr val="FFFFFF"/>
+                </a:solidFill>
+              </a14:hiddenFill>
+            </a:ext>
+            <a:ext uri="{91240B29-F687-4F45-9708-019B960494DF}">
+              <a14:hiddenLine xmlns:a14="http://schemas.microsoft.com/office/drawing/2010/main" w="9525">
+                <a:solidFill>
+                  <a:srgbClr val="000000"/>
+                </a:solidFill>
+                <a:miter lim="800000"/>
+                <a:headEnd/>
+                <a:tailEnd/>
+              </a14:hiddenLine>
+            </a:ext>
+          </a:extLst>
+        </p:spPr>
+      </p:pic>
+      <p:pic>
+        <p:nvPicPr>
+          <p:cNvPr id="22" name="Graphic 17">
+            <a:extLst>
+              <a:ext uri="{FF2B5EF4-FFF2-40B4-BE49-F238E27FC236}">
+                <a16:creationId xmlns:a16="http://schemas.microsoft.com/office/drawing/2014/main" id="{006686BF-CFCA-ABDF-DFFD-86E9ABB9B23F}"/>
+              </a:ext>
+            </a:extLst>
+          </p:cNvPr>
+          <p:cNvPicPr>
+            <a:picLocks noChangeAspect="1" noChangeArrowheads="1"/>
+          </p:cNvPicPr>
+          <p:nvPr/>
+        </p:nvPicPr>
+        <p:blipFill>
+          <a:blip r:embed="rId5" cstate="print">
+            <a:extLst>
+              <a:ext uri="{28A0092B-C50C-407E-A947-70E740481C1C}">
+                <a14:useLocalDpi xmlns:a14="http://schemas.microsoft.com/office/drawing/2010/main" val="0"/>
+              </a:ext>
+            </a:extLst>
+          </a:blip>
+          <a:srcRect/>
+          <a:stretch>
+            <a:fillRect/>
+          </a:stretch>
+        </p:blipFill>
+        <p:spPr bwMode="auto">
+          <a:xfrm>
+            <a:off x="9972339" y="1422876"/>
+            <a:ext cx="505958" cy="484460"/>
+          </a:xfrm>
+          <a:prstGeom prst="rect">
+            <a:avLst/>
+          </a:prstGeom>
+          <a:noFill/>
+          <a:ln>
+            <a:noFill/>
+          </a:ln>
+          <a:extLst>
+            <a:ext uri="{909E8E84-426E-40DD-AFC4-6F175D3DCCD1}">
+              <a14:hiddenFill xmlns:a14="http://schemas.microsoft.com/office/drawing/2010/main">
+                <a:solidFill>
+                  <a:srgbClr val="FFFFFF"/>
+                </a:solidFill>
+              </a14:hiddenFill>
+            </a:ext>
+            <a:ext uri="{91240B29-F687-4F45-9708-019B960494DF}">
+              <a14:hiddenLine xmlns:a14="http://schemas.microsoft.com/office/drawing/2010/main" w="9525">
+                <a:solidFill>
+                  <a:srgbClr val="000000"/>
+                </a:solidFill>
+                <a:miter lim="800000"/>
+                <a:headEnd/>
+                <a:tailEnd/>
+              </a14:hiddenLine>
+            </a:ext>
+          </a:extLst>
+        </p:spPr>
+      </p:pic>
+      <p:pic>
+        <p:nvPicPr>
+          <p:cNvPr id="32" name="Graphic 23">
+            <a:extLst>
+              <a:ext uri="{FF2B5EF4-FFF2-40B4-BE49-F238E27FC236}">
+                <a16:creationId xmlns:a16="http://schemas.microsoft.com/office/drawing/2014/main" id="{84D07A4A-09DC-9388-7C8A-93CB27D91FBC}"/>
+              </a:ext>
+            </a:extLst>
+          </p:cNvPr>
+          <p:cNvPicPr>
+            <a:picLocks noChangeAspect="1" noChangeArrowheads="1"/>
+          </p:cNvPicPr>
+          <p:nvPr/>
+        </p:nvPicPr>
+        <p:blipFill>
+          <a:blip r:embed="rId6" cstate="print">
+            <a:extLst>
+              <a:ext uri="{28A0092B-C50C-407E-A947-70E740481C1C}">
+                <a14:useLocalDpi xmlns:a14="http://schemas.microsoft.com/office/drawing/2010/main" val="0"/>
+              </a:ext>
+            </a:extLst>
+          </a:blip>
+          <a:srcRect/>
+          <a:stretch>
+            <a:fillRect/>
+          </a:stretch>
+        </p:blipFill>
+        <p:spPr bwMode="auto">
+          <a:xfrm>
+            <a:off x="9189990" y="1422876"/>
+            <a:ext cx="517815" cy="495813"/>
+          </a:xfrm>
+          <a:prstGeom prst="rect">
+            <a:avLst/>
+          </a:prstGeom>
+          <a:noFill/>
+          <a:ln>
+            <a:noFill/>
+          </a:ln>
+          <a:extLst>
+            <a:ext uri="{909E8E84-426E-40DD-AFC4-6F175D3DCCD1}">
+              <a14:hiddenFill xmlns:a14="http://schemas.microsoft.com/office/drawing/2010/main">
+                <a:solidFill>
+                  <a:srgbClr val="FFFFFF"/>
+                </a:solidFill>
+              </a14:hiddenFill>
+            </a:ext>
+            <a:ext uri="{91240B29-F687-4F45-9708-019B960494DF}">
+              <a14:hiddenLine xmlns:a14="http://schemas.microsoft.com/office/drawing/2010/main" w="9525">
+                <a:solidFill>
+                  <a:srgbClr val="000000"/>
+                </a:solidFill>
+                <a:miter lim="800000"/>
+                <a:headEnd/>
+                <a:tailEnd/>
+              </a14:hiddenLine>
+            </a:ext>
+          </a:extLst>
+        </p:spPr>
+      </p:pic>
+      <p:sp>
+        <p:nvSpPr>
+          <p:cNvPr id="3" name="Rectangle 2">
+            <a:extLst>
+              <a:ext uri="{FF2B5EF4-FFF2-40B4-BE49-F238E27FC236}">
+                <a16:creationId xmlns:a16="http://schemas.microsoft.com/office/drawing/2014/main" id="{1E83BBF9-3D3F-0E11-7ADF-A7B23E422116}"/>
+              </a:ext>
+            </a:extLst>
+          </p:cNvPr>
+          <p:cNvSpPr/>
+          <p:nvPr/>
+        </p:nvSpPr>
+        <p:spPr>
+          <a:xfrm>
+            <a:off x="1381312" y="1629499"/>
+            <a:ext cx="4912974" cy="3076826"/>
+          </a:xfrm>
+          <a:prstGeom prst="rect">
+            <a:avLst/>
+          </a:prstGeom>
+          <a:ln w="28575">
+            <a:prstDash val="dash"/>
+          </a:ln>
+        </p:spPr>
+        <p:style>
+          <a:lnRef idx="2">
+            <a:schemeClr val="accent3"/>
+          </a:lnRef>
+          <a:fillRef idx="1">
+            <a:schemeClr val="lt1"/>
+          </a:fillRef>
+          <a:effectRef idx="0">
+            <a:schemeClr val="accent3"/>
+          </a:effectRef>
+          <a:fontRef idx="minor">
+            <a:schemeClr val="dk1"/>
+          </a:fontRef>
+        </p:style>
+        <p:txBody>
+          <a:bodyPr rtlCol="0" anchor="ctr"/>
+          <a:lstStyle/>
+          <a:p>
+            <a:pPr algn="ctr"/>
+            <a:endParaRPr lang="en-IN"/>
+          </a:p>
+        </p:txBody>
+      </p:sp>
+      <p:pic>
+        <p:nvPicPr>
+          <p:cNvPr id="16" name="Graphic 13">
+            <a:extLst>
+              <a:ext uri="{FF2B5EF4-FFF2-40B4-BE49-F238E27FC236}">
+                <a16:creationId xmlns:a16="http://schemas.microsoft.com/office/drawing/2014/main" id="{CA3D26B2-A369-8799-CFCC-5DE086A986D8}"/>
+              </a:ext>
+            </a:extLst>
+          </p:cNvPr>
+          <p:cNvPicPr>
+            <a:picLocks noChangeAspect="1" noChangeArrowheads="1"/>
+          </p:cNvPicPr>
+          <p:nvPr/>
+        </p:nvPicPr>
+        <p:blipFill>
+          <a:blip r:embed="rId7">
+            <a:extLst>
+              <a:ext uri="{28A0092B-C50C-407E-A947-70E740481C1C}">
+                <a14:useLocalDpi xmlns:a14="http://schemas.microsoft.com/office/drawing/2010/main" val="0"/>
+              </a:ext>
+            </a:extLst>
+          </a:blip>
+          <a:srcRect/>
+          <a:stretch>
+            <a:fillRect/>
+          </a:stretch>
+        </p:blipFill>
+        <p:spPr bwMode="auto">
+          <a:xfrm>
+            <a:off x="3957542" y="1835837"/>
+            <a:ext cx="563880" cy="561922"/>
+          </a:xfrm>
+          <a:prstGeom prst="rect">
+            <a:avLst/>
+          </a:prstGeom>
+          <a:noFill/>
+          <a:ln>
+            <a:noFill/>
+          </a:ln>
+          <a:extLst>
+            <a:ext uri="{909E8E84-426E-40DD-AFC4-6F175D3DCCD1}">
+              <a14:hiddenFill xmlns:a14="http://schemas.microsoft.com/office/drawing/2010/main">
+                <a:solidFill>
+                  <a:srgbClr val="FFFFFF"/>
+                </a:solidFill>
+              </a14:hiddenFill>
+            </a:ext>
+            <a:ext uri="{91240B29-F687-4F45-9708-019B960494DF}">
+              <a14:hiddenLine xmlns:a14="http://schemas.microsoft.com/office/drawing/2010/main" w="9525">
+                <a:solidFill>
+                  <a:srgbClr val="000000"/>
+                </a:solidFill>
+                <a:miter lim="800000"/>
+                <a:headEnd/>
+                <a:tailEnd/>
+              </a14:hiddenLine>
+            </a:ext>
+          </a:extLst>
+        </p:spPr>
+      </p:pic>
+      <p:pic>
+        <p:nvPicPr>
+          <p:cNvPr id="49" name="Graphic 24">
+            <a:extLst>
+              <a:ext uri="{FF2B5EF4-FFF2-40B4-BE49-F238E27FC236}">
+                <a16:creationId xmlns:a16="http://schemas.microsoft.com/office/drawing/2014/main" id="{C2315115-2D74-EBD4-2863-4E40C2CCE8CC}"/>
+              </a:ext>
+            </a:extLst>
+          </p:cNvPr>
+          <p:cNvPicPr>
+            <a:picLocks noChangeAspect="1" noChangeArrowheads="1"/>
+          </p:cNvPicPr>
+          <p:nvPr/>
+        </p:nvPicPr>
+        <p:blipFill>
+          <a:blip r:embed="rId8" cstate="print">
+            <a:extLst>
+              <a:ext uri="{28A0092B-C50C-407E-A947-70E740481C1C}">
+                <a14:useLocalDpi xmlns:a14="http://schemas.microsoft.com/office/drawing/2010/main" val="0"/>
+              </a:ext>
+            </a:extLst>
+          </a:blip>
+          <a:srcRect/>
+          <a:stretch>
+            <a:fillRect/>
+          </a:stretch>
+        </p:blipFill>
+        <p:spPr bwMode="auto">
+          <a:xfrm>
+            <a:off x="1710537" y="1766208"/>
+            <a:ext cx="405081" cy="403675"/>
+          </a:xfrm>
+          <a:prstGeom prst="rect">
+            <a:avLst/>
+          </a:prstGeom>
+          <a:noFill/>
+          <a:ln>
+            <a:noFill/>
+          </a:ln>
+          <a:extLst>
+            <a:ext uri="{909E8E84-426E-40DD-AFC4-6F175D3DCCD1}">
+              <a14:hiddenFill xmlns:a14="http://schemas.microsoft.com/office/drawing/2010/main">
+                <a:solidFill>
+                  <a:srgbClr val="FFFFFF"/>
+                </a:solidFill>
+              </a14:hiddenFill>
+            </a:ext>
+            <a:ext uri="{91240B29-F687-4F45-9708-019B960494DF}">
+              <a14:hiddenLine xmlns:a14="http://schemas.microsoft.com/office/drawing/2010/main" w="9525">
+                <a:solidFill>
+                  <a:srgbClr val="000000"/>
+                </a:solidFill>
+                <a:miter lim="800000"/>
+                <a:headEnd/>
+                <a:tailEnd/>
+              </a14:hiddenLine>
+            </a:ext>
+          </a:extLst>
+        </p:spPr>
+      </p:pic>
+      <p:sp>
+        <p:nvSpPr>
+          <p:cNvPr id="57" name="TextBox 48">
+            <a:extLst>
+              <a:ext uri="{FF2B5EF4-FFF2-40B4-BE49-F238E27FC236}">
+                <a16:creationId xmlns:a16="http://schemas.microsoft.com/office/drawing/2014/main" id="{EB1263D6-98FE-5729-767E-45038430ABC8}"/>
+              </a:ext>
+            </a:extLst>
+          </p:cNvPr>
+          <p:cNvSpPr txBox="1"/>
+          <p:nvPr/>
+        </p:nvSpPr>
+        <p:spPr>
+          <a:xfrm>
+            <a:off x="1420983" y="2160265"/>
+            <a:ext cx="1002667" cy="683773"/>
+          </a:xfrm>
+          <a:prstGeom prst="rect">
+            <a:avLst/>
+          </a:prstGeom>
+          <a:noFill/>
+        </p:spPr>
+        <p:txBody>
+          <a:bodyPr wrap="square" rtlCol="0">
+            <a:spAutoFit/>
+          </a:bodyPr>
+          <a:lstStyle>
+            <a:defPPr>
+              <a:defRPr lang="en-US"/>
+            </a:defPPr>
+            <a:lvl1pPr marL="0" algn="l" defTabSz="914400" rtl="0" eaLnBrk="1" latinLnBrk="0" hangingPunct="1">
+              <a:defRPr sz="1800" kern="1200">
+                <a:solidFill>
+                  <a:schemeClr val="tx1"/>
+                </a:solidFill>
+                <a:latin typeface="+mn-lt"/>
+                <a:ea typeface="+mn-ea"/>
+                <a:cs typeface="+mn-cs"/>
+              </a:defRPr>
+            </a:lvl1pPr>
+            <a:lvl2pPr marL="457200" algn="l" defTabSz="914400" rtl="0" eaLnBrk="1" latinLnBrk="0" hangingPunct="1">
+              <a:defRPr sz="1800" kern="1200">
+                <a:solidFill>
+                  <a:schemeClr val="tx1"/>
+                </a:solidFill>
+                <a:latin typeface="+mn-lt"/>
+                <a:ea typeface="+mn-ea"/>
+                <a:cs typeface="+mn-cs"/>
+              </a:defRPr>
+            </a:lvl2pPr>
+            <a:lvl3pPr marL="914400" algn="l" defTabSz="914400" rtl="0" eaLnBrk="1" latinLnBrk="0" hangingPunct="1">
+              <a:defRPr sz="1800" kern="1200">
+                <a:solidFill>
+                  <a:schemeClr val="tx1"/>
+                </a:solidFill>
+                <a:latin typeface="+mn-lt"/>
+                <a:ea typeface="+mn-ea"/>
+                <a:cs typeface="+mn-cs"/>
+              </a:defRPr>
+            </a:lvl3pPr>
+            <a:lvl4pPr marL="1371600" algn="l" defTabSz="914400" rtl="0" eaLnBrk="1" latinLnBrk="0" hangingPunct="1">
+              <a:defRPr sz="1800" kern="1200">
+                <a:solidFill>
+                  <a:schemeClr val="tx1"/>
+                </a:solidFill>
+                <a:latin typeface="+mn-lt"/>
+                <a:ea typeface="+mn-ea"/>
+                <a:cs typeface="+mn-cs"/>
+              </a:defRPr>
+            </a:lvl4pPr>
+            <a:lvl5pPr marL="1828800" algn="l" defTabSz="914400" rtl="0" eaLnBrk="1" latinLnBrk="0" hangingPunct="1">
+              <a:defRPr sz="1800" kern="1200">
+                <a:solidFill>
+                  <a:schemeClr val="tx1"/>
+                </a:solidFill>
+                <a:latin typeface="+mn-lt"/>
+                <a:ea typeface="+mn-ea"/>
+                <a:cs typeface="+mn-cs"/>
+              </a:defRPr>
+            </a:lvl5pPr>
+            <a:lvl6pPr marL="2286000" algn="l" defTabSz="914400" rtl="0" eaLnBrk="1" latinLnBrk="0" hangingPunct="1">
+              <a:defRPr sz="1800" kern="1200">
+                <a:solidFill>
+                  <a:schemeClr val="tx1"/>
+                </a:solidFill>
+                <a:latin typeface="+mn-lt"/>
+                <a:ea typeface="+mn-ea"/>
+                <a:cs typeface="+mn-cs"/>
+              </a:defRPr>
+            </a:lvl6pPr>
+            <a:lvl7pPr marL="2743200" algn="l" defTabSz="914400" rtl="0" eaLnBrk="1" latinLnBrk="0" hangingPunct="1">
+              <a:defRPr sz="1800" kern="1200">
+                <a:solidFill>
+                  <a:schemeClr val="tx1"/>
+                </a:solidFill>
+                <a:latin typeface="+mn-lt"/>
+                <a:ea typeface="+mn-ea"/>
+                <a:cs typeface="+mn-cs"/>
+              </a:defRPr>
+            </a:lvl7pPr>
+            <a:lvl8pPr marL="3200400" algn="l" defTabSz="914400" rtl="0" eaLnBrk="1" latinLnBrk="0" hangingPunct="1">
+              <a:defRPr sz="1800" kern="1200">
+                <a:solidFill>
+                  <a:schemeClr val="tx1"/>
+                </a:solidFill>
+                <a:latin typeface="+mn-lt"/>
+                <a:ea typeface="+mn-ea"/>
+                <a:cs typeface="+mn-cs"/>
+              </a:defRPr>
+            </a:lvl8pPr>
+            <a:lvl9pPr marL="3657600" algn="l" defTabSz="914400" rtl="0" eaLnBrk="1" latinLnBrk="0" hangingPunct="1">
+              <a:defRPr sz="1800" kern="1200">
+                <a:solidFill>
+                  <a:schemeClr val="tx1"/>
+                </a:solidFill>
+                <a:latin typeface="+mn-lt"/>
+                <a:ea typeface="+mn-ea"/>
+                <a:cs typeface="+mn-cs"/>
+              </a:defRPr>
+            </a:lvl9pPr>
+          </a:lstStyle>
+          <a:p>
+            <a:pPr algn="ctr"/>
+            <a:r>
+              <a:rPr lang="en-US" sz="900" b="1" dirty="0"/>
+              <a:t>SNS</a:t>
+            </a:r>
+            <a:r>
+              <a:rPr lang="en-US" sz="900" dirty="0"/>
+              <a:t> </a:t>
+            </a:r>
+          </a:p>
+          <a:p>
+            <a:pPr algn="ctr"/>
+            <a:r>
+              <a:rPr lang="en-US" sz="900" dirty="0"/>
+              <a:t>(A notification will be triggered if the specified drug name is not available)</a:t>
+            </a:r>
+            <a:endParaRPr lang="en-IN" sz="900" dirty="0"/>
+          </a:p>
+        </p:txBody>
+      </p:sp>
+      <p:pic>
+        <p:nvPicPr>
+          <p:cNvPr id="61" name="Graphic 63">
+            <a:extLst>
+              <a:ext uri="{FF2B5EF4-FFF2-40B4-BE49-F238E27FC236}">
+                <a16:creationId xmlns:a16="http://schemas.microsoft.com/office/drawing/2014/main" id="{DC96A920-0445-1111-C1F7-AC8915F49E36}"/>
+              </a:ext>
+            </a:extLst>
+          </p:cNvPr>
+          <p:cNvPicPr>
+            <a:picLocks noChangeAspect="1" noChangeArrowheads="1"/>
+          </p:cNvPicPr>
+          <p:nvPr/>
+        </p:nvPicPr>
+        <p:blipFill>
+          <a:blip r:embed="rId9">
+            <a:extLst>
+              <a:ext uri="{28A0092B-C50C-407E-A947-70E740481C1C}">
+                <a14:useLocalDpi xmlns:a14="http://schemas.microsoft.com/office/drawing/2010/main" val="0"/>
+              </a:ext>
+            </a:extLst>
+          </a:blip>
+          <a:srcRect/>
+          <a:stretch>
+            <a:fillRect/>
+          </a:stretch>
+        </p:blipFill>
+        <p:spPr bwMode="auto">
+          <a:xfrm>
+            <a:off x="2130868" y="3349871"/>
+            <a:ext cx="543813" cy="541926"/>
+          </a:xfrm>
+          <a:prstGeom prst="rect">
+            <a:avLst/>
+          </a:prstGeom>
+          <a:noFill/>
+          <a:ln>
+            <a:noFill/>
+          </a:ln>
+          <a:extLst>
+            <a:ext uri="{909E8E84-426E-40DD-AFC4-6F175D3DCCD1}">
+              <a14:hiddenFill xmlns:a14="http://schemas.microsoft.com/office/drawing/2010/main">
+                <a:solidFill>
+                  <a:srgbClr val="FFFFFF"/>
+                </a:solidFill>
+              </a14:hiddenFill>
+            </a:ext>
+            <a:ext uri="{91240B29-F687-4F45-9708-019B960494DF}">
+              <a14:hiddenLine xmlns:a14="http://schemas.microsoft.com/office/drawing/2010/main" w="9525">
+                <a:solidFill>
+                  <a:srgbClr val="000000"/>
+                </a:solidFill>
+                <a:miter lim="800000"/>
+                <a:headEnd/>
+                <a:tailEnd/>
+              </a14:hiddenLine>
+            </a:ext>
+          </a:extLst>
+        </p:spPr>
+      </p:pic>
+      <p:cxnSp>
+        <p:nvCxnSpPr>
+          <p:cNvPr id="63" name="Straight Arrow Connector 13">
+            <a:extLst>
+              <a:ext uri="{FF2B5EF4-FFF2-40B4-BE49-F238E27FC236}">
+                <a16:creationId xmlns:a16="http://schemas.microsoft.com/office/drawing/2014/main" id="{11A59990-5604-6A6D-B2D3-598B6EDB4AE2}"/>
+              </a:ext>
+            </a:extLst>
+          </p:cNvPr>
+          <p:cNvCxnSpPr>
+            <a:cxnSpLocks/>
+            <a:stCxn id="16" idx="1"/>
+            <a:endCxn id="61" idx="0"/>
+          </p:cNvCxnSpPr>
+          <p:nvPr/>
+        </p:nvCxnSpPr>
+        <p:spPr>
+          <a:xfrm rot="10800000" flipV="1">
+            <a:off x="2402776" y="2116799"/>
+            <a:ext cx="1554767" cy="1233073"/>
+          </a:xfrm>
+          <a:prstGeom prst="bentConnector2">
+            <a:avLst/>
+          </a:prstGeom>
+          <a:ln>
+            <a:tailEnd type="triangle"/>
+          </a:ln>
+        </p:spPr>
+        <p:style>
+          <a:lnRef idx="1">
+            <a:schemeClr val="accent1"/>
+          </a:lnRef>
+          <a:fillRef idx="0">
+            <a:schemeClr val="accent1"/>
+          </a:fillRef>
+          <a:effectRef idx="0">
+            <a:schemeClr val="accent1"/>
+          </a:effectRef>
+          <a:fontRef idx="minor">
+            <a:schemeClr val="tx1"/>
+          </a:fontRef>
+        </p:style>
+      </p:cxnSp>
+      <p:cxnSp>
+        <p:nvCxnSpPr>
+          <p:cNvPr id="65" name="Straight Arrow Connector 64">
+            <a:extLst>
+              <a:ext uri="{FF2B5EF4-FFF2-40B4-BE49-F238E27FC236}">
+                <a16:creationId xmlns:a16="http://schemas.microsoft.com/office/drawing/2014/main" id="{7AB79955-4823-A5CC-EC74-1E0963AF8E08}"/>
+              </a:ext>
+            </a:extLst>
+          </p:cNvPr>
+          <p:cNvCxnSpPr>
+            <a:cxnSpLocks/>
+            <a:stCxn id="61" idx="3"/>
+            <a:endCxn id="58" idx="1"/>
+          </p:cNvCxnSpPr>
+          <p:nvPr/>
+        </p:nvCxnSpPr>
+        <p:spPr>
+          <a:xfrm>
+            <a:off x="2674682" y="3620835"/>
+            <a:ext cx="1307658" cy="1605"/>
+          </a:xfrm>
+          <a:prstGeom prst="straightConnector1">
+            <a:avLst/>
+          </a:prstGeom>
+          <a:ln>
+            <a:tailEnd type="triangle"/>
+          </a:ln>
+        </p:spPr>
+        <p:style>
+          <a:lnRef idx="1">
+            <a:schemeClr val="accent1"/>
+          </a:lnRef>
+          <a:fillRef idx="0">
+            <a:schemeClr val="accent1"/>
+          </a:fillRef>
+          <a:effectRef idx="0">
+            <a:schemeClr val="accent1"/>
+          </a:effectRef>
+          <a:fontRef idx="minor">
+            <a:schemeClr val="tx1"/>
+          </a:fontRef>
+        </p:style>
+      </p:cxnSp>
+      <p:cxnSp>
+        <p:nvCxnSpPr>
+          <p:cNvPr id="69" name="Straight Arrow Connector 68">
+            <a:extLst>
+              <a:ext uri="{FF2B5EF4-FFF2-40B4-BE49-F238E27FC236}">
+                <a16:creationId xmlns:a16="http://schemas.microsoft.com/office/drawing/2014/main" id="{800CF601-472F-8787-F4DC-7E893EB2C873}"/>
+              </a:ext>
+            </a:extLst>
+          </p:cNvPr>
+          <p:cNvCxnSpPr>
+            <a:cxnSpLocks/>
+            <a:stCxn id="58" idx="3"/>
+            <a:endCxn id="7" idx="1"/>
+          </p:cNvCxnSpPr>
+          <p:nvPr/>
+        </p:nvCxnSpPr>
+        <p:spPr>
+          <a:xfrm flipV="1">
+            <a:off x="4546219" y="3620990"/>
+            <a:ext cx="784719" cy="1450"/>
+          </a:xfrm>
+          <a:prstGeom prst="straightConnector1">
+            <a:avLst/>
+          </a:prstGeom>
+          <a:ln>
+            <a:tailEnd type="triangle"/>
+          </a:ln>
+        </p:spPr>
+        <p:style>
+          <a:lnRef idx="1">
+            <a:schemeClr val="accent1"/>
+          </a:lnRef>
+          <a:fillRef idx="0">
+            <a:schemeClr val="accent1"/>
+          </a:fillRef>
+          <a:effectRef idx="0">
+            <a:schemeClr val="accent1"/>
+          </a:effectRef>
+          <a:fontRef idx="minor">
+            <a:schemeClr val="tx1"/>
+          </a:fontRef>
+        </p:style>
+      </p:cxnSp>
+      <p:cxnSp>
+        <p:nvCxnSpPr>
+          <p:cNvPr id="70" name="Straight Arrow Connector 35">
+            <a:extLst>
+              <a:ext uri="{FF2B5EF4-FFF2-40B4-BE49-F238E27FC236}">
+                <a16:creationId xmlns:a16="http://schemas.microsoft.com/office/drawing/2014/main" id="{85DDED72-0A54-C6A6-43CD-A32C07070292}"/>
+              </a:ext>
+            </a:extLst>
+          </p:cNvPr>
+          <p:cNvCxnSpPr>
+            <a:cxnSpLocks/>
+            <a:stCxn id="7" idx="0"/>
+            <a:endCxn id="16" idx="3"/>
+          </p:cNvCxnSpPr>
+          <p:nvPr/>
+        </p:nvCxnSpPr>
+        <p:spPr>
+          <a:xfrm rot="16200000" flipV="1">
+            <a:off x="4445520" y="2192701"/>
+            <a:ext cx="1233228" cy="1081423"/>
+          </a:xfrm>
+          <a:prstGeom prst="bentConnector2">
+            <a:avLst/>
+          </a:prstGeom>
+          <a:ln>
+            <a:tailEnd type="triangle"/>
+          </a:ln>
+        </p:spPr>
+        <p:style>
+          <a:lnRef idx="1">
+            <a:schemeClr val="accent1"/>
+          </a:lnRef>
+          <a:fillRef idx="0">
+            <a:schemeClr val="accent1"/>
+          </a:fillRef>
+          <a:effectRef idx="0">
+            <a:schemeClr val="accent1"/>
+          </a:effectRef>
+          <a:fontRef idx="minor">
+            <a:schemeClr val="tx1"/>
+          </a:fontRef>
+        </p:style>
+      </p:cxnSp>
+      <p:pic>
+        <p:nvPicPr>
+          <p:cNvPr id="58" name="Graphic 13">
+            <a:extLst>
+              <a:ext uri="{FF2B5EF4-FFF2-40B4-BE49-F238E27FC236}">
+                <a16:creationId xmlns:a16="http://schemas.microsoft.com/office/drawing/2014/main" id="{5DC3B3E8-0B30-AD85-B8DE-8B6C43038B54}"/>
+              </a:ext>
+            </a:extLst>
+          </p:cNvPr>
+          <p:cNvPicPr>
+            <a:picLocks noChangeAspect="1" noChangeArrowheads="1"/>
+          </p:cNvPicPr>
+          <p:nvPr/>
+        </p:nvPicPr>
+        <p:blipFill>
+          <a:blip r:embed="rId7">
+            <a:extLst>
+              <a:ext uri="{28A0092B-C50C-407E-A947-70E740481C1C}">
+                <a14:useLocalDpi xmlns:a14="http://schemas.microsoft.com/office/drawing/2010/main" val="0"/>
+              </a:ext>
+            </a:extLst>
+          </a:blip>
+          <a:srcRect/>
+          <a:stretch>
+            <a:fillRect/>
+          </a:stretch>
+        </p:blipFill>
+        <p:spPr bwMode="auto">
+          <a:xfrm>
+            <a:off x="3982340" y="3341478"/>
+            <a:ext cx="563880" cy="561922"/>
+          </a:xfrm>
+          <a:prstGeom prst="rect">
+            <a:avLst/>
+          </a:prstGeom>
+          <a:noFill/>
+          <a:ln>
+            <a:noFill/>
+          </a:ln>
+          <a:extLst>
+            <a:ext uri="{909E8E84-426E-40DD-AFC4-6F175D3DCCD1}">
+              <a14:hiddenFill xmlns:a14="http://schemas.microsoft.com/office/drawing/2010/main">
+                <a:solidFill>
+                  <a:srgbClr val="FFFFFF"/>
+                </a:solidFill>
+              </a14:hiddenFill>
+            </a:ext>
+            <a:ext uri="{91240B29-F687-4F45-9708-019B960494DF}">
+              <a14:hiddenLine xmlns:a14="http://schemas.microsoft.com/office/drawing/2010/main" w="9525">
+                <a:solidFill>
+                  <a:srgbClr val="000000"/>
+                </a:solidFill>
+                <a:miter lim="800000"/>
+                <a:headEnd/>
+                <a:tailEnd/>
+              </a14:hiddenLine>
+            </a:ext>
+          </a:extLst>
+        </p:spPr>
+      </p:pic>
+      <p:sp>
+        <p:nvSpPr>
+          <p:cNvPr id="75" name="TextBox 24">
+            <a:extLst>
+              <a:ext uri="{FF2B5EF4-FFF2-40B4-BE49-F238E27FC236}">
+                <a16:creationId xmlns:a16="http://schemas.microsoft.com/office/drawing/2014/main" id="{79A64F31-F138-F449-40E7-CCB43B551334}"/>
+              </a:ext>
+            </a:extLst>
+          </p:cNvPr>
+          <p:cNvSpPr txBox="1"/>
+          <p:nvPr/>
+        </p:nvSpPr>
+        <p:spPr>
+          <a:xfrm>
+            <a:off x="3426081" y="3863035"/>
+            <a:ext cx="1676394" cy="445938"/>
+          </a:xfrm>
+          <a:prstGeom prst="rect">
+            <a:avLst/>
+          </a:prstGeom>
+          <a:noFill/>
+        </p:spPr>
+        <p:txBody>
+          <a:bodyPr wrap="square" rtlCol="0">
+            <a:spAutoFit/>
+          </a:bodyPr>
+          <a:lstStyle>
+            <a:defPPr>
+              <a:defRPr lang="en-US"/>
+            </a:defPPr>
+            <a:lvl1pPr marL="0" algn="l" defTabSz="914400" rtl="0" eaLnBrk="1" latinLnBrk="0" hangingPunct="1">
+              <a:defRPr sz="1800" kern="1200">
+                <a:solidFill>
+                  <a:schemeClr val="tx1"/>
+                </a:solidFill>
+                <a:latin typeface="+mn-lt"/>
+                <a:ea typeface="+mn-ea"/>
+                <a:cs typeface="+mn-cs"/>
+              </a:defRPr>
+            </a:lvl1pPr>
+            <a:lvl2pPr marL="457200" algn="l" defTabSz="914400" rtl="0" eaLnBrk="1" latinLnBrk="0" hangingPunct="1">
+              <a:defRPr sz="1800" kern="1200">
+                <a:solidFill>
+                  <a:schemeClr val="tx1"/>
+                </a:solidFill>
+                <a:latin typeface="+mn-lt"/>
+                <a:ea typeface="+mn-ea"/>
+                <a:cs typeface="+mn-cs"/>
+              </a:defRPr>
+            </a:lvl2pPr>
+            <a:lvl3pPr marL="914400" algn="l" defTabSz="914400" rtl="0" eaLnBrk="1" latinLnBrk="0" hangingPunct="1">
+              <a:defRPr sz="1800" kern="1200">
+                <a:solidFill>
+                  <a:schemeClr val="tx1"/>
+                </a:solidFill>
+                <a:latin typeface="+mn-lt"/>
+                <a:ea typeface="+mn-ea"/>
+                <a:cs typeface="+mn-cs"/>
+              </a:defRPr>
+            </a:lvl3pPr>
+            <a:lvl4pPr marL="1371600" algn="l" defTabSz="914400" rtl="0" eaLnBrk="1" latinLnBrk="0" hangingPunct="1">
+              <a:defRPr sz="1800" kern="1200">
+                <a:solidFill>
+                  <a:schemeClr val="tx1"/>
+                </a:solidFill>
+                <a:latin typeface="+mn-lt"/>
+                <a:ea typeface="+mn-ea"/>
+                <a:cs typeface="+mn-cs"/>
+              </a:defRPr>
+            </a:lvl4pPr>
+            <a:lvl5pPr marL="1828800" algn="l" defTabSz="914400" rtl="0" eaLnBrk="1" latinLnBrk="0" hangingPunct="1">
+              <a:defRPr sz="1800" kern="1200">
+                <a:solidFill>
+                  <a:schemeClr val="tx1"/>
+                </a:solidFill>
+                <a:latin typeface="+mn-lt"/>
+                <a:ea typeface="+mn-ea"/>
+                <a:cs typeface="+mn-cs"/>
+              </a:defRPr>
+            </a:lvl5pPr>
+            <a:lvl6pPr marL="2286000" algn="l" defTabSz="914400" rtl="0" eaLnBrk="1" latinLnBrk="0" hangingPunct="1">
+              <a:defRPr sz="1800" kern="1200">
+                <a:solidFill>
+                  <a:schemeClr val="tx1"/>
+                </a:solidFill>
+                <a:latin typeface="+mn-lt"/>
+                <a:ea typeface="+mn-ea"/>
+                <a:cs typeface="+mn-cs"/>
+              </a:defRPr>
+            </a:lvl6pPr>
+            <a:lvl7pPr marL="2743200" algn="l" defTabSz="914400" rtl="0" eaLnBrk="1" latinLnBrk="0" hangingPunct="1">
+              <a:defRPr sz="1800" kern="1200">
+                <a:solidFill>
+                  <a:schemeClr val="tx1"/>
+                </a:solidFill>
+                <a:latin typeface="+mn-lt"/>
+                <a:ea typeface="+mn-ea"/>
+                <a:cs typeface="+mn-cs"/>
+              </a:defRPr>
+            </a:lvl7pPr>
+            <a:lvl8pPr marL="3200400" algn="l" defTabSz="914400" rtl="0" eaLnBrk="1" latinLnBrk="0" hangingPunct="1">
+              <a:defRPr sz="1800" kern="1200">
+                <a:solidFill>
+                  <a:schemeClr val="tx1"/>
+                </a:solidFill>
+                <a:latin typeface="+mn-lt"/>
+                <a:ea typeface="+mn-ea"/>
+                <a:cs typeface="+mn-cs"/>
+              </a:defRPr>
+            </a:lvl8pPr>
+            <a:lvl9pPr marL="3657600" algn="l" defTabSz="914400" rtl="0" eaLnBrk="1" latinLnBrk="0" hangingPunct="1">
+              <a:defRPr sz="1800" kern="1200">
+                <a:solidFill>
+                  <a:schemeClr val="tx1"/>
+                </a:solidFill>
+                <a:latin typeface="+mn-lt"/>
+                <a:ea typeface="+mn-ea"/>
+                <a:cs typeface="+mn-cs"/>
+              </a:defRPr>
+            </a:lvl9pPr>
+          </a:lstStyle>
+          <a:p>
+            <a:pPr algn="ctr"/>
+            <a:r>
+              <a:rPr lang="en-US" sz="900" b="1" dirty="0"/>
+              <a:t>Lambda 1</a:t>
+            </a:r>
+          </a:p>
+          <a:p>
+            <a:pPr algn="ctr"/>
+            <a:r>
+              <a:rPr lang="en-US" sz="900" dirty="0"/>
+              <a:t>(designed to fetch and filter the data provided by the client)</a:t>
+            </a:r>
+            <a:endParaRPr lang="en-IN" sz="900" b="1" dirty="0"/>
+          </a:p>
+        </p:txBody>
+      </p:sp>
+      <p:sp>
+        <p:nvSpPr>
+          <p:cNvPr id="76" name="TextBox 24">
+            <a:extLst>
+              <a:ext uri="{FF2B5EF4-FFF2-40B4-BE49-F238E27FC236}">
+                <a16:creationId xmlns:a16="http://schemas.microsoft.com/office/drawing/2014/main" id="{639D85A1-01F9-FD07-45DA-78716C42B1BD}"/>
+              </a:ext>
+            </a:extLst>
+          </p:cNvPr>
+          <p:cNvSpPr txBox="1"/>
+          <p:nvPr/>
+        </p:nvSpPr>
+        <p:spPr>
+          <a:xfrm>
+            <a:off x="3302149" y="2363498"/>
+            <a:ext cx="1898534" cy="445938"/>
+          </a:xfrm>
+          <a:prstGeom prst="rect">
+            <a:avLst/>
+          </a:prstGeom>
+          <a:noFill/>
+        </p:spPr>
+        <p:txBody>
+          <a:bodyPr wrap="square" rtlCol="0">
+            <a:spAutoFit/>
+          </a:bodyPr>
+          <a:lstStyle>
+            <a:defPPr>
+              <a:defRPr lang="en-US"/>
+            </a:defPPr>
+            <a:lvl1pPr marL="0" algn="l" defTabSz="914400" rtl="0" eaLnBrk="1" latinLnBrk="0" hangingPunct="1">
+              <a:defRPr sz="1800" kern="1200">
+                <a:solidFill>
+                  <a:schemeClr val="tx1"/>
+                </a:solidFill>
+                <a:latin typeface="+mn-lt"/>
+                <a:ea typeface="+mn-ea"/>
+                <a:cs typeface="+mn-cs"/>
+              </a:defRPr>
+            </a:lvl1pPr>
+            <a:lvl2pPr marL="457200" algn="l" defTabSz="914400" rtl="0" eaLnBrk="1" latinLnBrk="0" hangingPunct="1">
+              <a:defRPr sz="1800" kern="1200">
+                <a:solidFill>
+                  <a:schemeClr val="tx1"/>
+                </a:solidFill>
+                <a:latin typeface="+mn-lt"/>
+                <a:ea typeface="+mn-ea"/>
+                <a:cs typeface="+mn-cs"/>
+              </a:defRPr>
+            </a:lvl2pPr>
+            <a:lvl3pPr marL="914400" algn="l" defTabSz="914400" rtl="0" eaLnBrk="1" latinLnBrk="0" hangingPunct="1">
+              <a:defRPr sz="1800" kern="1200">
+                <a:solidFill>
+                  <a:schemeClr val="tx1"/>
+                </a:solidFill>
+                <a:latin typeface="+mn-lt"/>
+                <a:ea typeface="+mn-ea"/>
+                <a:cs typeface="+mn-cs"/>
+              </a:defRPr>
+            </a:lvl3pPr>
+            <a:lvl4pPr marL="1371600" algn="l" defTabSz="914400" rtl="0" eaLnBrk="1" latinLnBrk="0" hangingPunct="1">
+              <a:defRPr sz="1800" kern="1200">
+                <a:solidFill>
+                  <a:schemeClr val="tx1"/>
+                </a:solidFill>
+                <a:latin typeface="+mn-lt"/>
+                <a:ea typeface="+mn-ea"/>
+                <a:cs typeface="+mn-cs"/>
+              </a:defRPr>
+            </a:lvl4pPr>
+            <a:lvl5pPr marL="1828800" algn="l" defTabSz="914400" rtl="0" eaLnBrk="1" latinLnBrk="0" hangingPunct="1">
+              <a:defRPr sz="1800" kern="1200">
+                <a:solidFill>
+                  <a:schemeClr val="tx1"/>
+                </a:solidFill>
+                <a:latin typeface="+mn-lt"/>
+                <a:ea typeface="+mn-ea"/>
+                <a:cs typeface="+mn-cs"/>
+              </a:defRPr>
+            </a:lvl5pPr>
+            <a:lvl6pPr marL="2286000" algn="l" defTabSz="914400" rtl="0" eaLnBrk="1" latinLnBrk="0" hangingPunct="1">
+              <a:defRPr sz="1800" kern="1200">
+                <a:solidFill>
+                  <a:schemeClr val="tx1"/>
+                </a:solidFill>
+                <a:latin typeface="+mn-lt"/>
+                <a:ea typeface="+mn-ea"/>
+                <a:cs typeface="+mn-cs"/>
+              </a:defRPr>
+            </a:lvl6pPr>
+            <a:lvl7pPr marL="2743200" algn="l" defTabSz="914400" rtl="0" eaLnBrk="1" latinLnBrk="0" hangingPunct="1">
+              <a:defRPr sz="1800" kern="1200">
+                <a:solidFill>
+                  <a:schemeClr val="tx1"/>
+                </a:solidFill>
+                <a:latin typeface="+mn-lt"/>
+                <a:ea typeface="+mn-ea"/>
+                <a:cs typeface="+mn-cs"/>
+              </a:defRPr>
+            </a:lvl7pPr>
+            <a:lvl8pPr marL="3200400" algn="l" defTabSz="914400" rtl="0" eaLnBrk="1" latinLnBrk="0" hangingPunct="1">
+              <a:defRPr sz="1800" kern="1200">
+                <a:solidFill>
+                  <a:schemeClr val="tx1"/>
+                </a:solidFill>
+                <a:latin typeface="+mn-lt"/>
+                <a:ea typeface="+mn-ea"/>
+                <a:cs typeface="+mn-cs"/>
+              </a:defRPr>
+            </a:lvl8pPr>
+            <a:lvl9pPr marL="3657600" algn="l" defTabSz="914400" rtl="0" eaLnBrk="1" latinLnBrk="0" hangingPunct="1">
+              <a:defRPr sz="1800" kern="1200">
+                <a:solidFill>
+                  <a:schemeClr val="tx1"/>
+                </a:solidFill>
+                <a:latin typeface="+mn-lt"/>
+                <a:ea typeface="+mn-ea"/>
+                <a:cs typeface="+mn-cs"/>
+              </a:defRPr>
+            </a:lvl9pPr>
+          </a:lstStyle>
+          <a:p>
+            <a:pPr algn="ctr"/>
+            <a:r>
+              <a:rPr lang="en-US" sz="900" b="1" dirty="0"/>
+              <a:t>Lambda 2</a:t>
+            </a:r>
+          </a:p>
+          <a:p>
+            <a:pPr algn="ctr"/>
+            <a:r>
+              <a:rPr lang="en-US" sz="900" dirty="0"/>
+              <a:t>(Designed to convert the output data(.</a:t>
+            </a:r>
+            <a:r>
+              <a:rPr lang="en-US" sz="900" dirty="0" err="1"/>
+              <a:t>json</a:t>
+            </a:r>
+            <a:r>
+              <a:rPr lang="en-US" sz="900" dirty="0"/>
+              <a:t>) into .html file.)</a:t>
+            </a:r>
+            <a:endParaRPr lang="en-IN" sz="900" b="1" dirty="0"/>
+          </a:p>
+        </p:txBody>
+      </p:sp>
+      <p:sp>
+        <p:nvSpPr>
+          <p:cNvPr id="79" name="TextBox 134">
+            <a:extLst>
+              <a:ext uri="{FF2B5EF4-FFF2-40B4-BE49-F238E27FC236}">
+                <a16:creationId xmlns:a16="http://schemas.microsoft.com/office/drawing/2014/main" id="{36C9D9EB-B1D2-0917-5157-3B6677CE0914}"/>
+              </a:ext>
+            </a:extLst>
+          </p:cNvPr>
+          <p:cNvSpPr txBox="1"/>
+          <p:nvPr/>
+        </p:nvSpPr>
+        <p:spPr>
+          <a:xfrm>
+            <a:off x="1346604" y="3849023"/>
+            <a:ext cx="2161767" cy="567558"/>
+          </a:xfrm>
+          <a:prstGeom prst="rect">
+            <a:avLst/>
+          </a:prstGeom>
+          <a:noFill/>
+        </p:spPr>
+        <p:txBody>
+          <a:bodyPr wrap="square" rtlCol="0">
+            <a:spAutoFit/>
+          </a:bodyPr>
+          <a:lstStyle>
+            <a:defPPr>
+              <a:defRPr lang="en-US"/>
+            </a:defPPr>
+            <a:lvl1pPr marL="0" algn="l" defTabSz="914400" rtl="0" eaLnBrk="1" latinLnBrk="0" hangingPunct="1">
+              <a:defRPr sz="1800" kern="1200">
+                <a:solidFill>
+                  <a:schemeClr val="tx1"/>
+                </a:solidFill>
+                <a:latin typeface="+mn-lt"/>
+                <a:ea typeface="+mn-ea"/>
+                <a:cs typeface="+mn-cs"/>
+              </a:defRPr>
+            </a:lvl1pPr>
+            <a:lvl2pPr marL="457200" algn="l" defTabSz="914400" rtl="0" eaLnBrk="1" latinLnBrk="0" hangingPunct="1">
+              <a:defRPr sz="1800" kern="1200">
+                <a:solidFill>
+                  <a:schemeClr val="tx1"/>
+                </a:solidFill>
+                <a:latin typeface="+mn-lt"/>
+                <a:ea typeface="+mn-ea"/>
+                <a:cs typeface="+mn-cs"/>
+              </a:defRPr>
+            </a:lvl2pPr>
+            <a:lvl3pPr marL="914400" algn="l" defTabSz="914400" rtl="0" eaLnBrk="1" latinLnBrk="0" hangingPunct="1">
+              <a:defRPr sz="1800" kern="1200">
+                <a:solidFill>
+                  <a:schemeClr val="tx1"/>
+                </a:solidFill>
+                <a:latin typeface="+mn-lt"/>
+                <a:ea typeface="+mn-ea"/>
+                <a:cs typeface="+mn-cs"/>
+              </a:defRPr>
+            </a:lvl3pPr>
+            <a:lvl4pPr marL="1371600" algn="l" defTabSz="914400" rtl="0" eaLnBrk="1" latinLnBrk="0" hangingPunct="1">
+              <a:defRPr sz="1800" kern="1200">
+                <a:solidFill>
+                  <a:schemeClr val="tx1"/>
+                </a:solidFill>
+                <a:latin typeface="+mn-lt"/>
+                <a:ea typeface="+mn-ea"/>
+                <a:cs typeface="+mn-cs"/>
+              </a:defRPr>
+            </a:lvl4pPr>
+            <a:lvl5pPr marL="1828800" algn="l" defTabSz="914400" rtl="0" eaLnBrk="1" latinLnBrk="0" hangingPunct="1">
+              <a:defRPr sz="1800" kern="1200">
+                <a:solidFill>
+                  <a:schemeClr val="tx1"/>
+                </a:solidFill>
+                <a:latin typeface="+mn-lt"/>
+                <a:ea typeface="+mn-ea"/>
+                <a:cs typeface="+mn-cs"/>
+              </a:defRPr>
+            </a:lvl5pPr>
+            <a:lvl6pPr marL="2286000" algn="l" defTabSz="914400" rtl="0" eaLnBrk="1" latinLnBrk="0" hangingPunct="1">
+              <a:defRPr sz="1800" kern="1200">
+                <a:solidFill>
+                  <a:schemeClr val="tx1"/>
+                </a:solidFill>
+                <a:latin typeface="+mn-lt"/>
+                <a:ea typeface="+mn-ea"/>
+                <a:cs typeface="+mn-cs"/>
+              </a:defRPr>
+            </a:lvl6pPr>
+            <a:lvl7pPr marL="2743200" algn="l" defTabSz="914400" rtl="0" eaLnBrk="1" latinLnBrk="0" hangingPunct="1">
+              <a:defRPr sz="1800" kern="1200">
+                <a:solidFill>
+                  <a:schemeClr val="tx1"/>
+                </a:solidFill>
+                <a:latin typeface="+mn-lt"/>
+                <a:ea typeface="+mn-ea"/>
+                <a:cs typeface="+mn-cs"/>
+              </a:defRPr>
+            </a:lvl7pPr>
+            <a:lvl8pPr marL="3200400" algn="l" defTabSz="914400" rtl="0" eaLnBrk="1" latinLnBrk="0" hangingPunct="1">
+              <a:defRPr sz="1800" kern="1200">
+                <a:solidFill>
+                  <a:schemeClr val="tx1"/>
+                </a:solidFill>
+                <a:latin typeface="+mn-lt"/>
+                <a:ea typeface="+mn-ea"/>
+                <a:cs typeface="+mn-cs"/>
+              </a:defRPr>
+            </a:lvl8pPr>
+            <a:lvl9pPr marL="3657600" algn="l" defTabSz="914400" rtl="0" eaLnBrk="1" latinLnBrk="0" hangingPunct="1">
+              <a:defRPr sz="1800" kern="1200">
+                <a:solidFill>
+                  <a:schemeClr val="tx1"/>
+                </a:solidFill>
+                <a:latin typeface="+mn-lt"/>
+                <a:ea typeface="+mn-ea"/>
+                <a:cs typeface="+mn-cs"/>
+              </a:defRPr>
+            </a:lvl9pPr>
+          </a:lstStyle>
+          <a:p>
+            <a:pPr algn="ctr"/>
+            <a:r>
+              <a:rPr lang="en-US" sz="900" b="1" dirty="0"/>
+              <a:t>Input</a:t>
+            </a:r>
+            <a:r>
+              <a:rPr lang="en-US" sz="900" dirty="0"/>
+              <a:t> </a:t>
+            </a:r>
+            <a:r>
+              <a:rPr lang="en-US" sz="900" b="1" dirty="0"/>
+              <a:t>bucket</a:t>
+            </a:r>
+            <a:r>
+              <a:rPr lang="en-US" sz="900" dirty="0"/>
+              <a:t> </a:t>
+            </a:r>
+          </a:p>
+          <a:p>
+            <a:pPr algn="ctr"/>
+            <a:r>
+              <a:rPr lang="en-US" sz="900" dirty="0"/>
+              <a:t>(The S3 bucket stores drug names, Canada Vigilance adverse reaction data (.txt files), and the `input.html` file generated by Lambda 2)</a:t>
+            </a:r>
+            <a:endParaRPr lang="en-IN" sz="900" dirty="0">
+              <a:ea typeface="Calibri" panose="020F0502020204030204" pitchFamily="34" charset="0"/>
+              <a:cs typeface="Calibri" panose="020F0502020204030204" pitchFamily="34" charset="0"/>
+            </a:endParaRPr>
+          </a:p>
+        </p:txBody>
+      </p:sp>
+      <p:pic>
+        <p:nvPicPr>
+          <p:cNvPr id="81" name="Graphic 19">
+            <a:extLst>
+              <a:ext uri="{FF2B5EF4-FFF2-40B4-BE49-F238E27FC236}">
+                <a16:creationId xmlns:a16="http://schemas.microsoft.com/office/drawing/2014/main" id="{E2FEC0D1-58B2-F387-25B3-C64AC47C8831}"/>
+              </a:ext>
+            </a:extLst>
+          </p:cNvPr>
+          <p:cNvPicPr>
+            <a:picLocks noChangeAspect="1" noChangeArrowheads="1"/>
+          </p:cNvPicPr>
+          <p:nvPr/>
+        </p:nvPicPr>
+        <p:blipFill>
+          <a:blip r:embed="rId10" cstate="print"/>
+          <a:srcRect/>
+          <a:stretch/>
+        </p:blipFill>
+        <p:spPr bwMode="auto">
+          <a:xfrm>
+            <a:off x="2846185" y="2556881"/>
+            <a:ext cx="402601" cy="401204"/>
+          </a:xfrm>
+          <a:prstGeom prst="rect">
+            <a:avLst/>
+          </a:prstGeom>
+          <a:noFill/>
+          <a:ln>
+            <a:noFill/>
+          </a:ln>
+          <a:extLst>
+            <a:ext uri="{909E8E84-426E-40DD-AFC4-6F175D3DCCD1}">
+              <a14:hiddenFill xmlns:a14="http://schemas.microsoft.com/office/drawing/2010/main">
+                <a:solidFill>
+                  <a:srgbClr val="FFFFFF"/>
+                </a:solidFill>
+              </a14:hiddenFill>
+            </a:ext>
+            <a:ext uri="{91240B29-F687-4F45-9708-019B960494DF}">
+              <a14:hiddenLine xmlns:a14="http://schemas.microsoft.com/office/drawing/2010/main" w="9525">
+                <a:solidFill>
+                  <a:srgbClr val="000000"/>
+                </a:solidFill>
+                <a:miter lim="800000"/>
+                <a:headEnd/>
+                <a:tailEnd/>
+              </a14:hiddenLine>
+            </a:ext>
+          </a:extLst>
+        </p:spPr>
+      </p:pic>
+      <p:sp>
+        <p:nvSpPr>
+          <p:cNvPr id="82" name="TextBox 161">
+            <a:extLst>
+              <a:ext uri="{FF2B5EF4-FFF2-40B4-BE49-F238E27FC236}">
+                <a16:creationId xmlns:a16="http://schemas.microsoft.com/office/drawing/2014/main" id="{129774B7-7A90-8007-7762-65A9569836BF}"/>
+              </a:ext>
+            </a:extLst>
+          </p:cNvPr>
+          <p:cNvSpPr txBox="1"/>
+          <p:nvPr/>
+        </p:nvSpPr>
+        <p:spPr>
+          <a:xfrm>
+            <a:off x="2582436" y="2928758"/>
+            <a:ext cx="905426" cy="564855"/>
+          </a:xfrm>
+          <a:prstGeom prst="rect">
+            <a:avLst/>
+          </a:prstGeom>
+          <a:noFill/>
+        </p:spPr>
+        <p:txBody>
+          <a:bodyPr wrap="square" rtlCol="0">
+            <a:spAutoFit/>
+          </a:bodyPr>
+          <a:lstStyle>
+            <a:defPPr>
+              <a:defRPr lang="en-US"/>
+            </a:defPPr>
+            <a:lvl1pPr marL="0" algn="l" defTabSz="914400" rtl="0" eaLnBrk="1" latinLnBrk="0" hangingPunct="1">
+              <a:defRPr sz="1800" kern="1200">
+                <a:solidFill>
+                  <a:schemeClr val="tx1"/>
+                </a:solidFill>
+                <a:latin typeface="+mn-lt"/>
+                <a:ea typeface="+mn-ea"/>
+                <a:cs typeface="+mn-cs"/>
+              </a:defRPr>
+            </a:lvl1pPr>
+            <a:lvl2pPr marL="457200" algn="l" defTabSz="914400" rtl="0" eaLnBrk="1" latinLnBrk="0" hangingPunct="1">
+              <a:defRPr sz="1800" kern="1200">
+                <a:solidFill>
+                  <a:schemeClr val="tx1"/>
+                </a:solidFill>
+                <a:latin typeface="+mn-lt"/>
+                <a:ea typeface="+mn-ea"/>
+                <a:cs typeface="+mn-cs"/>
+              </a:defRPr>
+            </a:lvl2pPr>
+            <a:lvl3pPr marL="914400" algn="l" defTabSz="914400" rtl="0" eaLnBrk="1" latinLnBrk="0" hangingPunct="1">
+              <a:defRPr sz="1800" kern="1200">
+                <a:solidFill>
+                  <a:schemeClr val="tx1"/>
+                </a:solidFill>
+                <a:latin typeface="+mn-lt"/>
+                <a:ea typeface="+mn-ea"/>
+                <a:cs typeface="+mn-cs"/>
+              </a:defRPr>
+            </a:lvl3pPr>
+            <a:lvl4pPr marL="1371600" algn="l" defTabSz="914400" rtl="0" eaLnBrk="1" latinLnBrk="0" hangingPunct="1">
+              <a:defRPr sz="1800" kern="1200">
+                <a:solidFill>
+                  <a:schemeClr val="tx1"/>
+                </a:solidFill>
+                <a:latin typeface="+mn-lt"/>
+                <a:ea typeface="+mn-ea"/>
+                <a:cs typeface="+mn-cs"/>
+              </a:defRPr>
+            </a:lvl4pPr>
+            <a:lvl5pPr marL="1828800" algn="l" defTabSz="914400" rtl="0" eaLnBrk="1" latinLnBrk="0" hangingPunct="1">
+              <a:defRPr sz="1800" kern="1200">
+                <a:solidFill>
+                  <a:schemeClr val="tx1"/>
+                </a:solidFill>
+                <a:latin typeface="+mn-lt"/>
+                <a:ea typeface="+mn-ea"/>
+                <a:cs typeface="+mn-cs"/>
+              </a:defRPr>
+            </a:lvl5pPr>
+            <a:lvl6pPr marL="2286000" algn="l" defTabSz="914400" rtl="0" eaLnBrk="1" latinLnBrk="0" hangingPunct="1">
+              <a:defRPr sz="1800" kern="1200">
+                <a:solidFill>
+                  <a:schemeClr val="tx1"/>
+                </a:solidFill>
+                <a:latin typeface="+mn-lt"/>
+                <a:ea typeface="+mn-ea"/>
+                <a:cs typeface="+mn-cs"/>
+              </a:defRPr>
+            </a:lvl6pPr>
+            <a:lvl7pPr marL="2743200" algn="l" defTabSz="914400" rtl="0" eaLnBrk="1" latinLnBrk="0" hangingPunct="1">
+              <a:defRPr sz="1800" kern="1200">
+                <a:solidFill>
+                  <a:schemeClr val="tx1"/>
+                </a:solidFill>
+                <a:latin typeface="+mn-lt"/>
+                <a:ea typeface="+mn-ea"/>
+                <a:cs typeface="+mn-cs"/>
+              </a:defRPr>
+            </a:lvl7pPr>
+            <a:lvl8pPr marL="3200400" algn="l" defTabSz="914400" rtl="0" eaLnBrk="1" latinLnBrk="0" hangingPunct="1">
+              <a:defRPr sz="1800" kern="1200">
+                <a:solidFill>
+                  <a:schemeClr val="tx1"/>
+                </a:solidFill>
+                <a:latin typeface="+mn-lt"/>
+                <a:ea typeface="+mn-ea"/>
+                <a:cs typeface="+mn-cs"/>
+              </a:defRPr>
+            </a:lvl8pPr>
+            <a:lvl9pPr marL="3657600" algn="l" defTabSz="914400" rtl="0" eaLnBrk="1" latinLnBrk="0" hangingPunct="1">
+              <a:defRPr sz="1800" kern="1200">
+                <a:solidFill>
+                  <a:schemeClr val="tx1"/>
+                </a:solidFill>
+                <a:latin typeface="+mn-lt"/>
+                <a:ea typeface="+mn-ea"/>
+                <a:cs typeface="+mn-cs"/>
+              </a:defRPr>
+            </a:lvl9pPr>
+          </a:lstStyle>
+          <a:p>
+            <a:pPr algn="ctr"/>
+            <a:r>
+              <a:rPr lang="en-IN" sz="900" b="1" dirty="0"/>
+              <a:t>Event bridge</a:t>
+            </a:r>
+          </a:p>
+          <a:p>
+            <a:pPr algn="ctr"/>
+            <a:r>
+              <a:rPr lang="en-IN" sz="900" dirty="0"/>
+              <a:t>(To trigger the scheduled lambda ) </a:t>
+            </a:r>
+          </a:p>
+        </p:txBody>
+      </p:sp>
+      <p:pic>
+        <p:nvPicPr>
+          <p:cNvPr id="89" name="Picture 2" descr="Zip file - Free interface icons">
+            <a:extLst>
+              <a:ext uri="{FF2B5EF4-FFF2-40B4-BE49-F238E27FC236}">
+                <a16:creationId xmlns:a16="http://schemas.microsoft.com/office/drawing/2014/main" id="{6FCD7E89-67D5-28E5-2B90-7FCBD6CED93C}"/>
+              </a:ext>
+            </a:extLst>
+          </p:cNvPr>
+          <p:cNvPicPr>
+            <a:picLocks noChangeAspect="1" noChangeArrowheads="1"/>
+          </p:cNvPicPr>
+          <p:nvPr/>
+        </p:nvPicPr>
+        <p:blipFill>
+          <a:blip r:embed="rId11">
+            <a:extLst>
+              <a:ext uri="{28A0092B-C50C-407E-A947-70E740481C1C}">
+                <a14:useLocalDpi xmlns:a14="http://schemas.microsoft.com/office/drawing/2010/main" val="0"/>
+              </a:ext>
+            </a:extLst>
+          </a:blip>
+          <a:srcRect/>
+          <a:stretch>
+            <a:fillRect/>
+          </a:stretch>
+        </p:blipFill>
+        <p:spPr bwMode="auto">
+          <a:xfrm>
+            <a:off x="347467" y="3416660"/>
+            <a:ext cx="407002" cy="405589"/>
+          </a:xfrm>
+          <a:prstGeom prst="rect">
+            <a:avLst/>
+          </a:prstGeom>
+          <a:noFill/>
+          <a:extLst>
+            <a:ext uri="{909E8E84-426E-40DD-AFC4-6F175D3DCCD1}">
+              <a14:hiddenFill xmlns:a14="http://schemas.microsoft.com/office/drawing/2010/main">
+                <a:solidFill>
+                  <a:srgbClr val="FFFFFF"/>
+                </a:solidFill>
+              </a14:hiddenFill>
+            </a:ext>
+          </a:extLst>
+        </p:spPr>
+      </p:pic>
+      <p:sp>
+        <p:nvSpPr>
+          <p:cNvPr id="90" name="TextBox 119">
+            <a:extLst>
+              <a:ext uri="{FF2B5EF4-FFF2-40B4-BE49-F238E27FC236}">
+                <a16:creationId xmlns:a16="http://schemas.microsoft.com/office/drawing/2014/main" id="{3B336810-12A2-F7AE-55EB-4476CB667410}"/>
+              </a:ext>
+            </a:extLst>
+          </p:cNvPr>
+          <p:cNvSpPr txBox="1"/>
+          <p:nvPr/>
+        </p:nvSpPr>
+        <p:spPr>
+          <a:xfrm>
+            <a:off x="181895" y="3803407"/>
+            <a:ext cx="1021617" cy="208105"/>
+          </a:xfrm>
+          <a:prstGeom prst="rect">
+            <a:avLst/>
+          </a:prstGeom>
+          <a:noFill/>
+        </p:spPr>
+        <p:txBody>
+          <a:bodyPr wrap="square" rtlCol="0">
+            <a:spAutoFit/>
+          </a:bodyPr>
+          <a:lstStyle>
+            <a:defPPr>
+              <a:defRPr lang="en-US"/>
+            </a:defPPr>
+            <a:lvl1pPr marL="0" algn="l" defTabSz="914400" rtl="0" eaLnBrk="1" latinLnBrk="0" hangingPunct="1">
+              <a:defRPr sz="1800" kern="1200">
+                <a:solidFill>
+                  <a:schemeClr val="tx1"/>
+                </a:solidFill>
+                <a:latin typeface="+mn-lt"/>
+                <a:ea typeface="+mn-ea"/>
+                <a:cs typeface="+mn-cs"/>
+              </a:defRPr>
+            </a:lvl1pPr>
+            <a:lvl2pPr marL="457200" algn="l" defTabSz="914400" rtl="0" eaLnBrk="1" latinLnBrk="0" hangingPunct="1">
+              <a:defRPr sz="1800" kern="1200">
+                <a:solidFill>
+                  <a:schemeClr val="tx1"/>
+                </a:solidFill>
+                <a:latin typeface="+mn-lt"/>
+                <a:ea typeface="+mn-ea"/>
+                <a:cs typeface="+mn-cs"/>
+              </a:defRPr>
+            </a:lvl2pPr>
+            <a:lvl3pPr marL="914400" algn="l" defTabSz="914400" rtl="0" eaLnBrk="1" latinLnBrk="0" hangingPunct="1">
+              <a:defRPr sz="1800" kern="1200">
+                <a:solidFill>
+                  <a:schemeClr val="tx1"/>
+                </a:solidFill>
+                <a:latin typeface="+mn-lt"/>
+                <a:ea typeface="+mn-ea"/>
+                <a:cs typeface="+mn-cs"/>
+              </a:defRPr>
+            </a:lvl3pPr>
+            <a:lvl4pPr marL="1371600" algn="l" defTabSz="914400" rtl="0" eaLnBrk="1" latinLnBrk="0" hangingPunct="1">
+              <a:defRPr sz="1800" kern="1200">
+                <a:solidFill>
+                  <a:schemeClr val="tx1"/>
+                </a:solidFill>
+                <a:latin typeface="+mn-lt"/>
+                <a:ea typeface="+mn-ea"/>
+                <a:cs typeface="+mn-cs"/>
+              </a:defRPr>
+            </a:lvl4pPr>
+            <a:lvl5pPr marL="1828800" algn="l" defTabSz="914400" rtl="0" eaLnBrk="1" latinLnBrk="0" hangingPunct="1">
+              <a:defRPr sz="1800" kern="1200">
+                <a:solidFill>
+                  <a:schemeClr val="tx1"/>
+                </a:solidFill>
+                <a:latin typeface="+mn-lt"/>
+                <a:ea typeface="+mn-ea"/>
+                <a:cs typeface="+mn-cs"/>
+              </a:defRPr>
+            </a:lvl5pPr>
+            <a:lvl6pPr marL="2286000" algn="l" defTabSz="914400" rtl="0" eaLnBrk="1" latinLnBrk="0" hangingPunct="1">
+              <a:defRPr sz="1800" kern="1200">
+                <a:solidFill>
+                  <a:schemeClr val="tx1"/>
+                </a:solidFill>
+                <a:latin typeface="+mn-lt"/>
+                <a:ea typeface="+mn-ea"/>
+                <a:cs typeface="+mn-cs"/>
+              </a:defRPr>
+            </a:lvl6pPr>
+            <a:lvl7pPr marL="2743200" algn="l" defTabSz="914400" rtl="0" eaLnBrk="1" latinLnBrk="0" hangingPunct="1">
+              <a:defRPr sz="1800" kern="1200">
+                <a:solidFill>
+                  <a:schemeClr val="tx1"/>
+                </a:solidFill>
+                <a:latin typeface="+mn-lt"/>
+                <a:ea typeface="+mn-ea"/>
+                <a:cs typeface="+mn-cs"/>
+              </a:defRPr>
+            </a:lvl7pPr>
+            <a:lvl8pPr marL="3200400" algn="l" defTabSz="914400" rtl="0" eaLnBrk="1" latinLnBrk="0" hangingPunct="1">
+              <a:defRPr sz="1800" kern="1200">
+                <a:solidFill>
+                  <a:schemeClr val="tx1"/>
+                </a:solidFill>
+                <a:latin typeface="+mn-lt"/>
+                <a:ea typeface="+mn-ea"/>
+                <a:cs typeface="+mn-cs"/>
+              </a:defRPr>
+            </a:lvl8pPr>
+            <a:lvl9pPr marL="3657600" algn="l" defTabSz="914400" rtl="0" eaLnBrk="1" latinLnBrk="0" hangingPunct="1">
+              <a:defRPr sz="1800" kern="1200">
+                <a:solidFill>
+                  <a:schemeClr val="tx1"/>
+                </a:solidFill>
+                <a:latin typeface="+mn-lt"/>
+                <a:ea typeface="+mn-ea"/>
+                <a:cs typeface="+mn-cs"/>
+              </a:defRPr>
+            </a:lvl9pPr>
+          </a:lstStyle>
+          <a:p>
+            <a:r>
+              <a:rPr lang="en-IN" sz="900" dirty="0">
+                <a:ea typeface="Calibri" panose="020F0502020204030204" pitchFamily="34" charset="0"/>
+                <a:cs typeface="Calibri" panose="020F0502020204030204" pitchFamily="34" charset="0"/>
+              </a:rPr>
+              <a:t>Source data</a:t>
+            </a:r>
+          </a:p>
+        </p:txBody>
+      </p:sp>
+      <p:cxnSp>
+        <p:nvCxnSpPr>
+          <p:cNvPr id="91" name="Straight Arrow Connector 90">
+            <a:extLst>
+              <a:ext uri="{FF2B5EF4-FFF2-40B4-BE49-F238E27FC236}">
+                <a16:creationId xmlns:a16="http://schemas.microsoft.com/office/drawing/2014/main" id="{7BD2FE40-6E34-88D3-A17E-CCF27F81789C}"/>
+              </a:ext>
+            </a:extLst>
+          </p:cNvPr>
+          <p:cNvCxnSpPr>
+            <a:cxnSpLocks/>
+            <a:stCxn id="89" idx="3"/>
+            <a:endCxn id="61" idx="1"/>
+          </p:cNvCxnSpPr>
+          <p:nvPr/>
+        </p:nvCxnSpPr>
+        <p:spPr>
+          <a:xfrm>
+            <a:off x="754469" y="3619455"/>
+            <a:ext cx="1376399" cy="1379"/>
+          </a:xfrm>
+          <a:prstGeom prst="straightConnector1">
+            <a:avLst/>
+          </a:prstGeom>
+          <a:ln>
+            <a:tailEnd type="triangle"/>
+          </a:ln>
+        </p:spPr>
+        <p:style>
+          <a:lnRef idx="1">
+            <a:schemeClr val="accent1"/>
+          </a:lnRef>
+          <a:fillRef idx="0">
+            <a:schemeClr val="accent1"/>
+          </a:fillRef>
+          <a:effectRef idx="0">
+            <a:schemeClr val="accent1"/>
+          </a:effectRef>
+          <a:fontRef idx="minor">
+            <a:schemeClr val="tx1"/>
+          </a:fontRef>
+        </p:style>
+      </p:cxnSp>
+      <p:sp>
+        <p:nvSpPr>
+          <p:cNvPr id="93" name="TextBox 208">
+            <a:extLst>
+              <a:ext uri="{FF2B5EF4-FFF2-40B4-BE49-F238E27FC236}">
+                <a16:creationId xmlns:a16="http://schemas.microsoft.com/office/drawing/2014/main" id="{B3AF6AF9-DFBA-7D3A-2730-0E5D9F55A8D9}"/>
+              </a:ext>
+            </a:extLst>
+          </p:cNvPr>
+          <p:cNvSpPr txBox="1"/>
+          <p:nvPr/>
+        </p:nvSpPr>
+        <p:spPr>
+          <a:xfrm>
+            <a:off x="3041524" y="1670849"/>
+            <a:ext cx="1361300" cy="208105"/>
+          </a:xfrm>
+          <a:prstGeom prst="rect">
+            <a:avLst/>
+          </a:prstGeom>
+          <a:noFill/>
+        </p:spPr>
+        <p:txBody>
+          <a:bodyPr wrap="square" rtlCol="0">
+            <a:spAutoFit/>
+          </a:bodyPr>
+          <a:lstStyle>
+            <a:defPPr>
+              <a:defRPr lang="en-US"/>
+            </a:defPPr>
+            <a:lvl1pPr marL="0" algn="l" defTabSz="914400" rtl="0" eaLnBrk="1" latinLnBrk="0" hangingPunct="1">
+              <a:defRPr sz="1800" kern="1200">
+                <a:solidFill>
+                  <a:schemeClr val="tx1"/>
+                </a:solidFill>
+                <a:latin typeface="+mn-lt"/>
+                <a:ea typeface="+mn-ea"/>
+                <a:cs typeface="+mn-cs"/>
+              </a:defRPr>
+            </a:lvl1pPr>
+            <a:lvl2pPr marL="457200" algn="l" defTabSz="914400" rtl="0" eaLnBrk="1" latinLnBrk="0" hangingPunct="1">
+              <a:defRPr sz="1800" kern="1200">
+                <a:solidFill>
+                  <a:schemeClr val="tx1"/>
+                </a:solidFill>
+                <a:latin typeface="+mn-lt"/>
+                <a:ea typeface="+mn-ea"/>
+                <a:cs typeface="+mn-cs"/>
+              </a:defRPr>
+            </a:lvl2pPr>
+            <a:lvl3pPr marL="914400" algn="l" defTabSz="914400" rtl="0" eaLnBrk="1" latinLnBrk="0" hangingPunct="1">
+              <a:defRPr sz="1800" kern="1200">
+                <a:solidFill>
+                  <a:schemeClr val="tx1"/>
+                </a:solidFill>
+                <a:latin typeface="+mn-lt"/>
+                <a:ea typeface="+mn-ea"/>
+                <a:cs typeface="+mn-cs"/>
+              </a:defRPr>
+            </a:lvl3pPr>
+            <a:lvl4pPr marL="1371600" algn="l" defTabSz="914400" rtl="0" eaLnBrk="1" latinLnBrk="0" hangingPunct="1">
+              <a:defRPr sz="1800" kern="1200">
+                <a:solidFill>
+                  <a:schemeClr val="tx1"/>
+                </a:solidFill>
+                <a:latin typeface="+mn-lt"/>
+                <a:ea typeface="+mn-ea"/>
+                <a:cs typeface="+mn-cs"/>
+              </a:defRPr>
+            </a:lvl4pPr>
+            <a:lvl5pPr marL="1828800" algn="l" defTabSz="914400" rtl="0" eaLnBrk="1" latinLnBrk="0" hangingPunct="1">
+              <a:defRPr sz="1800" kern="1200">
+                <a:solidFill>
+                  <a:schemeClr val="tx1"/>
+                </a:solidFill>
+                <a:latin typeface="+mn-lt"/>
+                <a:ea typeface="+mn-ea"/>
+                <a:cs typeface="+mn-cs"/>
+              </a:defRPr>
+            </a:lvl5pPr>
+            <a:lvl6pPr marL="2286000" algn="l" defTabSz="914400" rtl="0" eaLnBrk="1" latinLnBrk="0" hangingPunct="1">
+              <a:defRPr sz="1800" kern="1200">
+                <a:solidFill>
+                  <a:schemeClr val="tx1"/>
+                </a:solidFill>
+                <a:latin typeface="+mn-lt"/>
+                <a:ea typeface="+mn-ea"/>
+                <a:cs typeface="+mn-cs"/>
+              </a:defRPr>
+            </a:lvl6pPr>
+            <a:lvl7pPr marL="2743200" algn="l" defTabSz="914400" rtl="0" eaLnBrk="1" latinLnBrk="0" hangingPunct="1">
+              <a:defRPr sz="1800" kern="1200">
+                <a:solidFill>
+                  <a:schemeClr val="tx1"/>
+                </a:solidFill>
+                <a:latin typeface="+mn-lt"/>
+                <a:ea typeface="+mn-ea"/>
+                <a:cs typeface="+mn-cs"/>
+              </a:defRPr>
+            </a:lvl7pPr>
+            <a:lvl8pPr marL="3200400" algn="l" defTabSz="914400" rtl="0" eaLnBrk="1" latinLnBrk="0" hangingPunct="1">
+              <a:defRPr sz="1800" kern="1200">
+                <a:solidFill>
+                  <a:schemeClr val="tx1"/>
+                </a:solidFill>
+                <a:latin typeface="+mn-lt"/>
+                <a:ea typeface="+mn-ea"/>
+                <a:cs typeface="+mn-cs"/>
+              </a:defRPr>
+            </a:lvl8pPr>
+            <a:lvl9pPr marL="3657600" algn="l" defTabSz="914400" rtl="0" eaLnBrk="1" latinLnBrk="0" hangingPunct="1">
+              <a:defRPr sz="1800" kern="1200">
+                <a:solidFill>
+                  <a:schemeClr val="tx1"/>
+                </a:solidFill>
+                <a:latin typeface="+mn-lt"/>
+                <a:ea typeface="+mn-ea"/>
+                <a:cs typeface="+mn-cs"/>
+              </a:defRPr>
+            </a:lvl9pPr>
+          </a:lstStyle>
+          <a:p>
+            <a:r>
+              <a:rPr lang="en-IN" sz="900" b="1" dirty="0"/>
+              <a:t>FETCHING &amp; FILTERING</a:t>
+            </a:r>
+          </a:p>
+        </p:txBody>
+      </p:sp>
+      <p:cxnSp>
+        <p:nvCxnSpPr>
+          <p:cNvPr id="9" name="Straight Arrow Connector 8">
+            <a:extLst>
+              <a:ext uri="{FF2B5EF4-FFF2-40B4-BE49-F238E27FC236}">
+                <a16:creationId xmlns:a16="http://schemas.microsoft.com/office/drawing/2014/main" id="{1535F533-E5EC-8B0D-F507-D813A8A86D13}"/>
+              </a:ext>
+            </a:extLst>
+          </p:cNvPr>
+          <p:cNvCxnSpPr>
+            <a:cxnSpLocks/>
+          </p:cNvCxnSpPr>
+          <p:nvPr/>
+        </p:nvCxnSpPr>
+        <p:spPr>
+          <a:xfrm>
+            <a:off x="3288224" y="2837867"/>
+            <a:ext cx="692512" cy="616255"/>
+          </a:xfrm>
+          <a:prstGeom prst="bentConnector3">
+            <a:avLst>
+              <a:gd name="adj1" fmla="val 50000"/>
+            </a:avLst>
+          </a:prstGeom>
+          <a:ln>
+            <a:tailEnd type="triangle"/>
+          </a:ln>
+        </p:spPr>
+        <p:style>
+          <a:lnRef idx="1">
+            <a:schemeClr val="accent1"/>
+          </a:lnRef>
+          <a:fillRef idx="0">
+            <a:schemeClr val="accent1"/>
+          </a:fillRef>
+          <a:effectRef idx="0">
+            <a:schemeClr val="accent1"/>
+          </a:effectRef>
+          <a:fontRef idx="minor">
+            <a:schemeClr val="tx1"/>
+          </a:fontRef>
+        </p:style>
+      </p:cxnSp>
+      <p:pic>
+        <p:nvPicPr>
+          <p:cNvPr id="7" name="Graphic 63">
+            <a:extLst>
+              <a:ext uri="{FF2B5EF4-FFF2-40B4-BE49-F238E27FC236}">
+                <a16:creationId xmlns:a16="http://schemas.microsoft.com/office/drawing/2014/main" id="{4B94208B-F09D-656B-7CF6-8E8FA47993F9}"/>
+              </a:ext>
+            </a:extLst>
+          </p:cNvPr>
+          <p:cNvPicPr>
+            <a:picLocks noChangeAspect="1" noChangeArrowheads="1"/>
+          </p:cNvPicPr>
+          <p:nvPr/>
+        </p:nvPicPr>
+        <p:blipFill>
+          <a:blip r:embed="rId9">
+            <a:extLst>
+              <a:ext uri="{28A0092B-C50C-407E-A947-70E740481C1C}">
+                <a14:useLocalDpi xmlns:a14="http://schemas.microsoft.com/office/drawing/2010/main" val="0"/>
+              </a:ext>
+            </a:extLst>
+          </a:blip>
+          <a:srcRect/>
+          <a:stretch>
+            <a:fillRect/>
+          </a:stretch>
+        </p:blipFill>
+        <p:spPr bwMode="auto">
+          <a:xfrm>
+            <a:off x="5330938" y="3350027"/>
+            <a:ext cx="543813" cy="541926"/>
+          </a:xfrm>
+          <a:prstGeom prst="rect">
+            <a:avLst/>
+          </a:prstGeom>
+          <a:noFill/>
+          <a:ln>
+            <a:noFill/>
+          </a:ln>
+          <a:extLst>
+            <a:ext uri="{909E8E84-426E-40DD-AFC4-6F175D3DCCD1}">
+              <a14:hiddenFill xmlns:a14="http://schemas.microsoft.com/office/drawing/2010/main">
+                <a:solidFill>
+                  <a:srgbClr val="FFFFFF"/>
+                </a:solidFill>
+              </a14:hiddenFill>
+            </a:ext>
+            <a:ext uri="{91240B29-F687-4F45-9708-019B960494DF}">
+              <a14:hiddenLine xmlns:a14="http://schemas.microsoft.com/office/drawing/2010/main" w="9525">
+                <a:solidFill>
+                  <a:srgbClr val="000000"/>
+                </a:solidFill>
+                <a:miter lim="800000"/>
+                <a:headEnd/>
+                <a:tailEnd/>
+              </a14:hiddenLine>
+            </a:ext>
+          </a:extLst>
+        </p:spPr>
+      </p:pic>
+      <p:sp>
+        <p:nvSpPr>
+          <p:cNvPr id="14" name="TextBox 137">
+            <a:extLst>
+              <a:ext uri="{FF2B5EF4-FFF2-40B4-BE49-F238E27FC236}">
+                <a16:creationId xmlns:a16="http://schemas.microsoft.com/office/drawing/2014/main" id="{471320A3-BE29-EB10-3486-180D06351DF9}"/>
+              </a:ext>
+            </a:extLst>
+          </p:cNvPr>
+          <p:cNvSpPr txBox="1"/>
+          <p:nvPr/>
+        </p:nvSpPr>
+        <p:spPr>
+          <a:xfrm>
+            <a:off x="4796262" y="3834604"/>
+            <a:ext cx="1640381" cy="445938"/>
+          </a:xfrm>
+          <a:prstGeom prst="rect">
+            <a:avLst/>
+          </a:prstGeom>
+          <a:noFill/>
+        </p:spPr>
+        <p:txBody>
+          <a:bodyPr wrap="square" rtlCol="0">
+            <a:spAutoFit/>
+          </a:bodyPr>
+          <a:lstStyle>
+            <a:defPPr>
+              <a:defRPr lang="en-US"/>
+            </a:defPPr>
+            <a:lvl1pPr marL="0" algn="l" defTabSz="914400" rtl="0" eaLnBrk="1" latinLnBrk="0" hangingPunct="1">
+              <a:defRPr sz="1800" kern="1200">
+                <a:solidFill>
+                  <a:schemeClr val="tx1"/>
+                </a:solidFill>
+                <a:latin typeface="+mn-lt"/>
+                <a:ea typeface="+mn-ea"/>
+                <a:cs typeface="+mn-cs"/>
+              </a:defRPr>
+            </a:lvl1pPr>
+            <a:lvl2pPr marL="457200" algn="l" defTabSz="914400" rtl="0" eaLnBrk="1" latinLnBrk="0" hangingPunct="1">
+              <a:defRPr sz="1800" kern="1200">
+                <a:solidFill>
+                  <a:schemeClr val="tx1"/>
+                </a:solidFill>
+                <a:latin typeface="+mn-lt"/>
+                <a:ea typeface="+mn-ea"/>
+                <a:cs typeface="+mn-cs"/>
+              </a:defRPr>
+            </a:lvl2pPr>
+            <a:lvl3pPr marL="914400" algn="l" defTabSz="914400" rtl="0" eaLnBrk="1" latinLnBrk="0" hangingPunct="1">
+              <a:defRPr sz="1800" kern="1200">
+                <a:solidFill>
+                  <a:schemeClr val="tx1"/>
+                </a:solidFill>
+                <a:latin typeface="+mn-lt"/>
+                <a:ea typeface="+mn-ea"/>
+                <a:cs typeface="+mn-cs"/>
+              </a:defRPr>
+            </a:lvl3pPr>
+            <a:lvl4pPr marL="1371600" algn="l" defTabSz="914400" rtl="0" eaLnBrk="1" latinLnBrk="0" hangingPunct="1">
+              <a:defRPr sz="1800" kern="1200">
+                <a:solidFill>
+                  <a:schemeClr val="tx1"/>
+                </a:solidFill>
+                <a:latin typeface="+mn-lt"/>
+                <a:ea typeface="+mn-ea"/>
+                <a:cs typeface="+mn-cs"/>
+              </a:defRPr>
+            </a:lvl4pPr>
+            <a:lvl5pPr marL="1828800" algn="l" defTabSz="914400" rtl="0" eaLnBrk="1" latinLnBrk="0" hangingPunct="1">
+              <a:defRPr sz="1800" kern="1200">
+                <a:solidFill>
+                  <a:schemeClr val="tx1"/>
+                </a:solidFill>
+                <a:latin typeface="+mn-lt"/>
+                <a:ea typeface="+mn-ea"/>
+                <a:cs typeface="+mn-cs"/>
+              </a:defRPr>
+            </a:lvl5pPr>
+            <a:lvl6pPr marL="2286000" algn="l" defTabSz="914400" rtl="0" eaLnBrk="1" latinLnBrk="0" hangingPunct="1">
+              <a:defRPr sz="1800" kern="1200">
+                <a:solidFill>
+                  <a:schemeClr val="tx1"/>
+                </a:solidFill>
+                <a:latin typeface="+mn-lt"/>
+                <a:ea typeface="+mn-ea"/>
+                <a:cs typeface="+mn-cs"/>
+              </a:defRPr>
+            </a:lvl6pPr>
+            <a:lvl7pPr marL="2743200" algn="l" defTabSz="914400" rtl="0" eaLnBrk="1" latinLnBrk="0" hangingPunct="1">
+              <a:defRPr sz="1800" kern="1200">
+                <a:solidFill>
+                  <a:schemeClr val="tx1"/>
+                </a:solidFill>
+                <a:latin typeface="+mn-lt"/>
+                <a:ea typeface="+mn-ea"/>
+                <a:cs typeface="+mn-cs"/>
+              </a:defRPr>
+            </a:lvl7pPr>
+            <a:lvl8pPr marL="3200400" algn="l" defTabSz="914400" rtl="0" eaLnBrk="1" latinLnBrk="0" hangingPunct="1">
+              <a:defRPr sz="1800" kern="1200">
+                <a:solidFill>
+                  <a:schemeClr val="tx1"/>
+                </a:solidFill>
+                <a:latin typeface="+mn-lt"/>
+                <a:ea typeface="+mn-ea"/>
+                <a:cs typeface="+mn-cs"/>
+              </a:defRPr>
+            </a:lvl8pPr>
+            <a:lvl9pPr marL="3657600" algn="l" defTabSz="914400" rtl="0" eaLnBrk="1" latinLnBrk="0" hangingPunct="1">
+              <a:defRPr sz="1800" kern="1200">
+                <a:solidFill>
+                  <a:schemeClr val="tx1"/>
+                </a:solidFill>
+                <a:latin typeface="+mn-lt"/>
+                <a:ea typeface="+mn-ea"/>
+                <a:cs typeface="+mn-cs"/>
+              </a:defRPr>
+            </a:lvl9pPr>
+          </a:lstStyle>
+          <a:p>
+            <a:pPr algn="ctr"/>
+            <a:r>
+              <a:rPr lang="en-IN" sz="900" b="1" dirty="0">
+                <a:ea typeface="Calibri" panose="020F0502020204030204" pitchFamily="34" charset="0"/>
+                <a:cs typeface="Calibri" panose="020F0502020204030204" pitchFamily="34" charset="0"/>
+              </a:rPr>
+              <a:t>Output bucket</a:t>
+            </a:r>
+          </a:p>
+          <a:p>
+            <a:pPr algn="ctr"/>
+            <a:r>
+              <a:rPr lang="en-IN" sz="900" dirty="0">
+                <a:ea typeface="Calibri" panose="020F0502020204030204" pitchFamily="34" charset="0"/>
+                <a:cs typeface="Calibri" panose="020F0502020204030204" pitchFamily="34" charset="0"/>
+              </a:rPr>
+              <a:t>(Storing the filtered</a:t>
+            </a:r>
+          </a:p>
+          <a:p>
+            <a:pPr algn="ctr"/>
+            <a:r>
+              <a:rPr lang="en-IN" sz="900" dirty="0">
+                <a:ea typeface="Calibri" panose="020F0502020204030204" pitchFamily="34" charset="0"/>
+                <a:cs typeface="Calibri" panose="020F0502020204030204" pitchFamily="34" charset="0"/>
+              </a:rPr>
+              <a:t>Data and PDF report in S3)</a:t>
+            </a:r>
+          </a:p>
+        </p:txBody>
+      </p:sp>
+      <p:pic>
+        <p:nvPicPr>
+          <p:cNvPr id="83" name="Graphic 6">
+            <a:extLst>
+              <a:ext uri="{FF2B5EF4-FFF2-40B4-BE49-F238E27FC236}">
+                <a16:creationId xmlns:a16="http://schemas.microsoft.com/office/drawing/2014/main" id="{81277292-EC2C-CE44-6012-661FD9805F0A}"/>
+              </a:ext>
+            </a:extLst>
+          </p:cNvPr>
+          <p:cNvPicPr>
+            <a:picLocks noChangeAspect="1" noChangeArrowheads="1"/>
+          </p:cNvPicPr>
+          <p:nvPr/>
+        </p:nvPicPr>
+        <p:blipFill>
+          <a:blip r:embed="rId12" cstate="print"/>
+          <a:srcRect/>
+          <a:stretch/>
+        </p:blipFill>
+        <p:spPr bwMode="auto">
+          <a:xfrm>
+            <a:off x="11527922" y="3326385"/>
+            <a:ext cx="557836" cy="557836"/>
+          </a:xfrm>
+          <a:prstGeom prst="rect">
+            <a:avLst/>
+          </a:prstGeom>
+          <a:noFill/>
+          <a:ln>
+            <a:noFill/>
+          </a:ln>
+          <a:extLst>
+            <a:ext uri="{909E8E84-426E-40DD-AFC4-6F175D3DCCD1}">
+              <a14:hiddenFill xmlns:a14="http://schemas.microsoft.com/office/drawing/2010/main">
+                <a:solidFill>
+                  <a:srgbClr val="FFFFFF"/>
+                </a:solidFill>
+              </a14:hiddenFill>
+            </a:ext>
+            <a:ext uri="{91240B29-F687-4F45-9708-019B960494DF}">
+              <a14:hiddenLine xmlns:a14="http://schemas.microsoft.com/office/drawing/2010/main" w="9525">
+                <a:solidFill>
+                  <a:srgbClr val="000000"/>
+                </a:solidFill>
+                <a:miter lim="800000"/>
+                <a:headEnd/>
+                <a:tailEnd/>
+              </a14:hiddenLine>
+            </a:ext>
+          </a:extLst>
+        </p:spPr>
+      </p:pic>
+      <p:cxnSp>
+        <p:nvCxnSpPr>
+          <p:cNvPr id="84" name="Straight Arrow Connector 83">
+            <a:extLst>
+              <a:ext uri="{FF2B5EF4-FFF2-40B4-BE49-F238E27FC236}">
+                <a16:creationId xmlns:a16="http://schemas.microsoft.com/office/drawing/2014/main" id="{E1E6C260-9EC9-5B29-C827-61C06D73E4AC}"/>
+              </a:ext>
+            </a:extLst>
+          </p:cNvPr>
+          <p:cNvCxnSpPr>
+            <a:cxnSpLocks/>
+            <a:stCxn id="55" idx="3"/>
+            <a:endCxn id="96" idx="1"/>
+          </p:cNvCxnSpPr>
+          <p:nvPr/>
+        </p:nvCxnSpPr>
+        <p:spPr>
+          <a:xfrm>
+            <a:off x="7875362" y="3601910"/>
+            <a:ext cx="1697624" cy="3271"/>
+          </a:xfrm>
+          <a:prstGeom prst="straightConnector1">
+            <a:avLst/>
+          </a:prstGeom>
+          <a:ln>
+            <a:tailEnd type="triangle"/>
+          </a:ln>
+        </p:spPr>
+        <p:style>
+          <a:lnRef idx="1">
+            <a:schemeClr val="accent1"/>
+          </a:lnRef>
+          <a:fillRef idx="0">
+            <a:schemeClr val="accent1"/>
+          </a:fillRef>
+          <a:effectRef idx="0">
+            <a:schemeClr val="accent1"/>
+          </a:effectRef>
+          <a:fontRef idx="minor">
+            <a:schemeClr val="tx1"/>
+          </a:fontRef>
+        </p:style>
+      </p:cxnSp>
+      <p:grpSp>
+        <p:nvGrpSpPr>
+          <p:cNvPr id="108" name="Group 107">
+            <a:extLst>
+              <a:ext uri="{FF2B5EF4-FFF2-40B4-BE49-F238E27FC236}">
+                <a16:creationId xmlns:a16="http://schemas.microsoft.com/office/drawing/2014/main" id="{4B5E1081-D8E0-F77A-3B69-C594825F51E9}"/>
+              </a:ext>
+            </a:extLst>
+          </p:cNvPr>
+          <p:cNvGrpSpPr/>
+          <p:nvPr/>
+        </p:nvGrpSpPr>
+        <p:grpSpPr>
+          <a:xfrm>
+            <a:off x="6579986" y="4833971"/>
+            <a:ext cx="2068138" cy="1011288"/>
+            <a:chOff x="9782156" y="3179248"/>
+            <a:chExt cx="2183245" cy="1085755"/>
+          </a:xfrm>
+        </p:grpSpPr>
+        <p:pic>
+          <p:nvPicPr>
+            <p:cNvPr id="54" name="Graphic 13">
+              <a:extLst>
+                <a:ext uri="{FF2B5EF4-FFF2-40B4-BE49-F238E27FC236}">
+                  <a16:creationId xmlns:a16="http://schemas.microsoft.com/office/drawing/2014/main" id="{822B7E59-6BDB-839F-4537-A06237679F1F}"/>
+                </a:ext>
+              </a:extLst>
+            </p:cNvPr>
+            <p:cNvPicPr>
+              <a:picLocks noChangeAspect="1" noChangeArrowheads="1"/>
+            </p:cNvPicPr>
+            <p:nvPr/>
+          </p:nvPicPr>
+          <p:blipFill>
+            <a:blip r:embed="rId7">
+              <a:extLst>
+                <a:ext uri="{28A0092B-C50C-407E-A947-70E740481C1C}">
+                  <a14:useLocalDpi xmlns:a14="http://schemas.microsoft.com/office/drawing/2010/main" val="0"/>
+                </a:ext>
+              </a:extLst>
+            </a:blip>
+            <a:srcRect/>
+            <a:stretch>
+              <a:fillRect/>
+            </a:stretch>
+          </p:blipFill>
+          <p:spPr bwMode="auto">
+            <a:xfrm>
+              <a:off x="10541123" y="3179248"/>
+              <a:ext cx="639913" cy="639914"/>
+            </a:xfrm>
+            <a:prstGeom prst="rect">
+              <a:avLst/>
+            </a:prstGeom>
+            <a:noFill/>
+            <a:ln>
+              <a:noFill/>
+            </a:ln>
+            <a:extLst>
+              <a:ext uri="{909E8E84-426E-40DD-AFC4-6F175D3DCCD1}">
+                <a14:hiddenFill xmlns:a14="http://schemas.microsoft.com/office/drawing/2010/main">
+                  <a:solidFill>
+                    <a:srgbClr val="FFFFFF"/>
+                  </a:solidFill>
+                </a14:hiddenFill>
+              </a:ext>
+              <a:ext uri="{91240B29-F687-4F45-9708-019B960494DF}">
+                <a14:hiddenLine xmlns:a14="http://schemas.microsoft.com/office/drawing/2010/main" w="9525">
+                  <a:solidFill>
+                    <a:srgbClr val="000000"/>
+                  </a:solidFill>
+                  <a:miter lim="800000"/>
+                  <a:headEnd/>
+                  <a:tailEnd/>
+                </a14:hiddenLine>
+              </a:ext>
+            </a:extLst>
+          </p:spPr>
+        </p:pic>
+        <p:sp>
+          <p:nvSpPr>
+            <p:cNvPr id="85" name="TextBox 140">
+              <a:extLst>
+                <a:ext uri="{FF2B5EF4-FFF2-40B4-BE49-F238E27FC236}">
+                  <a16:creationId xmlns:a16="http://schemas.microsoft.com/office/drawing/2014/main" id="{7AEB4E24-C7E8-8B16-3E8B-8E23C5C84095}"/>
+                </a:ext>
+              </a:extLst>
+            </p:cNvPr>
+            <p:cNvSpPr txBox="1"/>
+            <p:nvPr/>
+          </p:nvSpPr>
+          <p:spPr>
+            <a:xfrm>
+              <a:off x="9782156" y="3757172"/>
+              <a:ext cx="2183245" cy="507831"/>
+            </a:xfrm>
+            <a:prstGeom prst="rect">
+              <a:avLst/>
+            </a:prstGeom>
+            <a:noFill/>
+          </p:spPr>
+          <p:txBody>
+            <a:bodyPr wrap="square" rtlCol="0">
+              <a:spAutoFit/>
+            </a:bodyPr>
+            <a:lstStyle>
+              <a:defPPr>
+                <a:defRPr lang="en-US"/>
+              </a:defPPr>
+              <a:lvl1pPr marL="0" algn="l" defTabSz="914400" rtl="0" eaLnBrk="1" latinLnBrk="0" hangingPunct="1">
+                <a:defRPr sz="1800" kern="1200">
+                  <a:solidFill>
+                    <a:schemeClr val="tx1"/>
+                  </a:solidFill>
+                  <a:latin typeface="+mn-lt"/>
+                  <a:ea typeface="+mn-ea"/>
+                  <a:cs typeface="+mn-cs"/>
+                </a:defRPr>
+              </a:lvl1pPr>
+              <a:lvl2pPr marL="457200" algn="l" defTabSz="914400" rtl="0" eaLnBrk="1" latinLnBrk="0" hangingPunct="1">
+                <a:defRPr sz="1800" kern="1200">
+                  <a:solidFill>
+                    <a:schemeClr val="tx1"/>
+                  </a:solidFill>
+                  <a:latin typeface="+mn-lt"/>
+                  <a:ea typeface="+mn-ea"/>
+                  <a:cs typeface="+mn-cs"/>
+                </a:defRPr>
+              </a:lvl2pPr>
+              <a:lvl3pPr marL="914400" algn="l" defTabSz="914400" rtl="0" eaLnBrk="1" latinLnBrk="0" hangingPunct="1">
+                <a:defRPr sz="1800" kern="1200">
+                  <a:solidFill>
+                    <a:schemeClr val="tx1"/>
+                  </a:solidFill>
+                  <a:latin typeface="+mn-lt"/>
+                  <a:ea typeface="+mn-ea"/>
+                  <a:cs typeface="+mn-cs"/>
+                </a:defRPr>
+              </a:lvl3pPr>
+              <a:lvl4pPr marL="1371600" algn="l" defTabSz="914400" rtl="0" eaLnBrk="1" latinLnBrk="0" hangingPunct="1">
+                <a:defRPr sz="1800" kern="1200">
+                  <a:solidFill>
+                    <a:schemeClr val="tx1"/>
+                  </a:solidFill>
+                  <a:latin typeface="+mn-lt"/>
+                  <a:ea typeface="+mn-ea"/>
+                  <a:cs typeface="+mn-cs"/>
+                </a:defRPr>
+              </a:lvl4pPr>
+              <a:lvl5pPr marL="1828800" algn="l" defTabSz="914400" rtl="0" eaLnBrk="1" latinLnBrk="0" hangingPunct="1">
+                <a:defRPr sz="1800" kern="1200">
+                  <a:solidFill>
+                    <a:schemeClr val="tx1"/>
+                  </a:solidFill>
+                  <a:latin typeface="+mn-lt"/>
+                  <a:ea typeface="+mn-ea"/>
+                  <a:cs typeface="+mn-cs"/>
+                </a:defRPr>
+              </a:lvl5pPr>
+              <a:lvl6pPr marL="2286000" algn="l" defTabSz="914400" rtl="0" eaLnBrk="1" latinLnBrk="0" hangingPunct="1">
+                <a:defRPr sz="1800" kern="1200">
+                  <a:solidFill>
+                    <a:schemeClr val="tx1"/>
+                  </a:solidFill>
+                  <a:latin typeface="+mn-lt"/>
+                  <a:ea typeface="+mn-ea"/>
+                  <a:cs typeface="+mn-cs"/>
+                </a:defRPr>
+              </a:lvl6pPr>
+              <a:lvl7pPr marL="2743200" algn="l" defTabSz="914400" rtl="0" eaLnBrk="1" latinLnBrk="0" hangingPunct="1">
+                <a:defRPr sz="1800" kern="1200">
+                  <a:solidFill>
+                    <a:schemeClr val="tx1"/>
+                  </a:solidFill>
+                  <a:latin typeface="+mn-lt"/>
+                  <a:ea typeface="+mn-ea"/>
+                  <a:cs typeface="+mn-cs"/>
+                </a:defRPr>
+              </a:lvl7pPr>
+              <a:lvl8pPr marL="3200400" algn="l" defTabSz="914400" rtl="0" eaLnBrk="1" latinLnBrk="0" hangingPunct="1">
+                <a:defRPr sz="1800" kern="1200">
+                  <a:solidFill>
+                    <a:schemeClr val="tx1"/>
+                  </a:solidFill>
+                  <a:latin typeface="+mn-lt"/>
+                  <a:ea typeface="+mn-ea"/>
+                  <a:cs typeface="+mn-cs"/>
+                </a:defRPr>
+              </a:lvl8pPr>
+              <a:lvl9pPr marL="3657600" algn="l" defTabSz="914400" rtl="0" eaLnBrk="1" latinLnBrk="0" hangingPunct="1">
+                <a:defRPr sz="1800" kern="1200">
+                  <a:solidFill>
+                    <a:schemeClr val="tx1"/>
+                  </a:solidFill>
+                  <a:latin typeface="+mn-lt"/>
+                  <a:ea typeface="+mn-ea"/>
+                  <a:cs typeface="+mn-cs"/>
+                </a:defRPr>
+              </a:lvl9pPr>
+            </a:lstStyle>
+            <a:p>
+              <a:pPr algn="ctr"/>
+              <a:r>
+                <a:rPr lang="en-IN" sz="900" b="1" dirty="0">
+                  <a:ea typeface="Calibri" panose="020F0502020204030204" pitchFamily="34" charset="0"/>
+                  <a:cs typeface="Calibri" panose="020F0502020204030204" pitchFamily="34" charset="0"/>
+                </a:rPr>
+                <a:t>Lambda 4</a:t>
+              </a:r>
+            </a:p>
+            <a:p>
+              <a:pPr algn="ctr"/>
+              <a:r>
+                <a:rPr lang="en-IN" sz="900" dirty="0">
+                  <a:ea typeface="Calibri" panose="020F0502020204030204" pitchFamily="34" charset="0"/>
+                  <a:cs typeface="Calibri" panose="020F0502020204030204" pitchFamily="34" charset="0"/>
+                </a:rPr>
+                <a:t>(Lambda function to trigger an PDF creation and store it in s3)</a:t>
+              </a:r>
+            </a:p>
+          </p:txBody>
+        </p:sp>
+      </p:grpSp>
+      <p:grpSp>
+        <p:nvGrpSpPr>
+          <p:cNvPr id="109" name="Group 108">
+            <a:extLst>
+              <a:ext uri="{FF2B5EF4-FFF2-40B4-BE49-F238E27FC236}">
+                <a16:creationId xmlns:a16="http://schemas.microsoft.com/office/drawing/2014/main" id="{C03DB539-B9EE-5F69-C8DF-9F3D586C9B2C}"/>
+              </a:ext>
+            </a:extLst>
+          </p:cNvPr>
+          <p:cNvGrpSpPr/>
+          <p:nvPr/>
+        </p:nvGrpSpPr>
+        <p:grpSpPr>
+          <a:xfrm>
+            <a:off x="6695084" y="3303898"/>
+            <a:ext cx="1847641" cy="1146144"/>
+            <a:chOff x="7126065" y="2366754"/>
+            <a:chExt cx="1950475" cy="1230542"/>
+          </a:xfrm>
+        </p:grpSpPr>
+        <p:pic>
+          <p:nvPicPr>
+            <p:cNvPr id="55" name="Graphic 13">
+              <a:extLst>
+                <a:ext uri="{FF2B5EF4-FFF2-40B4-BE49-F238E27FC236}">
+                  <a16:creationId xmlns:a16="http://schemas.microsoft.com/office/drawing/2014/main" id="{5A62925A-0816-E935-1553-CA306A95726F}"/>
+                </a:ext>
+              </a:extLst>
+            </p:cNvPr>
+            <p:cNvPicPr>
+              <a:picLocks noChangeAspect="1" noChangeArrowheads="1"/>
+            </p:cNvPicPr>
+            <p:nvPr/>
+          </p:nvPicPr>
+          <p:blipFill>
+            <a:blip r:embed="rId7">
+              <a:extLst>
+                <a:ext uri="{28A0092B-C50C-407E-A947-70E740481C1C}">
+                  <a14:useLocalDpi xmlns:a14="http://schemas.microsoft.com/office/drawing/2010/main" val="0"/>
+                </a:ext>
+              </a:extLst>
+            </a:blip>
+            <a:srcRect/>
+            <a:stretch>
+              <a:fillRect/>
+            </a:stretch>
+          </p:blipFill>
+          <p:spPr bwMode="auto">
+            <a:xfrm>
+              <a:off x="7732122" y="2366754"/>
+              <a:ext cx="639913" cy="639913"/>
+            </a:xfrm>
+            <a:prstGeom prst="rect">
+              <a:avLst/>
+            </a:prstGeom>
+            <a:noFill/>
+            <a:ln>
+              <a:noFill/>
+            </a:ln>
+            <a:extLst>
+              <a:ext uri="{909E8E84-426E-40DD-AFC4-6F175D3DCCD1}">
+                <a14:hiddenFill xmlns:a14="http://schemas.microsoft.com/office/drawing/2010/main">
+                  <a:solidFill>
+                    <a:srgbClr val="FFFFFF"/>
+                  </a:solidFill>
+                </a14:hiddenFill>
+              </a:ext>
+              <a:ext uri="{91240B29-F687-4F45-9708-019B960494DF}">
+                <a14:hiddenLine xmlns:a14="http://schemas.microsoft.com/office/drawing/2010/main" w="9525">
+                  <a:solidFill>
+                    <a:srgbClr val="000000"/>
+                  </a:solidFill>
+                  <a:miter lim="800000"/>
+                  <a:headEnd/>
+                  <a:tailEnd/>
+                </a14:hiddenLine>
+              </a:ext>
+            </a:extLst>
+          </p:spPr>
+        </p:pic>
+        <p:sp>
+          <p:nvSpPr>
+            <p:cNvPr id="88" name="TextBox 140">
+              <a:extLst>
+                <a:ext uri="{FF2B5EF4-FFF2-40B4-BE49-F238E27FC236}">
+                  <a16:creationId xmlns:a16="http://schemas.microsoft.com/office/drawing/2014/main" id="{F770EA29-1209-D6F4-0ED4-CE7EDB1B49FC}"/>
+                </a:ext>
+              </a:extLst>
+            </p:cNvPr>
+            <p:cNvSpPr txBox="1"/>
+            <p:nvPr/>
+          </p:nvSpPr>
+          <p:spPr>
+            <a:xfrm>
+              <a:off x="7126065" y="2950965"/>
+              <a:ext cx="1950475" cy="646331"/>
+            </a:xfrm>
+            <a:prstGeom prst="rect">
+              <a:avLst/>
+            </a:prstGeom>
+            <a:noFill/>
+          </p:spPr>
+          <p:txBody>
+            <a:bodyPr wrap="square" rtlCol="0">
+              <a:spAutoFit/>
+            </a:bodyPr>
+            <a:lstStyle>
+              <a:defPPr>
+                <a:defRPr lang="en-US"/>
+              </a:defPPr>
+              <a:lvl1pPr marL="0" algn="l" defTabSz="914400" rtl="0" eaLnBrk="1" latinLnBrk="0" hangingPunct="1">
+                <a:defRPr sz="1800" kern="1200">
+                  <a:solidFill>
+                    <a:schemeClr val="tx1"/>
+                  </a:solidFill>
+                  <a:latin typeface="+mn-lt"/>
+                  <a:ea typeface="+mn-ea"/>
+                  <a:cs typeface="+mn-cs"/>
+                </a:defRPr>
+              </a:lvl1pPr>
+              <a:lvl2pPr marL="457200" algn="l" defTabSz="914400" rtl="0" eaLnBrk="1" latinLnBrk="0" hangingPunct="1">
+                <a:defRPr sz="1800" kern="1200">
+                  <a:solidFill>
+                    <a:schemeClr val="tx1"/>
+                  </a:solidFill>
+                  <a:latin typeface="+mn-lt"/>
+                  <a:ea typeface="+mn-ea"/>
+                  <a:cs typeface="+mn-cs"/>
+                </a:defRPr>
+              </a:lvl2pPr>
+              <a:lvl3pPr marL="914400" algn="l" defTabSz="914400" rtl="0" eaLnBrk="1" latinLnBrk="0" hangingPunct="1">
+                <a:defRPr sz="1800" kern="1200">
+                  <a:solidFill>
+                    <a:schemeClr val="tx1"/>
+                  </a:solidFill>
+                  <a:latin typeface="+mn-lt"/>
+                  <a:ea typeface="+mn-ea"/>
+                  <a:cs typeface="+mn-cs"/>
+                </a:defRPr>
+              </a:lvl3pPr>
+              <a:lvl4pPr marL="1371600" algn="l" defTabSz="914400" rtl="0" eaLnBrk="1" latinLnBrk="0" hangingPunct="1">
+                <a:defRPr sz="1800" kern="1200">
+                  <a:solidFill>
+                    <a:schemeClr val="tx1"/>
+                  </a:solidFill>
+                  <a:latin typeface="+mn-lt"/>
+                  <a:ea typeface="+mn-ea"/>
+                  <a:cs typeface="+mn-cs"/>
+                </a:defRPr>
+              </a:lvl4pPr>
+              <a:lvl5pPr marL="1828800" algn="l" defTabSz="914400" rtl="0" eaLnBrk="1" latinLnBrk="0" hangingPunct="1">
+                <a:defRPr sz="1800" kern="1200">
+                  <a:solidFill>
+                    <a:schemeClr val="tx1"/>
+                  </a:solidFill>
+                  <a:latin typeface="+mn-lt"/>
+                  <a:ea typeface="+mn-ea"/>
+                  <a:cs typeface="+mn-cs"/>
+                </a:defRPr>
+              </a:lvl5pPr>
+              <a:lvl6pPr marL="2286000" algn="l" defTabSz="914400" rtl="0" eaLnBrk="1" latinLnBrk="0" hangingPunct="1">
+                <a:defRPr sz="1800" kern="1200">
+                  <a:solidFill>
+                    <a:schemeClr val="tx1"/>
+                  </a:solidFill>
+                  <a:latin typeface="+mn-lt"/>
+                  <a:ea typeface="+mn-ea"/>
+                  <a:cs typeface="+mn-cs"/>
+                </a:defRPr>
+              </a:lvl6pPr>
+              <a:lvl7pPr marL="2743200" algn="l" defTabSz="914400" rtl="0" eaLnBrk="1" latinLnBrk="0" hangingPunct="1">
+                <a:defRPr sz="1800" kern="1200">
+                  <a:solidFill>
+                    <a:schemeClr val="tx1"/>
+                  </a:solidFill>
+                  <a:latin typeface="+mn-lt"/>
+                  <a:ea typeface="+mn-ea"/>
+                  <a:cs typeface="+mn-cs"/>
+                </a:defRPr>
+              </a:lvl7pPr>
+              <a:lvl8pPr marL="3200400" algn="l" defTabSz="914400" rtl="0" eaLnBrk="1" latinLnBrk="0" hangingPunct="1">
+                <a:defRPr sz="1800" kern="1200">
+                  <a:solidFill>
+                    <a:schemeClr val="tx1"/>
+                  </a:solidFill>
+                  <a:latin typeface="+mn-lt"/>
+                  <a:ea typeface="+mn-ea"/>
+                  <a:cs typeface="+mn-cs"/>
+                </a:defRPr>
+              </a:lvl8pPr>
+              <a:lvl9pPr marL="3657600" algn="l" defTabSz="914400" rtl="0" eaLnBrk="1" latinLnBrk="0" hangingPunct="1">
+                <a:defRPr sz="1800" kern="1200">
+                  <a:solidFill>
+                    <a:schemeClr val="tx1"/>
+                  </a:solidFill>
+                  <a:latin typeface="+mn-lt"/>
+                  <a:ea typeface="+mn-ea"/>
+                  <a:cs typeface="+mn-cs"/>
+                </a:defRPr>
+              </a:lvl9pPr>
+            </a:lstStyle>
+            <a:p>
+              <a:pPr algn="ctr"/>
+              <a:r>
+                <a:rPr lang="en-IN" sz="900" b="1" dirty="0">
+                  <a:ea typeface="Calibri" panose="020F0502020204030204" pitchFamily="34" charset="0"/>
+                  <a:cs typeface="Calibri" panose="020F0502020204030204" pitchFamily="34" charset="0"/>
+                </a:rPr>
+                <a:t>Lambda 3</a:t>
+              </a:r>
+            </a:p>
+            <a:p>
+              <a:pPr algn="ctr"/>
+              <a:r>
+                <a:rPr lang="en-IN" sz="900" dirty="0">
+                  <a:ea typeface="Calibri" panose="020F0502020204030204" pitchFamily="34" charset="0"/>
+                  <a:cs typeface="Calibri" panose="020F0502020204030204" pitchFamily="34" charset="0"/>
+                </a:rPr>
+                <a:t>(Lambda function to trigger an Email notification alert to Send mail to Client)</a:t>
+              </a:r>
+            </a:p>
+          </p:txBody>
+        </p:sp>
+      </p:grpSp>
+      <p:grpSp>
+        <p:nvGrpSpPr>
+          <p:cNvPr id="110" name="Group 109">
+            <a:extLst>
+              <a:ext uri="{FF2B5EF4-FFF2-40B4-BE49-F238E27FC236}">
+                <a16:creationId xmlns:a16="http://schemas.microsoft.com/office/drawing/2014/main" id="{C61E1173-771D-251A-7354-F819D9A47136}"/>
+              </a:ext>
+            </a:extLst>
+          </p:cNvPr>
+          <p:cNvGrpSpPr/>
+          <p:nvPr/>
+        </p:nvGrpSpPr>
+        <p:grpSpPr>
+          <a:xfrm>
+            <a:off x="9313024" y="3307169"/>
+            <a:ext cx="1130952" cy="1068481"/>
+            <a:chOff x="9665936" y="2380202"/>
+            <a:chExt cx="1193897" cy="1147160"/>
+          </a:xfrm>
+        </p:grpSpPr>
+        <p:pic>
+          <p:nvPicPr>
+            <p:cNvPr id="96" name="Graphic 18">
+              <a:extLst>
+                <a:ext uri="{FF2B5EF4-FFF2-40B4-BE49-F238E27FC236}">
+                  <a16:creationId xmlns:a16="http://schemas.microsoft.com/office/drawing/2014/main" id="{5BF05C8F-AE28-8D02-18AA-E05C70F554E5}"/>
+                </a:ext>
+              </a:extLst>
+            </p:cNvPr>
+            <p:cNvPicPr>
+              <a:picLocks noChangeAspect="1" noChangeArrowheads="1"/>
+            </p:cNvPicPr>
+            <p:nvPr/>
+          </p:nvPicPr>
+          <p:blipFill>
+            <a:blip r:embed="rId13" cstate="print"/>
+            <a:srcRect/>
+            <a:stretch/>
+          </p:blipFill>
+          <p:spPr bwMode="auto">
+            <a:xfrm>
+              <a:off x="9940367" y="2380202"/>
+              <a:ext cx="639913" cy="639912"/>
+            </a:xfrm>
+            <a:prstGeom prst="rect">
+              <a:avLst/>
+            </a:prstGeom>
+            <a:noFill/>
+            <a:ln>
+              <a:noFill/>
+            </a:ln>
+            <a:extLst>
+              <a:ext uri="{909E8E84-426E-40DD-AFC4-6F175D3DCCD1}">
+                <a14:hiddenFill xmlns:a14="http://schemas.microsoft.com/office/drawing/2010/main">
+                  <a:solidFill>
+                    <a:srgbClr val="FFFFFF"/>
+                  </a:solidFill>
+                </a14:hiddenFill>
+              </a:ext>
+              <a:ext uri="{91240B29-F687-4F45-9708-019B960494DF}">
+                <a14:hiddenLine xmlns:a14="http://schemas.microsoft.com/office/drawing/2010/main" w="9525">
+                  <a:solidFill>
+                    <a:srgbClr val="000000"/>
+                  </a:solidFill>
+                  <a:miter lim="800000"/>
+                  <a:headEnd/>
+                  <a:tailEnd/>
+                </a14:hiddenLine>
+              </a:ext>
+            </a:extLst>
+          </p:spPr>
+        </p:pic>
+        <p:sp>
+          <p:nvSpPr>
+            <p:cNvPr id="97" name="TextBox 144">
+              <a:extLst>
+                <a:ext uri="{FF2B5EF4-FFF2-40B4-BE49-F238E27FC236}">
+                  <a16:creationId xmlns:a16="http://schemas.microsoft.com/office/drawing/2014/main" id="{93FFA648-2F2E-E16B-15F5-6639DF9F08BF}"/>
+                </a:ext>
+              </a:extLst>
+            </p:cNvPr>
+            <p:cNvSpPr txBox="1"/>
+            <p:nvPr/>
+          </p:nvSpPr>
+          <p:spPr>
+            <a:xfrm>
+              <a:off x="9665936" y="3019530"/>
+              <a:ext cx="1193897" cy="507832"/>
+            </a:xfrm>
+            <a:prstGeom prst="rect">
+              <a:avLst/>
+            </a:prstGeom>
+            <a:noFill/>
+          </p:spPr>
+          <p:txBody>
+            <a:bodyPr wrap="square" rtlCol="0">
+              <a:spAutoFit/>
+            </a:bodyPr>
+            <a:lstStyle>
+              <a:defPPr>
+                <a:defRPr lang="en-US"/>
+              </a:defPPr>
+              <a:lvl1pPr marL="0" algn="l" defTabSz="914400" rtl="0" eaLnBrk="1" latinLnBrk="0" hangingPunct="1">
+                <a:defRPr sz="1800" kern="1200">
+                  <a:solidFill>
+                    <a:schemeClr val="tx1"/>
+                  </a:solidFill>
+                  <a:latin typeface="+mn-lt"/>
+                  <a:ea typeface="+mn-ea"/>
+                  <a:cs typeface="+mn-cs"/>
+                </a:defRPr>
+              </a:lvl1pPr>
+              <a:lvl2pPr marL="457200" algn="l" defTabSz="914400" rtl="0" eaLnBrk="1" latinLnBrk="0" hangingPunct="1">
+                <a:defRPr sz="1800" kern="1200">
+                  <a:solidFill>
+                    <a:schemeClr val="tx1"/>
+                  </a:solidFill>
+                  <a:latin typeface="+mn-lt"/>
+                  <a:ea typeface="+mn-ea"/>
+                  <a:cs typeface="+mn-cs"/>
+                </a:defRPr>
+              </a:lvl2pPr>
+              <a:lvl3pPr marL="914400" algn="l" defTabSz="914400" rtl="0" eaLnBrk="1" latinLnBrk="0" hangingPunct="1">
+                <a:defRPr sz="1800" kern="1200">
+                  <a:solidFill>
+                    <a:schemeClr val="tx1"/>
+                  </a:solidFill>
+                  <a:latin typeface="+mn-lt"/>
+                  <a:ea typeface="+mn-ea"/>
+                  <a:cs typeface="+mn-cs"/>
+                </a:defRPr>
+              </a:lvl3pPr>
+              <a:lvl4pPr marL="1371600" algn="l" defTabSz="914400" rtl="0" eaLnBrk="1" latinLnBrk="0" hangingPunct="1">
+                <a:defRPr sz="1800" kern="1200">
+                  <a:solidFill>
+                    <a:schemeClr val="tx1"/>
+                  </a:solidFill>
+                  <a:latin typeface="+mn-lt"/>
+                  <a:ea typeface="+mn-ea"/>
+                  <a:cs typeface="+mn-cs"/>
+                </a:defRPr>
+              </a:lvl4pPr>
+              <a:lvl5pPr marL="1828800" algn="l" defTabSz="914400" rtl="0" eaLnBrk="1" latinLnBrk="0" hangingPunct="1">
+                <a:defRPr sz="1800" kern="1200">
+                  <a:solidFill>
+                    <a:schemeClr val="tx1"/>
+                  </a:solidFill>
+                  <a:latin typeface="+mn-lt"/>
+                  <a:ea typeface="+mn-ea"/>
+                  <a:cs typeface="+mn-cs"/>
+                </a:defRPr>
+              </a:lvl5pPr>
+              <a:lvl6pPr marL="2286000" algn="l" defTabSz="914400" rtl="0" eaLnBrk="1" latinLnBrk="0" hangingPunct="1">
+                <a:defRPr sz="1800" kern="1200">
+                  <a:solidFill>
+                    <a:schemeClr val="tx1"/>
+                  </a:solidFill>
+                  <a:latin typeface="+mn-lt"/>
+                  <a:ea typeface="+mn-ea"/>
+                  <a:cs typeface="+mn-cs"/>
+                </a:defRPr>
+              </a:lvl6pPr>
+              <a:lvl7pPr marL="2743200" algn="l" defTabSz="914400" rtl="0" eaLnBrk="1" latinLnBrk="0" hangingPunct="1">
+                <a:defRPr sz="1800" kern="1200">
+                  <a:solidFill>
+                    <a:schemeClr val="tx1"/>
+                  </a:solidFill>
+                  <a:latin typeface="+mn-lt"/>
+                  <a:ea typeface="+mn-ea"/>
+                  <a:cs typeface="+mn-cs"/>
+                </a:defRPr>
+              </a:lvl7pPr>
+              <a:lvl8pPr marL="3200400" algn="l" defTabSz="914400" rtl="0" eaLnBrk="1" latinLnBrk="0" hangingPunct="1">
+                <a:defRPr sz="1800" kern="1200">
+                  <a:solidFill>
+                    <a:schemeClr val="tx1"/>
+                  </a:solidFill>
+                  <a:latin typeface="+mn-lt"/>
+                  <a:ea typeface="+mn-ea"/>
+                  <a:cs typeface="+mn-cs"/>
+                </a:defRPr>
+              </a:lvl8pPr>
+              <a:lvl9pPr marL="3657600" algn="l" defTabSz="914400" rtl="0" eaLnBrk="1" latinLnBrk="0" hangingPunct="1">
+                <a:defRPr sz="1800" kern="1200">
+                  <a:solidFill>
+                    <a:schemeClr val="tx1"/>
+                  </a:solidFill>
+                  <a:latin typeface="+mn-lt"/>
+                  <a:ea typeface="+mn-ea"/>
+                  <a:cs typeface="+mn-cs"/>
+                </a:defRPr>
+              </a:lvl9pPr>
+            </a:lstStyle>
+            <a:p>
+              <a:pPr algn="ctr"/>
+              <a:r>
+                <a:rPr lang="en-IN" sz="900" b="1" dirty="0">
+                  <a:ea typeface="Calibri" panose="020F0502020204030204" pitchFamily="34" charset="0"/>
+                  <a:cs typeface="Calibri" panose="020F0502020204030204" pitchFamily="34" charset="0"/>
+                </a:rPr>
+                <a:t>SES</a:t>
+              </a:r>
+            </a:p>
+            <a:p>
+              <a:pPr algn="ctr"/>
+              <a:r>
+                <a:rPr lang="en-IN" sz="900" dirty="0">
+                  <a:ea typeface="Calibri" panose="020F0502020204030204" pitchFamily="34" charset="0"/>
+                  <a:cs typeface="Calibri" panose="020F0502020204030204" pitchFamily="34" charset="0"/>
+                </a:rPr>
+                <a:t>     (To send mail to Client)</a:t>
+              </a:r>
+            </a:p>
+          </p:txBody>
+        </p:sp>
+      </p:grpSp>
+      <p:sp>
+        <p:nvSpPr>
+          <p:cNvPr id="99" name="TextBox 208">
+            <a:extLst>
+              <a:ext uri="{FF2B5EF4-FFF2-40B4-BE49-F238E27FC236}">
+                <a16:creationId xmlns:a16="http://schemas.microsoft.com/office/drawing/2014/main" id="{4AA282EC-E598-9CD9-FFC1-DF7546B6E87E}"/>
+              </a:ext>
+            </a:extLst>
+          </p:cNvPr>
+          <p:cNvSpPr txBox="1"/>
+          <p:nvPr/>
+        </p:nvSpPr>
+        <p:spPr>
+          <a:xfrm>
+            <a:off x="7577988" y="2913908"/>
+            <a:ext cx="1993959" cy="230832"/>
+          </a:xfrm>
+          <a:prstGeom prst="rect">
+            <a:avLst/>
+          </a:prstGeom>
+          <a:noFill/>
+        </p:spPr>
+        <p:txBody>
+          <a:bodyPr wrap="square" rtlCol="0">
+            <a:spAutoFit/>
+          </a:bodyPr>
+          <a:lstStyle>
+            <a:defPPr>
+              <a:defRPr lang="en-US"/>
+            </a:defPPr>
+            <a:lvl1pPr marL="0" algn="l" defTabSz="914400" rtl="0" eaLnBrk="1" latinLnBrk="0" hangingPunct="1">
+              <a:defRPr sz="1800" kern="1200">
+                <a:solidFill>
+                  <a:schemeClr val="tx1"/>
+                </a:solidFill>
+                <a:latin typeface="+mn-lt"/>
+                <a:ea typeface="+mn-ea"/>
+                <a:cs typeface="+mn-cs"/>
+              </a:defRPr>
+            </a:lvl1pPr>
+            <a:lvl2pPr marL="457200" algn="l" defTabSz="914400" rtl="0" eaLnBrk="1" latinLnBrk="0" hangingPunct="1">
+              <a:defRPr sz="1800" kern="1200">
+                <a:solidFill>
+                  <a:schemeClr val="tx1"/>
+                </a:solidFill>
+                <a:latin typeface="+mn-lt"/>
+                <a:ea typeface="+mn-ea"/>
+                <a:cs typeface="+mn-cs"/>
+              </a:defRPr>
+            </a:lvl2pPr>
+            <a:lvl3pPr marL="914400" algn="l" defTabSz="914400" rtl="0" eaLnBrk="1" latinLnBrk="0" hangingPunct="1">
+              <a:defRPr sz="1800" kern="1200">
+                <a:solidFill>
+                  <a:schemeClr val="tx1"/>
+                </a:solidFill>
+                <a:latin typeface="+mn-lt"/>
+                <a:ea typeface="+mn-ea"/>
+                <a:cs typeface="+mn-cs"/>
+              </a:defRPr>
+            </a:lvl3pPr>
+            <a:lvl4pPr marL="1371600" algn="l" defTabSz="914400" rtl="0" eaLnBrk="1" latinLnBrk="0" hangingPunct="1">
+              <a:defRPr sz="1800" kern="1200">
+                <a:solidFill>
+                  <a:schemeClr val="tx1"/>
+                </a:solidFill>
+                <a:latin typeface="+mn-lt"/>
+                <a:ea typeface="+mn-ea"/>
+                <a:cs typeface="+mn-cs"/>
+              </a:defRPr>
+            </a:lvl4pPr>
+            <a:lvl5pPr marL="1828800" algn="l" defTabSz="914400" rtl="0" eaLnBrk="1" latinLnBrk="0" hangingPunct="1">
+              <a:defRPr sz="1800" kern="1200">
+                <a:solidFill>
+                  <a:schemeClr val="tx1"/>
+                </a:solidFill>
+                <a:latin typeface="+mn-lt"/>
+                <a:ea typeface="+mn-ea"/>
+                <a:cs typeface="+mn-cs"/>
+              </a:defRPr>
+            </a:lvl5pPr>
+            <a:lvl6pPr marL="2286000" algn="l" defTabSz="914400" rtl="0" eaLnBrk="1" latinLnBrk="0" hangingPunct="1">
+              <a:defRPr sz="1800" kern="1200">
+                <a:solidFill>
+                  <a:schemeClr val="tx1"/>
+                </a:solidFill>
+                <a:latin typeface="+mn-lt"/>
+                <a:ea typeface="+mn-ea"/>
+                <a:cs typeface="+mn-cs"/>
+              </a:defRPr>
+            </a:lvl6pPr>
+            <a:lvl7pPr marL="2743200" algn="l" defTabSz="914400" rtl="0" eaLnBrk="1" latinLnBrk="0" hangingPunct="1">
+              <a:defRPr sz="1800" kern="1200">
+                <a:solidFill>
+                  <a:schemeClr val="tx1"/>
+                </a:solidFill>
+                <a:latin typeface="+mn-lt"/>
+                <a:ea typeface="+mn-ea"/>
+                <a:cs typeface="+mn-cs"/>
+              </a:defRPr>
+            </a:lvl7pPr>
+            <a:lvl8pPr marL="3200400" algn="l" defTabSz="914400" rtl="0" eaLnBrk="1" latinLnBrk="0" hangingPunct="1">
+              <a:defRPr sz="1800" kern="1200">
+                <a:solidFill>
+                  <a:schemeClr val="tx1"/>
+                </a:solidFill>
+                <a:latin typeface="+mn-lt"/>
+                <a:ea typeface="+mn-ea"/>
+                <a:cs typeface="+mn-cs"/>
+              </a:defRPr>
+            </a:lvl8pPr>
+            <a:lvl9pPr marL="3657600" algn="l" defTabSz="914400" rtl="0" eaLnBrk="1" latinLnBrk="0" hangingPunct="1">
+              <a:defRPr sz="1800" kern="1200">
+                <a:solidFill>
+                  <a:schemeClr val="tx1"/>
+                </a:solidFill>
+                <a:latin typeface="+mn-lt"/>
+                <a:ea typeface="+mn-ea"/>
+                <a:cs typeface="+mn-cs"/>
+              </a:defRPr>
+            </a:lvl9pPr>
+          </a:lstStyle>
+          <a:p>
+            <a:r>
+              <a:rPr lang="en-IN" sz="900" b="1" dirty="0"/>
+              <a:t>MAIL SERVICE &amp; PDF GENRATION</a:t>
+            </a:r>
+          </a:p>
+        </p:txBody>
+      </p:sp>
+      <p:sp>
+        <p:nvSpPr>
+          <p:cNvPr id="17" name="TextBox 147">
+            <a:extLst>
+              <a:ext uri="{FF2B5EF4-FFF2-40B4-BE49-F238E27FC236}">
+                <a16:creationId xmlns:a16="http://schemas.microsoft.com/office/drawing/2014/main" id="{04A427D0-4FB5-0C23-DBF0-E87850507E1C}"/>
+              </a:ext>
+            </a:extLst>
+          </p:cNvPr>
+          <p:cNvSpPr txBox="1"/>
+          <p:nvPr/>
+        </p:nvSpPr>
+        <p:spPr>
+          <a:xfrm>
+            <a:off x="11406485" y="3067513"/>
+            <a:ext cx="911801" cy="236988"/>
+          </a:xfrm>
+          <a:prstGeom prst="rect">
+            <a:avLst/>
+          </a:prstGeom>
+          <a:noFill/>
+        </p:spPr>
+        <p:txBody>
+          <a:bodyPr wrap="square" rtlCol="0">
+            <a:spAutoFit/>
+          </a:bodyPr>
+          <a:lstStyle>
+            <a:defPPr>
+              <a:defRPr lang="en-US"/>
+            </a:defPPr>
+            <a:lvl1pPr marL="0" algn="l" defTabSz="914400" rtl="0" eaLnBrk="1" latinLnBrk="0" hangingPunct="1">
+              <a:defRPr sz="1800" kern="1200">
+                <a:solidFill>
+                  <a:schemeClr val="tx1"/>
+                </a:solidFill>
+                <a:latin typeface="+mn-lt"/>
+                <a:ea typeface="+mn-ea"/>
+                <a:cs typeface="+mn-cs"/>
+              </a:defRPr>
+            </a:lvl1pPr>
+            <a:lvl2pPr marL="457200" algn="l" defTabSz="914400" rtl="0" eaLnBrk="1" latinLnBrk="0" hangingPunct="1">
+              <a:defRPr sz="1800" kern="1200">
+                <a:solidFill>
+                  <a:schemeClr val="tx1"/>
+                </a:solidFill>
+                <a:latin typeface="+mn-lt"/>
+                <a:ea typeface="+mn-ea"/>
+                <a:cs typeface="+mn-cs"/>
+              </a:defRPr>
+            </a:lvl2pPr>
+            <a:lvl3pPr marL="914400" algn="l" defTabSz="914400" rtl="0" eaLnBrk="1" latinLnBrk="0" hangingPunct="1">
+              <a:defRPr sz="1800" kern="1200">
+                <a:solidFill>
+                  <a:schemeClr val="tx1"/>
+                </a:solidFill>
+                <a:latin typeface="+mn-lt"/>
+                <a:ea typeface="+mn-ea"/>
+                <a:cs typeface="+mn-cs"/>
+              </a:defRPr>
+            </a:lvl3pPr>
+            <a:lvl4pPr marL="1371600" algn="l" defTabSz="914400" rtl="0" eaLnBrk="1" latinLnBrk="0" hangingPunct="1">
+              <a:defRPr sz="1800" kern="1200">
+                <a:solidFill>
+                  <a:schemeClr val="tx1"/>
+                </a:solidFill>
+                <a:latin typeface="+mn-lt"/>
+                <a:ea typeface="+mn-ea"/>
+                <a:cs typeface="+mn-cs"/>
+              </a:defRPr>
+            </a:lvl4pPr>
+            <a:lvl5pPr marL="1828800" algn="l" defTabSz="914400" rtl="0" eaLnBrk="1" latinLnBrk="0" hangingPunct="1">
+              <a:defRPr sz="1800" kern="1200">
+                <a:solidFill>
+                  <a:schemeClr val="tx1"/>
+                </a:solidFill>
+                <a:latin typeface="+mn-lt"/>
+                <a:ea typeface="+mn-ea"/>
+                <a:cs typeface="+mn-cs"/>
+              </a:defRPr>
+            </a:lvl5pPr>
+            <a:lvl6pPr marL="2286000" algn="l" defTabSz="914400" rtl="0" eaLnBrk="1" latinLnBrk="0" hangingPunct="1">
+              <a:defRPr sz="1800" kern="1200">
+                <a:solidFill>
+                  <a:schemeClr val="tx1"/>
+                </a:solidFill>
+                <a:latin typeface="+mn-lt"/>
+                <a:ea typeface="+mn-ea"/>
+                <a:cs typeface="+mn-cs"/>
+              </a:defRPr>
+            </a:lvl6pPr>
+            <a:lvl7pPr marL="2743200" algn="l" defTabSz="914400" rtl="0" eaLnBrk="1" latinLnBrk="0" hangingPunct="1">
+              <a:defRPr sz="1800" kern="1200">
+                <a:solidFill>
+                  <a:schemeClr val="tx1"/>
+                </a:solidFill>
+                <a:latin typeface="+mn-lt"/>
+                <a:ea typeface="+mn-ea"/>
+                <a:cs typeface="+mn-cs"/>
+              </a:defRPr>
+            </a:lvl7pPr>
+            <a:lvl8pPr marL="3200400" algn="l" defTabSz="914400" rtl="0" eaLnBrk="1" latinLnBrk="0" hangingPunct="1">
+              <a:defRPr sz="1800" kern="1200">
+                <a:solidFill>
+                  <a:schemeClr val="tx1"/>
+                </a:solidFill>
+                <a:latin typeface="+mn-lt"/>
+                <a:ea typeface="+mn-ea"/>
+                <a:cs typeface="+mn-cs"/>
+              </a:defRPr>
+            </a:lvl8pPr>
+            <a:lvl9pPr marL="3657600" algn="l" defTabSz="914400" rtl="0" eaLnBrk="1" latinLnBrk="0" hangingPunct="1">
+              <a:defRPr sz="1800" kern="1200">
+                <a:solidFill>
+                  <a:schemeClr val="tx1"/>
+                </a:solidFill>
+                <a:latin typeface="+mn-lt"/>
+                <a:ea typeface="+mn-ea"/>
+                <a:cs typeface="+mn-cs"/>
+              </a:defRPr>
+            </a:lvl9pPr>
+          </a:lstStyle>
+          <a:p>
+            <a:r>
+              <a:rPr lang="en-IN" sz="900" dirty="0">
+                <a:ea typeface="Calibri" panose="020F0502020204030204" pitchFamily="34" charset="0"/>
+                <a:cs typeface="Calibri" panose="020F0502020204030204" pitchFamily="34" charset="0"/>
+              </a:rPr>
+              <a:t>Client Mail</a:t>
+            </a:r>
+          </a:p>
+        </p:txBody>
+      </p:sp>
+      <p:cxnSp>
+        <p:nvCxnSpPr>
+          <p:cNvPr id="19" name="Straight Arrow Connector 18">
+            <a:extLst>
+              <a:ext uri="{FF2B5EF4-FFF2-40B4-BE49-F238E27FC236}">
+                <a16:creationId xmlns:a16="http://schemas.microsoft.com/office/drawing/2014/main" id="{D24F3338-B90F-090E-7537-3AD7C8413A00}"/>
+              </a:ext>
+            </a:extLst>
+          </p:cNvPr>
+          <p:cNvCxnSpPr>
+            <a:cxnSpLocks/>
+          </p:cNvCxnSpPr>
+          <p:nvPr/>
+        </p:nvCxnSpPr>
+        <p:spPr>
+          <a:xfrm>
+            <a:off x="2402774" y="4639201"/>
+            <a:ext cx="4829814" cy="616128"/>
+          </a:xfrm>
+          <a:prstGeom prst="bentConnector3">
+            <a:avLst>
+              <a:gd name="adj1" fmla="val 39"/>
+            </a:avLst>
+          </a:prstGeom>
+          <a:ln>
+            <a:tailEnd type="triangle"/>
+          </a:ln>
+        </p:spPr>
+        <p:style>
+          <a:lnRef idx="1">
+            <a:schemeClr val="accent1"/>
+          </a:lnRef>
+          <a:fillRef idx="0">
+            <a:schemeClr val="accent1"/>
+          </a:fillRef>
+          <a:effectRef idx="0">
+            <a:schemeClr val="accent1"/>
+          </a:effectRef>
+          <a:fontRef idx="minor">
+            <a:schemeClr val="tx1"/>
+          </a:fontRef>
+        </p:style>
+      </p:cxnSp>
+      <p:cxnSp>
+        <p:nvCxnSpPr>
+          <p:cNvPr id="39" name="Straight Arrow Connector 38">
+            <a:extLst>
+              <a:ext uri="{FF2B5EF4-FFF2-40B4-BE49-F238E27FC236}">
+                <a16:creationId xmlns:a16="http://schemas.microsoft.com/office/drawing/2014/main" id="{4BFCD788-590B-624A-0E0B-66CD761559BE}"/>
+              </a:ext>
+            </a:extLst>
+          </p:cNvPr>
+          <p:cNvCxnSpPr>
+            <a:cxnSpLocks/>
+          </p:cNvCxnSpPr>
+          <p:nvPr/>
+        </p:nvCxnSpPr>
+        <p:spPr>
+          <a:xfrm rot="10800000">
+            <a:off x="5639836" y="4352998"/>
+            <a:ext cx="1595486" cy="693728"/>
+          </a:xfrm>
+          <a:prstGeom prst="bentConnector3">
+            <a:avLst>
+              <a:gd name="adj1" fmla="val 100148"/>
+            </a:avLst>
+          </a:prstGeom>
+          <a:ln>
+            <a:tailEnd type="triangle"/>
+          </a:ln>
+        </p:spPr>
+        <p:style>
+          <a:lnRef idx="1">
+            <a:schemeClr val="accent1"/>
+          </a:lnRef>
+          <a:fillRef idx="0">
+            <a:schemeClr val="accent1"/>
+          </a:fillRef>
+          <a:effectRef idx="0">
+            <a:schemeClr val="accent1"/>
+          </a:effectRef>
+          <a:fontRef idx="minor">
+            <a:schemeClr val="tx1"/>
+          </a:fontRef>
+        </p:style>
+      </p:cxnSp>
+      <p:sp>
+        <p:nvSpPr>
+          <p:cNvPr id="48" name="TextBox 10">
+            <a:extLst>
+              <a:ext uri="{FF2B5EF4-FFF2-40B4-BE49-F238E27FC236}">
+                <a16:creationId xmlns:a16="http://schemas.microsoft.com/office/drawing/2014/main" id="{649011F7-C948-D810-A159-C97A60A42C3E}"/>
+              </a:ext>
+            </a:extLst>
+          </p:cNvPr>
+          <p:cNvSpPr txBox="1"/>
+          <p:nvPr/>
+        </p:nvSpPr>
+        <p:spPr>
+          <a:xfrm>
+            <a:off x="10673490" y="1921397"/>
+            <a:ext cx="578776" cy="236988"/>
+          </a:xfrm>
+          <a:prstGeom prst="rect">
+            <a:avLst/>
+          </a:prstGeom>
+          <a:noFill/>
+        </p:spPr>
+        <p:txBody>
+          <a:bodyPr wrap="square" rtlCol="0">
+            <a:spAutoFit/>
+          </a:bodyPr>
+          <a:lstStyle>
+            <a:defPPr>
+              <a:defRPr lang="en-US"/>
+            </a:defPPr>
+            <a:lvl1pPr marL="0" algn="l" defTabSz="914400" rtl="0" eaLnBrk="1" latinLnBrk="0" hangingPunct="1">
+              <a:defRPr sz="1800" kern="1200">
+                <a:solidFill>
+                  <a:schemeClr val="tx1"/>
+                </a:solidFill>
+                <a:latin typeface="+mn-lt"/>
+                <a:ea typeface="+mn-ea"/>
+                <a:cs typeface="+mn-cs"/>
+              </a:defRPr>
+            </a:lvl1pPr>
+            <a:lvl2pPr marL="457200" algn="l" defTabSz="914400" rtl="0" eaLnBrk="1" latinLnBrk="0" hangingPunct="1">
+              <a:defRPr sz="1800" kern="1200">
+                <a:solidFill>
+                  <a:schemeClr val="tx1"/>
+                </a:solidFill>
+                <a:latin typeface="+mn-lt"/>
+                <a:ea typeface="+mn-ea"/>
+                <a:cs typeface="+mn-cs"/>
+              </a:defRPr>
+            </a:lvl2pPr>
+            <a:lvl3pPr marL="914400" algn="l" defTabSz="914400" rtl="0" eaLnBrk="1" latinLnBrk="0" hangingPunct="1">
+              <a:defRPr sz="1800" kern="1200">
+                <a:solidFill>
+                  <a:schemeClr val="tx1"/>
+                </a:solidFill>
+                <a:latin typeface="+mn-lt"/>
+                <a:ea typeface="+mn-ea"/>
+                <a:cs typeface="+mn-cs"/>
+              </a:defRPr>
+            </a:lvl3pPr>
+            <a:lvl4pPr marL="1371600" algn="l" defTabSz="914400" rtl="0" eaLnBrk="1" latinLnBrk="0" hangingPunct="1">
+              <a:defRPr sz="1800" kern="1200">
+                <a:solidFill>
+                  <a:schemeClr val="tx1"/>
+                </a:solidFill>
+                <a:latin typeface="+mn-lt"/>
+                <a:ea typeface="+mn-ea"/>
+                <a:cs typeface="+mn-cs"/>
+              </a:defRPr>
+            </a:lvl4pPr>
+            <a:lvl5pPr marL="1828800" algn="l" defTabSz="914400" rtl="0" eaLnBrk="1" latinLnBrk="0" hangingPunct="1">
+              <a:defRPr sz="1800" kern="1200">
+                <a:solidFill>
+                  <a:schemeClr val="tx1"/>
+                </a:solidFill>
+                <a:latin typeface="+mn-lt"/>
+                <a:ea typeface="+mn-ea"/>
+                <a:cs typeface="+mn-cs"/>
+              </a:defRPr>
+            </a:lvl5pPr>
+            <a:lvl6pPr marL="2286000" algn="l" defTabSz="914400" rtl="0" eaLnBrk="1" latinLnBrk="0" hangingPunct="1">
+              <a:defRPr sz="1800" kern="1200">
+                <a:solidFill>
+                  <a:schemeClr val="tx1"/>
+                </a:solidFill>
+                <a:latin typeface="+mn-lt"/>
+                <a:ea typeface="+mn-ea"/>
+                <a:cs typeface="+mn-cs"/>
+              </a:defRPr>
+            </a:lvl6pPr>
+            <a:lvl7pPr marL="2743200" algn="l" defTabSz="914400" rtl="0" eaLnBrk="1" latinLnBrk="0" hangingPunct="1">
+              <a:defRPr sz="1800" kern="1200">
+                <a:solidFill>
+                  <a:schemeClr val="tx1"/>
+                </a:solidFill>
+                <a:latin typeface="+mn-lt"/>
+                <a:ea typeface="+mn-ea"/>
+                <a:cs typeface="+mn-cs"/>
+              </a:defRPr>
+            </a:lvl7pPr>
+            <a:lvl8pPr marL="3200400" algn="l" defTabSz="914400" rtl="0" eaLnBrk="1" latinLnBrk="0" hangingPunct="1">
+              <a:defRPr sz="1800" kern="1200">
+                <a:solidFill>
+                  <a:schemeClr val="tx1"/>
+                </a:solidFill>
+                <a:latin typeface="+mn-lt"/>
+                <a:ea typeface="+mn-ea"/>
+                <a:cs typeface="+mn-cs"/>
+              </a:defRPr>
+            </a:lvl8pPr>
+            <a:lvl9pPr marL="3657600" algn="l" defTabSz="914400" rtl="0" eaLnBrk="1" latinLnBrk="0" hangingPunct="1">
+              <a:defRPr sz="1800" kern="1200">
+                <a:solidFill>
+                  <a:schemeClr val="tx1"/>
+                </a:solidFill>
+                <a:latin typeface="+mn-lt"/>
+                <a:ea typeface="+mn-ea"/>
+                <a:cs typeface="+mn-cs"/>
+              </a:defRPr>
+            </a:lvl9pPr>
+          </a:lstStyle>
+          <a:p>
+            <a:pPr algn="ctr"/>
+            <a:r>
+              <a:rPr lang="en-IN" sz="900" dirty="0"/>
+              <a:t>IAM</a:t>
+            </a:r>
+          </a:p>
+        </p:txBody>
+      </p:sp>
+      <p:sp>
+        <p:nvSpPr>
+          <p:cNvPr id="50" name="TextBox 13">
+            <a:extLst>
+              <a:ext uri="{FF2B5EF4-FFF2-40B4-BE49-F238E27FC236}">
+                <a16:creationId xmlns:a16="http://schemas.microsoft.com/office/drawing/2014/main" id="{47D6D958-0714-1061-E44B-858ACAE7015D}"/>
+              </a:ext>
+            </a:extLst>
+          </p:cNvPr>
+          <p:cNvSpPr txBox="1"/>
+          <p:nvPr/>
+        </p:nvSpPr>
+        <p:spPr>
+          <a:xfrm>
+            <a:off x="9740047" y="1920574"/>
+            <a:ext cx="967627" cy="236988"/>
+          </a:xfrm>
+          <a:prstGeom prst="rect">
+            <a:avLst/>
+          </a:prstGeom>
+          <a:noFill/>
+        </p:spPr>
+        <p:txBody>
+          <a:bodyPr wrap="square" rtlCol="0">
+            <a:spAutoFit/>
+          </a:bodyPr>
+          <a:lstStyle>
+            <a:defPPr>
+              <a:defRPr lang="en-US"/>
+            </a:defPPr>
+            <a:lvl1pPr marL="0" algn="l" defTabSz="914400" rtl="0" eaLnBrk="1" latinLnBrk="0" hangingPunct="1">
+              <a:defRPr sz="1800" kern="1200">
+                <a:solidFill>
+                  <a:schemeClr val="tx1"/>
+                </a:solidFill>
+                <a:latin typeface="+mn-lt"/>
+                <a:ea typeface="+mn-ea"/>
+                <a:cs typeface="+mn-cs"/>
+              </a:defRPr>
+            </a:lvl1pPr>
+            <a:lvl2pPr marL="457200" algn="l" defTabSz="914400" rtl="0" eaLnBrk="1" latinLnBrk="0" hangingPunct="1">
+              <a:defRPr sz="1800" kern="1200">
+                <a:solidFill>
+                  <a:schemeClr val="tx1"/>
+                </a:solidFill>
+                <a:latin typeface="+mn-lt"/>
+                <a:ea typeface="+mn-ea"/>
+                <a:cs typeface="+mn-cs"/>
+              </a:defRPr>
+            </a:lvl2pPr>
+            <a:lvl3pPr marL="914400" algn="l" defTabSz="914400" rtl="0" eaLnBrk="1" latinLnBrk="0" hangingPunct="1">
+              <a:defRPr sz="1800" kern="1200">
+                <a:solidFill>
+                  <a:schemeClr val="tx1"/>
+                </a:solidFill>
+                <a:latin typeface="+mn-lt"/>
+                <a:ea typeface="+mn-ea"/>
+                <a:cs typeface="+mn-cs"/>
+              </a:defRPr>
+            </a:lvl3pPr>
+            <a:lvl4pPr marL="1371600" algn="l" defTabSz="914400" rtl="0" eaLnBrk="1" latinLnBrk="0" hangingPunct="1">
+              <a:defRPr sz="1800" kern="1200">
+                <a:solidFill>
+                  <a:schemeClr val="tx1"/>
+                </a:solidFill>
+                <a:latin typeface="+mn-lt"/>
+                <a:ea typeface="+mn-ea"/>
+                <a:cs typeface="+mn-cs"/>
+              </a:defRPr>
+            </a:lvl4pPr>
+            <a:lvl5pPr marL="1828800" algn="l" defTabSz="914400" rtl="0" eaLnBrk="1" latinLnBrk="0" hangingPunct="1">
+              <a:defRPr sz="1800" kern="1200">
+                <a:solidFill>
+                  <a:schemeClr val="tx1"/>
+                </a:solidFill>
+                <a:latin typeface="+mn-lt"/>
+                <a:ea typeface="+mn-ea"/>
+                <a:cs typeface="+mn-cs"/>
+              </a:defRPr>
+            </a:lvl5pPr>
+            <a:lvl6pPr marL="2286000" algn="l" defTabSz="914400" rtl="0" eaLnBrk="1" latinLnBrk="0" hangingPunct="1">
+              <a:defRPr sz="1800" kern="1200">
+                <a:solidFill>
+                  <a:schemeClr val="tx1"/>
+                </a:solidFill>
+                <a:latin typeface="+mn-lt"/>
+                <a:ea typeface="+mn-ea"/>
+                <a:cs typeface="+mn-cs"/>
+              </a:defRPr>
+            </a:lvl6pPr>
+            <a:lvl7pPr marL="2743200" algn="l" defTabSz="914400" rtl="0" eaLnBrk="1" latinLnBrk="0" hangingPunct="1">
+              <a:defRPr sz="1800" kern="1200">
+                <a:solidFill>
+                  <a:schemeClr val="tx1"/>
+                </a:solidFill>
+                <a:latin typeface="+mn-lt"/>
+                <a:ea typeface="+mn-ea"/>
+                <a:cs typeface="+mn-cs"/>
+              </a:defRPr>
+            </a:lvl7pPr>
+            <a:lvl8pPr marL="3200400" algn="l" defTabSz="914400" rtl="0" eaLnBrk="1" latinLnBrk="0" hangingPunct="1">
+              <a:defRPr sz="1800" kern="1200">
+                <a:solidFill>
+                  <a:schemeClr val="tx1"/>
+                </a:solidFill>
+                <a:latin typeface="+mn-lt"/>
+                <a:ea typeface="+mn-ea"/>
+                <a:cs typeface="+mn-cs"/>
+              </a:defRPr>
+            </a:lvl8pPr>
+            <a:lvl9pPr marL="3657600" algn="l" defTabSz="914400" rtl="0" eaLnBrk="1" latinLnBrk="0" hangingPunct="1">
+              <a:defRPr sz="1800" kern="1200">
+                <a:solidFill>
+                  <a:schemeClr val="tx1"/>
+                </a:solidFill>
+                <a:latin typeface="+mn-lt"/>
+                <a:ea typeface="+mn-ea"/>
+                <a:cs typeface="+mn-cs"/>
+              </a:defRPr>
+            </a:lvl9pPr>
+          </a:lstStyle>
+          <a:p>
+            <a:pPr algn="ctr"/>
+            <a:r>
+              <a:rPr lang="en-IN" sz="900" dirty="0"/>
+              <a:t>Cloud watch</a:t>
+            </a:r>
+          </a:p>
+        </p:txBody>
+      </p:sp>
+      <p:sp>
+        <p:nvSpPr>
+          <p:cNvPr id="51" name="TextBox 15">
+            <a:extLst>
+              <a:ext uri="{FF2B5EF4-FFF2-40B4-BE49-F238E27FC236}">
+                <a16:creationId xmlns:a16="http://schemas.microsoft.com/office/drawing/2014/main" id="{AA280145-CEDF-DB49-BC68-332DF87E26B8}"/>
+              </a:ext>
+            </a:extLst>
+          </p:cNvPr>
+          <p:cNvSpPr txBox="1"/>
+          <p:nvPr/>
+        </p:nvSpPr>
+        <p:spPr>
+          <a:xfrm>
+            <a:off x="8884683" y="1944642"/>
+            <a:ext cx="1128428" cy="236988"/>
+          </a:xfrm>
+          <a:prstGeom prst="rect">
+            <a:avLst/>
+          </a:prstGeom>
+          <a:noFill/>
+        </p:spPr>
+        <p:txBody>
+          <a:bodyPr wrap="square" rtlCol="0">
+            <a:spAutoFit/>
+          </a:bodyPr>
+          <a:lstStyle>
+            <a:defPPr>
+              <a:defRPr lang="en-US"/>
+            </a:defPPr>
+            <a:lvl1pPr marL="0" algn="l" defTabSz="914400" rtl="0" eaLnBrk="1" latinLnBrk="0" hangingPunct="1">
+              <a:defRPr sz="1800" kern="1200">
+                <a:solidFill>
+                  <a:schemeClr val="tx1"/>
+                </a:solidFill>
+                <a:latin typeface="+mn-lt"/>
+                <a:ea typeface="+mn-ea"/>
+                <a:cs typeface="+mn-cs"/>
+              </a:defRPr>
+            </a:lvl1pPr>
+            <a:lvl2pPr marL="457200" algn="l" defTabSz="914400" rtl="0" eaLnBrk="1" latinLnBrk="0" hangingPunct="1">
+              <a:defRPr sz="1800" kern="1200">
+                <a:solidFill>
+                  <a:schemeClr val="tx1"/>
+                </a:solidFill>
+                <a:latin typeface="+mn-lt"/>
+                <a:ea typeface="+mn-ea"/>
+                <a:cs typeface="+mn-cs"/>
+              </a:defRPr>
+            </a:lvl2pPr>
+            <a:lvl3pPr marL="914400" algn="l" defTabSz="914400" rtl="0" eaLnBrk="1" latinLnBrk="0" hangingPunct="1">
+              <a:defRPr sz="1800" kern="1200">
+                <a:solidFill>
+                  <a:schemeClr val="tx1"/>
+                </a:solidFill>
+                <a:latin typeface="+mn-lt"/>
+                <a:ea typeface="+mn-ea"/>
+                <a:cs typeface="+mn-cs"/>
+              </a:defRPr>
+            </a:lvl3pPr>
+            <a:lvl4pPr marL="1371600" algn="l" defTabSz="914400" rtl="0" eaLnBrk="1" latinLnBrk="0" hangingPunct="1">
+              <a:defRPr sz="1800" kern="1200">
+                <a:solidFill>
+                  <a:schemeClr val="tx1"/>
+                </a:solidFill>
+                <a:latin typeface="+mn-lt"/>
+                <a:ea typeface="+mn-ea"/>
+                <a:cs typeface="+mn-cs"/>
+              </a:defRPr>
+            </a:lvl4pPr>
+            <a:lvl5pPr marL="1828800" algn="l" defTabSz="914400" rtl="0" eaLnBrk="1" latinLnBrk="0" hangingPunct="1">
+              <a:defRPr sz="1800" kern="1200">
+                <a:solidFill>
+                  <a:schemeClr val="tx1"/>
+                </a:solidFill>
+                <a:latin typeface="+mn-lt"/>
+                <a:ea typeface="+mn-ea"/>
+                <a:cs typeface="+mn-cs"/>
+              </a:defRPr>
+            </a:lvl5pPr>
+            <a:lvl6pPr marL="2286000" algn="l" defTabSz="914400" rtl="0" eaLnBrk="1" latinLnBrk="0" hangingPunct="1">
+              <a:defRPr sz="1800" kern="1200">
+                <a:solidFill>
+                  <a:schemeClr val="tx1"/>
+                </a:solidFill>
+                <a:latin typeface="+mn-lt"/>
+                <a:ea typeface="+mn-ea"/>
+                <a:cs typeface="+mn-cs"/>
+              </a:defRPr>
+            </a:lvl6pPr>
+            <a:lvl7pPr marL="2743200" algn="l" defTabSz="914400" rtl="0" eaLnBrk="1" latinLnBrk="0" hangingPunct="1">
+              <a:defRPr sz="1800" kern="1200">
+                <a:solidFill>
+                  <a:schemeClr val="tx1"/>
+                </a:solidFill>
+                <a:latin typeface="+mn-lt"/>
+                <a:ea typeface="+mn-ea"/>
+                <a:cs typeface="+mn-cs"/>
+              </a:defRPr>
+            </a:lvl7pPr>
+            <a:lvl8pPr marL="3200400" algn="l" defTabSz="914400" rtl="0" eaLnBrk="1" latinLnBrk="0" hangingPunct="1">
+              <a:defRPr sz="1800" kern="1200">
+                <a:solidFill>
+                  <a:schemeClr val="tx1"/>
+                </a:solidFill>
+                <a:latin typeface="+mn-lt"/>
+                <a:ea typeface="+mn-ea"/>
+                <a:cs typeface="+mn-cs"/>
+              </a:defRPr>
+            </a:lvl8pPr>
+            <a:lvl9pPr marL="3657600" algn="l" defTabSz="914400" rtl="0" eaLnBrk="1" latinLnBrk="0" hangingPunct="1">
+              <a:defRPr sz="1800" kern="1200">
+                <a:solidFill>
+                  <a:schemeClr val="tx1"/>
+                </a:solidFill>
+                <a:latin typeface="+mn-lt"/>
+                <a:ea typeface="+mn-ea"/>
+                <a:cs typeface="+mn-cs"/>
+              </a:defRPr>
+            </a:lvl9pPr>
+          </a:lstStyle>
+          <a:p>
+            <a:pPr algn="ctr"/>
+            <a:r>
+              <a:rPr lang="en-IN" sz="900" dirty="0"/>
+              <a:t>Cloud Trail</a:t>
+            </a:r>
+          </a:p>
+        </p:txBody>
+      </p:sp>
+    </p:spTree>
+    <p:extLst>
+      <p:ext uri="{BB962C8B-B14F-4D97-AF65-F5344CB8AC3E}">
+        <p14:creationId xmlns:p14="http://schemas.microsoft.com/office/powerpoint/2010/main" val="448331173"/>
+      </p:ext>
+    </p:extLst>
+  </p:cSld>
+  <p:clrMapOvr>
+    <a:masterClrMapping/>
+  </p:clrMapOvr>
+</p:sld>
+</file>
+
+<file path=ppt/slides/slide7.xml><?xml version="1.0" encoding="utf-8"?>
+<p:sld xmlns:a="http://schemas.openxmlformats.org/drawingml/2006/main" xmlns:r="http://schemas.openxmlformats.org/officeDocument/2006/relationships" xmlns:p="http://schemas.openxmlformats.org/presentationml/2006/main">
+  <p:cSld>
+    <p:spTree>
+      <p:nvGrpSpPr>
         <p:cNvPr id="1" name=""/>
         <p:cNvGrpSpPr/>
         <p:nvPr/>
@@ -11432,7 +16064,7 @@
             <a:fld id="{D505516B-1523-49EF-A656-1CF7DFC0298D}" type="slidenum">
               <a:rPr lang="en-IN" smtClean="0"/>
               <a:pPr/>
-              <a:t>6</a:t>
+              <a:t>7</a:t>
             </a:fld>
             <a:endParaRPr lang="en-IN"/>
           </a:p>
@@ -12256,7 +16888,7 @@
 </p:sld>
 </file>
 
-<file path=ppt/slides/slide7.xml><?xml version="1.0" encoding="utf-8"?>
+<file path=ppt/slides/slide8.xml><?xml version="1.0" encoding="utf-8"?>
 <p:sld xmlns:a="http://schemas.openxmlformats.org/drawingml/2006/main" xmlns:r="http://schemas.openxmlformats.org/officeDocument/2006/relationships" xmlns:p="http://schemas.openxmlformats.org/presentationml/2006/main">
   <p:cSld>
     <p:spTree>
@@ -12581,7 +17213,7 @@
             <a:fld id="{D505516B-1523-49EF-A656-1CF7DFC0298D}" type="slidenum">
               <a:rPr lang="en-IN" smtClean="0"/>
               <a:pPr/>
-              <a:t>7</a:t>
+              <a:t>8</a:t>
             </a:fld>
             <a:endParaRPr lang="en-IN"/>
           </a:p>
@@ -12998,7 +17630,7 @@
 </p:sld>
 </file>
 
-<file path=ppt/slides/slide8.xml><?xml version="1.0" encoding="utf-8"?>
+<file path=ppt/slides/slide9.xml><?xml version="1.0" encoding="utf-8"?>
 <p:sld xmlns:a="http://schemas.openxmlformats.org/drawingml/2006/main" xmlns:r="http://schemas.openxmlformats.org/officeDocument/2006/relationships" xmlns:p="http://schemas.openxmlformats.org/presentationml/2006/main">
   <p:cSld>
     <p:spTree>
@@ -13323,7 +17955,7 @@
             <a:fld id="{D505516B-1523-49EF-A656-1CF7DFC0298D}" type="slidenum">
               <a:rPr lang="en-IN" smtClean="0"/>
               <a:pPr/>
-              <a:t>8</a:t>
+              <a:t>9</a:t>
             </a:fld>
             <a:endParaRPr lang="en-IN"/>
           </a:p>
@@ -13516,498 +18148,6 @@
     <p:extLst>
       <p:ext uri="{BB962C8B-B14F-4D97-AF65-F5344CB8AC3E}">
         <p14:creationId xmlns:p14="http://schemas.microsoft.com/office/powerpoint/2010/main" val="3925947710"/>
-      </p:ext>
-    </p:extLst>
-  </p:cSld>
-  <p:clrMapOvr>
-    <a:masterClrMapping/>
-  </p:clrMapOvr>
-</p:sld>
-</file>
-
-<file path=ppt/slides/slide9.xml><?xml version="1.0" encoding="utf-8"?>
-<p:sld xmlns:a="http://schemas.openxmlformats.org/drawingml/2006/main" xmlns:r="http://schemas.openxmlformats.org/officeDocument/2006/relationships" xmlns:p="http://schemas.openxmlformats.org/presentationml/2006/main">
-  <p:cSld>
-    <p:spTree>
-      <p:nvGrpSpPr>
-        <p:cNvPr id="1" name="">
-          <a:extLst>
-            <a:ext uri="{FF2B5EF4-FFF2-40B4-BE49-F238E27FC236}">
-              <a16:creationId xmlns:a16="http://schemas.microsoft.com/office/drawing/2014/main" id="{6C6B9D9E-3351-F71C-9A99-7F018AECC550}"/>
-            </a:ext>
-          </a:extLst>
-        </p:cNvPr>
-        <p:cNvGrpSpPr/>
-        <p:nvPr/>
-      </p:nvGrpSpPr>
-      <p:grpSpPr>
-        <a:xfrm>
-          <a:off x="0" y="0"/>
-          <a:ext cx="0" cy="0"/>
-          <a:chOff x="0" y="0"/>
-          <a:chExt cx="0" cy="0"/>
-        </a:xfrm>
-      </p:grpSpPr>
-      <p:pic>
-        <p:nvPicPr>
-          <p:cNvPr id="5" name="Picture 2" descr="D:\Users\Lean\Desktop\IT Sys Flyer\ppt materials\bord2.png">
-            <a:extLst>
-              <a:ext uri="{FF2B5EF4-FFF2-40B4-BE49-F238E27FC236}">
-                <a16:creationId xmlns:a16="http://schemas.microsoft.com/office/drawing/2014/main" id="{CA0A332A-39E8-246A-EAA0-7E3761E9FE72}"/>
-              </a:ext>
-            </a:extLst>
-          </p:cNvPr>
-          <p:cNvPicPr>
-            <a:picLocks noChangeAspect="1" noChangeArrowheads="1"/>
-          </p:cNvPicPr>
-          <p:nvPr/>
-        </p:nvPicPr>
-        <p:blipFill rotWithShape="1">
-          <a:blip r:embed="rId2" cstate="email">
-            <a:extLst>
-              <a:ext uri="{28A0092B-C50C-407E-A947-70E740481C1C}">
-                <a14:useLocalDpi xmlns:a14="http://schemas.microsoft.com/office/drawing/2010/main"/>
-              </a:ext>
-            </a:extLst>
-          </a:blip>
-          <a:srcRect/>
-          <a:stretch/>
-        </p:blipFill>
-        <p:spPr bwMode="auto">
-          <a:xfrm>
-            <a:off x="-4293" y="-50306"/>
-            <a:ext cx="12196293" cy="1339404"/>
-          </a:xfrm>
-          <a:prstGeom prst="rect">
-            <a:avLst/>
-          </a:prstGeom>
-          <a:noFill/>
-          <a:extLst>
-            <a:ext uri="{909E8E84-426E-40DD-AFC4-6F175D3DCCD1}">
-              <a14:hiddenFill xmlns:a14="http://schemas.microsoft.com/office/drawing/2010/main">
-                <a:solidFill>
-                  <a:srgbClr val="FFFFFF"/>
-                </a:solidFill>
-              </a14:hiddenFill>
-            </a:ext>
-          </a:extLst>
-        </p:spPr>
-      </p:pic>
-      <p:sp>
-        <p:nvSpPr>
-          <p:cNvPr id="6" name="Title 3">
-            <a:extLst>
-              <a:ext uri="{FF2B5EF4-FFF2-40B4-BE49-F238E27FC236}">
-                <a16:creationId xmlns:a16="http://schemas.microsoft.com/office/drawing/2014/main" id="{19144916-B1DE-23FD-1E76-556A1D3794DB}"/>
-              </a:ext>
-            </a:extLst>
-          </p:cNvPr>
-          <p:cNvSpPr txBox="1">
-            <a:spLocks/>
-          </p:cNvSpPr>
-          <p:nvPr/>
-        </p:nvSpPr>
-        <p:spPr>
-          <a:xfrm>
-            <a:off x="8428385" y="0"/>
-            <a:ext cx="3182551" cy="468000"/>
-          </a:xfrm>
-          <a:prstGeom prst="rect">
-            <a:avLst/>
-          </a:prstGeom>
-        </p:spPr>
-        <p:txBody>
-          <a:bodyPr/>
-          <a:lstStyle>
-            <a:lvl1pPr algn="l" rtl="0" eaLnBrk="1" fontAlgn="base" hangingPunct="1">
-              <a:spcBef>
-                <a:spcPct val="0"/>
-              </a:spcBef>
-              <a:spcAft>
-                <a:spcPct val="0"/>
-              </a:spcAft>
-              <a:defRPr sz="2600" kern="1200">
-                <a:solidFill>
-                  <a:srgbClr val="006EB4"/>
-                </a:solidFill>
-                <a:latin typeface="Cambria" pitchFamily="18" charset="0"/>
-                <a:ea typeface="+mj-ea"/>
-                <a:cs typeface="Arial" pitchFamily="34" charset="0"/>
-              </a:defRPr>
-            </a:lvl1pPr>
-            <a:lvl2pPr algn="l" rtl="0" eaLnBrk="1" fontAlgn="base" hangingPunct="1">
-              <a:spcBef>
-                <a:spcPct val="0"/>
-              </a:spcBef>
-              <a:spcAft>
-                <a:spcPct val="0"/>
-              </a:spcAft>
-              <a:defRPr sz="3900">
-                <a:solidFill>
-                  <a:schemeClr val="bg1"/>
-                </a:solidFill>
-                <a:latin typeface="Arial" pitchFamily="34" charset="0"/>
-                <a:cs typeface="Arial" pitchFamily="34" charset="0"/>
-              </a:defRPr>
-            </a:lvl2pPr>
-            <a:lvl3pPr algn="l" rtl="0" eaLnBrk="1" fontAlgn="base" hangingPunct="1">
-              <a:spcBef>
-                <a:spcPct val="0"/>
-              </a:spcBef>
-              <a:spcAft>
-                <a:spcPct val="0"/>
-              </a:spcAft>
-              <a:defRPr sz="3900">
-                <a:solidFill>
-                  <a:schemeClr val="bg1"/>
-                </a:solidFill>
-                <a:latin typeface="Arial" pitchFamily="34" charset="0"/>
-                <a:cs typeface="Arial" pitchFamily="34" charset="0"/>
-              </a:defRPr>
-            </a:lvl3pPr>
-            <a:lvl4pPr algn="l" rtl="0" eaLnBrk="1" fontAlgn="base" hangingPunct="1">
-              <a:spcBef>
-                <a:spcPct val="0"/>
-              </a:spcBef>
-              <a:spcAft>
-                <a:spcPct val="0"/>
-              </a:spcAft>
-              <a:defRPr sz="3900">
-                <a:solidFill>
-                  <a:schemeClr val="bg1"/>
-                </a:solidFill>
-                <a:latin typeface="Arial" pitchFamily="34" charset="0"/>
-                <a:cs typeface="Arial" pitchFamily="34" charset="0"/>
-              </a:defRPr>
-            </a:lvl4pPr>
-            <a:lvl5pPr algn="l" rtl="0" eaLnBrk="1" fontAlgn="base" hangingPunct="1">
-              <a:spcBef>
-                <a:spcPct val="0"/>
-              </a:spcBef>
-              <a:spcAft>
-                <a:spcPct val="0"/>
-              </a:spcAft>
-              <a:defRPr sz="3900">
-                <a:solidFill>
-                  <a:schemeClr val="bg1"/>
-                </a:solidFill>
-                <a:latin typeface="Arial" pitchFamily="34" charset="0"/>
-                <a:cs typeface="Arial" pitchFamily="34" charset="0"/>
-              </a:defRPr>
-            </a:lvl5pPr>
-            <a:lvl6pPr marL="487443" algn="l" rtl="0" eaLnBrk="1" fontAlgn="base" hangingPunct="1">
-              <a:spcBef>
-                <a:spcPct val="0"/>
-              </a:spcBef>
-              <a:spcAft>
-                <a:spcPct val="0"/>
-              </a:spcAft>
-              <a:defRPr sz="3900">
-                <a:solidFill>
-                  <a:schemeClr val="bg1"/>
-                </a:solidFill>
-                <a:latin typeface="Arial" pitchFamily="34" charset="0"/>
-                <a:cs typeface="Arial" pitchFamily="34" charset="0"/>
-              </a:defRPr>
-            </a:lvl6pPr>
-            <a:lvl7pPr marL="974887" algn="l" rtl="0" eaLnBrk="1" fontAlgn="base" hangingPunct="1">
-              <a:spcBef>
-                <a:spcPct val="0"/>
-              </a:spcBef>
-              <a:spcAft>
-                <a:spcPct val="0"/>
-              </a:spcAft>
-              <a:defRPr sz="3900">
-                <a:solidFill>
-                  <a:schemeClr val="bg1"/>
-                </a:solidFill>
-                <a:latin typeface="Arial" pitchFamily="34" charset="0"/>
-                <a:cs typeface="Arial" pitchFamily="34" charset="0"/>
-              </a:defRPr>
-            </a:lvl7pPr>
-            <a:lvl8pPr marL="1462330" algn="l" rtl="0" eaLnBrk="1" fontAlgn="base" hangingPunct="1">
-              <a:spcBef>
-                <a:spcPct val="0"/>
-              </a:spcBef>
-              <a:spcAft>
-                <a:spcPct val="0"/>
-              </a:spcAft>
-              <a:defRPr sz="3900">
-                <a:solidFill>
-                  <a:schemeClr val="bg1"/>
-                </a:solidFill>
-                <a:latin typeface="Arial" pitchFamily="34" charset="0"/>
-                <a:cs typeface="Arial" pitchFamily="34" charset="0"/>
-              </a:defRPr>
-            </a:lvl8pPr>
-            <a:lvl9pPr marL="1949773" algn="l" rtl="0" eaLnBrk="1" fontAlgn="base" hangingPunct="1">
-              <a:spcBef>
-                <a:spcPct val="0"/>
-              </a:spcBef>
-              <a:spcAft>
-                <a:spcPct val="0"/>
-              </a:spcAft>
-              <a:defRPr sz="3900">
-                <a:solidFill>
-                  <a:schemeClr val="bg1"/>
-                </a:solidFill>
-                <a:latin typeface="Arial" pitchFamily="34" charset="0"/>
-                <a:cs typeface="Arial" pitchFamily="34" charset="0"/>
-              </a:defRPr>
-            </a:lvl9pPr>
-          </a:lstStyle>
-          <a:p>
-            <a:r>
-              <a:rPr lang="en-US" sz="2000" b="1" dirty="0">
-                <a:solidFill>
-                  <a:srgbClr val="4A9D45"/>
-                </a:solidFill>
-                <a:ea typeface="Cambria" panose="02040503050406030204" pitchFamily="18" charset="0"/>
-              </a:rPr>
-              <a:t>Limitations</a:t>
-            </a:r>
-          </a:p>
-        </p:txBody>
-      </p:sp>
-      <p:sp>
-        <p:nvSpPr>
-          <p:cNvPr id="12" name="Date Placeholder 11">
-            <a:extLst>
-              <a:ext uri="{FF2B5EF4-FFF2-40B4-BE49-F238E27FC236}">
-                <a16:creationId xmlns:a16="http://schemas.microsoft.com/office/drawing/2014/main" id="{904BB075-17BA-0C8E-5B14-D414325F5126}"/>
-              </a:ext>
-            </a:extLst>
-          </p:cNvPr>
-          <p:cNvSpPr>
-            <a:spLocks noGrp="1"/>
-          </p:cNvSpPr>
-          <p:nvPr>
-            <p:ph type="dt" sz="half" idx="10"/>
-          </p:nvPr>
-        </p:nvSpPr>
-        <p:spPr/>
-        <p:txBody>
-          <a:bodyPr/>
-          <a:lstStyle/>
-          <a:p>
-            <a:r>
-              <a:rPr lang="en-US"/>
-              <a:t>CloudJournee Confidential</a:t>
-            </a:r>
-            <a:endParaRPr lang="en-IN"/>
-          </a:p>
-        </p:txBody>
-      </p:sp>
-      <p:sp>
-        <p:nvSpPr>
-          <p:cNvPr id="13" name="Footer Placeholder 12">
-            <a:extLst>
-              <a:ext uri="{FF2B5EF4-FFF2-40B4-BE49-F238E27FC236}">
-                <a16:creationId xmlns:a16="http://schemas.microsoft.com/office/drawing/2014/main" id="{C000B194-A10A-1D49-FA6D-AAF5EF2D448C}"/>
-              </a:ext>
-            </a:extLst>
-          </p:cNvPr>
-          <p:cNvSpPr>
-            <a:spLocks noGrp="1"/>
-          </p:cNvSpPr>
-          <p:nvPr>
-            <p:ph type="ftr" sz="quarter" idx="11"/>
-          </p:nvPr>
-        </p:nvSpPr>
-        <p:spPr/>
-        <p:txBody>
-          <a:bodyPr/>
-          <a:lstStyle/>
-          <a:p>
-            <a:r>
-              <a:rPr lang="en-IN"/>
-              <a:t>www.cloudjournee.com</a:t>
-            </a:r>
-          </a:p>
-        </p:txBody>
-      </p:sp>
-      <p:sp>
-        <p:nvSpPr>
-          <p:cNvPr id="15" name="Slide Number Placeholder 14">
-            <a:extLst>
-              <a:ext uri="{FF2B5EF4-FFF2-40B4-BE49-F238E27FC236}">
-                <a16:creationId xmlns:a16="http://schemas.microsoft.com/office/drawing/2014/main" id="{05CC767D-F43D-14FB-A5DD-6ABF1ECF38B4}"/>
-              </a:ext>
-            </a:extLst>
-          </p:cNvPr>
-          <p:cNvSpPr>
-            <a:spLocks noGrp="1"/>
-          </p:cNvSpPr>
-          <p:nvPr>
-            <p:ph type="sldNum" sz="quarter" idx="12"/>
-          </p:nvPr>
-        </p:nvSpPr>
-        <p:spPr/>
-        <p:txBody>
-          <a:bodyPr/>
-          <a:lstStyle/>
-          <a:p>
-            <a:fld id="{D505516B-1523-49EF-A656-1CF7DFC0298D}" type="slidenum">
-              <a:rPr lang="en-IN" smtClean="0"/>
-              <a:pPr/>
-              <a:t>9</a:t>
-            </a:fld>
-            <a:endParaRPr lang="en-IN"/>
-          </a:p>
-        </p:txBody>
-      </p:sp>
-      <p:sp>
-        <p:nvSpPr>
-          <p:cNvPr id="3" name="TextBox 2">
-            <a:extLst>
-              <a:ext uri="{FF2B5EF4-FFF2-40B4-BE49-F238E27FC236}">
-                <a16:creationId xmlns:a16="http://schemas.microsoft.com/office/drawing/2014/main" id="{BE63A87B-A8F7-839E-5A22-1978F2237A28}"/>
-              </a:ext>
-            </a:extLst>
-          </p:cNvPr>
-          <p:cNvSpPr txBox="1"/>
-          <p:nvPr/>
-        </p:nvSpPr>
-        <p:spPr>
-          <a:xfrm>
-            <a:off x="838199" y="1639956"/>
-            <a:ext cx="10621617" cy="3077766"/>
-          </a:xfrm>
-          <a:prstGeom prst="rect">
-            <a:avLst/>
-          </a:prstGeom>
-          <a:noFill/>
-        </p:spPr>
-        <p:txBody>
-          <a:bodyPr wrap="square">
-            <a:spAutoFit/>
-          </a:bodyPr>
-          <a:lstStyle/>
-          <a:p>
-            <a:pPr marL="285750" indent="-285750" algn="l">
-              <a:spcBef>
-                <a:spcPts val="600"/>
-              </a:spcBef>
-              <a:spcAft>
-                <a:spcPts val="600"/>
-              </a:spcAft>
-              <a:buFont typeface="Arial" panose="020B0604020202020204" pitchFamily="34" charset="0"/>
-              <a:buChar char="•"/>
-            </a:pPr>
-            <a:r>
-              <a:rPr lang="en-US" dirty="0"/>
-              <a:t>The input file must follow the correct naming conventions for successful processing.</a:t>
-            </a:r>
-          </a:p>
-          <a:p>
-            <a:pPr marL="285750" indent="-285750" algn="l">
-              <a:spcBef>
-                <a:spcPts val="600"/>
-              </a:spcBef>
-              <a:spcAft>
-                <a:spcPts val="600"/>
-              </a:spcAft>
-              <a:buFont typeface="Arial" panose="020B0604020202020204" pitchFamily="34" charset="0"/>
-              <a:buChar char="•"/>
-            </a:pPr>
-            <a:r>
-              <a:rPr lang="en-US" dirty="0"/>
-              <a:t>The drug names in the source text file need to be spelled correctly, with proper case and spacing, to ensure accurate data retrieval</a:t>
-            </a:r>
-            <a:r>
-              <a:rPr lang="en-US" i="0" dirty="0">
-                <a:effectLst/>
-                <a:latin typeface="Calibri (Body)"/>
-              </a:rPr>
-              <a:t>. Note that the matching is not case-sensitive.</a:t>
-            </a:r>
-          </a:p>
-          <a:p>
-            <a:pPr marL="285750" indent="-285750" algn="l">
-              <a:spcBef>
-                <a:spcPts val="600"/>
-              </a:spcBef>
-              <a:spcAft>
-                <a:spcPts val="600"/>
-              </a:spcAft>
-              <a:buFont typeface="Arial" panose="020B0604020202020204" pitchFamily="34" charset="0"/>
-              <a:buChar char="•"/>
-            </a:pPr>
-            <a:r>
-              <a:rPr lang="en-US" i="0" dirty="0">
-                <a:effectLst/>
-                <a:latin typeface="Calibri (Body)"/>
-              </a:rPr>
-              <a:t>Files should be placed in the input folder in S3 to maintain the proper flow of the pipeline.</a:t>
-            </a:r>
-          </a:p>
-          <a:p>
-            <a:pPr marL="285750" indent="-285750" algn="l">
-              <a:spcBef>
-                <a:spcPts val="600"/>
-              </a:spcBef>
-              <a:spcAft>
-                <a:spcPts val="600"/>
-              </a:spcAft>
-              <a:buFont typeface="Arial" panose="020B0604020202020204" pitchFamily="34" charset="0"/>
-              <a:buChar char="•"/>
-            </a:pPr>
-            <a:r>
-              <a:rPr lang="en-US" i="0" dirty="0">
-                <a:effectLst/>
-                <a:latin typeface="Calibri (Body)"/>
-              </a:rPr>
-              <a:t>API availability is essential for the pipeline to function smoothly, and if the API is under maintenance, it may affect the process.</a:t>
-            </a:r>
-          </a:p>
-          <a:p>
-            <a:pPr marL="285750" indent="-285750" algn="l">
-              <a:spcBef>
-                <a:spcPts val="600"/>
-              </a:spcBef>
-              <a:spcAft>
-                <a:spcPts val="600"/>
-              </a:spcAft>
-              <a:buFont typeface="Arial" panose="020B0604020202020204" pitchFamily="34" charset="0"/>
-              <a:buChar char="•"/>
-            </a:pPr>
-            <a:r>
-              <a:rPr lang="en-US" i="0" dirty="0">
-                <a:effectLst/>
-                <a:latin typeface="Calibri (Body)"/>
-              </a:rPr>
-              <a:t>Drug names list should be uploaded as a text file by the client.</a:t>
-            </a:r>
-          </a:p>
-          <a:p>
-            <a:pPr marL="285750" indent="-285750" algn="l">
-              <a:spcBef>
-                <a:spcPts val="600"/>
-              </a:spcBef>
-              <a:spcAft>
-                <a:spcPts val="600"/>
-              </a:spcAft>
-              <a:buFont typeface="Arial" panose="020B0604020202020204" pitchFamily="34" charset="0"/>
-              <a:buChar char="•"/>
-            </a:pPr>
-            <a:r>
-              <a:rPr lang="en-US" i="0" dirty="0">
-                <a:effectLst/>
-                <a:latin typeface="Calibri (Body)"/>
-              </a:rPr>
-              <a:t>Currently, data filtering (final output) is based on drug names.</a:t>
-            </a:r>
-            <a:endParaRPr lang="en-GB" i="0" dirty="0">
-              <a:effectLst/>
-              <a:latin typeface="Calibri (Body)"/>
-            </a:endParaRPr>
-          </a:p>
-        </p:txBody>
-      </p:sp>
-    </p:spTree>
-    <p:extLst>
-      <p:ext uri="{BB962C8B-B14F-4D97-AF65-F5344CB8AC3E}">
-        <p14:creationId xmlns:p14="http://schemas.microsoft.com/office/powerpoint/2010/main" val="3192851647"/>
       </p:ext>
     </p:extLst>
   </p:cSld>
